--- a/React高级教程之高阶组件-课程PPT.pptx
+++ b/React高级教程之高阶组件-课程PPT.pptx
@@ -358,7 +358,7 @@
                 <a:cs typeface="Calibri" pitchFamily="34" charset="0"/>
               </a:rPr>
               <a:pPr algn="r"/>
-              <a:t>2018/7/11</a:t>
+              <a:t>2018/7/15</a:t>
             </a:fld>
             <a:endParaRPr lang="zh-CN" altLang="en-US" sz="1200">
               <a:latin typeface="Calibri" pitchFamily="34" charset="0"/>
@@ -3413,7 +3413,7 @@
             <a:fld id="{72514870-5082-4025-BC8A-5E070B8EB77D}" type="datetimeFigureOut">
               <a:rPr lang="zh-CN" altLang="en-US" smtClean="0"/>
               <a:pPr/>
-              <a:t>2018/7/11</a:t>
+              <a:t>2018/7/15</a:t>
             </a:fld>
             <a:endParaRPr lang="zh-CN" altLang="en-US"/>
           </a:p>
@@ -3583,7 +3583,7 @@
             <a:fld id="{72514870-5082-4025-BC8A-5E070B8EB77D}" type="datetimeFigureOut">
               <a:rPr lang="zh-CN" altLang="en-US" smtClean="0"/>
               <a:pPr/>
-              <a:t>2018/7/11</a:t>
+              <a:t>2018/7/15</a:t>
             </a:fld>
             <a:endParaRPr lang="zh-CN" altLang="en-US"/>
           </a:p>
@@ -3763,7 +3763,7 @@
             <a:fld id="{72514870-5082-4025-BC8A-5E070B8EB77D}" type="datetimeFigureOut">
               <a:rPr lang="zh-CN" altLang="en-US" smtClean="0"/>
               <a:pPr/>
-              <a:t>2018/7/11</a:t>
+              <a:t>2018/7/15</a:t>
             </a:fld>
             <a:endParaRPr lang="zh-CN" altLang="en-US"/>
           </a:p>
@@ -3951,7 +3951,7 @@
             <a:fld id="{72514870-5082-4025-BC8A-5E070B8EB77D}" type="datetimeFigureOut">
               <a:rPr lang="zh-CN" altLang="en-US" smtClean="0"/>
               <a:pPr/>
-              <a:t>2018/7/11</a:t>
+              <a:t>2018/7/15</a:t>
             </a:fld>
             <a:endParaRPr lang="zh-CN" altLang="en-US"/>
           </a:p>
@@ -4121,7 +4121,7 @@
             <a:fld id="{72514870-5082-4025-BC8A-5E070B8EB77D}" type="datetimeFigureOut">
               <a:rPr lang="zh-CN" altLang="en-US" smtClean="0"/>
               <a:pPr/>
-              <a:t>2018/7/11</a:t>
+              <a:t>2018/7/15</a:t>
             </a:fld>
             <a:endParaRPr lang="zh-CN" altLang="en-US"/>
           </a:p>
@@ -4314,7 +4314,7 @@
             <a:fld id="{72514870-5082-4025-BC8A-5E070B8EB77D}" type="datetimeFigureOut">
               <a:rPr lang="zh-CN" altLang="en-US" smtClean="0"/>
               <a:pPr/>
-              <a:t>2018/7/11</a:t>
+              <a:t>2018/7/15</a:t>
             </a:fld>
             <a:endParaRPr lang="zh-CN" altLang="en-US"/>
           </a:p>
@@ -4601,7 +4601,7 @@
             <a:fld id="{72514870-5082-4025-BC8A-5E070B8EB77D}" type="datetimeFigureOut">
               <a:rPr lang="zh-CN" altLang="en-US" smtClean="0"/>
               <a:pPr/>
-              <a:t>2018/7/11</a:t>
+              <a:t>2018/7/15</a:t>
             </a:fld>
             <a:endParaRPr lang="zh-CN" altLang="en-US"/>
           </a:p>
@@ -5022,7 +5022,7 @@
             <a:fld id="{72514870-5082-4025-BC8A-5E070B8EB77D}" type="datetimeFigureOut">
               <a:rPr lang="zh-CN" altLang="en-US" smtClean="0"/>
               <a:pPr/>
-              <a:t>2018/7/11</a:t>
+              <a:t>2018/7/15</a:t>
             </a:fld>
             <a:endParaRPr lang="zh-CN" altLang="en-US"/>
           </a:p>
@@ -5141,7 +5141,7 @@
             <a:fld id="{72514870-5082-4025-BC8A-5E070B8EB77D}" type="datetimeFigureOut">
               <a:rPr lang="zh-CN" altLang="en-US" smtClean="0"/>
               <a:pPr/>
-              <a:t>2018/7/11</a:t>
+              <a:t>2018/7/15</a:t>
             </a:fld>
             <a:endParaRPr lang="zh-CN" altLang="en-US"/>
           </a:p>
@@ -5238,7 +5238,7 @@
             <a:fld id="{72514870-5082-4025-BC8A-5E070B8EB77D}" type="datetimeFigureOut">
               <a:rPr lang="zh-CN" altLang="en-US" smtClean="0"/>
               <a:pPr/>
-              <a:t>2018/7/11</a:t>
+              <a:t>2018/7/15</a:t>
             </a:fld>
             <a:endParaRPr lang="zh-CN" altLang="en-US"/>
           </a:p>
@@ -5515,7 +5515,7 @@
             <a:fld id="{72514870-5082-4025-BC8A-5E070B8EB77D}" type="datetimeFigureOut">
               <a:rPr lang="zh-CN" altLang="en-US" smtClean="0"/>
               <a:pPr/>
-              <a:t>2018/7/11</a:t>
+              <a:t>2018/7/15</a:t>
             </a:fld>
             <a:endParaRPr lang="zh-CN" altLang="en-US"/>
           </a:p>
@@ -5685,7 +5685,7 @@
             <a:fld id="{72514870-5082-4025-BC8A-5E070B8EB77D}" type="datetimeFigureOut">
               <a:rPr lang="zh-CN" altLang="en-US" smtClean="0"/>
               <a:pPr/>
-              <a:t>2018/7/11</a:t>
+              <a:t>2018/7/15</a:t>
             </a:fld>
             <a:endParaRPr lang="zh-CN" altLang="en-US"/>
           </a:p>
@@ -5939,7 +5939,7 @@
             <a:fld id="{72514870-5082-4025-BC8A-5E070B8EB77D}" type="datetimeFigureOut">
               <a:rPr lang="zh-CN" altLang="en-US" smtClean="0"/>
               <a:pPr/>
-              <a:t>2018/7/11</a:t>
+              <a:t>2018/7/15</a:t>
             </a:fld>
             <a:endParaRPr lang="zh-CN" altLang="en-US"/>
           </a:p>
@@ -6109,7 +6109,7 @@
             <a:fld id="{72514870-5082-4025-BC8A-5E070B8EB77D}" type="datetimeFigureOut">
               <a:rPr lang="zh-CN" altLang="en-US" smtClean="0"/>
               <a:pPr/>
-              <a:t>2018/7/11</a:t>
+              <a:t>2018/7/15</a:t>
             </a:fld>
             <a:endParaRPr lang="zh-CN" altLang="en-US"/>
           </a:p>
@@ -6289,7 +6289,7 @@
             <a:fld id="{72514870-5082-4025-BC8A-5E070B8EB77D}" type="datetimeFigureOut">
               <a:rPr lang="zh-CN" altLang="en-US" smtClean="0"/>
               <a:pPr/>
-              <a:t>2018/7/11</a:t>
+              <a:t>2018/7/15</a:t>
             </a:fld>
             <a:endParaRPr lang="zh-CN" altLang="en-US"/>
           </a:p>
@@ -6482,7 +6482,7 @@
             <a:fld id="{72514870-5082-4025-BC8A-5E070B8EB77D}" type="datetimeFigureOut">
               <a:rPr lang="zh-CN" altLang="en-US" smtClean="0"/>
               <a:pPr/>
-              <a:t>2018/7/11</a:t>
+              <a:t>2018/7/15</a:t>
             </a:fld>
             <a:endParaRPr lang="zh-CN" altLang="en-US"/>
           </a:p>
@@ -6769,7 +6769,7 @@
             <a:fld id="{72514870-5082-4025-BC8A-5E070B8EB77D}" type="datetimeFigureOut">
               <a:rPr lang="zh-CN" altLang="en-US" smtClean="0"/>
               <a:pPr/>
-              <a:t>2018/7/11</a:t>
+              <a:t>2018/7/15</a:t>
             </a:fld>
             <a:endParaRPr lang="zh-CN" altLang="en-US"/>
           </a:p>
@@ -7190,7 +7190,7 @@
             <a:fld id="{72514870-5082-4025-BC8A-5E070B8EB77D}" type="datetimeFigureOut">
               <a:rPr lang="zh-CN" altLang="en-US" smtClean="0"/>
               <a:pPr/>
-              <a:t>2018/7/11</a:t>
+              <a:t>2018/7/15</a:t>
             </a:fld>
             <a:endParaRPr lang="zh-CN" altLang="en-US"/>
           </a:p>
@@ -7309,7 +7309,7 @@
             <a:fld id="{72514870-5082-4025-BC8A-5E070B8EB77D}" type="datetimeFigureOut">
               <a:rPr lang="zh-CN" altLang="en-US" smtClean="0"/>
               <a:pPr/>
-              <a:t>2018/7/11</a:t>
+              <a:t>2018/7/15</a:t>
             </a:fld>
             <a:endParaRPr lang="zh-CN" altLang="en-US"/>
           </a:p>
@@ -7406,7 +7406,7 @@
             <a:fld id="{72514870-5082-4025-BC8A-5E070B8EB77D}" type="datetimeFigureOut">
               <a:rPr lang="zh-CN" altLang="en-US" smtClean="0"/>
               <a:pPr/>
-              <a:t>2018/7/11</a:t>
+              <a:t>2018/7/15</a:t>
             </a:fld>
             <a:endParaRPr lang="zh-CN" altLang="en-US"/>
           </a:p>
@@ -7683,7 +7683,7 @@
             <a:fld id="{72514870-5082-4025-BC8A-5E070B8EB77D}" type="datetimeFigureOut">
               <a:rPr lang="zh-CN" altLang="en-US" smtClean="0"/>
               <a:pPr/>
-              <a:t>2018/7/11</a:t>
+              <a:t>2018/7/15</a:t>
             </a:fld>
             <a:endParaRPr lang="zh-CN" altLang="en-US"/>
           </a:p>
@@ -7937,7 +7937,7 @@
             <a:fld id="{72514870-5082-4025-BC8A-5E070B8EB77D}" type="datetimeFigureOut">
               <a:rPr lang="zh-CN" altLang="en-US" smtClean="0"/>
               <a:pPr/>
-              <a:t>2018/7/11</a:t>
+              <a:t>2018/7/15</a:t>
             </a:fld>
             <a:endParaRPr lang="zh-CN" altLang="en-US"/>
           </a:p>
@@ -21730,7 +21730,7 @@
               <a:buChar char="u"/>
             </a:pPr>
             <a:r>
-              <a:rPr lang="zh-CN" altLang="en-US" sz="2000" kern="1200" dirty="0">
+              <a:rPr lang="zh-CN" altLang="en-US" sz="2000" kern="1200">
                 <a:solidFill>
                   <a:srgbClr val="474747"/>
                 </a:solidFill>
@@ -21739,7 +21739,7 @@
                 <a:cs typeface="微软雅黑" charset="0"/>
                 <a:sym typeface="Calibri" pitchFamily="34" charset="0"/>
               </a:rPr>
-              <a:t>本课程前置知识说明</a:t>
+              <a:t>学习本课程需要什么样的基础知识</a:t>
             </a:r>
             <a:endParaRPr lang="zh-CN" altLang="en-US" sz="2000" u="none" strike="noStrike" kern="1200" cap="none" spc="0" baseline="0" dirty="0">
               <a:solidFill>
@@ -22637,6 +22637,42 @@
           </a:p>
         </p:txBody>
       </p:sp>
+      <p:pic>
+        <p:nvPicPr>
+          <p:cNvPr id="3" name="图片 2">
+            <a:extLst>
+              <a:ext uri="{FF2B5EF4-FFF2-40B4-BE49-F238E27FC236}">
+                <a16:creationId xmlns:a16="http://schemas.microsoft.com/office/drawing/2014/main" id="{BD6D39E2-688C-4CFB-8B8A-27314998E43E}"/>
+              </a:ext>
+            </a:extLst>
+          </p:cNvPr>
+          <p:cNvPicPr>
+            <a:picLocks noChangeAspect="1"/>
+          </p:cNvPicPr>
+          <p:nvPr/>
+        </p:nvPicPr>
+        <p:blipFill>
+          <a:blip r:embed="rId3">
+            <a:extLst>
+              <a:ext uri="{28A0092B-C50C-407E-A947-70E740481C1C}">
+                <a14:useLocalDpi xmlns:a14="http://schemas.microsoft.com/office/drawing/2010/main" val="0"/>
+              </a:ext>
+            </a:extLst>
+          </a:blip>
+          <a:stretch>
+            <a:fillRect/>
+          </a:stretch>
+        </p:blipFill>
+        <p:spPr>
+          <a:xfrm>
+            <a:off x="6294295" y="2834258"/>
+            <a:ext cx="2309242" cy="2309242"/>
+          </a:xfrm>
+          <a:prstGeom prst="rect">
+            <a:avLst/>
+          </a:prstGeom>
+        </p:spPr>
+      </p:pic>
     </p:spTree>
     <p:extLst>
       <p:ext uri="{BB962C8B-B14F-4D97-AF65-F5344CB8AC3E}">
@@ -22940,6 +22976,105 @@
                       </p:childTnLst>
                     </p:cTn>
                   </p:par>
+                  <p:par>
+                    <p:cTn id="21" fill="hold">
+                      <p:stCondLst>
+                        <p:cond delay="indefinite"/>
+                      </p:stCondLst>
+                      <p:childTnLst>
+                        <p:par>
+                          <p:cTn id="22" fill="hold">
+                            <p:stCondLst>
+                              <p:cond delay="0"/>
+                            </p:stCondLst>
+                            <p:childTnLst>
+                              <p:par>
+                                <p:cTn id="23" presetID="42" presetClass="entr" presetSubtype="0" fill="hold" nodeType="clickEffect">
+                                  <p:stCondLst>
+                                    <p:cond delay="0"/>
+                                  </p:stCondLst>
+                                  <p:childTnLst>
+                                    <p:set>
+                                      <p:cBhvr>
+                                        <p:cTn id="24" dur="1" fill="hold">
+                                          <p:stCondLst>
+                                            <p:cond delay="0"/>
+                                          </p:stCondLst>
+                                        </p:cTn>
+                                        <p:tgtEl>
+                                          <p:spTgt spid="3"/>
+                                        </p:tgtEl>
+                                        <p:attrNameLst>
+                                          <p:attrName>style.visibility</p:attrName>
+                                        </p:attrNameLst>
+                                      </p:cBhvr>
+                                      <p:to>
+                                        <p:strVal val="visible"/>
+                                      </p:to>
+                                    </p:set>
+                                    <p:animEffect transition="in" filter="fade">
+                                      <p:cBhvr>
+                                        <p:cTn id="25" dur="1000"/>
+                                        <p:tgtEl>
+                                          <p:spTgt spid="3"/>
+                                        </p:tgtEl>
+                                      </p:cBhvr>
+                                    </p:animEffect>
+                                    <p:anim calcmode="lin" valueType="num">
+                                      <p:cBhvr>
+                                        <p:cTn id="26" dur="1000" fill="hold"/>
+                                        <p:tgtEl>
+                                          <p:spTgt spid="3"/>
+                                        </p:tgtEl>
+                                        <p:attrNameLst>
+                                          <p:attrName>ppt_x</p:attrName>
+                                        </p:attrNameLst>
+                                      </p:cBhvr>
+                                      <p:tavLst>
+                                        <p:tav tm="0">
+                                          <p:val>
+                                            <p:strVal val="#ppt_x"/>
+                                          </p:val>
+                                        </p:tav>
+                                        <p:tav tm="100000">
+                                          <p:val>
+                                            <p:strVal val="#ppt_x"/>
+                                          </p:val>
+                                        </p:tav>
+                                      </p:tavLst>
+                                    </p:anim>
+                                    <p:anim calcmode="lin" valueType="num">
+                                      <p:cBhvr>
+                                        <p:cTn id="27" dur="1000" fill="hold"/>
+                                        <p:tgtEl>
+                                          <p:spTgt spid="3"/>
+                                        </p:tgtEl>
+                                        <p:attrNameLst>
+                                          <p:attrName>ppt_y</p:attrName>
+                                        </p:attrNameLst>
+                                      </p:cBhvr>
+                                      <p:tavLst>
+                                        <p:tav tm="0">
+                                          <p:val>
+                                            <p:strVal val="#ppt_y+.1"/>
+                                          </p:val>
+                                        </p:tav>
+                                        <p:tav tm="100000">
+                                          <p:val>
+                                            <p:strVal val="#ppt_y"/>
+                                          </p:val>
+                                        </p:tav>
+                                      </p:tavLst>
+                                    </p:anim>
+                                  </p:childTnLst>
+                                </p:cTn>
+                              </p:par>
+                            </p:childTnLst>
+                          </p:cTn>
+                        </p:par>
+                      </p:childTnLst>
+                    </p:cTn>
+                  </p:par>
                 </p:childTnLst>
               </p:cTn>
               <p:prevCondLst>
@@ -23521,6 +23656,42 @@
           </a:p>
         </p:txBody>
       </p:sp>
+      <p:pic>
+        <p:nvPicPr>
+          <p:cNvPr id="3" name="图片 2">
+            <a:extLst>
+              <a:ext uri="{FF2B5EF4-FFF2-40B4-BE49-F238E27FC236}">
+                <a16:creationId xmlns:a16="http://schemas.microsoft.com/office/drawing/2014/main" id="{019C2C8B-CB69-48B0-8382-BBB54CF60B6E}"/>
+              </a:ext>
+            </a:extLst>
+          </p:cNvPr>
+          <p:cNvPicPr>
+            <a:picLocks noChangeAspect="1"/>
+          </p:cNvPicPr>
+          <p:nvPr/>
+        </p:nvPicPr>
+        <p:blipFill>
+          <a:blip r:embed="rId3">
+            <a:extLst>
+              <a:ext uri="{28A0092B-C50C-407E-A947-70E740481C1C}">
+                <a14:useLocalDpi xmlns:a14="http://schemas.microsoft.com/office/drawing/2010/main" val="0"/>
+              </a:ext>
+            </a:extLst>
+          </a:blip>
+          <a:stretch>
+            <a:fillRect/>
+          </a:stretch>
+        </p:blipFill>
+        <p:spPr>
+          <a:xfrm>
+            <a:off x="5433774" y="1783605"/>
+            <a:ext cx="2849428" cy="2849428"/>
+          </a:xfrm>
+          <a:prstGeom prst="rect">
+            <a:avLst/>
+          </a:prstGeom>
+        </p:spPr>
+      </p:pic>
     </p:spTree>
     <p:extLst>
       <p:ext uri="{BB962C8B-B14F-4D97-AF65-F5344CB8AC3E}">
@@ -23888,6 +24059,97 @@
                                         <p:cTn id="26" dur="500" fill="hold"/>
                                         <p:tgtEl>
                                           <p:spTgt spid="6"/>
+                                        </p:tgtEl>
+                                        <p:attrNameLst>
+                                          <p:attrName>ppt_y</p:attrName>
+                                        </p:attrNameLst>
+                                      </p:cBhvr>
+                                      <p:tavLst>
+                                        <p:tav tm="0">
+                                          <p:val>
+                                            <p:strVal val="1+#ppt_h/2"/>
+                                          </p:val>
+                                        </p:tav>
+                                        <p:tav tm="100000">
+                                          <p:val>
+                                            <p:strVal val="#ppt_y"/>
+                                          </p:val>
+                                        </p:tav>
+                                      </p:tavLst>
+                                    </p:anim>
+                                  </p:childTnLst>
+                                </p:cTn>
+                              </p:par>
+                            </p:childTnLst>
+                          </p:cTn>
+                        </p:par>
+                      </p:childTnLst>
+                    </p:cTn>
+                  </p:par>
+                  <p:par>
+                    <p:cTn id="27" fill="hold">
+                      <p:stCondLst>
+                        <p:cond delay="indefinite"/>
+                      </p:stCondLst>
+                      <p:childTnLst>
+                        <p:par>
+                          <p:cTn id="28" fill="hold">
+                            <p:stCondLst>
+                              <p:cond delay="0"/>
+                            </p:stCondLst>
+                            <p:childTnLst>
+                              <p:par>
+                                <p:cTn id="29" presetID="2" presetClass="entr" presetSubtype="4" fill="hold" nodeType="clickEffect">
+                                  <p:stCondLst>
+                                    <p:cond delay="0"/>
+                                  </p:stCondLst>
+                                  <p:childTnLst>
+                                    <p:set>
+                                      <p:cBhvr>
+                                        <p:cTn id="30" dur="1" fill="hold">
+                                          <p:stCondLst>
+                                            <p:cond delay="0"/>
+                                          </p:stCondLst>
+                                        </p:cTn>
+                                        <p:tgtEl>
+                                          <p:spTgt spid="3"/>
+                                        </p:tgtEl>
+                                        <p:attrNameLst>
+                                          <p:attrName>style.visibility</p:attrName>
+                                        </p:attrNameLst>
+                                      </p:cBhvr>
+                                      <p:to>
+                                        <p:strVal val="visible"/>
+                                      </p:to>
+                                    </p:set>
+                                    <p:anim calcmode="lin" valueType="num">
+                                      <p:cBhvr additive="base">
+                                        <p:cTn id="31" dur="500" fill="hold"/>
+                                        <p:tgtEl>
+                                          <p:spTgt spid="3"/>
+                                        </p:tgtEl>
+                                        <p:attrNameLst>
+                                          <p:attrName>ppt_x</p:attrName>
+                                        </p:attrNameLst>
+                                      </p:cBhvr>
+                                      <p:tavLst>
+                                        <p:tav tm="0">
+                                          <p:val>
+                                            <p:strVal val="#ppt_x"/>
+                                          </p:val>
+                                        </p:tav>
+                                        <p:tav tm="100000">
+                                          <p:val>
+                                            <p:strVal val="#ppt_x"/>
+                                          </p:val>
+                                        </p:tav>
+                                      </p:tavLst>
+                                    </p:anim>
+                                    <p:anim calcmode="lin" valueType="num">
+                                      <p:cBhvr additive="base">
+                                        <p:cTn id="32" dur="500" fill="hold"/>
+                                        <p:tgtEl>
+                                          <p:spTgt spid="3"/>
                                         </p:tgtEl>
                                         <p:attrNameLst>
                                           <p:attrName>ppt_y</p:attrName>

--- a/React高级教程之高阶组件-课程PPT.pptx
+++ b/React高级教程之高阶组件-课程PPT.pptx
@@ -6,7 +6,7 @@
     <p:sldMasterId id="2147483671" r:id="rId2"/>
   </p:sldMasterIdLst>
   <p:notesMasterIdLst>
-    <p:notesMasterId r:id="rId26"/>
+    <p:notesMasterId r:id="rId28"/>
   </p:notesMasterIdLst>
   <p:sldIdLst>
     <p:sldId id="275" r:id="rId3"/>
@@ -18,20 +18,22 @@
     <p:sldId id="289" r:id="rId9"/>
     <p:sldId id="292" r:id="rId10"/>
     <p:sldId id="293" r:id="rId11"/>
-    <p:sldId id="294" r:id="rId12"/>
-    <p:sldId id="295" r:id="rId13"/>
-    <p:sldId id="296" r:id="rId14"/>
-    <p:sldId id="297" r:id="rId15"/>
-    <p:sldId id="298" r:id="rId16"/>
-    <p:sldId id="299" r:id="rId17"/>
-    <p:sldId id="300" r:id="rId18"/>
-    <p:sldId id="301" r:id="rId19"/>
-    <p:sldId id="302" r:id="rId20"/>
-    <p:sldId id="304" r:id="rId21"/>
-    <p:sldId id="303" r:id="rId22"/>
-    <p:sldId id="305" r:id="rId23"/>
-    <p:sldId id="306" r:id="rId24"/>
-    <p:sldId id="307" r:id="rId25"/>
+    <p:sldId id="311" r:id="rId12"/>
+    <p:sldId id="312" r:id="rId13"/>
+    <p:sldId id="294" r:id="rId14"/>
+    <p:sldId id="295" r:id="rId15"/>
+    <p:sldId id="296" r:id="rId16"/>
+    <p:sldId id="297" r:id="rId17"/>
+    <p:sldId id="298" r:id="rId18"/>
+    <p:sldId id="299" r:id="rId19"/>
+    <p:sldId id="300" r:id="rId20"/>
+    <p:sldId id="301" r:id="rId21"/>
+    <p:sldId id="302" r:id="rId22"/>
+    <p:sldId id="304" r:id="rId23"/>
+    <p:sldId id="303" r:id="rId24"/>
+    <p:sldId id="305" r:id="rId25"/>
+    <p:sldId id="306" r:id="rId26"/>
+    <p:sldId id="307" r:id="rId27"/>
   </p:sldIdLst>
   <p:sldSz cx="9144000" cy="5143500" type="screen16x9"/>
   <p:notesSz cx="6858000" cy="9144000"/>
@@ -358,7 +360,7 @@
                 <a:cs typeface="Calibri" pitchFamily="34" charset="0"/>
               </a:rPr>
               <a:pPr algn="r"/>
-              <a:t>2018/7/15</a:t>
+              <a:t>2018/7/19</a:t>
             </a:fld>
             <a:endParaRPr lang="zh-CN" altLang="en-US" sz="1200">
               <a:latin typeface="Calibri" pitchFamily="34" charset="0"/>
@@ -997,7 +999,7 @@
     </p:spTree>
     <p:extLst>
       <p:ext uri="{BB962C8B-B14F-4D97-AF65-F5344CB8AC3E}">
-        <p14:creationId xmlns:p14="http://schemas.microsoft.com/office/powerpoint/2010/main" val="1566206607"/>
+        <p14:creationId xmlns:p14="http://schemas.microsoft.com/office/powerpoint/2010/main" val="1753878239"/>
       </p:ext>
     </p:extLst>
   </p:cSld>
@@ -1117,7 +1119,7 @@
     </p:spTree>
     <p:extLst>
       <p:ext uri="{BB962C8B-B14F-4D97-AF65-F5344CB8AC3E}">
-        <p14:creationId xmlns:p14="http://schemas.microsoft.com/office/powerpoint/2010/main" val="3929777721"/>
+        <p14:creationId xmlns:p14="http://schemas.microsoft.com/office/powerpoint/2010/main" val="3698451132"/>
       </p:ext>
     </p:extLst>
   </p:cSld>
@@ -1237,7 +1239,7 @@
     </p:spTree>
     <p:extLst>
       <p:ext uri="{BB962C8B-B14F-4D97-AF65-F5344CB8AC3E}">
-        <p14:creationId xmlns:p14="http://schemas.microsoft.com/office/powerpoint/2010/main" val="906565300"/>
+        <p14:creationId xmlns:p14="http://schemas.microsoft.com/office/powerpoint/2010/main" val="1566206607"/>
       </p:ext>
     </p:extLst>
   </p:cSld>
@@ -1357,7 +1359,7 @@
     </p:spTree>
     <p:extLst>
       <p:ext uri="{BB962C8B-B14F-4D97-AF65-F5344CB8AC3E}">
-        <p14:creationId xmlns:p14="http://schemas.microsoft.com/office/powerpoint/2010/main" val="2203781699"/>
+        <p14:creationId xmlns:p14="http://schemas.microsoft.com/office/powerpoint/2010/main" val="3929777721"/>
       </p:ext>
     </p:extLst>
   </p:cSld>
@@ -1477,7 +1479,7 @@
     </p:spTree>
     <p:extLst>
       <p:ext uri="{BB962C8B-B14F-4D97-AF65-F5344CB8AC3E}">
-        <p14:creationId xmlns:p14="http://schemas.microsoft.com/office/powerpoint/2010/main" val="3767578117"/>
+        <p14:creationId xmlns:p14="http://schemas.microsoft.com/office/powerpoint/2010/main" val="906565300"/>
       </p:ext>
     </p:extLst>
   </p:cSld>
@@ -1597,7 +1599,7 @@
     </p:spTree>
     <p:extLst>
       <p:ext uri="{BB962C8B-B14F-4D97-AF65-F5344CB8AC3E}">
-        <p14:creationId xmlns:p14="http://schemas.microsoft.com/office/powerpoint/2010/main" val="87634646"/>
+        <p14:creationId xmlns:p14="http://schemas.microsoft.com/office/powerpoint/2010/main" val="2203781699"/>
       </p:ext>
     </p:extLst>
   </p:cSld>
@@ -1717,7 +1719,7 @@
     </p:spTree>
     <p:extLst>
       <p:ext uri="{BB962C8B-B14F-4D97-AF65-F5344CB8AC3E}">
-        <p14:creationId xmlns:p14="http://schemas.microsoft.com/office/powerpoint/2010/main" val="2637405900"/>
+        <p14:creationId xmlns:p14="http://schemas.microsoft.com/office/powerpoint/2010/main" val="3767578117"/>
       </p:ext>
     </p:extLst>
   </p:cSld>
@@ -1837,7 +1839,7 @@
     </p:spTree>
     <p:extLst>
       <p:ext uri="{BB962C8B-B14F-4D97-AF65-F5344CB8AC3E}">
-        <p14:creationId xmlns:p14="http://schemas.microsoft.com/office/powerpoint/2010/main" val="3975377899"/>
+        <p14:creationId xmlns:p14="http://schemas.microsoft.com/office/powerpoint/2010/main" val="87634646"/>
       </p:ext>
     </p:extLst>
   </p:cSld>
@@ -1957,7 +1959,7 @@
     </p:spTree>
     <p:extLst>
       <p:ext uri="{BB962C8B-B14F-4D97-AF65-F5344CB8AC3E}">
-        <p14:creationId xmlns:p14="http://schemas.microsoft.com/office/powerpoint/2010/main" val="2531770868"/>
+        <p14:creationId xmlns:p14="http://schemas.microsoft.com/office/powerpoint/2010/main" val="2637405900"/>
       </p:ext>
     </p:extLst>
   </p:cSld>
@@ -2077,7 +2079,7 @@
     </p:spTree>
     <p:extLst>
       <p:ext uri="{BB962C8B-B14F-4D97-AF65-F5344CB8AC3E}">
-        <p14:creationId xmlns:p14="http://schemas.microsoft.com/office/powerpoint/2010/main" val="2800818347"/>
+        <p14:creationId xmlns:p14="http://schemas.microsoft.com/office/powerpoint/2010/main" val="3975377899"/>
       </p:ext>
     </p:extLst>
   </p:cSld>
@@ -2317,7 +2319,7 @@
     </p:spTree>
     <p:extLst>
       <p:ext uri="{BB962C8B-B14F-4D97-AF65-F5344CB8AC3E}">
-        <p14:creationId xmlns:p14="http://schemas.microsoft.com/office/powerpoint/2010/main" val="2691124330"/>
+        <p14:creationId xmlns:p14="http://schemas.microsoft.com/office/powerpoint/2010/main" val="2531770868"/>
       </p:ext>
     </p:extLst>
   </p:cSld>
@@ -2425,6 +2427,246 @@
               </a:rPr>
               <a:pPr algn="r"/>
               <a:t>23</a:t>
+            </a:fld>
+            <a:endParaRPr lang="zh-CN" altLang="en-US" sz="1200">
+              <a:latin typeface="Calibri" pitchFamily="34" charset="0"/>
+              <a:ea typeface="宋体" pitchFamily="2" charset="-122"/>
+              <a:cs typeface="Calibri" pitchFamily="34" charset="0"/>
+            </a:endParaRPr>
+          </a:p>
+        </p:txBody>
+      </p:sp>
+    </p:spTree>
+    <p:extLst>
+      <p:ext uri="{BB962C8B-B14F-4D97-AF65-F5344CB8AC3E}">
+        <p14:creationId xmlns:p14="http://schemas.microsoft.com/office/powerpoint/2010/main" val="2800818347"/>
+      </p:ext>
+    </p:extLst>
+  </p:cSld>
+  <p:clrMapOvr>
+    <a:masterClrMapping/>
+  </p:clrMapOvr>
+</p:notes>
+</file>
+
+<file path=ppt/notesSlides/notesSlide22.xml><?xml version="1.0" encoding="utf-8"?>
+<p:notes xmlns:a="http://schemas.openxmlformats.org/drawingml/2006/main" xmlns:r="http://schemas.openxmlformats.org/officeDocument/2006/relationships" xmlns:p="http://schemas.openxmlformats.org/presentationml/2006/main">
+  <p:cSld>
+    <p:spTree>
+      <p:nvGrpSpPr>
+        <p:cNvPr id="1" name=""/>
+        <p:cNvGrpSpPr/>
+        <p:nvPr/>
+      </p:nvGrpSpPr>
+      <p:grpSpPr>
+        <a:xfrm>
+          <a:off x="0" y="0"/>
+          <a:ext cx="0" cy="0"/>
+          <a:chOff x="0" y="0"/>
+          <a:chExt cx="0" cy="0"/>
+        </a:xfrm>
+      </p:grpSpPr>
+      <p:sp>
+        <p:nvSpPr>
+          <p:cNvPr id="2" name="文本框"/>
+          <p:cNvSpPr>
+            <a:spLocks noGrp="1" noRot="1" noChangeAspect="1"/>
+          </p:cNvSpPr>
+          <p:nvPr>
+            <p:ph type="sldImg"/>
+          </p:nvPr>
+        </p:nvSpPr>
+        <p:spPr>
+          <a:xfrm>
+            <a:off x="381000" y="685800"/>
+            <a:ext cx="6096000" cy="3429000"/>
+          </a:xfrm>
+        </p:spPr>
+      </p:sp>
+      <p:sp>
+        <p:nvSpPr>
+          <p:cNvPr id="3" name="文本框"/>
+          <p:cNvSpPr>
+            <a:spLocks noGrp="1"/>
+          </p:cNvSpPr>
+          <p:nvPr>
+            <p:ph type="body" idx="1"/>
+          </p:nvPr>
+        </p:nvSpPr>
+        <p:spPr/>
+        <p:txBody>
+          <a:bodyPr/>
+          <a:lstStyle/>
+          <a:p>
+            <a:endParaRPr lang="zh-CN" altLang="en-US"/>
+          </a:p>
+        </p:txBody>
+      </p:sp>
+      <p:sp>
+        <p:nvSpPr>
+          <p:cNvPr id="9" name="文本框"/>
+          <p:cNvSpPr>
+            <a:spLocks noGrp="1"/>
+          </p:cNvSpPr>
+          <p:nvPr>
+            <p:ph type="sldNum" idx="5"/>
+          </p:nvPr>
+        </p:nvSpPr>
+        <p:spPr>
+          <a:xfrm>
+            <a:off x="3884613" y="8685213"/>
+            <a:ext cx="2971800" cy="457200"/>
+          </a:xfrm>
+          <a:prstGeom prst="rect">
+            <a:avLst/>
+          </a:prstGeom>
+          <a:noFill/>
+          <a:ln w="9525" cap="flat" cmpd="sng">
+            <a:noFill/>
+            <a:prstDash val="solid"/>
+            <a:round/>
+          </a:ln>
+        </p:spPr>
+        <p:txBody>
+          <a:bodyPr vert="horz" wrap="square" lIns="91440" tIns="45720" rIns="91440" bIns="45720" anchor="b" anchorCtr="0">
+            <a:prstTxWarp prst="textNoShape">
+              <a:avLst/>
+            </a:prstTxWarp>
+          </a:bodyPr>
+          <a:lstStyle/>
+          <a:p>
+            <a:pPr algn="r"/>
+            <a:fld id="{CAD2D6BD-DE1B-4B5F-8B41-2702339687B9}" type="slidenum">
+              <a:rPr lang="en-US" altLang="zh-CN" sz="1800" u="none" strike="noStrike" kern="1200" cap="none" spc="0" baseline="0">
+                <a:solidFill>
+                  <a:schemeClr val="tx1"/>
+                </a:solidFill>
+                <a:latin typeface="Calibri" pitchFamily="34" charset="0"/>
+                <a:ea typeface="宋体" pitchFamily="2" charset="-122"/>
+                <a:cs typeface="Calibri" pitchFamily="34" charset="0"/>
+              </a:rPr>
+              <a:pPr algn="r"/>
+              <a:t>24</a:t>
+            </a:fld>
+            <a:endParaRPr lang="zh-CN" altLang="en-US" sz="1200">
+              <a:latin typeface="Calibri" pitchFamily="34" charset="0"/>
+              <a:ea typeface="宋体" pitchFamily="2" charset="-122"/>
+              <a:cs typeface="Calibri" pitchFamily="34" charset="0"/>
+            </a:endParaRPr>
+          </a:p>
+        </p:txBody>
+      </p:sp>
+    </p:spTree>
+    <p:extLst>
+      <p:ext uri="{BB962C8B-B14F-4D97-AF65-F5344CB8AC3E}">
+        <p14:creationId xmlns:p14="http://schemas.microsoft.com/office/powerpoint/2010/main" val="2691124330"/>
+      </p:ext>
+    </p:extLst>
+  </p:cSld>
+  <p:clrMapOvr>
+    <a:masterClrMapping/>
+  </p:clrMapOvr>
+</p:notes>
+</file>
+
+<file path=ppt/notesSlides/notesSlide23.xml><?xml version="1.0" encoding="utf-8"?>
+<p:notes xmlns:a="http://schemas.openxmlformats.org/drawingml/2006/main" xmlns:r="http://schemas.openxmlformats.org/officeDocument/2006/relationships" xmlns:p="http://schemas.openxmlformats.org/presentationml/2006/main">
+  <p:cSld>
+    <p:spTree>
+      <p:nvGrpSpPr>
+        <p:cNvPr id="1" name=""/>
+        <p:cNvGrpSpPr/>
+        <p:nvPr/>
+      </p:nvGrpSpPr>
+      <p:grpSpPr>
+        <a:xfrm>
+          <a:off x="0" y="0"/>
+          <a:ext cx="0" cy="0"/>
+          <a:chOff x="0" y="0"/>
+          <a:chExt cx="0" cy="0"/>
+        </a:xfrm>
+      </p:grpSpPr>
+      <p:sp>
+        <p:nvSpPr>
+          <p:cNvPr id="2" name="文本框"/>
+          <p:cNvSpPr>
+            <a:spLocks noGrp="1" noRot="1" noChangeAspect="1"/>
+          </p:cNvSpPr>
+          <p:nvPr>
+            <p:ph type="sldImg"/>
+          </p:nvPr>
+        </p:nvSpPr>
+        <p:spPr>
+          <a:xfrm>
+            <a:off x="381000" y="685800"/>
+            <a:ext cx="6096000" cy="3429000"/>
+          </a:xfrm>
+        </p:spPr>
+      </p:sp>
+      <p:sp>
+        <p:nvSpPr>
+          <p:cNvPr id="3" name="文本框"/>
+          <p:cNvSpPr>
+            <a:spLocks noGrp="1"/>
+          </p:cNvSpPr>
+          <p:nvPr>
+            <p:ph type="body" idx="1"/>
+          </p:nvPr>
+        </p:nvSpPr>
+        <p:spPr/>
+        <p:txBody>
+          <a:bodyPr/>
+          <a:lstStyle/>
+          <a:p>
+            <a:endParaRPr lang="zh-CN" altLang="en-US"/>
+          </a:p>
+        </p:txBody>
+      </p:sp>
+      <p:sp>
+        <p:nvSpPr>
+          <p:cNvPr id="9" name="文本框"/>
+          <p:cNvSpPr>
+            <a:spLocks noGrp="1"/>
+          </p:cNvSpPr>
+          <p:nvPr>
+            <p:ph type="sldNum" idx="5"/>
+          </p:nvPr>
+        </p:nvSpPr>
+        <p:spPr>
+          <a:xfrm>
+            <a:off x="3884613" y="8685213"/>
+            <a:ext cx="2971800" cy="457200"/>
+          </a:xfrm>
+          <a:prstGeom prst="rect">
+            <a:avLst/>
+          </a:prstGeom>
+          <a:noFill/>
+          <a:ln w="9525" cap="flat" cmpd="sng">
+            <a:noFill/>
+            <a:prstDash val="solid"/>
+            <a:round/>
+          </a:ln>
+        </p:spPr>
+        <p:txBody>
+          <a:bodyPr vert="horz" wrap="square" lIns="91440" tIns="45720" rIns="91440" bIns="45720" anchor="b" anchorCtr="0">
+            <a:prstTxWarp prst="textNoShape">
+              <a:avLst/>
+            </a:prstTxWarp>
+          </a:bodyPr>
+          <a:lstStyle/>
+          <a:p>
+            <a:pPr algn="r"/>
+            <a:fld id="{CAD2D6BD-DE1B-4B5F-8B41-2702339687B9}" type="slidenum">
+              <a:rPr lang="en-US" altLang="zh-CN" sz="1800" u="none" strike="noStrike" kern="1200" cap="none" spc="0" baseline="0">
+                <a:solidFill>
+                  <a:schemeClr val="tx1"/>
+                </a:solidFill>
+                <a:latin typeface="Calibri" pitchFamily="34" charset="0"/>
+                <a:ea typeface="宋体" pitchFamily="2" charset="-122"/>
+                <a:cs typeface="Calibri" pitchFamily="34" charset="0"/>
+              </a:rPr>
+              <a:pPr algn="r"/>
+              <a:t>25</a:t>
             </a:fld>
             <a:endParaRPr lang="zh-CN" altLang="en-US" sz="1200">
               <a:latin typeface="Calibri" pitchFamily="34" charset="0"/>
@@ -3157,7 +3399,7 @@
     </p:spTree>
     <p:extLst>
       <p:ext uri="{BB962C8B-B14F-4D97-AF65-F5344CB8AC3E}">
-        <p14:creationId xmlns:p14="http://schemas.microsoft.com/office/powerpoint/2010/main" val="1753878239"/>
+        <p14:creationId xmlns:p14="http://schemas.microsoft.com/office/powerpoint/2010/main" val="1057770479"/>
       </p:ext>
     </p:extLst>
   </p:cSld>
@@ -3277,7 +3519,7 @@
     </p:spTree>
     <p:extLst>
       <p:ext uri="{BB962C8B-B14F-4D97-AF65-F5344CB8AC3E}">
-        <p14:creationId xmlns:p14="http://schemas.microsoft.com/office/powerpoint/2010/main" val="3698451132"/>
+        <p14:creationId xmlns:p14="http://schemas.microsoft.com/office/powerpoint/2010/main" val="699235318"/>
       </p:ext>
     </p:extLst>
   </p:cSld>
@@ -3413,7 +3655,7 @@
             <a:fld id="{72514870-5082-4025-BC8A-5E070B8EB77D}" type="datetimeFigureOut">
               <a:rPr lang="zh-CN" altLang="en-US" smtClean="0"/>
               <a:pPr/>
-              <a:t>2018/7/15</a:t>
+              <a:t>2018/7/19</a:t>
             </a:fld>
             <a:endParaRPr lang="zh-CN" altLang="en-US"/>
           </a:p>
@@ -3583,7 +3825,7 @@
             <a:fld id="{72514870-5082-4025-BC8A-5E070B8EB77D}" type="datetimeFigureOut">
               <a:rPr lang="zh-CN" altLang="en-US" smtClean="0"/>
               <a:pPr/>
-              <a:t>2018/7/15</a:t>
+              <a:t>2018/7/19</a:t>
             </a:fld>
             <a:endParaRPr lang="zh-CN" altLang="en-US"/>
           </a:p>
@@ -3763,7 +4005,7 @@
             <a:fld id="{72514870-5082-4025-BC8A-5E070B8EB77D}" type="datetimeFigureOut">
               <a:rPr lang="zh-CN" altLang="en-US" smtClean="0"/>
               <a:pPr/>
-              <a:t>2018/7/15</a:t>
+              <a:t>2018/7/19</a:t>
             </a:fld>
             <a:endParaRPr lang="zh-CN" altLang="en-US"/>
           </a:p>
@@ -3951,7 +4193,7 @@
             <a:fld id="{72514870-5082-4025-BC8A-5E070B8EB77D}" type="datetimeFigureOut">
               <a:rPr lang="zh-CN" altLang="en-US" smtClean="0"/>
               <a:pPr/>
-              <a:t>2018/7/15</a:t>
+              <a:t>2018/7/19</a:t>
             </a:fld>
             <a:endParaRPr lang="zh-CN" altLang="en-US"/>
           </a:p>
@@ -4121,7 +4363,7 @@
             <a:fld id="{72514870-5082-4025-BC8A-5E070B8EB77D}" type="datetimeFigureOut">
               <a:rPr lang="zh-CN" altLang="en-US" smtClean="0"/>
               <a:pPr/>
-              <a:t>2018/7/15</a:t>
+              <a:t>2018/7/19</a:t>
             </a:fld>
             <a:endParaRPr lang="zh-CN" altLang="en-US"/>
           </a:p>
@@ -4314,7 +4556,7 @@
             <a:fld id="{72514870-5082-4025-BC8A-5E070B8EB77D}" type="datetimeFigureOut">
               <a:rPr lang="zh-CN" altLang="en-US" smtClean="0"/>
               <a:pPr/>
-              <a:t>2018/7/15</a:t>
+              <a:t>2018/7/19</a:t>
             </a:fld>
             <a:endParaRPr lang="zh-CN" altLang="en-US"/>
           </a:p>
@@ -4601,7 +4843,7 @@
             <a:fld id="{72514870-5082-4025-BC8A-5E070B8EB77D}" type="datetimeFigureOut">
               <a:rPr lang="zh-CN" altLang="en-US" smtClean="0"/>
               <a:pPr/>
-              <a:t>2018/7/15</a:t>
+              <a:t>2018/7/19</a:t>
             </a:fld>
             <a:endParaRPr lang="zh-CN" altLang="en-US"/>
           </a:p>
@@ -5022,7 +5264,7 @@
             <a:fld id="{72514870-5082-4025-BC8A-5E070B8EB77D}" type="datetimeFigureOut">
               <a:rPr lang="zh-CN" altLang="en-US" smtClean="0"/>
               <a:pPr/>
-              <a:t>2018/7/15</a:t>
+              <a:t>2018/7/19</a:t>
             </a:fld>
             <a:endParaRPr lang="zh-CN" altLang="en-US"/>
           </a:p>
@@ -5141,7 +5383,7 @@
             <a:fld id="{72514870-5082-4025-BC8A-5E070B8EB77D}" type="datetimeFigureOut">
               <a:rPr lang="zh-CN" altLang="en-US" smtClean="0"/>
               <a:pPr/>
-              <a:t>2018/7/15</a:t>
+              <a:t>2018/7/19</a:t>
             </a:fld>
             <a:endParaRPr lang="zh-CN" altLang="en-US"/>
           </a:p>
@@ -5238,7 +5480,7 @@
             <a:fld id="{72514870-5082-4025-BC8A-5E070B8EB77D}" type="datetimeFigureOut">
               <a:rPr lang="zh-CN" altLang="en-US" smtClean="0"/>
               <a:pPr/>
-              <a:t>2018/7/15</a:t>
+              <a:t>2018/7/19</a:t>
             </a:fld>
             <a:endParaRPr lang="zh-CN" altLang="en-US"/>
           </a:p>
@@ -5515,7 +5757,7 @@
             <a:fld id="{72514870-5082-4025-BC8A-5E070B8EB77D}" type="datetimeFigureOut">
               <a:rPr lang="zh-CN" altLang="en-US" smtClean="0"/>
               <a:pPr/>
-              <a:t>2018/7/15</a:t>
+              <a:t>2018/7/19</a:t>
             </a:fld>
             <a:endParaRPr lang="zh-CN" altLang="en-US"/>
           </a:p>
@@ -5685,7 +5927,7 @@
             <a:fld id="{72514870-5082-4025-BC8A-5E070B8EB77D}" type="datetimeFigureOut">
               <a:rPr lang="zh-CN" altLang="en-US" smtClean="0"/>
               <a:pPr/>
-              <a:t>2018/7/15</a:t>
+              <a:t>2018/7/19</a:t>
             </a:fld>
             <a:endParaRPr lang="zh-CN" altLang="en-US"/>
           </a:p>
@@ -5939,7 +6181,7 @@
             <a:fld id="{72514870-5082-4025-BC8A-5E070B8EB77D}" type="datetimeFigureOut">
               <a:rPr lang="zh-CN" altLang="en-US" smtClean="0"/>
               <a:pPr/>
-              <a:t>2018/7/15</a:t>
+              <a:t>2018/7/19</a:t>
             </a:fld>
             <a:endParaRPr lang="zh-CN" altLang="en-US"/>
           </a:p>
@@ -6109,7 +6351,7 @@
             <a:fld id="{72514870-5082-4025-BC8A-5E070B8EB77D}" type="datetimeFigureOut">
               <a:rPr lang="zh-CN" altLang="en-US" smtClean="0"/>
               <a:pPr/>
-              <a:t>2018/7/15</a:t>
+              <a:t>2018/7/19</a:t>
             </a:fld>
             <a:endParaRPr lang="zh-CN" altLang="en-US"/>
           </a:p>
@@ -6289,7 +6531,7 @@
             <a:fld id="{72514870-5082-4025-BC8A-5E070B8EB77D}" type="datetimeFigureOut">
               <a:rPr lang="zh-CN" altLang="en-US" smtClean="0"/>
               <a:pPr/>
-              <a:t>2018/7/15</a:t>
+              <a:t>2018/7/19</a:t>
             </a:fld>
             <a:endParaRPr lang="zh-CN" altLang="en-US"/>
           </a:p>
@@ -6482,7 +6724,7 @@
             <a:fld id="{72514870-5082-4025-BC8A-5E070B8EB77D}" type="datetimeFigureOut">
               <a:rPr lang="zh-CN" altLang="en-US" smtClean="0"/>
               <a:pPr/>
-              <a:t>2018/7/15</a:t>
+              <a:t>2018/7/19</a:t>
             </a:fld>
             <a:endParaRPr lang="zh-CN" altLang="en-US"/>
           </a:p>
@@ -6769,7 +7011,7 @@
             <a:fld id="{72514870-5082-4025-BC8A-5E070B8EB77D}" type="datetimeFigureOut">
               <a:rPr lang="zh-CN" altLang="en-US" smtClean="0"/>
               <a:pPr/>
-              <a:t>2018/7/15</a:t>
+              <a:t>2018/7/19</a:t>
             </a:fld>
             <a:endParaRPr lang="zh-CN" altLang="en-US"/>
           </a:p>
@@ -7190,7 +7432,7 @@
             <a:fld id="{72514870-5082-4025-BC8A-5E070B8EB77D}" type="datetimeFigureOut">
               <a:rPr lang="zh-CN" altLang="en-US" smtClean="0"/>
               <a:pPr/>
-              <a:t>2018/7/15</a:t>
+              <a:t>2018/7/19</a:t>
             </a:fld>
             <a:endParaRPr lang="zh-CN" altLang="en-US"/>
           </a:p>
@@ -7309,7 +7551,7 @@
             <a:fld id="{72514870-5082-4025-BC8A-5E070B8EB77D}" type="datetimeFigureOut">
               <a:rPr lang="zh-CN" altLang="en-US" smtClean="0"/>
               <a:pPr/>
-              <a:t>2018/7/15</a:t>
+              <a:t>2018/7/19</a:t>
             </a:fld>
             <a:endParaRPr lang="zh-CN" altLang="en-US"/>
           </a:p>
@@ -7406,7 +7648,7 @@
             <a:fld id="{72514870-5082-4025-BC8A-5E070B8EB77D}" type="datetimeFigureOut">
               <a:rPr lang="zh-CN" altLang="en-US" smtClean="0"/>
               <a:pPr/>
-              <a:t>2018/7/15</a:t>
+              <a:t>2018/7/19</a:t>
             </a:fld>
             <a:endParaRPr lang="zh-CN" altLang="en-US"/>
           </a:p>
@@ -7683,7 +7925,7 @@
             <a:fld id="{72514870-5082-4025-BC8A-5E070B8EB77D}" type="datetimeFigureOut">
               <a:rPr lang="zh-CN" altLang="en-US" smtClean="0"/>
               <a:pPr/>
-              <a:t>2018/7/15</a:t>
+              <a:t>2018/7/19</a:t>
             </a:fld>
             <a:endParaRPr lang="zh-CN" altLang="en-US"/>
           </a:p>
@@ -7937,7 +8179,7 @@
             <a:fld id="{72514870-5082-4025-BC8A-5E070B8EB77D}" type="datetimeFigureOut">
               <a:rPr lang="zh-CN" altLang="en-US" smtClean="0"/>
               <a:pPr/>
-              <a:t>2018/7/15</a:t>
+              <a:t>2018/7/19</a:t>
             </a:fld>
             <a:endParaRPr lang="zh-CN" altLang="en-US"/>
           </a:p>
@@ -8877,6 +9119,1255 @@
       </p:sp>
       <p:sp>
         <p:nvSpPr>
+          <p:cNvPr id="2" name="矩形 1">
+            <a:extLst>
+              <a:ext uri="{FF2B5EF4-FFF2-40B4-BE49-F238E27FC236}">
+                <a16:creationId xmlns:a16="http://schemas.microsoft.com/office/drawing/2014/main" id="{A2E32E96-17FE-43E8-8557-670BF80F916E}"/>
+              </a:ext>
+            </a:extLst>
+          </p:cNvPr>
+          <p:cNvSpPr/>
+          <p:nvPr/>
+        </p:nvSpPr>
+        <p:spPr>
+          <a:xfrm>
+            <a:off x="2627784" y="1779663"/>
+            <a:ext cx="1800200" cy="2160240"/>
+          </a:xfrm>
+          <a:prstGeom prst="rect">
+            <a:avLst/>
+          </a:prstGeom>
+          <a:noFill/>
+          <a:ln>
+            <a:solidFill>
+              <a:srgbClr val="C9394A"/>
+            </a:solidFill>
+          </a:ln>
+        </p:spPr>
+        <p:style>
+          <a:lnRef idx="2">
+            <a:schemeClr val="accent1">
+              <a:shade val="50000"/>
+            </a:schemeClr>
+          </a:lnRef>
+          <a:fillRef idx="1">
+            <a:schemeClr val="accent1"/>
+          </a:fillRef>
+          <a:effectRef idx="0">
+            <a:schemeClr val="accent1"/>
+          </a:effectRef>
+          <a:fontRef idx="minor">
+            <a:schemeClr val="lt1"/>
+          </a:fontRef>
+        </p:style>
+        <p:txBody>
+          <a:bodyPr rtlCol="0" anchor="ctr"/>
+          <a:lstStyle/>
+          <a:p>
+            <a:pPr algn="ctr"/>
+            <a:endParaRPr lang="zh-CN" altLang="en-US"/>
+          </a:p>
+        </p:txBody>
+      </p:sp>
+      <p:sp>
+        <p:nvSpPr>
+          <p:cNvPr id="9" name="矩形 8">
+            <a:extLst>
+              <a:ext uri="{FF2B5EF4-FFF2-40B4-BE49-F238E27FC236}">
+                <a16:creationId xmlns:a16="http://schemas.microsoft.com/office/drawing/2014/main" id="{6C751B86-E6BB-4FC8-9416-B8A35A0B7A64}"/>
+              </a:ext>
+            </a:extLst>
+          </p:cNvPr>
+          <p:cNvSpPr/>
+          <p:nvPr/>
+        </p:nvSpPr>
+        <p:spPr>
+          <a:xfrm>
+            <a:off x="2627784" y="1347614"/>
+            <a:ext cx="1800200" cy="434551"/>
+          </a:xfrm>
+          <a:prstGeom prst="rect">
+            <a:avLst/>
+          </a:prstGeom>
+          <a:solidFill>
+            <a:srgbClr val="C94251"/>
+          </a:solidFill>
+          <a:ln>
+            <a:solidFill>
+              <a:srgbClr val="C9394A"/>
+            </a:solidFill>
+          </a:ln>
+        </p:spPr>
+        <p:style>
+          <a:lnRef idx="2">
+            <a:schemeClr val="accent1">
+              <a:shade val="50000"/>
+            </a:schemeClr>
+          </a:lnRef>
+          <a:fillRef idx="1">
+            <a:schemeClr val="accent1"/>
+          </a:fillRef>
+          <a:effectRef idx="0">
+            <a:schemeClr val="accent1"/>
+          </a:effectRef>
+          <a:fontRef idx="minor">
+            <a:schemeClr val="lt1"/>
+          </a:fontRef>
+        </p:style>
+        <p:txBody>
+          <a:bodyPr rtlCol="0" anchor="ctr"/>
+          <a:lstStyle/>
+          <a:p>
+            <a:r>
+              <a:rPr lang="zh-CN" altLang="en-US" sz="1100" dirty="0"/>
+              <a:t>提示                                 </a:t>
+            </a:r>
+            <a:r>
+              <a:rPr lang="en-US" altLang="zh-CN" sz="1100" dirty="0"/>
+              <a:t>x</a:t>
+            </a:r>
+            <a:endParaRPr lang="zh-CN" altLang="en-US" sz="1100" dirty="0"/>
+          </a:p>
+        </p:txBody>
+      </p:sp>
+      <p:pic>
+        <p:nvPicPr>
+          <p:cNvPr id="4" name="图片 3">
+            <a:extLst>
+              <a:ext uri="{FF2B5EF4-FFF2-40B4-BE49-F238E27FC236}">
+                <a16:creationId xmlns:a16="http://schemas.microsoft.com/office/drawing/2014/main" id="{33F9B4B0-BB3D-4B96-B13A-4170EE324801}"/>
+              </a:ext>
+            </a:extLst>
+          </p:cNvPr>
+          <p:cNvPicPr>
+            <a:picLocks noChangeAspect="1"/>
+          </p:cNvPicPr>
+          <p:nvPr/>
+        </p:nvPicPr>
+        <p:blipFill>
+          <a:blip r:embed="rId3" cstate="print">
+            <a:extLst>
+              <a:ext uri="{28A0092B-C50C-407E-A947-70E740481C1C}">
+                <a14:useLocalDpi xmlns:a14="http://schemas.microsoft.com/office/drawing/2010/main" val="0"/>
+              </a:ext>
+            </a:extLst>
+          </a:blip>
+          <a:stretch>
+            <a:fillRect/>
+          </a:stretch>
+        </p:blipFill>
+        <p:spPr>
+          <a:xfrm>
+            <a:off x="3779912" y="3291831"/>
+            <a:ext cx="504056" cy="504056"/>
+          </a:xfrm>
+          <a:prstGeom prst="rect">
+            <a:avLst/>
+          </a:prstGeom>
+        </p:spPr>
+      </p:pic>
+      <p:pic>
+        <p:nvPicPr>
+          <p:cNvPr id="10" name="图片 9">
+            <a:extLst>
+              <a:ext uri="{FF2B5EF4-FFF2-40B4-BE49-F238E27FC236}">
+                <a16:creationId xmlns:a16="http://schemas.microsoft.com/office/drawing/2014/main" id="{2CD3C75A-48C3-41E4-B38C-6738E86BE508}"/>
+              </a:ext>
+            </a:extLst>
+          </p:cNvPr>
+          <p:cNvPicPr>
+            <a:picLocks noChangeAspect="1"/>
+          </p:cNvPicPr>
+          <p:nvPr/>
+        </p:nvPicPr>
+        <p:blipFill>
+          <a:blip r:embed="rId4"/>
+          <a:stretch>
+            <a:fillRect/>
+          </a:stretch>
+        </p:blipFill>
+        <p:spPr>
+          <a:xfrm>
+            <a:off x="2716558" y="2000239"/>
+            <a:ext cx="1622651" cy="1245104"/>
+          </a:xfrm>
+          <a:prstGeom prst="rect">
+            <a:avLst/>
+          </a:prstGeom>
+        </p:spPr>
+      </p:pic>
+      <p:sp>
+        <p:nvSpPr>
+          <p:cNvPr id="23" name="矩形 22">
+            <a:extLst>
+              <a:ext uri="{FF2B5EF4-FFF2-40B4-BE49-F238E27FC236}">
+                <a16:creationId xmlns:a16="http://schemas.microsoft.com/office/drawing/2014/main" id="{102B0D9D-9777-4E5B-99D6-0AAAD4615EEB}"/>
+              </a:ext>
+            </a:extLst>
+          </p:cNvPr>
+          <p:cNvSpPr/>
+          <p:nvPr/>
+        </p:nvSpPr>
+        <p:spPr>
+          <a:xfrm>
+            <a:off x="5364088" y="1779663"/>
+            <a:ext cx="1800200" cy="2160240"/>
+          </a:xfrm>
+          <a:prstGeom prst="rect">
+            <a:avLst/>
+          </a:prstGeom>
+          <a:noFill/>
+          <a:ln>
+            <a:solidFill>
+              <a:srgbClr val="C9394A"/>
+            </a:solidFill>
+          </a:ln>
+        </p:spPr>
+        <p:style>
+          <a:lnRef idx="2">
+            <a:schemeClr val="accent1">
+              <a:shade val="50000"/>
+            </a:schemeClr>
+          </a:lnRef>
+          <a:fillRef idx="1">
+            <a:schemeClr val="accent1"/>
+          </a:fillRef>
+          <a:effectRef idx="0">
+            <a:schemeClr val="accent1"/>
+          </a:effectRef>
+          <a:fontRef idx="minor">
+            <a:schemeClr val="lt1"/>
+          </a:fontRef>
+        </p:style>
+        <p:txBody>
+          <a:bodyPr rtlCol="0" anchor="ctr"/>
+          <a:lstStyle/>
+          <a:p>
+            <a:pPr algn="ctr"/>
+            <a:endParaRPr lang="zh-CN" altLang="en-US"/>
+          </a:p>
+        </p:txBody>
+      </p:sp>
+      <p:sp>
+        <p:nvSpPr>
+          <p:cNvPr id="24" name="矩形 23">
+            <a:extLst>
+              <a:ext uri="{FF2B5EF4-FFF2-40B4-BE49-F238E27FC236}">
+                <a16:creationId xmlns:a16="http://schemas.microsoft.com/office/drawing/2014/main" id="{A2B7B78A-AAC1-46D1-AFE5-A8BC489327E0}"/>
+              </a:ext>
+            </a:extLst>
+          </p:cNvPr>
+          <p:cNvSpPr/>
+          <p:nvPr/>
+        </p:nvSpPr>
+        <p:spPr>
+          <a:xfrm>
+            <a:off x="5364088" y="1347614"/>
+            <a:ext cx="1800200" cy="434551"/>
+          </a:xfrm>
+          <a:prstGeom prst="rect">
+            <a:avLst/>
+          </a:prstGeom>
+          <a:solidFill>
+            <a:srgbClr val="C94251"/>
+          </a:solidFill>
+          <a:ln>
+            <a:solidFill>
+              <a:srgbClr val="C9394A"/>
+            </a:solidFill>
+          </a:ln>
+        </p:spPr>
+        <p:style>
+          <a:lnRef idx="2">
+            <a:schemeClr val="accent1">
+              <a:shade val="50000"/>
+            </a:schemeClr>
+          </a:lnRef>
+          <a:fillRef idx="1">
+            <a:schemeClr val="accent1"/>
+          </a:fillRef>
+          <a:effectRef idx="0">
+            <a:schemeClr val="accent1"/>
+          </a:effectRef>
+          <a:fontRef idx="minor">
+            <a:schemeClr val="lt1"/>
+          </a:fontRef>
+        </p:style>
+        <p:txBody>
+          <a:bodyPr rtlCol="0" anchor="ctr"/>
+          <a:lstStyle/>
+          <a:p>
+            <a:r>
+              <a:rPr lang="zh-CN" altLang="en-US" sz="1100" dirty="0"/>
+              <a:t>提示                                 </a:t>
+            </a:r>
+            <a:r>
+              <a:rPr lang="en-US" altLang="zh-CN" sz="1100" dirty="0"/>
+              <a:t>x</a:t>
+            </a:r>
+            <a:endParaRPr lang="zh-CN" altLang="en-US" sz="1100" dirty="0"/>
+          </a:p>
+        </p:txBody>
+      </p:sp>
+      <p:pic>
+        <p:nvPicPr>
+          <p:cNvPr id="27" name="图片 26">
+            <a:extLst>
+              <a:ext uri="{FF2B5EF4-FFF2-40B4-BE49-F238E27FC236}">
+                <a16:creationId xmlns:a16="http://schemas.microsoft.com/office/drawing/2014/main" id="{BB5BFF67-8B63-41B5-879B-5A4D71177186}"/>
+              </a:ext>
+            </a:extLst>
+          </p:cNvPr>
+          <p:cNvPicPr>
+            <a:picLocks noChangeAspect="1"/>
+          </p:cNvPicPr>
+          <p:nvPr/>
+        </p:nvPicPr>
+        <p:blipFill>
+          <a:blip r:embed="rId5"/>
+          <a:stretch>
+            <a:fillRect/>
+          </a:stretch>
+        </p:blipFill>
+        <p:spPr>
+          <a:xfrm>
+            <a:off x="5527640" y="1922523"/>
+            <a:ext cx="1417960" cy="1873364"/>
+          </a:xfrm>
+          <a:prstGeom prst="rect">
+            <a:avLst/>
+          </a:prstGeom>
+        </p:spPr>
+      </p:pic>
+      <p:pic>
+        <p:nvPicPr>
+          <p:cNvPr id="25" name="图片 24">
+            <a:extLst>
+              <a:ext uri="{FF2B5EF4-FFF2-40B4-BE49-F238E27FC236}">
+                <a16:creationId xmlns:a16="http://schemas.microsoft.com/office/drawing/2014/main" id="{8C395CEE-16FF-4D4B-92F6-D7A419633330}"/>
+              </a:ext>
+            </a:extLst>
+          </p:cNvPr>
+          <p:cNvPicPr>
+            <a:picLocks noChangeAspect="1"/>
+          </p:cNvPicPr>
+          <p:nvPr/>
+        </p:nvPicPr>
+        <p:blipFill>
+          <a:blip r:embed="rId3" cstate="print">
+            <a:extLst>
+              <a:ext uri="{28A0092B-C50C-407E-A947-70E740481C1C}">
+                <a14:useLocalDpi xmlns:a14="http://schemas.microsoft.com/office/drawing/2010/main" val="0"/>
+              </a:ext>
+            </a:extLst>
+          </a:blip>
+          <a:stretch>
+            <a:fillRect/>
+          </a:stretch>
+        </p:blipFill>
+        <p:spPr>
+          <a:xfrm>
+            <a:off x="6588224" y="3316137"/>
+            <a:ext cx="504056" cy="504056"/>
+          </a:xfrm>
+          <a:prstGeom prst="rect">
+            <a:avLst/>
+          </a:prstGeom>
+        </p:spPr>
+      </p:pic>
+    </p:spTree>
+    <p:extLst>
+      <p:ext uri="{BB962C8B-B14F-4D97-AF65-F5344CB8AC3E}">
+        <p14:creationId xmlns:p14="http://schemas.microsoft.com/office/powerpoint/2010/main" val="513521426"/>
+      </p:ext>
+    </p:extLst>
+  </p:cSld>
+  <p:clrMapOvr>
+    <a:masterClrMapping/>
+  </p:clrMapOvr>
+</p:sld>
+</file>
+
+<file path=ppt/slides/slide11.xml><?xml version="1.0" encoding="utf-8"?>
+<p:sld xmlns:a="http://schemas.openxmlformats.org/drawingml/2006/main" xmlns:r="http://schemas.openxmlformats.org/officeDocument/2006/relationships" xmlns:p="http://schemas.openxmlformats.org/presentationml/2006/main">
+  <p:cSld>
+    <p:spTree>
+      <p:nvGrpSpPr>
+        <p:cNvPr id="1" name=""/>
+        <p:cNvGrpSpPr/>
+        <p:nvPr/>
+      </p:nvGrpSpPr>
+      <p:grpSpPr>
+        <a:xfrm>
+          <a:off x="0" y="0"/>
+          <a:ext cx="0" cy="0"/>
+          <a:chOff x="0" y="0"/>
+          <a:chExt cx="0" cy="0"/>
+        </a:xfrm>
+      </p:grpSpPr>
+      <p:sp>
+        <p:nvSpPr>
+          <p:cNvPr id="17" name="矩形"/>
+          <p:cNvSpPr>
+            <a:spLocks/>
+          </p:cNvSpPr>
+          <p:nvPr/>
+        </p:nvSpPr>
+        <p:spPr>
+          <a:xfrm>
+            <a:off x="3325505" y="497054"/>
+            <a:ext cx="2492990" cy="553998"/>
+          </a:xfrm>
+          <a:prstGeom prst="rect">
+            <a:avLst/>
+          </a:prstGeom>
+          <a:noFill/>
+          <a:ln w="9525" cap="flat" cmpd="sng">
+            <a:noFill/>
+            <a:prstDash val="solid"/>
+            <a:miter/>
+          </a:ln>
+        </p:spPr>
+        <p:txBody>
+          <a:bodyPr vert="horz" wrap="none" lIns="91440" tIns="45720" rIns="91440" bIns="45720" anchor="t" anchorCtr="0">
+            <a:prstTxWarp prst="textNoShape">
+              <a:avLst/>
+            </a:prstTxWarp>
+            <a:spAutoFit/>
+          </a:bodyPr>
+          <a:lstStyle/>
+          <a:p>
+            <a:pPr algn="ctr"/>
+            <a:r>
+              <a:rPr lang="zh-CN" altLang="en-US" sz="3000" b="1" kern="0" dirty="0">
+                <a:solidFill>
+                  <a:srgbClr val="C9394A"/>
+                </a:solidFill>
+                <a:latin typeface="微软雅黑" charset="0"/>
+                <a:ea typeface="微软雅黑" charset="0"/>
+                <a:cs typeface="微软雅黑" charset="0"/>
+              </a:rPr>
+              <a:t>高阶组件介绍</a:t>
+            </a:r>
+            <a:endParaRPr lang="zh-CN" altLang="en-US" sz="3200" dirty="0">
+              <a:cs typeface="微软雅黑" charset="0"/>
+            </a:endParaRPr>
+          </a:p>
+        </p:txBody>
+      </p:sp>
+      <p:grpSp>
+        <p:nvGrpSpPr>
+          <p:cNvPr id="5" name="组合 4">
+            <a:extLst>
+              <a:ext uri="{FF2B5EF4-FFF2-40B4-BE49-F238E27FC236}">
+                <a16:creationId xmlns:a16="http://schemas.microsoft.com/office/drawing/2014/main" id="{E770D19B-83AC-4A81-B2FD-058FE8FAAD0B}"/>
+              </a:ext>
+            </a:extLst>
+          </p:cNvPr>
+          <p:cNvGrpSpPr/>
+          <p:nvPr/>
+        </p:nvGrpSpPr>
+        <p:grpSpPr>
+          <a:xfrm>
+            <a:off x="971600" y="1347614"/>
+            <a:ext cx="1800200" cy="3105636"/>
+            <a:chOff x="971600" y="1347614"/>
+            <a:chExt cx="1800200" cy="3105636"/>
+          </a:xfrm>
+        </p:grpSpPr>
+        <p:sp>
+          <p:nvSpPr>
+            <p:cNvPr id="2" name="矩形 1">
+              <a:extLst>
+                <a:ext uri="{FF2B5EF4-FFF2-40B4-BE49-F238E27FC236}">
+                  <a16:creationId xmlns:a16="http://schemas.microsoft.com/office/drawing/2014/main" id="{A2E32E96-17FE-43E8-8557-670BF80F916E}"/>
+                </a:ext>
+              </a:extLst>
+            </p:cNvPr>
+            <p:cNvSpPr/>
+            <p:nvPr/>
+          </p:nvSpPr>
+          <p:spPr>
+            <a:xfrm>
+              <a:off x="971600" y="1779663"/>
+              <a:ext cx="1800200" cy="2160240"/>
+            </a:xfrm>
+            <a:prstGeom prst="rect">
+              <a:avLst/>
+            </a:prstGeom>
+            <a:noFill/>
+            <a:ln>
+              <a:solidFill>
+                <a:srgbClr val="C9394A"/>
+              </a:solidFill>
+            </a:ln>
+          </p:spPr>
+          <p:style>
+            <a:lnRef idx="2">
+              <a:schemeClr val="accent1">
+                <a:shade val="50000"/>
+              </a:schemeClr>
+            </a:lnRef>
+            <a:fillRef idx="1">
+              <a:schemeClr val="accent1"/>
+            </a:fillRef>
+            <a:effectRef idx="0">
+              <a:schemeClr val="accent1"/>
+            </a:effectRef>
+            <a:fontRef idx="minor">
+              <a:schemeClr val="lt1"/>
+            </a:fontRef>
+          </p:style>
+          <p:txBody>
+            <a:bodyPr rtlCol="0" anchor="ctr"/>
+            <a:lstStyle/>
+            <a:p>
+              <a:pPr algn="ctr"/>
+              <a:endParaRPr lang="zh-CN" altLang="en-US"/>
+            </a:p>
+          </p:txBody>
+        </p:sp>
+        <p:sp>
+          <p:nvSpPr>
+            <p:cNvPr id="9" name="矩形 8">
+              <a:extLst>
+                <a:ext uri="{FF2B5EF4-FFF2-40B4-BE49-F238E27FC236}">
+                  <a16:creationId xmlns:a16="http://schemas.microsoft.com/office/drawing/2014/main" id="{6C751B86-E6BB-4FC8-9416-B8A35A0B7A64}"/>
+                </a:ext>
+              </a:extLst>
+            </p:cNvPr>
+            <p:cNvSpPr/>
+            <p:nvPr/>
+          </p:nvSpPr>
+          <p:spPr>
+            <a:xfrm>
+              <a:off x="971600" y="1347614"/>
+              <a:ext cx="1800200" cy="434551"/>
+            </a:xfrm>
+            <a:prstGeom prst="rect">
+              <a:avLst/>
+            </a:prstGeom>
+            <a:solidFill>
+              <a:srgbClr val="C94251"/>
+            </a:solidFill>
+            <a:ln>
+              <a:solidFill>
+                <a:srgbClr val="C9394A"/>
+              </a:solidFill>
+            </a:ln>
+          </p:spPr>
+          <p:style>
+            <a:lnRef idx="2">
+              <a:schemeClr val="accent1">
+                <a:shade val="50000"/>
+              </a:schemeClr>
+            </a:lnRef>
+            <a:fillRef idx="1">
+              <a:schemeClr val="accent1"/>
+            </a:fillRef>
+            <a:effectRef idx="0">
+              <a:schemeClr val="accent1"/>
+            </a:effectRef>
+            <a:fontRef idx="minor">
+              <a:schemeClr val="lt1"/>
+            </a:fontRef>
+          </p:style>
+          <p:txBody>
+            <a:bodyPr rtlCol="0" anchor="ctr"/>
+            <a:lstStyle/>
+            <a:p>
+              <a:r>
+                <a:rPr lang="zh-CN" altLang="en-US" sz="1100" dirty="0"/>
+                <a:t>提示                                 </a:t>
+              </a:r>
+              <a:r>
+                <a:rPr lang="en-US" altLang="zh-CN" sz="1100" dirty="0"/>
+                <a:t>x</a:t>
+              </a:r>
+              <a:endParaRPr lang="zh-CN" altLang="en-US" sz="1100" dirty="0"/>
+            </a:p>
+          </p:txBody>
+        </p:sp>
+        <p:pic>
+          <p:nvPicPr>
+            <p:cNvPr id="4" name="图片 3">
+              <a:extLst>
+                <a:ext uri="{FF2B5EF4-FFF2-40B4-BE49-F238E27FC236}">
+                  <a16:creationId xmlns:a16="http://schemas.microsoft.com/office/drawing/2014/main" id="{33F9B4B0-BB3D-4B96-B13A-4170EE324801}"/>
+                </a:ext>
+              </a:extLst>
+            </p:cNvPr>
+            <p:cNvPicPr>
+              <a:picLocks noChangeAspect="1"/>
+            </p:cNvPicPr>
+            <p:nvPr/>
+          </p:nvPicPr>
+          <p:blipFill>
+            <a:blip r:embed="rId3" cstate="print">
+              <a:extLst>
+                <a:ext uri="{28A0092B-C50C-407E-A947-70E740481C1C}">
+                  <a14:useLocalDpi xmlns:a14="http://schemas.microsoft.com/office/drawing/2010/main" val="0"/>
+                </a:ext>
+              </a:extLst>
+            </a:blip>
+            <a:stretch>
+              <a:fillRect/>
+            </a:stretch>
+          </p:blipFill>
+          <p:spPr>
+            <a:xfrm>
+              <a:off x="2123728" y="3291831"/>
+              <a:ext cx="504056" cy="504056"/>
+            </a:xfrm>
+            <a:prstGeom prst="rect">
+              <a:avLst/>
+            </a:prstGeom>
+          </p:spPr>
+        </p:pic>
+        <p:sp>
+          <p:nvSpPr>
+            <p:cNvPr id="3" name="文本框 2">
+              <a:extLst>
+                <a:ext uri="{FF2B5EF4-FFF2-40B4-BE49-F238E27FC236}">
+                  <a16:creationId xmlns:a16="http://schemas.microsoft.com/office/drawing/2014/main" id="{F6B5601C-2AC3-4935-8A61-D9A6BF65BD8C}"/>
+                </a:ext>
+              </a:extLst>
+            </p:cNvPr>
+            <p:cNvSpPr txBox="1"/>
+            <p:nvPr/>
+          </p:nvSpPr>
+          <p:spPr>
+            <a:xfrm>
+              <a:off x="1403648" y="4083918"/>
+              <a:ext cx="1080120" cy="369332"/>
+            </a:xfrm>
+            <a:prstGeom prst="rect">
+              <a:avLst/>
+            </a:prstGeom>
+            <a:noFill/>
+          </p:spPr>
+          <p:txBody>
+            <a:bodyPr wrap="square" rtlCol="0">
+              <a:spAutoFit/>
+            </a:bodyPr>
+            <a:lstStyle/>
+            <a:p>
+              <a:r>
+                <a:rPr lang="zh-CN" altLang="en-US" dirty="0">
+                  <a:solidFill>
+                    <a:srgbClr val="C00000"/>
+                  </a:solidFill>
+                </a:rPr>
+                <a:t>组件</a:t>
+              </a:r>
+              <a:r>
+                <a:rPr lang="en-US" altLang="zh-CN" dirty="0">
+                  <a:solidFill>
+                    <a:srgbClr val="C00000"/>
+                  </a:solidFill>
+                </a:rPr>
+                <a:t>A</a:t>
+              </a:r>
+              <a:endParaRPr lang="zh-CN" altLang="en-US" dirty="0">
+                <a:solidFill>
+                  <a:srgbClr val="C00000"/>
+                </a:solidFill>
+              </a:endParaRPr>
+            </a:p>
+          </p:txBody>
+        </p:sp>
+      </p:grpSp>
+      <p:grpSp>
+        <p:nvGrpSpPr>
+          <p:cNvPr id="6" name="组合 5">
+            <a:extLst>
+              <a:ext uri="{FF2B5EF4-FFF2-40B4-BE49-F238E27FC236}">
+                <a16:creationId xmlns:a16="http://schemas.microsoft.com/office/drawing/2014/main" id="{77734EB1-C6D7-480B-908E-A8B3E02129AE}"/>
+              </a:ext>
+            </a:extLst>
+          </p:cNvPr>
+          <p:cNvGrpSpPr/>
+          <p:nvPr/>
+        </p:nvGrpSpPr>
+        <p:grpSpPr>
+          <a:xfrm>
+            <a:off x="3787603" y="2046727"/>
+            <a:ext cx="1622651" cy="2406523"/>
+            <a:chOff x="3787603" y="2046727"/>
+            <a:chExt cx="1622651" cy="2406523"/>
+          </a:xfrm>
+        </p:grpSpPr>
+        <p:pic>
+          <p:nvPicPr>
+            <p:cNvPr id="10" name="图片 9">
+              <a:extLst>
+                <a:ext uri="{FF2B5EF4-FFF2-40B4-BE49-F238E27FC236}">
+                  <a16:creationId xmlns:a16="http://schemas.microsoft.com/office/drawing/2014/main" id="{2CD3C75A-48C3-41E4-B38C-6738E86BE508}"/>
+                </a:ext>
+              </a:extLst>
+            </p:cNvPr>
+            <p:cNvPicPr>
+              <a:picLocks noChangeAspect="1"/>
+            </p:cNvPicPr>
+            <p:nvPr/>
+          </p:nvPicPr>
+          <p:blipFill>
+            <a:blip r:embed="rId4"/>
+            <a:stretch>
+              <a:fillRect/>
+            </a:stretch>
+          </p:blipFill>
+          <p:spPr>
+            <a:xfrm>
+              <a:off x="3787603" y="2046727"/>
+              <a:ext cx="1622651" cy="1245104"/>
+            </a:xfrm>
+            <a:prstGeom prst="rect">
+              <a:avLst/>
+            </a:prstGeom>
+          </p:spPr>
+        </p:pic>
+        <p:sp>
+          <p:nvSpPr>
+            <p:cNvPr id="13" name="文本框 12">
+              <a:extLst>
+                <a:ext uri="{FF2B5EF4-FFF2-40B4-BE49-F238E27FC236}">
+                  <a16:creationId xmlns:a16="http://schemas.microsoft.com/office/drawing/2014/main" id="{571F6095-A78B-49FB-BC7A-F5A68D8622AA}"/>
+                </a:ext>
+              </a:extLst>
+            </p:cNvPr>
+            <p:cNvSpPr txBox="1"/>
+            <p:nvPr/>
+          </p:nvSpPr>
+          <p:spPr>
+            <a:xfrm>
+              <a:off x="4139952" y="4083918"/>
+              <a:ext cx="1080120" cy="369332"/>
+            </a:xfrm>
+            <a:prstGeom prst="rect">
+              <a:avLst/>
+            </a:prstGeom>
+            <a:noFill/>
+          </p:spPr>
+          <p:txBody>
+            <a:bodyPr wrap="square" rtlCol="0">
+              <a:spAutoFit/>
+            </a:bodyPr>
+            <a:lstStyle/>
+            <a:p>
+              <a:r>
+                <a:rPr lang="zh-CN" altLang="en-US" dirty="0">
+                  <a:solidFill>
+                    <a:srgbClr val="C00000"/>
+                  </a:solidFill>
+                </a:rPr>
+                <a:t>组件</a:t>
+              </a:r>
+              <a:r>
+                <a:rPr lang="en-US" altLang="zh-CN" dirty="0">
+                  <a:solidFill>
+                    <a:srgbClr val="C00000"/>
+                  </a:solidFill>
+                </a:rPr>
+                <a:t>B</a:t>
+              </a:r>
+              <a:endParaRPr lang="zh-CN" altLang="en-US" dirty="0">
+                <a:solidFill>
+                  <a:srgbClr val="C00000"/>
+                </a:solidFill>
+              </a:endParaRPr>
+            </a:p>
+          </p:txBody>
+        </p:sp>
+      </p:grpSp>
+      <p:grpSp>
+        <p:nvGrpSpPr>
+          <p:cNvPr id="7" name="组合 6">
+            <a:extLst>
+              <a:ext uri="{FF2B5EF4-FFF2-40B4-BE49-F238E27FC236}">
+                <a16:creationId xmlns:a16="http://schemas.microsoft.com/office/drawing/2014/main" id="{4459983B-2475-470E-A0BE-CA696464CD14}"/>
+              </a:ext>
+            </a:extLst>
+          </p:cNvPr>
+          <p:cNvGrpSpPr/>
+          <p:nvPr/>
+        </p:nvGrpSpPr>
+        <p:grpSpPr>
+          <a:xfrm>
+            <a:off x="6404458" y="1851670"/>
+            <a:ext cx="1479910" cy="2601580"/>
+            <a:chOff x="6404458" y="1851670"/>
+            <a:chExt cx="1479910" cy="2601580"/>
+          </a:xfrm>
+        </p:grpSpPr>
+        <p:pic>
+          <p:nvPicPr>
+            <p:cNvPr id="11" name="图片 10">
+              <a:extLst>
+                <a:ext uri="{FF2B5EF4-FFF2-40B4-BE49-F238E27FC236}">
+                  <a16:creationId xmlns:a16="http://schemas.microsoft.com/office/drawing/2014/main" id="{3F4C25CE-9386-4F1A-9234-DFFF776E96F7}"/>
+                </a:ext>
+              </a:extLst>
+            </p:cNvPr>
+            <p:cNvPicPr>
+              <a:picLocks noChangeAspect="1"/>
+            </p:cNvPicPr>
+            <p:nvPr/>
+          </p:nvPicPr>
+          <p:blipFill>
+            <a:blip r:embed="rId5"/>
+            <a:stretch>
+              <a:fillRect/>
+            </a:stretch>
+          </p:blipFill>
+          <p:spPr>
+            <a:xfrm>
+              <a:off x="6404458" y="1851670"/>
+              <a:ext cx="1417960" cy="1873364"/>
+            </a:xfrm>
+            <a:prstGeom prst="rect">
+              <a:avLst/>
+            </a:prstGeom>
+          </p:spPr>
+        </p:pic>
+        <p:sp>
+          <p:nvSpPr>
+            <p:cNvPr id="14" name="文本框 13">
+              <a:extLst>
+                <a:ext uri="{FF2B5EF4-FFF2-40B4-BE49-F238E27FC236}">
+                  <a16:creationId xmlns:a16="http://schemas.microsoft.com/office/drawing/2014/main" id="{FA704C2D-83BD-43A2-A9F4-9C5232533CC2}"/>
+                </a:ext>
+              </a:extLst>
+            </p:cNvPr>
+            <p:cNvSpPr txBox="1"/>
+            <p:nvPr/>
+          </p:nvSpPr>
+          <p:spPr>
+            <a:xfrm>
+              <a:off x="6804248" y="4083918"/>
+              <a:ext cx="1080120" cy="369332"/>
+            </a:xfrm>
+            <a:prstGeom prst="rect">
+              <a:avLst/>
+            </a:prstGeom>
+            <a:noFill/>
+          </p:spPr>
+          <p:txBody>
+            <a:bodyPr wrap="square" rtlCol="0">
+              <a:spAutoFit/>
+            </a:bodyPr>
+            <a:lstStyle/>
+            <a:p>
+              <a:r>
+                <a:rPr lang="zh-CN" altLang="en-US" dirty="0">
+                  <a:solidFill>
+                    <a:srgbClr val="C00000"/>
+                  </a:solidFill>
+                </a:rPr>
+                <a:t>组件</a:t>
+              </a:r>
+              <a:r>
+                <a:rPr lang="en-US" altLang="zh-CN" dirty="0">
+                  <a:solidFill>
+                    <a:srgbClr val="C00000"/>
+                  </a:solidFill>
+                </a:rPr>
+                <a:t>C</a:t>
+              </a:r>
+              <a:endParaRPr lang="zh-CN" altLang="en-US" dirty="0">
+                <a:solidFill>
+                  <a:srgbClr val="C00000"/>
+                </a:solidFill>
+              </a:endParaRPr>
+            </a:p>
+          </p:txBody>
+        </p:sp>
+      </p:grpSp>
+    </p:spTree>
+    <p:extLst>
+      <p:ext uri="{BB962C8B-B14F-4D97-AF65-F5344CB8AC3E}">
+        <p14:creationId xmlns:p14="http://schemas.microsoft.com/office/powerpoint/2010/main" val="3732651106"/>
+      </p:ext>
+    </p:extLst>
+  </p:cSld>
+  <p:clrMapOvr>
+    <a:masterClrMapping/>
+  </p:clrMapOvr>
+  <p:timing>
+    <p:tnLst>
+      <p:par>
+        <p:cTn id="1" dur="indefinite" restart="never" nodeType="tmRoot">
+          <p:childTnLst>
+            <p:seq concurrent="1" nextAc="seek">
+              <p:cTn id="2" dur="indefinite" nodeType="mainSeq">
+                <p:childTnLst>
+                  <p:par>
+                    <p:cTn id="3" fill="hold">
+                      <p:stCondLst>
+                        <p:cond delay="indefinite"/>
+                      </p:stCondLst>
+                      <p:childTnLst>
+                        <p:par>
+                          <p:cTn id="4" fill="hold">
+                            <p:stCondLst>
+                              <p:cond delay="0"/>
+                            </p:stCondLst>
+                            <p:childTnLst>
+                              <p:par>
+                                <p:cTn id="5" presetID="2" presetClass="entr" presetSubtype="4" fill="hold" nodeType="clickEffect">
+                                  <p:stCondLst>
+                                    <p:cond delay="0"/>
+                                  </p:stCondLst>
+                                  <p:childTnLst>
+                                    <p:set>
+                                      <p:cBhvr>
+                                        <p:cTn id="6" dur="1" fill="hold">
+                                          <p:stCondLst>
+                                            <p:cond delay="0"/>
+                                          </p:stCondLst>
+                                        </p:cTn>
+                                        <p:tgtEl>
+                                          <p:spTgt spid="5"/>
+                                        </p:tgtEl>
+                                        <p:attrNameLst>
+                                          <p:attrName>style.visibility</p:attrName>
+                                        </p:attrNameLst>
+                                      </p:cBhvr>
+                                      <p:to>
+                                        <p:strVal val="visible"/>
+                                      </p:to>
+                                    </p:set>
+                                    <p:anim calcmode="lin" valueType="num">
+                                      <p:cBhvr additive="base">
+                                        <p:cTn id="7" dur="500" fill="hold"/>
+                                        <p:tgtEl>
+                                          <p:spTgt spid="5"/>
+                                        </p:tgtEl>
+                                        <p:attrNameLst>
+                                          <p:attrName>ppt_x</p:attrName>
+                                        </p:attrNameLst>
+                                      </p:cBhvr>
+                                      <p:tavLst>
+                                        <p:tav tm="0">
+                                          <p:val>
+                                            <p:strVal val="#ppt_x"/>
+                                          </p:val>
+                                        </p:tav>
+                                        <p:tav tm="100000">
+                                          <p:val>
+                                            <p:strVal val="#ppt_x"/>
+                                          </p:val>
+                                        </p:tav>
+                                      </p:tavLst>
+                                    </p:anim>
+                                    <p:anim calcmode="lin" valueType="num">
+                                      <p:cBhvr additive="base">
+                                        <p:cTn id="8" dur="500" fill="hold"/>
+                                        <p:tgtEl>
+                                          <p:spTgt spid="5"/>
+                                        </p:tgtEl>
+                                        <p:attrNameLst>
+                                          <p:attrName>ppt_y</p:attrName>
+                                        </p:attrNameLst>
+                                      </p:cBhvr>
+                                      <p:tavLst>
+                                        <p:tav tm="0">
+                                          <p:val>
+                                            <p:strVal val="1+#ppt_h/2"/>
+                                          </p:val>
+                                        </p:tav>
+                                        <p:tav tm="100000">
+                                          <p:val>
+                                            <p:strVal val="#ppt_y"/>
+                                          </p:val>
+                                        </p:tav>
+                                      </p:tavLst>
+                                    </p:anim>
+                                  </p:childTnLst>
+                                </p:cTn>
+                              </p:par>
+                            </p:childTnLst>
+                          </p:cTn>
+                        </p:par>
+                      </p:childTnLst>
+                    </p:cTn>
+                  </p:par>
+                  <p:par>
+                    <p:cTn id="9" fill="hold">
+                      <p:stCondLst>
+                        <p:cond delay="indefinite"/>
+                      </p:stCondLst>
+                      <p:childTnLst>
+                        <p:par>
+                          <p:cTn id="10" fill="hold">
+                            <p:stCondLst>
+                              <p:cond delay="0"/>
+                            </p:stCondLst>
+                            <p:childTnLst>
+                              <p:par>
+                                <p:cTn id="11" presetID="2" presetClass="entr" presetSubtype="4" fill="hold" nodeType="clickEffect">
+                                  <p:stCondLst>
+                                    <p:cond delay="0"/>
+                                  </p:stCondLst>
+                                  <p:childTnLst>
+                                    <p:set>
+                                      <p:cBhvr>
+                                        <p:cTn id="12" dur="1" fill="hold">
+                                          <p:stCondLst>
+                                            <p:cond delay="0"/>
+                                          </p:stCondLst>
+                                        </p:cTn>
+                                        <p:tgtEl>
+                                          <p:spTgt spid="6"/>
+                                        </p:tgtEl>
+                                        <p:attrNameLst>
+                                          <p:attrName>style.visibility</p:attrName>
+                                        </p:attrNameLst>
+                                      </p:cBhvr>
+                                      <p:to>
+                                        <p:strVal val="visible"/>
+                                      </p:to>
+                                    </p:set>
+                                    <p:anim calcmode="lin" valueType="num">
+                                      <p:cBhvr additive="base">
+                                        <p:cTn id="13" dur="500" fill="hold"/>
+                                        <p:tgtEl>
+                                          <p:spTgt spid="6"/>
+                                        </p:tgtEl>
+                                        <p:attrNameLst>
+                                          <p:attrName>ppt_x</p:attrName>
+                                        </p:attrNameLst>
+                                      </p:cBhvr>
+                                      <p:tavLst>
+                                        <p:tav tm="0">
+                                          <p:val>
+                                            <p:strVal val="#ppt_x"/>
+                                          </p:val>
+                                        </p:tav>
+                                        <p:tav tm="100000">
+                                          <p:val>
+                                            <p:strVal val="#ppt_x"/>
+                                          </p:val>
+                                        </p:tav>
+                                      </p:tavLst>
+                                    </p:anim>
+                                    <p:anim calcmode="lin" valueType="num">
+                                      <p:cBhvr additive="base">
+                                        <p:cTn id="14" dur="500" fill="hold"/>
+                                        <p:tgtEl>
+                                          <p:spTgt spid="6"/>
+                                        </p:tgtEl>
+                                        <p:attrNameLst>
+                                          <p:attrName>ppt_y</p:attrName>
+                                        </p:attrNameLst>
+                                      </p:cBhvr>
+                                      <p:tavLst>
+                                        <p:tav tm="0">
+                                          <p:val>
+                                            <p:strVal val="1+#ppt_h/2"/>
+                                          </p:val>
+                                        </p:tav>
+                                        <p:tav tm="100000">
+                                          <p:val>
+                                            <p:strVal val="#ppt_y"/>
+                                          </p:val>
+                                        </p:tav>
+                                      </p:tavLst>
+                                    </p:anim>
+                                  </p:childTnLst>
+                                </p:cTn>
+                              </p:par>
+                            </p:childTnLst>
+                          </p:cTn>
+                        </p:par>
+                      </p:childTnLst>
+                    </p:cTn>
+                  </p:par>
+                  <p:par>
+                    <p:cTn id="15" fill="hold">
+                      <p:stCondLst>
+                        <p:cond delay="indefinite"/>
+                      </p:stCondLst>
+                      <p:childTnLst>
+                        <p:par>
+                          <p:cTn id="16" fill="hold">
+                            <p:stCondLst>
+                              <p:cond delay="0"/>
+                            </p:stCondLst>
+                            <p:childTnLst>
+                              <p:par>
+                                <p:cTn id="17" presetID="2" presetClass="entr" presetSubtype="4" fill="hold" nodeType="clickEffect">
+                                  <p:stCondLst>
+                                    <p:cond delay="0"/>
+                                  </p:stCondLst>
+                                  <p:childTnLst>
+                                    <p:set>
+                                      <p:cBhvr>
+                                        <p:cTn id="18" dur="1" fill="hold">
+                                          <p:stCondLst>
+                                            <p:cond delay="0"/>
+                                          </p:stCondLst>
+                                        </p:cTn>
+                                        <p:tgtEl>
+                                          <p:spTgt spid="7"/>
+                                        </p:tgtEl>
+                                        <p:attrNameLst>
+                                          <p:attrName>style.visibility</p:attrName>
+                                        </p:attrNameLst>
+                                      </p:cBhvr>
+                                      <p:to>
+                                        <p:strVal val="visible"/>
+                                      </p:to>
+                                    </p:set>
+                                    <p:anim calcmode="lin" valueType="num">
+                                      <p:cBhvr additive="base">
+                                        <p:cTn id="19" dur="500" fill="hold"/>
+                                        <p:tgtEl>
+                                          <p:spTgt spid="7"/>
+                                        </p:tgtEl>
+                                        <p:attrNameLst>
+                                          <p:attrName>ppt_x</p:attrName>
+                                        </p:attrNameLst>
+                                      </p:cBhvr>
+                                      <p:tavLst>
+                                        <p:tav tm="0">
+                                          <p:val>
+                                            <p:strVal val="#ppt_x"/>
+                                          </p:val>
+                                        </p:tav>
+                                        <p:tav tm="100000">
+                                          <p:val>
+                                            <p:strVal val="#ppt_x"/>
+                                          </p:val>
+                                        </p:tav>
+                                      </p:tavLst>
+                                    </p:anim>
+                                    <p:anim calcmode="lin" valueType="num">
+                                      <p:cBhvr additive="base">
+                                        <p:cTn id="20" dur="500" fill="hold"/>
+                                        <p:tgtEl>
+                                          <p:spTgt spid="7"/>
+                                        </p:tgtEl>
+                                        <p:attrNameLst>
+                                          <p:attrName>ppt_y</p:attrName>
+                                        </p:attrNameLst>
+                                      </p:cBhvr>
+                                      <p:tavLst>
+                                        <p:tav tm="0">
+                                          <p:val>
+                                            <p:strVal val="1+#ppt_h/2"/>
+                                          </p:val>
+                                        </p:tav>
+                                        <p:tav tm="100000">
+                                          <p:val>
+                                            <p:strVal val="#ppt_y"/>
+                                          </p:val>
+                                        </p:tav>
+                                      </p:tavLst>
+                                    </p:anim>
+                                  </p:childTnLst>
+                                </p:cTn>
+                              </p:par>
+                            </p:childTnLst>
+                          </p:cTn>
+                        </p:par>
+                      </p:childTnLst>
+                    </p:cTn>
+                  </p:par>
+                </p:childTnLst>
+              </p:cTn>
+              <p:prevCondLst>
+                <p:cond evt="onPrev" delay="0">
+                  <p:tgtEl>
+                    <p:sldTgt/>
+                  </p:tgtEl>
+                </p:cond>
+              </p:prevCondLst>
+              <p:nextCondLst>
+                <p:cond evt="onNext" delay="0">
+                  <p:tgtEl>
+                    <p:sldTgt/>
+                  </p:tgtEl>
+                </p:cond>
+              </p:nextCondLst>
+            </p:seq>
+          </p:childTnLst>
+        </p:cTn>
+      </p:par>
+    </p:tnLst>
+  </p:timing>
+</p:sld>
+</file>
+
+<file path=ppt/slides/slide12.xml><?xml version="1.0" encoding="utf-8"?>
+<p:sld xmlns:a="http://schemas.openxmlformats.org/drawingml/2006/main" xmlns:r="http://schemas.openxmlformats.org/officeDocument/2006/relationships" xmlns:p="http://schemas.openxmlformats.org/presentationml/2006/main">
+  <p:cSld>
+    <p:spTree>
+      <p:nvGrpSpPr>
+        <p:cNvPr id="1" name=""/>
+        <p:cNvGrpSpPr/>
+        <p:nvPr/>
+      </p:nvGrpSpPr>
+      <p:grpSpPr>
+        <a:xfrm>
+          <a:off x="0" y="0"/>
+          <a:ext cx="0" cy="0"/>
+          <a:chOff x="0" y="0"/>
+          <a:chExt cx="0" cy="0"/>
+        </a:xfrm>
+      </p:grpSpPr>
+      <p:sp>
+        <p:nvSpPr>
+          <p:cNvPr id="17" name="矩形"/>
+          <p:cNvSpPr>
+            <a:spLocks/>
+          </p:cNvSpPr>
+          <p:nvPr/>
+        </p:nvSpPr>
+        <p:spPr>
+          <a:xfrm>
+            <a:off x="3325505" y="497054"/>
+            <a:ext cx="2492990" cy="553998"/>
+          </a:xfrm>
+          <a:prstGeom prst="rect">
+            <a:avLst/>
+          </a:prstGeom>
+          <a:noFill/>
+          <a:ln w="9525" cap="flat" cmpd="sng">
+            <a:noFill/>
+            <a:prstDash val="solid"/>
+            <a:miter/>
+          </a:ln>
+        </p:spPr>
+        <p:txBody>
+          <a:bodyPr vert="horz" wrap="none" lIns="91440" tIns="45720" rIns="91440" bIns="45720" anchor="t" anchorCtr="0">
+            <a:prstTxWarp prst="textNoShape">
+              <a:avLst/>
+            </a:prstTxWarp>
+            <a:spAutoFit/>
+          </a:bodyPr>
+          <a:lstStyle/>
+          <a:p>
+            <a:pPr algn="ctr"/>
+            <a:r>
+              <a:rPr lang="zh-CN" altLang="en-US" sz="3000" b="1" kern="0" dirty="0">
+                <a:solidFill>
+                  <a:srgbClr val="C9394A"/>
+                </a:solidFill>
+                <a:latin typeface="微软雅黑" charset="0"/>
+                <a:ea typeface="微软雅黑" charset="0"/>
+                <a:cs typeface="微软雅黑" charset="0"/>
+              </a:rPr>
+              <a:t>高阶组件介绍</a:t>
+            </a:r>
+            <a:endParaRPr lang="zh-CN" altLang="en-US" sz="3200" dirty="0">
+              <a:cs typeface="微软雅黑" charset="0"/>
+            </a:endParaRPr>
+          </a:p>
+        </p:txBody>
+      </p:sp>
+      <p:sp>
+        <p:nvSpPr>
           <p:cNvPr id="5" name="文本框"/>
           <p:cNvSpPr txBox="1">
             <a:spLocks/>
@@ -9666,7 +11157,7 @@
 </p:sld>
 </file>
 
-<file path=ppt/slides/slide11.xml><?xml version="1.0" encoding="utf-8"?>
+<file path=ppt/slides/slide13.xml><?xml version="1.0" encoding="utf-8"?>
 <p:sld xmlns:a="http://schemas.openxmlformats.org/drawingml/2006/main" xmlns:r="http://schemas.openxmlformats.org/officeDocument/2006/relationships" xmlns:p="http://schemas.openxmlformats.org/presentationml/2006/main">
   <p:cSld>
     <p:spTree>
@@ -10156,133 +11647,6 @@
           </a:prstGeom>
         </p:spPr>
       </p:pic>
-      <p:pic>
-        <p:nvPicPr>
-          <p:cNvPr id="3" name="Picture 2">
-            <a:extLst>
-              <a:ext uri="{FF2B5EF4-FFF2-40B4-BE49-F238E27FC236}">
-                <a16:creationId xmlns:a16="http://schemas.microsoft.com/office/drawing/2014/main" id="{A53F4D96-76F6-4C4E-980C-20EFC3421007}"/>
-              </a:ext>
-            </a:extLst>
-          </p:cNvPr>
-          <p:cNvPicPr>
-            <a:picLocks noChangeAspect="1"/>
-          </p:cNvPicPr>
-          <p:nvPr/>
-        </p:nvPicPr>
-        <p:blipFill>
-          <a:blip r:embed="rId4"/>
-          <a:stretch>
-            <a:fillRect/>
-          </a:stretch>
-        </p:blipFill>
-        <p:spPr>
-          <a:xfrm>
-            <a:off x="467544" y="3939902"/>
-            <a:ext cx="5754223" cy="365928"/>
-          </a:xfrm>
-          <a:prstGeom prst="rect">
-            <a:avLst/>
-          </a:prstGeom>
-        </p:spPr>
-      </p:pic>
-      <p:sp>
-        <p:nvSpPr>
-          <p:cNvPr id="9" name="矩形">
-            <a:extLst>
-              <a:ext uri="{FF2B5EF4-FFF2-40B4-BE49-F238E27FC236}">
-                <a16:creationId xmlns:a16="http://schemas.microsoft.com/office/drawing/2014/main" id="{2C8A897E-035A-2542-AC48-F9B4B3C4FB3F}"/>
-              </a:ext>
-            </a:extLst>
-          </p:cNvPr>
-          <p:cNvSpPr>
-            <a:spLocks/>
-          </p:cNvSpPr>
-          <p:nvPr/>
-        </p:nvSpPr>
-        <p:spPr>
-          <a:xfrm>
-            <a:off x="539552" y="3300590"/>
-            <a:ext cx="7848872" cy="400110"/>
-          </a:xfrm>
-          <a:prstGeom prst="rect">
-            <a:avLst/>
-          </a:prstGeom>
-          <a:noFill/>
-          <a:ln w="9525" cap="flat" cmpd="sng">
-            <a:noFill/>
-            <a:prstDash val="solid"/>
-            <a:miter/>
-          </a:ln>
-        </p:spPr>
-        <p:txBody>
-          <a:bodyPr vert="horz" wrap="square" lIns="91440" tIns="45720" rIns="91440" bIns="45720" anchor="ctr" anchorCtr="0">
-            <a:prstTxWarp prst="textNoShape">
-              <a:avLst/>
-            </a:prstTxWarp>
-            <a:spAutoFit/>
-          </a:bodyPr>
-          <a:lstStyle/>
-          <a:p>
-            <a:pPr marL="800100" lvl="1" indent="-342900">
-              <a:buFont typeface="Wingdings" panose="05000000000000000000" pitchFamily="2" charset="2"/>
-              <a:buChar char="u"/>
-            </a:pPr>
-            <a:r>
-              <a:rPr lang="en-US" altLang="zh-CN" sz="2000" dirty="0" err="1">
-                <a:solidFill>
-                  <a:srgbClr val="474747"/>
-                </a:solidFill>
-                <a:latin typeface="微软雅黑" charset="0"/>
-                <a:ea typeface="微软雅黑" charset="0"/>
-                <a:cs typeface="微软雅黑" charset="0"/>
-              </a:rPr>
-              <a:t>rc</a:t>
-            </a:r>
-            <a:r>
-              <a:rPr lang="en-US" altLang="zh-CN" sz="2000" dirty="0">
-                <a:solidFill>
-                  <a:srgbClr val="474747"/>
-                </a:solidFill>
-                <a:latin typeface="微软雅黑" charset="0"/>
-                <a:ea typeface="微软雅黑" charset="0"/>
-                <a:cs typeface="微软雅黑" charset="0"/>
-              </a:rPr>
-              <a:t>-form</a:t>
-            </a:r>
-            <a:r>
-              <a:rPr lang="zh-CN" altLang="en-US" sz="2000" dirty="0">
-                <a:solidFill>
-                  <a:srgbClr val="474747"/>
-                </a:solidFill>
-                <a:latin typeface="微软雅黑" charset="0"/>
-                <a:ea typeface="微软雅黑" charset="0"/>
-                <a:cs typeface="微软雅黑" charset="0"/>
-              </a:rPr>
-              <a:t>中的</a:t>
-            </a:r>
-            <a:r>
-              <a:rPr lang="en-US" altLang="zh-CN" sz="2000" dirty="0" err="1">
-                <a:solidFill>
-                  <a:srgbClr val="474747"/>
-                </a:solidFill>
-                <a:latin typeface="微软雅黑" charset="0"/>
-                <a:ea typeface="微软雅黑" charset="0"/>
-                <a:cs typeface="微软雅黑" charset="0"/>
-              </a:rPr>
-              <a:t>createForm</a:t>
-            </a:r>
-            <a:endParaRPr lang="zh-CN" altLang="en-US" sz="2000" u="none" strike="noStrike" kern="1200" cap="none" spc="0" baseline="0" dirty="0">
-              <a:solidFill>
-                <a:srgbClr val="C9394A"/>
-              </a:solidFill>
-              <a:latin typeface="微软雅黑" charset="0"/>
-              <a:ea typeface="微软雅黑" charset="0"/>
-              <a:cs typeface="微软雅黑" charset="0"/>
-            </a:endParaRPr>
-          </a:p>
-        </p:txBody>
-      </p:sp>
     </p:spTree>
     <p:extLst>
       <p:ext uri="{BB962C8B-B14F-4D97-AF65-F5344CB8AC3E}">
@@ -10586,188 +11950,6 @@
                       </p:childTnLst>
                     </p:cTn>
                   </p:par>
-                  <p:par>
-                    <p:cTn id="21" fill="hold">
-                      <p:stCondLst>
-                        <p:cond delay="indefinite"/>
-                      </p:stCondLst>
-                      <p:childTnLst>
-                        <p:par>
-                          <p:cTn id="22" fill="hold">
-                            <p:stCondLst>
-                              <p:cond delay="0"/>
-                            </p:stCondLst>
-                            <p:childTnLst>
-                              <p:par>
-                                <p:cTn id="23" presetID="2" presetClass="entr" presetSubtype="4" fill="hold" grpId="0" nodeType="clickEffect">
-                                  <p:stCondLst>
-                                    <p:cond delay="0"/>
-                                  </p:stCondLst>
-                                  <p:childTnLst>
-                                    <p:set>
-                                      <p:cBhvr>
-                                        <p:cTn id="24" dur="1" fill="hold">
-                                          <p:stCondLst>
-                                            <p:cond delay="0"/>
-                                          </p:stCondLst>
-                                        </p:cTn>
-                                        <p:tgtEl>
-                                          <p:spTgt spid="9"/>
-                                        </p:tgtEl>
-                                        <p:attrNameLst>
-                                          <p:attrName>style.visibility</p:attrName>
-                                        </p:attrNameLst>
-                                      </p:cBhvr>
-                                      <p:to>
-                                        <p:strVal val="visible"/>
-                                      </p:to>
-                                    </p:set>
-                                    <p:anim calcmode="lin" valueType="num">
-                                      <p:cBhvr additive="base">
-                                        <p:cTn id="25" dur="500" fill="hold"/>
-                                        <p:tgtEl>
-                                          <p:spTgt spid="9"/>
-                                        </p:tgtEl>
-                                        <p:attrNameLst>
-                                          <p:attrName>ppt_x</p:attrName>
-                                        </p:attrNameLst>
-                                      </p:cBhvr>
-                                      <p:tavLst>
-                                        <p:tav tm="0">
-                                          <p:val>
-                                            <p:strVal val="#ppt_x"/>
-                                          </p:val>
-                                        </p:tav>
-                                        <p:tav tm="100000">
-                                          <p:val>
-                                            <p:strVal val="#ppt_x"/>
-                                          </p:val>
-                                        </p:tav>
-                                      </p:tavLst>
-                                    </p:anim>
-                                    <p:anim calcmode="lin" valueType="num">
-                                      <p:cBhvr additive="base">
-                                        <p:cTn id="26" dur="500" fill="hold"/>
-                                        <p:tgtEl>
-                                          <p:spTgt spid="9"/>
-                                        </p:tgtEl>
-                                        <p:attrNameLst>
-                                          <p:attrName>ppt_y</p:attrName>
-                                        </p:attrNameLst>
-                                      </p:cBhvr>
-                                      <p:tavLst>
-                                        <p:tav tm="0">
-                                          <p:val>
-                                            <p:strVal val="1+#ppt_h/2"/>
-                                          </p:val>
-                                        </p:tav>
-                                        <p:tav tm="100000">
-                                          <p:val>
-                                            <p:strVal val="#ppt_y"/>
-                                          </p:val>
-                                        </p:tav>
-                                      </p:tavLst>
-                                    </p:anim>
-                                  </p:childTnLst>
-                                </p:cTn>
-                              </p:par>
-                            </p:childTnLst>
-                          </p:cTn>
-                        </p:par>
-                      </p:childTnLst>
-                    </p:cTn>
-                  </p:par>
-                  <p:par>
-                    <p:cTn id="27" fill="hold">
-                      <p:stCondLst>
-                        <p:cond delay="indefinite"/>
-                      </p:stCondLst>
-                      <p:childTnLst>
-                        <p:par>
-                          <p:cTn id="28" fill="hold">
-                            <p:stCondLst>
-                              <p:cond delay="0"/>
-                            </p:stCondLst>
-                            <p:childTnLst>
-                              <p:par>
-                                <p:cTn id="29" presetID="2" presetClass="entr" presetSubtype="4" fill="hold" nodeType="clickEffect">
-                                  <p:stCondLst>
-                                    <p:cond delay="0"/>
-                                  </p:stCondLst>
-                                  <p:childTnLst>
-                                    <p:set>
-                                      <p:cBhvr>
-                                        <p:cTn id="30" dur="1" fill="hold">
-                                          <p:stCondLst>
-                                            <p:cond delay="0"/>
-                                          </p:stCondLst>
-                                        </p:cTn>
-                                        <p:tgtEl>
-                                          <p:spTgt spid="3"/>
-                                        </p:tgtEl>
-                                        <p:attrNameLst>
-                                          <p:attrName>style.visibility</p:attrName>
-                                        </p:attrNameLst>
-                                      </p:cBhvr>
-                                      <p:to>
-                                        <p:strVal val="visible"/>
-                                      </p:to>
-                                    </p:set>
-                                    <p:anim calcmode="lin" valueType="num">
-                                      <p:cBhvr additive="base">
-                                        <p:cTn id="31" dur="500" fill="hold"/>
-                                        <p:tgtEl>
-                                          <p:spTgt spid="3"/>
-                                        </p:tgtEl>
-                                        <p:attrNameLst>
-                                          <p:attrName>ppt_x</p:attrName>
-                                        </p:attrNameLst>
-                                      </p:cBhvr>
-                                      <p:tavLst>
-                                        <p:tav tm="0">
-                                          <p:val>
-                                            <p:strVal val="#ppt_x"/>
-                                          </p:val>
-                                        </p:tav>
-                                        <p:tav tm="100000">
-                                          <p:val>
-                                            <p:strVal val="#ppt_x"/>
-                                          </p:val>
-                                        </p:tav>
-                                      </p:tavLst>
-                                    </p:anim>
-                                    <p:anim calcmode="lin" valueType="num">
-                                      <p:cBhvr additive="base">
-                                        <p:cTn id="32" dur="500" fill="hold"/>
-                                        <p:tgtEl>
-                                          <p:spTgt spid="3"/>
-                                        </p:tgtEl>
-                                        <p:attrNameLst>
-                                          <p:attrName>ppt_y</p:attrName>
-                                        </p:attrNameLst>
-                                      </p:cBhvr>
-                                      <p:tavLst>
-                                        <p:tav tm="0">
-                                          <p:val>
-                                            <p:strVal val="1+#ppt_h/2"/>
-                                          </p:val>
-                                        </p:tav>
-                                        <p:tav tm="100000">
-                                          <p:val>
-                                            <p:strVal val="#ppt_y"/>
-                                          </p:val>
-                                        </p:tav>
-                                      </p:tavLst>
-                                    </p:anim>
-                                  </p:childTnLst>
-                                </p:cTn>
-                              </p:par>
-                            </p:childTnLst>
-                          </p:cTn>
-                        </p:par>
-                      </p:childTnLst>
-                    </p:cTn>
-                  </p:par>
                 </p:childTnLst>
               </p:cTn>
               <p:prevCondLst>
@@ -10791,13 +11973,12 @@
     </p:tnLst>
     <p:bldLst>
       <p:bldP spid="8" grpId="0"/>
-      <p:bldP spid="9" grpId="0"/>
     </p:bldLst>
   </p:timing>
 </p:sld>
 </file>
 
-<file path=ppt/slides/slide12.xml><?xml version="1.0" encoding="utf-8"?>
+<file path=ppt/slides/slide14.xml><?xml version="1.0" encoding="utf-8"?>
 <p:sld xmlns:a="http://schemas.openxmlformats.org/drawingml/2006/main" xmlns:r="http://schemas.openxmlformats.org/officeDocument/2006/relationships" xmlns:p="http://schemas.openxmlformats.org/presentationml/2006/main">
   <p:cSld>
     <p:spTree>
@@ -11368,7 +12549,7 @@
 </p:sld>
 </file>
 
-<file path=ppt/slides/slide13.xml><?xml version="1.0" encoding="utf-8"?>
+<file path=ppt/slides/slide15.xml><?xml version="1.0" encoding="utf-8"?>
 <p:sld xmlns:a="http://schemas.openxmlformats.org/drawingml/2006/main" xmlns:r="http://schemas.openxmlformats.org/officeDocument/2006/relationships" xmlns:p="http://schemas.openxmlformats.org/presentationml/2006/main">
   <p:cSld>
     <p:spTree>
@@ -12215,7 +13396,7 @@
 </p:sld>
 </file>
 
-<file path=ppt/slides/slide14.xml><?xml version="1.0" encoding="utf-8"?>
+<file path=ppt/slides/slide16.xml><?xml version="1.0" encoding="utf-8"?>
 <p:sld xmlns:a="http://schemas.openxmlformats.org/drawingml/2006/main" xmlns:r="http://schemas.openxmlformats.org/officeDocument/2006/relationships" xmlns:p="http://schemas.openxmlformats.org/presentationml/2006/main">
   <p:cSld>
     <p:spTree>
@@ -13140,7 +14321,7 @@
 </p:sld>
 </file>
 
-<file path=ppt/slides/slide15.xml><?xml version="1.0" encoding="utf-8"?>
+<file path=ppt/slides/slide17.xml><?xml version="1.0" encoding="utf-8"?>
 <p:sld xmlns:a="http://schemas.openxmlformats.org/drawingml/2006/main" xmlns:r="http://schemas.openxmlformats.org/officeDocument/2006/relationships" xmlns:p="http://schemas.openxmlformats.org/presentationml/2006/main">
   <p:cSld>
     <p:spTree>
@@ -13987,7 +15168,7 @@
 </p:sld>
 </file>
 
-<file path=ppt/slides/slide16.xml><?xml version="1.0" encoding="utf-8"?>
+<file path=ppt/slides/slide18.xml><?xml version="1.0" encoding="utf-8"?>
 <p:sld xmlns:a="http://schemas.openxmlformats.org/drawingml/2006/main" xmlns:r="http://schemas.openxmlformats.org/officeDocument/2006/relationships" xmlns:p="http://schemas.openxmlformats.org/presentationml/2006/main">
   <p:cSld>
     <p:spTree>
@@ -14961,7 +16142,7 @@
 </p:sld>
 </file>
 
-<file path=ppt/slides/slide17.xml><?xml version="1.0" encoding="utf-8"?>
+<file path=ppt/slides/slide19.xml><?xml version="1.0" encoding="utf-8"?>
 <p:sld xmlns:a="http://schemas.openxmlformats.org/drawingml/2006/main" xmlns:r="http://schemas.openxmlformats.org/officeDocument/2006/relationships" xmlns:p="http://schemas.openxmlformats.org/presentationml/2006/main">
   <p:cSld>
     <p:spTree>
@@ -16142,7 +17323,1200 @@
 </p:sld>
 </file>
 
-<file path=ppt/slides/slide18.xml><?xml version="1.0" encoding="utf-8"?>
+<file path=ppt/slides/slide2.xml><?xml version="1.0" encoding="utf-8"?>
+<p:sld xmlns:a="http://schemas.openxmlformats.org/drawingml/2006/main" xmlns:r="http://schemas.openxmlformats.org/officeDocument/2006/relationships" xmlns:p="http://schemas.openxmlformats.org/presentationml/2006/main">
+  <p:cSld>
+    <p:spTree>
+      <p:nvGrpSpPr>
+        <p:cNvPr id="1" name=""/>
+        <p:cNvGrpSpPr/>
+        <p:nvPr/>
+      </p:nvGrpSpPr>
+      <p:grpSpPr>
+        <a:xfrm>
+          <a:off x="0" y="0"/>
+          <a:ext cx="0" cy="0"/>
+          <a:chOff x="0" y="0"/>
+          <a:chExt cx="0" cy="0"/>
+        </a:xfrm>
+      </p:grpSpPr>
+      <p:sp>
+        <p:nvSpPr>
+          <p:cNvPr id="4" name="矩形"/>
+          <p:cNvSpPr>
+            <a:spLocks/>
+          </p:cNvSpPr>
+          <p:nvPr/>
+        </p:nvSpPr>
+        <p:spPr>
+          <a:xfrm>
+            <a:off x="3710226" y="497054"/>
+            <a:ext cx="1723549" cy="553998"/>
+          </a:xfrm>
+          <a:prstGeom prst="rect">
+            <a:avLst/>
+          </a:prstGeom>
+          <a:noFill/>
+          <a:ln w="9525" cap="flat" cmpd="sng">
+            <a:noFill/>
+            <a:prstDash val="solid"/>
+            <a:miter/>
+          </a:ln>
+        </p:spPr>
+        <p:txBody>
+          <a:bodyPr vert="horz" wrap="none" lIns="91440" tIns="45720" rIns="91440" bIns="45720" anchor="t" anchorCtr="0">
+            <a:prstTxWarp prst="textNoShape">
+              <a:avLst/>
+            </a:prstTxWarp>
+            <a:spAutoFit/>
+          </a:bodyPr>
+          <a:lstStyle/>
+          <a:p>
+            <a:pPr algn="ctr"/>
+            <a:r>
+              <a:rPr lang="zh-CN" altLang="en-US" sz="3000" b="1" u="none" strike="noStrike" kern="0" cap="none" spc="0" baseline="0" dirty="0">
+                <a:solidFill>
+                  <a:srgbClr val="C9394A"/>
+                </a:solidFill>
+                <a:latin typeface="微软雅黑" charset="0"/>
+                <a:ea typeface="微软雅黑" charset="0"/>
+                <a:cs typeface="微软雅黑" charset="0"/>
+              </a:rPr>
+              <a:t>课程安排</a:t>
+            </a:r>
+            <a:endParaRPr lang="zh-CN" altLang="en-US" u="none" strike="noStrike" kern="1200" cap="none" spc="0" baseline="0" dirty="0">
+              <a:solidFill>
+                <a:schemeClr val="tx1"/>
+              </a:solidFill>
+              <a:latin typeface="Calibri" pitchFamily="34" charset="0"/>
+              <a:ea typeface="宋体" pitchFamily="2" charset="-122"/>
+              <a:cs typeface="微软雅黑" charset="0"/>
+            </a:endParaRPr>
+          </a:p>
+        </p:txBody>
+      </p:sp>
+      <p:sp>
+        <p:nvSpPr>
+          <p:cNvPr id="6" name="矩形"/>
+          <p:cNvSpPr>
+            <a:spLocks/>
+          </p:cNvSpPr>
+          <p:nvPr/>
+        </p:nvSpPr>
+        <p:spPr>
+          <a:xfrm>
+            <a:off x="990143" y="2078508"/>
+            <a:ext cx="6754963" cy="400110"/>
+          </a:xfrm>
+          <a:prstGeom prst="rect">
+            <a:avLst/>
+          </a:prstGeom>
+          <a:noFill/>
+          <a:ln w="9525" cap="flat" cmpd="sng">
+            <a:noFill/>
+            <a:prstDash val="solid"/>
+            <a:miter/>
+          </a:ln>
+        </p:spPr>
+        <p:txBody>
+          <a:bodyPr vert="horz" wrap="square" lIns="91440" tIns="45720" rIns="91440" bIns="45720" anchor="ctr" anchorCtr="0">
+            <a:prstTxWarp prst="textNoShape">
+              <a:avLst/>
+            </a:prstTxWarp>
+            <a:spAutoFit/>
+          </a:bodyPr>
+          <a:lstStyle/>
+          <a:p>
+            <a:pPr marL="800100" lvl="1" indent="-342900">
+              <a:buFont typeface="Wingdings" panose="05000000000000000000" pitchFamily="2" charset="2"/>
+              <a:buChar char="u"/>
+            </a:pPr>
+            <a:r>
+              <a:rPr lang="zh-CN" altLang="en-US" sz="2000" kern="1200" dirty="0">
+                <a:solidFill>
+                  <a:srgbClr val="474747"/>
+                </a:solidFill>
+                <a:latin typeface="微软雅黑" charset="0"/>
+                <a:ea typeface="微软雅黑" charset="0"/>
+                <a:cs typeface="微软雅黑" charset="0"/>
+                <a:sym typeface="Calibri" pitchFamily="34" charset="0"/>
+              </a:rPr>
+              <a:t>高阶组件概述</a:t>
+            </a:r>
+          </a:p>
+        </p:txBody>
+      </p:sp>
+      <p:sp>
+        <p:nvSpPr>
+          <p:cNvPr id="7" name="矩形"/>
+          <p:cNvSpPr>
+            <a:spLocks/>
+          </p:cNvSpPr>
+          <p:nvPr/>
+        </p:nvSpPr>
+        <p:spPr>
+          <a:xfrm>
+            <a:off x="969456" y="1597563"/>
+            <a:ext cx="6754963" cy="400110"/>
+          </a:xfrm>
+          <a:prstGeom prst="rect">
+            <a:avLst/>
+          </a:prstGeom>
+          <a:noFill/>
+          <a:ln w="9525" cap="flat" cmpd="sng">
+            <a:noFill/>
+            <a:prstDash val="solid"/>
+            <a:miter/>
+          </a:ln>
+        </p:spPr>
+        <p:txBody>
+          <a:bodyPr vert="horz" wrap="square" lIns="91440" tIns="45720" rIns="91440" bIns="45720" anchor="ctr" anchorCtr="0">
+            <a:prstTxWarp prst="textNoShape">
+              <a:avLst/>
+            </a:prstTxWarp>
+            <a:spAutoFit/>
+          </a:bodyPr>
+          <a:lstStyle/>
+          <a:p>
+            <a:pPr marL="800100" lvl="1" indent="-342900">
+              <a:buFont typeface="Wingdings" panose="05000000000000000000" pitchFamily="2" charset="2"/>
+              <a:buChar char="u"/>
+            </a:pPr>
+            <a:r>
+              <a:rPr lang="zh-CN" altLang="en-US" sz="2000" u="none" strike="noStrike" kern="1200" cap="none" spc="0" baseline="0" dirty="0">
+                <a:solidFill>
+                  <a:srgbClr val="474747"/>
+                </a:solidFill>
+                <a:latin typeface="微软雅黑" charset="0"/>
+                <a:ea typeface="微软雅黑" charset="0"/>
+                <a:cs typeface="微软雅黑" charset="0"/>
+              </a:rPr>
+              <a:t>课程</a:t>
+            </a:r>
+            <a:r>
+              <a:rPr lang="zh-CN" altLang="en-US" sz="2000" dirty="0">
+                <a:solidFill>
+                  <a:srgbClr val="474747"/>
+                </a:solidFill>
+                <a:latin typeface="微软雅黑" charset="0"/>
+                <a:ea typeface="微软雅黑" charset="0"/>
+                <a:cs typeface="微软雅黑" charset="0"/>
+              </a:rPr>
+              <a:t>介绍</a:t>
+            </a:r>
+            <a:endParaRPr lang="zh-CN" altLang="en-US" sz="2000" u="none" strike="noStrike" kern="1200" cap="none" spc="0" baseline="0" dirty="0">
+              <a:solidFill>
+                <a:srgbClr val="C9394A"/>
+              </a:solidFill>
+              <a:latin typeface="微软雅黑" charset="0"/>
+              <a:ea typeface="微软雅黑" charset="0"/>
+              <a:cs typeface="微软雅黑" charset="0"/>
+            </a:endParaRPr>
+          </a:p>
+        </p:txBody>
+      </p:sp>
+      <p:sp>
+        <p:nvSpPr>
+          <p:cNvPr id="8" name="矩形"/>
+          <p:cNvSpPr>
+            <a:spLocks/>
+          </p:cNvSpPr>
+          <p:nvPr/>
+        </p:nvSpPr>
+        <p:spPr>
+          <a:xfrm>
+            <a:off x="990142" y="2559453"/>
+            <a:ext cx="6754963" cy="400110"/>
+          </a:xfrm>
+          <a:prstGeom prst="rect">
+            <a:avLst/>
+          </a:prstGeom>
+          <a:noFill/>
+          <a:ln w="9525" cap="flat" cmpd="sng">
+            <a:noFill/>
+            <a:prstDash val="solid"/>
+            <a:miter/>
+          </a:ln>
+        </p:spPr>
+        <p:txBody>
+          <a:bodyPr vert="horz" wrap="square" lIns="91440" tIns="45720" rIns="91440" bIns="45720" anchor="ctr" anchorCtr="0">
+            <a:prstTxWarp prst="textNoShape">
+              <a:avLst/>
+            </a:prstTxWarp>
+            <a:spAutoFit/>
+          </a:bodyPr>
+          <a:lstStyle/>
+          <a:p>
+            <a:pPr marL="800100" lvl="1" indent="-342900">
+              <a:buFont typeface="Wingdings" panose="05000000000000000000" pitchFamily="2" charset="2"/>
+              <a:buChar char="u"/>
+            </a:pPr>
+            <a:r>
+              <a:rPr lang="zh-CN" altLang="en-US" sz="2000" kern="1200" dirty="0">
+                <a:solidFill>
+                  <a:srgbClr val="474747"/>
+                </a:solidFill>
+                <a:latin typeface="微软雅黑" charset="0"/>
+                <a:ea typeface="微软雅黑" charset="0"/>
+                <a:cs typeface="微软雅黑" charset="0"/>
+                <a:sym typeface="Calibri" pitchFamily="34" charset="0"/>
+              </a:rPr>
+              <a:t>高阶组件实现</a:t>
+            </a:r>
+            <a:endParaRPr lang="zh-CN" altLang="en-US" sz="2000" u="none" strike="noStrike" kern="1200" cap="none" spc="0" baseline="0" dirty="0">
+              <a:solidFill>
+                <a:srgbClr val="C9394A"/>
+              </a:solidFill>
+              <a:latin typeface="微软雅黑" charset="0"/>
+              <a:ea typeface="微软雅黑" charset="0"/>
+              <a:cs typeface="微软雅黑" charset="0"/>
+              <a:sym typeface="Calibri" pitchFamily="34" charset="0"/>
+            </a:endParaRPr>
+          </a:p>
+        </p:txBody>
+      </p:sp>
+      <p:sp>
+        <p:nvSpPr>
+          <p:cNvPr id="9" name="矩形"/>
+          <p:cNvSpPr>
+            <a:spLocks/>
+          </p:cNvSpPr>
+          <p:nvPr/>
+        </p:nvSpPr>
+        <p:spPr>
+          <a:xfrm>
+            <a:off x="969454" y="3040398"/>
+            <a:ext cx="6754963" cy="400110"/>
+          </a:xfrm>
+          <a:prstGeom prst="rect">
+            <a:avLst/>
+          </a:prstGeom>
+          <a:noFill/>
+          <a:ln w="9525" cap="flat" cmpd="sng">
+            <a:noFill/>
+            <a:prstDash val="solid"/>
+            <a:miter/>
+          </a:ln>
+        </p:spPr>
+        <p:txBody>
+          <a:bodyPr vert="horz" wrap="square" lIns="91440" tIns="45720" rIns="91440" bIns="45720" anchor="ctr" anchorCtr="0">
+            <a:prstTxWarp prst="textNoShape">
+              <a:avLst/>
+            </a:prstTxWarp>
+            <a:spAutoFit/>
+          </a:bodyPr>
+          <a:lstStyle/>
+          <a:p>
+            <a:pPr marL="800100" lvl="1" indent="-342900">
+              <a:buFont typeface="Wingdings" panose="05000000000000000000" pitchFamily="2" charset="2"/>
+              <a:buChar char="u"/>
+            </a:pPr>
+            <a:r>
+              <a:rPr lang="zh-CN" altLang="en-US" sz="2000" kern="1200" dirty="0">
+                <a:solidFill>
+                  <a:srgbClr val="474747"/>
+                </a:solidFill>
+                <a:latin typeface="微软雅黑" charset="0"/>
+                <a:ea typeface="微软雅黑" charset="0"/>
+                <a:cs typeface="微软雅黑" charset="0"/>
+                <a:sym typeface="Calibri" pitchFamily="34" charset="0"/>
+              </a:rPr>
+              <a:t>高阶组件应用</a:t>
+            </a:r>
+            <a:endParaRPr lang="zh-CN" altLang="en-US" sz="2000" u="none" strike="noStrike" kern="1200" cap="none" spc="0" baseline="0" dirty="0">
+              <a:solidFill>
+                <a:srgbClr val="C9394A"/>
+              </a:solidFill>
+              <a:latin typeface="微软雅黑" charset="0"/>
+              <a:ea typeface="微软雅黑" charset="0"/>
+              <a:cs typeface="微软雅黑" charset="0"/>
+              <a:sym typeface="Calibri" pitchFamily="34" charset="0"/>
+            </a:endParaRPr>
+          </a:p>
+        </p:txBody>
+      </p:sp>
+      <p:sp>
+        <p:nvSpPr>
+          <p:cNvPr id="10" name="矩形"/>
+          <p:cNvSpPr>
+            <a:spLocks/>
+          </p:cNvSpPr>
+          <p:nvPr/>
+        </p:nvSpPr>
+        <p:spPr>
+          <a:xfrm>
+            <a:off x="4499992" y="1597563"/>
+            <a:ext cx="4010977" cy="400110"/>
+          </a:xfrm>
+          <a:prstGeom prst="rect">
+            <a:avLst/>
+          </a:prstGeom>
+          <a:noFill/>
+          <a:ln w="9525" cap="flat" cmpd="sng">
+            <a:noFill/>
+            <a:prstDash val="solid"/>
+            <a:miter/>
+          </a:ln>
+        </p:spPr>
+        <p:txBody>
+          <a:bodyPr vert="horz" wrap="square" lIns="91440" tIns="45720" rIns="91440" bIns="45720" anchor="ctr" anchorCtr="0">
+            <a:prstTxWarp prst="textNoShape">
+              <a:avLst/>
+            </a:prstTxWarp>
+            <a:spAutoFit/>
+          </a:bodyPr>
+          <a:lstStyle/>
+          <a:p>
+            <a:pPr marL="800100" lvl="1" indent="-342900">
+              <a:buFont typeface="Wingdings" panose="05000000000000000000" pitchFamily="2" charset="2"/>
+              <a:buChar char="u"/>
+            </a:pPr>
+            <a:r>
+              <a:rPr lang="zh-CN" altLang="en-US" sz="2000" kern="1200" dirty="0">
+                <a:solidFill>
+                  <a:srgbClr val="474747"/>
+                </a:solidFill>
+                <a:latin typeface="微软雅黑" charset="0"/>
+                <a:ea typeface="微软雅黑" charset="0"/>
+                <a:cs typeface="微软雅黑" charset="0"/>
+                <a:sym typeface="Calibri" pitchFamily="34" charset="0"/>
+              </a:rPr>
+              <a:t>高阶组件使用出现的问题</a:t>
+            </a:r>
+            <a:endParaRPr lang="zh-CN" altLang="en-US" sz="2000" u="none" strike="noStrike" kern="1200" cap="none" spc="0" baseline="0" dirty="0">
+              <a:solidFill>
+                <a:srgbClr val="C9394A"/>
+              </a:solidFill>
+              <a:latin typeface="微软雅黑" charset="0"/>
+              <a:ea typeface="微软雅黑" charset="0"/>
+              <a:cs typeface="微软雅黑" charset="0"/>
+              <a:sym typeface="Calibri" pitchFamily="34" charset="0"/>
+            </a:endParaRPr>
+          </a:p>
+        </p:txBody>
+      </p:sp>
+      <p:sp>
+        <p:nvSpPr>
+          <p:cNvPr id="11" name="矩形">
+            <a:extLst>
+              <a:ext uri="{FF2B5EF4-FFF2-40B4-BE49-F238E27FC236}">
+                <a16:creationId xmlns:a16="http://schemas.microsoft.com/office/drawing/2014/main" id="{EF7E8797-D768-7249-B602-3ABD7A323BF4}"/>
+              </a:ext>
+            </a:extLst>
+          </p:cNvPr>
+          <p:cNvSpPr>
+            <a:spLocks/>
+          </p:cNvSpPr>
+          <p:nvPr/>
+        </p:nvSpPr>
+        <p:spPr>
+          <a:xfrm>
+            <a:off x="4502922" y="2078506"/>
+            <a:ext cx="4010977" cy="400110"/>
+          </a:xfrm>
+          <a:prstGeom prst="rect">
+            <a:avLst/>
+          </a:prstGeom>
+          <a:noFill/>
+          <a:ln w="9525" cap="flat" cmpd="sng">
+            <a:noFill/>
+            <a:prstDash val="solid"/>
+            <a:miter/>
+          </a:ln>
+        </p:spPr>
+        <p:txBody>
+          <a:bodyPr vert="horz" wrap="square" lIns="91440" tIns="45720" rIns="91440" bIns="45720" anchor="ctr" anchorCtr="0">
+            <a:prstTxWarp prst="textNoShape">
+              <a:avLst/>
+            </a:prstTxWarp>
+            <a:spAutoFit/>
+          </a:bodyPr>
+          <a:lstStyle/>
+          <a:p>
+            <a:pPr marL="800100" lvl="1" indent="-342900">
+              <a:buFont typeface="Wingdings" panose="05000000000000000000" pitchFamily="2" charset="2"/>
+              <a:buChar char="u"/>
+            </a:pPr>
+            <a:r>
+              <a:rPr lang="zh-CN" altLang="en-US" sz="2000" kern="1200" dirty="0">
+                <a:solidFill>
+                  <a:srgbClr val="474747"/>
+                </a:solidFill>
+                <a:latin typeface="微软雅黑" charset="0"/>
+                <a:ea typeface="微软雅黑" charset="0"/>
+                <a:cs typeface="微软雅黑" charset="0"/>
+                <a:sym typeface="Calibri" pitchFamily="34" charset="0"/>
+              </a:rPr>
+              <a:t>高阶组件实战</a:t>
+            </a:r>
+            <a:endParaRPr lang="zh-CN" altLang="en-US" sz="2000" u="none" strike="noStrike" kern="1200" cap="none" spc="0" baseline="0" dirty="0">
+              <a:solidFill>
+                <a:srgbClr val="C9394A"/>
+              </a:solidFill>
+              <a:latin typeface="微软雅黑" charset="0"/>
+              <a:ea typeface="微软雅黑" charset="0"/>
+              <a:cs typeface="微软雅黑" charset="0"/>
+              <a:sym typeface="Calibri" pitchFamily="34" charset="0"/>
+            </a:endParaRPr>
+          </a:p>
+        </p:txBody>
+      </p:sp>
+      <p:sp>
+        <p:nvSpPr>
+          <p:cNvPr id="12" name="矩形">
+            <a:extLst>
+              <a:ext uri="{FF2B5EF4-FFF2-40B4-BE49-F238E27FC236}">
+                <a16:creationId xmlns:a16="http://schemas.microsoft.com/office/drawing/2014/main" id="{37A084E4-053D-D34B-9FC1-66D91E7D5E04}"/>
+              </a:ext>
+            </a:extLst>
+          </p:cNvPr>
+          <p:cNvSpPr>
+            <a:spLocks/>
+          </p:cNvSpPr>
+          <p:nvPr/>
+        </p:nvSpPr>
+        <p:spPr>
+          <a:xfrm>
+            <a:off x="4499992" y="2559449"/>
+            <a:ext cx="4010977" cy="400110"/>
+          </a:xfrm>
+          <a:prstGeom prst="rect">
+            <a:avLst/>
+          </a:prstGeom>
+          <a:noFill/>
+          <a:ln w="9525" cap="flat" cmpd="sng">
+            <a:noFill/>
+            <a:prstDash val="solid"/>
+            <a:miter/>
+          </a:ln>
+        </p:spPr>
+        <p:txBody>
+          <a:bodyPr vert="horz" wrap="square" lIns="91440" tIns="45720" rIns="91440" bIns="45720" anchor="ctr" anchorCtr="0">
+            <a:prstTxWarp prst="textNoShape">
+              <a:avLst/>
+            </a:prstTxWarp>
+            <a:spAutoFit/>
+          </a:bodyPr>
+          <a:lstStyle/>
+          <a:p>
+            <a:pPr marL="800100" lvl="1" indent="-342900">
+              <a:buFont typeface="Wingdings" panose="05000000000000000000" pitchFamily="2" charset="2"/>
+              <a:buChar char="u"/>
+            </a:pPr>
+            <a:r>
+              <a:rPr lang="zh-CN" altLang="en-US" sz="2000" kern="1200" dirty="0">
+                <a:solidFill>
+                  <a:srgbClr val="474747"/>
+                </a:solidFill>
+                <a:latin typeface="微软雅黑" charset="0"/>
+                <a:ea typeface="微软雅黑" charset="0"/>
+                <a:cs typeface="微软雅黑" charset="0"/>
+                <a:sym typeface="Calibri" pitchFamily="34" charset="0"/>
+              </a:rPr>
+              <a:t>回顾与总结</a:t>
+            </a:r>
+            <a:endParaRPr lang="zh-CN" altLang="en-US" sz="2000" u="none" strike="noStrike" kern="1200" cap="none" spc="0" baseline="0" dirty="0">
+              <a:solidFill>
+                <a:srgbClr val="C9394A"/>
+              </a:solidFill>
+              <a:latin typeface="微软雅黑" charset="0"/>
+              <a:ea typeface="微软雅黑" charset="0"/>
+              <a:cs typeface="微软雅黑" charset="0"/>
+              <a:sym typeface="Calibri" pitchFamily="34" charset="0"/>
+            </a:endParaRPr>
+          </a:p>
+        </p:txBody>
+      </p:sp>
+    </p:spTree>
+    <p:extLst>
+      <p:ext uri="{BB962C8B-B14F-4D97-AF65-F5344CB8AC3E}">
+        <p14:creationId xmlns:p14="http://schemas.microsoft.com/office/powerpoint/2010/main" val="4064086350"/>
+      </p:ext>
+    </p:extLst>
+  </p:cSld>
+  <p:clrMapOvr>
+    <a:masterClrMapping/>
+  </p:clrMapOvr>
+  <p:timing>
+    <p:tnLst>
+      <p:par>
+        <p:cTn id="1" dur="indefinite" restart="never" fill="hold" nodeType="tmRoot">
+          <p:childTnLst>
+            <p:seq concurrent="1" nextAc="seek">
+              <p:cTn id="2" dur="indefinite" nodeType="mainSeq">
+                <p:childTnLst>
+                  <p:par>
+                    <p:cTn id="3" fill="hold">
+                      <p:stCondLst>
+                        <p:cond delay="indefinite"/>
+                      </p:stCondLst>
+                      <p:childTnLst>
+                        <p:par>
+                          <p:cTn id="4" fill="hold">
+                            <p:stCondLst>
+                              <p:cond delay="0"/>
+                            </p:stCondLst>
+                            <p:childTnLst>
+                              <p:par>
+                                <p:cTn id="5" presetID="2" presetClass="entr" presetSubtype="4" fill="hold" grpId="0" nodeType="clickEffect">
+                                  <p:stCondLst>
+                                    <p:cond delay="0"/>
+                                  </p:stCondLst>
+                                  <p:childTnLst>
+                                    <p:set>
+                                      <p:cBhvr>
+                                        <p:cTn id="6" dur="1" fill="hold">
+                                          <p:stCondLst>
+                                            <p:cond delay="0"/>
+                                          </p:stCondLst>
+                                        </p:cTn>
+                                        <p:tgtEl>
+                                          <p:spTgt spid="7"/>
+                                        </p:tgtEl>
+                                        <p:attrNameLst>
+                                          <p:attrName>style.visibility</p:attrName>
+                                        </p:attrNameLst>
+                                      </p:cBhvr>
+                                      <p:to>
+                                        <p:strVal val="visible"/>
+                                      </p:to>
+                                    </p:set>
+                                    <p:anim calcmode="lin" valueType="num">
+                                      <p:cBhvr additive="base">
+                                        <p:cTn id="7" dur="500" fill="hold"/>
+                                        <p:tgtEl>
+                                          <p:spTgt spid="7"/>
+                                        </p:tgtEl>
+                                        <p:attrNameLst>
+                                          <p:attrName>ppt_x</p:attrName>
+                                        </p:attrNameLst>
+                                      </p:cBhvr>
+                                      <p:tavLst>
+                                        <p:tav tm="0">
+                                          <p:val>
+                                            <p:strVal val="#ppt_x"/>
+                                          </p:val>
+                                        </p:tav>
+                                        <p:tav tm="100000">
+                                          <p:val>
+                                            <p:strVal val="#ppt_x"/>
+                                          </p:val>
+                                        </p:tav>
+                                      </p:tavLst>
+                                    </p:anim>
+                                    <p:anim calcmode="lin" valueType="num">
+                                      <p:cBhvr additive="base">
+                                        <p:cTn id="8" dur="500" fill="hold"/>
+                                        <p:tgtEl>
+                                          <p:spTgt spid="7"/>
+                                        </p:tgtEl>
+                                        <p:attrNameLst>
+                                          <p:attrName>ppt_y</p:attrName>
+                                        </p:attrNameLst>
+                                      </p:cBhvr>
+                                      <p:tavLst>
+                                        <p:tav tm="0">
+                                          <p:val>
+                                            <p:strVal val="1+#ppt_h/2"/>
+                                          </p:val>
+                                        </p:tav>
+                                        <p:tav tm="100000">
+                                          <p:val>
+                                            <p:strVal val="#ppt_y"/>
+                                          </p:val>
+                                        </p:tav>
+                                      </p:tavLst>
+                                    </p:anim>
+                                  </p:childTnLst>
+                                </p:cTn>
+                              </p:par>
+                            </p:childTnLst>
+                          </p:cTn>
+                        </p:par>
+                      </p:childTnLst>
+                    </p:cTn>
+                  </p:par>
+                  <p:par>
+                    <p:cTn id="9" fill="hold">
+                      <p:stCondLst>
+                        <p:cond delay="indefinite"/>
+                      </p:stCondLst>
+                      <p:childTnLst>
+                        <p:par>
+                          <p:cTn id="10" fill="hold">
+                            <p:stCondLst>
+                              <p:cond delay="0"/>
+                            </p:stCondLst>
+                            <p:childTnLst>
+                              <p:par>
+                                <p:cTn id="11" presetID="2" presetClass="entr" presetSubtype="4" fill="hold" grpId="0" nodeType="clickEffect">
+                                  <p:stCondLst>
+                                    <p:cond delay="0"/>
+                                  </p:stCondLst>
+                                  <p:childTnLst>
+                                    <p:set>
+                                      <p:cBhvr>
+                                        <p:cTn id="12" dur="1" fill="hold">
+                                          <p:stCondLst>
+                                            <p:cond delay="0"/>
+                                          </p:stCondLst>
+                                        </p:cTn>
+                                        <p:tgtEl>
+                                          <p:spTgt spid="6"/>
+                                        </p:tgtEl>
+                                        <p:attrNameLst>
+                                          <p:attrName>style.visibility</p:attrName>
+                                        </p:attrNameLst>
+                                      </p:cBhvr>
+                                      <p:to>
+                                        <p:strVal val="visible"/>
+                                      </p:to>
+                                    </p:set>
+                                    <p:anim calcmode="lin" valueType="num">
+                                      <p:cBhvr additive="base">
+                                        <p:cTn id="13" dur="500" fill="hold"/>
+                                        <p:tgtEl>
+                                          <p:spTgt spid="6"/>
+                                        </p:tgtEl>
+                                        <p:attrNameLst>
+                                          <p:attrName>ppt_x</p:attrName>
+                                        </p:attrNameLst>
+                                      </p:cBhvr>
+                                      <p:tavLst>
+                                        <p:tav tm="0">
+                                          <p:val>
+                                            <p:strVal val="#ppt_x"/>
+                                          </p:val>
+                                        </p:tav>
+                                        <p:tav tm="100000">
+                                          <p:val>
+                                            <p:strVal val="#ppt_x"/>
+                                          </p:val>
+                                        </p:tav>
+                                      </p:tavLst>
+                                    </p:anim>
+                                    <p:anim calcmode="lin" valueType="num">
+                                      <p:cBhvr additive="base">
+                                        <p:cTn id="14" dur="500" fill="hold"/>
+                                        <p:tgtEl>
+                                          <p:spTgt spid="6"/>
+                                        </p:tgtEl>
+                                        <p:attrNameLst>
+                                          <p:attrName>ppt_y</p:attrName>
+                                        </p:attrNameLst>
+                                      </p:cBhvr>
+                                      <p:tavLst>
+                                        <p:tav tm="0">
+                                          <p:val>
+                                            <p:strVal val="1+#ppt_h/2"/>
+                                          </p:val>
+                                        </p:tav>
+                                        <p:tav tm="100000">
+                                          <p:val>
+                                            <p:strVal val="#ppt_y"/>
+                                          </p:val>
+                                        </p:tav>
+                                      </p:tavLst>
+                                    </p:anim>
+                                  </p:childTnLst>
+                                </p:cTn>
+                              </p:par>
+                            </p:childTnLst>
+                          </p:cTn>
+                        </p:par>
+                      </p:childTnLst>
+                    </p:cTn>
+                  </p:par>
+                  <p:par>
+                    <p:cTn id="15" fill="hold">
+                      <p:stCondLst>
+                        <p:cond delay="indefinite"/>
+                      </p:stCondLst>
+                      <p:childTnLst>
+                        <p:par>
+                          <p:cTn id="16" fill="hold">
+                            <p:stCondLst>
+                              <p:cond delay="0"/>
+                            </p:stCondLst>
+                            <p:childTnLst>
+                              <p:par>
+                                <p:cTn id="17" presetID="2" presetClass="entr" presetSubtype="4" fill="hold" grpId="0" nodeType="clickEffect">
+                                  <p:stCondLst>
+                                    <p:cond delay="0"/>
+                                  </p:stCondLst>
+                                  <p:childTnLst>
+                                    <p:set>
+                                      <p:cBhvr>
+                                        <p:cTn id="18" dur="1" fill="hold">
+                                          <p:stCondLst>
+                                            <p:cond delay="0"/>
+                                          </p:stCondLst>
+                                        </p:cTn>
+                                        <p:tgtEl>
+                                          <p:spTgt spid="8"/>
+                                        </p:tgtEl>
+                                        <p:attrNameLst>
+                                          <p:attrName>style.visibility</p:attrName>
+                                        </p:attrNameLst>
+                                      </p:cBhvr>
+                                      <p:to>
+                                        <p:strVal val="visible"/>
+                                      </p:to>
+                                    </p:set>
+                                    <p:anim calcmode="lin" valueType="num">
+                                      <p:cBhvr additive="base">
+                                        <p:cTn id="19" dur="500" fill="hold"/>
+                                        <p:tgtEl>
+                                          <p:spTgt spid="8"/>
+                                        </p:tgtEl>
+                                        <p:attrNameLst>
+                                          <p:attrName>ppt_x</p:attrName>
+                                        </p:attrNameLst>
+                                      </p:cBhvr>
+                                      <p:tavLst>
+                                        <p:tav tm="0">
+                                          <p:val>
+                                            <p:strVal val="#ppt_x"/>
+                                          </p:val>
+                                        </p:tav>
+                                        <p:tav tm="100000">
+                                          <p:val>
+                                            <p:strVal val="#ppt_x"/>
+                                          </p:val>
+                                        </p:tav>
+                                      </p:tavLst>
+                                    </p:anim>
+                                    <p:anim calcmode="lin" valueType="num">
+                                      <p:cBhvr additive="base">
+                                        <p:cTn id="20" dur="500" fill="hold"/>
+                                        <p:tgtEl>
+                                          <p:spTgt spid="8"/>
+                                        </p:tgtEl>
+                                        <p:attrNameLst>
+                                          <p:attrName>ppt_y</p:attrName>
+                                        </p:attrNameLst>
+                                      </p:cBhvr>
+                                      <p:tavLst>
+                                        <p:tav tm="0">
+                                          <p:val>
+                                            <p:strVal val="1+#ppt_h/2"/>
+                                          </p:val>
+                                        </p:tav>
+                                        <p:tav tm="100000">
+                                          <p:val>
+                                            <p:strVal val="#ppt_y"/>
+                                          </p:val>
+                                        </p:tav>
+                                      </p:tavLst>
+                                    </p:anim>
+                                  </p:childTnLst>
+                                </p:cTn>
+                              </p:par>
+                            </p:childTnLst>
+                          </p:cTn>
+                        </p:par>
+                      </p:childTnLst>
+                    </p:cTn>
+                  </p:par>
+                  <p:par>
+                    <p:cTn id="21" fill="hold">
+                      <p:stCondLst>
+                        <p:cond delay="indefinite"/>
+                      </p:stCondLst>
+                      <p:childTnLst>
+                        <p:par>
+                          <p:cTn id="22" fill="hold">
+                            <p:stCondLst>
+                              <p:cond delay="0"/>
+                            </p:stCondLst>
+                            <p:childTnLst>
+                              <p:par>
+                                <p:cTn id="23" presetID="2" presetClass="entr" presetSubtype="4" fill="hold" grpId="0" nodeType="clickEffect">
+                                  <p:stCondLst>
+                                    <p:cond delay="0"/>
+                                  </p:stCondLst>
+                                  <p:childTnLst>
+                                    <p:set>
+                                      <p:cBhvr>
+                                        <p:cTn id="24" dur="1" fill="hold">
+                                          <p:stCondLst>
+                                            <p:cond delay="0"/>
+                                          </p:stCondLst>
+                                        </p:cTn>
+                                        <p:tgtEl>
+                                          <p:spTgt spid="9"/>
+                                        </p:tgtEl>
+                                        <p:attrNameLst>
+                                          <p:attrName>style.visibility</p:attrName>
+                                        </p:attrNameLst>
+                                      </p:cBhvr>
+                                      <p:to>
+                                        <p:strVal val="visible"/>
+                                      </p:to>
+                                    </p:set>
+                                    <p:anim calcmode="lin" valueType="num">
+                                      <p:cBhvr additive="base">
+                                        <p:cTn id="25" dur="500" fill="hold"/>
+                                        <p:tgtEl>
+                                          <p:spTgt spid="9"/>
+                                        </p:tgtEl>
+                                        <p:attrNameLst>
+                                          <p:attrName>ppt_x</p:attrName>
+                                        </p:attrNameLst>
+                                      </p:cBhvr>
+                                      <p:tavLst>
+                                        <p:tav tm="0">
+                                          <p:val>
+                                            <p:strVal val="#ppt_x"/>
+                                          </p:val>
+                                        </p:tav>
+                                        <p:tav tm="100000">
+                                          <p:val>
+                                            <p:strVal val="#ppt_x"/>
+                                          </p:val>
+                                        </p:tav>
+                                      </p:tavLst>
+                                    </p:anim>
+                                    <p:anim calcmode="lin" valueType="num">
+                                      <p:cBhvr additive="base">
+                                        <p:cTn id="26" dur="500" fill="hold"/>
+                                        <p:tgtEl>
+                                          <p:spTgt spid="9"/>
+                                        </p:tgtEl>
+                                        <p:attrNameLst>
+                                          <p:attrName>ppt_y</p:attrName>
+                                        </p:attrNameLst>
+                                      </p:cBhvr>
+                                      <p:tavLst>
+                                        <p:tav tm="0">
+                                          <p:val>
+                                            <p:strVal val="1+#ppt_h/2"/>
+                                          </p:val>
+                                        </p:tav>
+                                        <p:tav tm="100000">
+                                          <p:val>
+                                            <p:strVal val="#ppt_y"/>
+                                          </p:val>
+                                        </p:tav>
+                                      </p:tavLst>
+                                    </p:anim>
+                                  </p:childTnLst>
+                                </p:cTn>
+                              </p:par>
+                            </p:childTnLst>
+                          </p:cTn>
+                        </p:par>
+                      </p:childTnLst>
+                    </p:cTn>
+                  </p:par>
+                  <p:par>
+                    <p:cTn id="27" fill="hold">
+                      <p:stCondLst>
+                        <p:cond delay="indefinite"/>
+                      </p:stCondLst>
+                      <p:childTnLst>
+                        <p:par>
+                          <p:cTn id="28" fill="hold">
+                            <p:stCondLst>
+                              <p:cond delay="0"/>
+                            </p:stCondLst>
+                            <p:childTnLst>
+                              <p:par>
+                                <p:cTn id="29" presetID="2" presetClass="entr" presetSubtype="4" fill="hold" grpId="0" nodeType="clickEffect">
+                                  <p:stCondLst>
+                                    <p:cond delay="0"/>
+                                  </p:stCondLst>
+                                  <p:childTnLst>
+                                    <p:set>
+                                      <p:cBhvr>
+                                        <p:cTn id="30" dur="1" fill="hold">
+                                          <p:stCondLst>
+                                            <p:cond delay="0"/>
+                                          </p:stCondLst>
+                                        </p:cTn>
+                                        <p:tgtEl>
+                                          <p:spTgt spid="10"/>
+                                        </p:tgtEl>
+                                        <p:attrNameLst>
+                                          <p:attrName>style.visibility</p:attrName>
+                                        </p:attrNameLst>
+                                      </p:cBhvr>
+                                      <p:to>
+                                        <p:strVal val="visible"/>
+                                      </p:to>
+                                    </p:set>
+                                    <p:anim calcmode="lin" valueType="num">
+                                      <p:cBhvr additive="base">
+                                        <p:cTn id="31" dur="500" fill="hold"/>
+                                        <p:tgtEl>
+                                          <p:spTgt spid="10"/>
+                                        </p:tgtEl>
+                                        <p:attrNameLst>
+                                          <p:attrName>ppt_x</p:attrName>
+                                        </p:attrNameLst>
+                                      </p:cBhvr>
+                                      <p:tavLst>
+                                        <p:tav tm="0">
+                                          <p:val>
+                                            <p:strVal val="#ppt_x"/>
+                                          </p:val>
+                                        </p:tav>
+                                        <p:tav tm="100000">
+                                          <p:val>
+                                            <p:strVal val="#ppt_x"/>
+                                          </p:val>
+                                        </p:tav>
+                                      </p:tavLst>
+                                    </p:anim>
+                                    <p:anim calcmode="lin" valueType="num">
+                                      <p:cBhvr additive="base">
+                                        <p:cTn id="32" dur="500" fill="hold"/>
+                                        <p:tgtEl>
+                                          <p:spTgt spid="10"/>
+                                        </p:tgtEl>
+                                        <p:attrNameLst>
+                                          <p:attrName>ppt_y</p:attrName>
+                                        </p:attrNameLst>
+                                      </p:cBhvr>
+                                      <p:tavLst>
+                                        <p:tav tm="0">
+                                          <p:val>
+                                            <p:strVal val="1+#ppt_h/2"/>
+                                          </p:val>
+                                        </p:tav>
+                                        <p:tav tm="100000">
+                                          <p:val>
+                                            <p:strVal val="#ppt_y"/>
+                                          </p:val>
+                                        </p:tav>
+                                      </p:tavLst>
+                                    </p:anim>
+                                  </p:childTnLst>
+                                </p:cTn>
+                              </p:par>
+                            </p:childTnLst>
+                          </p:cTn>
+                        </p:par>
+                      </p:childTnLst>
+                    </p:cTn>
+                  </p:par>
+                  <p:par>
+                    <p:cTn id="33" fill="hold">
+                      <p:stCondLst>
+                        <p:cond delay="indefinite"/>
+                      </p:stCondLst>
+                      <p:childTnLst>
+                        <p:par>
+                          <p:cTn id="34" fill="hold">
+                            <p:stCondLst>
+                              <p:cond delay="0"/>
+                            </p:stCondLst>
+                            <p:childTnLst>
+                              <p:par>
+                                <p:cTn id="35" presetID="2" presetClass="entr" presetSubtype="4" fill="hold" grpId="0" nodeType="clickEffect">
+                                  <p:stCondLst>
+                                    <p:cond delay="0"/>
+                                  </p:stCondLst>
+                                  <p:childTnLst>
+                                    <p:set>
+                                      <p:cBhvr>
+                                        <p:cTn id="36" dur="1" fill="hold">
+                                          <p:stCondLst>
+                                            <p:cond delay="0"/>
+                                          </p:stCondLst>
+                                        </p:cTn>
+                                        <p:tgtEl>
+                                          <p:spTgt spid="11"/>
+                                        </p:tgtEl>
+                                        <p:attrNameLst>
+                                          <p:attrName>style.visibility</p:attrName>
+                                        </p:attrNameLst>
+                                      </p:cBhvr>
+                                      <p:to>
+                                        <p:strVal val="visible"/>
+                                      </p:to>
+                                    </p:set>
+                                    <p:anim calcmode="lin" valueType="num">
+                                      <p:cBhvr additive="base">
+                                        <p:cTn id="37" dur="500" fill="hold"/>
+                                        <p:tgtEl>
+                                          <p:spTgt spid="11"/>
+                                        </p:tgtEl>
+                                        <p:attrNameLst>
+                                          <p:attrName>ppt_x</p:attrName>
+                                        </p:attrNameLst>
+                                      </p:cBhvr>
+                                      <p:tavLst>
+                                        <p:tav tm="0">
+                                          <p:val>
+                                            <p:strVal val="#ppt_x"/>
+                                          </p:val>
+                                        </p:tav>
+                                        <p:tav tm="100000">
+                                          <p:val>
+                                            <p:strVal val="#ppt_x"/>
+                                          </p:val>
+                                        </p:tav>
+                                      </p:tavLst>
+                                    </p:anim>
+                                    <p:anim calcmode="lin" valueType="num">
+                                      <p:cBhvr additive="base">
+                                        <p:cTn id="38" dur="500" fill="hold"/>
+                                        <p:tgtEl>
+                                          <p:spTgt spid="11"/>
+                                        </p:tgtEl>
+                                        <p:attrNameLst>
+                                          <p:attrName>ppt_y</p:attrName>
+                                        </p:attrNameLst>
+                                      </p:cBhvr>
+                                      <p:tavLst>
+                                        <p:tav tm="0">
+                                          <p:val>
+                                            <p:strVal val="1+#ppt_h/2"/>
+                                          </p:val>
+                                        </p:tav>
+                                        <p:tav tm="100000">
+                                          <p:val>
+                                            <p:strVal val="#ppt_y"/>
+                                          </p:val>
+                                        </p:tav>
+                                      </p:tavLst>
+                                    </p:anim>
+                                  </p:childTnLst>
+                                </p:cTn>
+                              </p:par>
+                            </p:childTnLst>
+                          </p:cTn>
+                        </p:par>
+                      </p:childTnLst>
+                    </p:cTn>
+                  </p:par>
+                  <p:par>
+                    <p:cTn id="39" fill="hold">
+                      <p:stCondLst>
+                        <p:cond delay="indefinite"/>
+                      </p:stCondLst>
+                      <p:childTnLst>
+                        <p:par>
+                          <p:cTn id="40" fill="hold">
+                            <p:stCondLst>
+                              <p:cond delay="0"/>
+                            </p:stCondLst>
+                            <p:childTnLst>
+                              <p:par>
+                                <p:cTn id="41" presetID="2" presetClass="entr" presetSubtype="4" fill="hold" grpId="0" nodeType="clickEffect">
+                                  <p:stCondLst>
+                                    <p:cond delay="0"/>
+                                  </p:stCondLst>
+                                  <p:childTnLst>
+                                    <p:set>
+                                      <p:cBhvr>
+                                        <p:cTn id="42" dur="1" fill="hold">
+                                          <p:stCondLst>
+                                            <p:cond delay="0"/>
+                                          </p:stCondLst>
+                                        </p:cTn>
+                                        <p:tgtEl>
+                                          <p:spTgt spid="12"/>
+                                        </p:tgtEl>
+                                        <p:attrNameLst>
+                                          <p:attrName>style.visibility</p:attrName>
+                                        </p:attrNameLst>
+                                      </p:cBhvr>
+                                      <p:to>
+                                        <p:strVal val="visible"/>
+                                      </p:to>
+                                    </p:set>
+                                    <p:anim calcmode="lin" valueType="num">
+                                      <p:cBhvr additive="base">
+                                        <p:cTn id="43" dur="500" fill="hold"/>
+                                        <p:tgtEl>
+                                          <p:spTgt spid="12"/>
+                                        </p:tgtEl>
+                                        <p:attrNameLst>
+                                          <p:attrName>ppt_x</p:attrName>
+                                        </p:attrNameLst>
+                                      </p:cBhvr>
+                                      <p:tavLst>
+                                        <p:tav tm="0">
+                                          <p:val>
+                                            <p:strVal val="#ppt_x"/>
+                                          </p:val>
+                                        </p:tav>
+                                        <p:tav tm="100000">
+                                          <p:val>
+                                            <p:strVal val="#ppt_x"/>
+                                          </p:val>
+                                        </p:tav>
+                                      </p:tavLst>
+                                    </p:anim>
+                                    <p:anim calcmode="lin" valueType="num">
+                                      <p:cBhvr additive="base">
+                                        <p:cTn id="44" dur="500" fill="hold"/>
+                                        <p:tgtEl>
+                                          <p:spTgt spid="12"/>
+                                        </p:tgtEl>
+                                        <p:attrNameLst>
+                                          <p:attrName>ppt_y</p:attrName>
+                                        </p:attrNameLst>
+                                      </p:cBhvr>
+                                      <p:tavLst>
+                                        <p:tav tm="0">
+                                          <p:val>
+                                            <p:strVal val="1+#ppt_h/2"/>
+                                          </p:val>
+                                        </p:tav>
+                                        <p:tav tm="100000">
+                                          <p:val>
+                                            <p:strVal val="#ppt_y"/>
+                                          </p:val>
+                                        </p:tav>
+                                      </p:tavLst>
+                                    </p:anim>
+                                  </p:childTnLst>
+                                </p:cTn>
+                              </p:par>
+                            </p:childTnLst>
+                          </p:cTn>
+                        </p:par>
+                      </p:childTnLst>
+                    </p:cTn>
+                  </p:par>
+                </p:childTnLst>
+              </p:cTn>
+              <p:prevCondLst>
+                <p:cond evt="onPrev" delay="0">
+                  <p:tgtEl>
+                    <p:sldTgt/>
+                  </p:tgtEl>
+                </p:cond>
+              </p:prevCondLst>
+              <p:nextCondLst>
+                <p:cond evt="onNext" delay="0">
+                  <p:tgtEl>
+                    <p:sldTgt/>
+                  </p:tgtEl>
+                </p:cond>
+              </p:nextCondLst>
+            </p:seq>
+          </p:childTnLst>
+        </p:cTn>
+      </p:par>
+    </p:tnLst>
+    <p:bldLst>
+      <p:bldP spid="6" grpId="0"/>
+      <p:bldP spid="7" grpId="0"/>
+      <p:bldP spid="8" grpId="0"/>
+      <p:bldP spid="9" grpId="0"/>
+      <p:bldP spid="10" grpId="0"/>
+      <p:bldP spid="11" grpId="0"/>
+      <p:bldP spid="12" grpId="0"/>
+    </p:bldLst>
+  </p:timing>
+</p:sld>
+</file>
+
+<file path=ppt/slides/slide20.xml><?xml version="1.0" encoding="utf-8"?>
 <p:sld xmlns:a="http://schemas.openxmlformats.org/drawingml/2006/main" xmlns:r="http://schemas.openxmlformats.org/officeDocument/2006/relationships" xmlns:p="http://schemas.openxmlformats.org/presentationml/2006/main">
   <p:cSld>
     <p:spTree>
@@ -16995,7 +19369,7 @@
 </p:sld>
 </file>
 
-<file path=ppt/slides/slide19.xml><?xml version="1.0" encoding="utf-8"?>
+<file path=ppt/slides/slide21.xml><?xml version="1.0" encoding="utf-8"?>
 <p:sld xmlns:a="http://schemas.openxmlformats.org/drawingml/2006/main" xmlns:r="http://schemas.openxmlformats.org/officeDocument/2006/relationships" xmlns:p="http://schemas.openxmlformats.org/presentationml/2006/main">
   <p:cSld>
     <p:spTree>
@@ -17679,1200 +20053,7 @@
 </p:sld>
 </file>
 
-<file path=ppt/slides/slide2.xml><?xml version="1.0" encoding="utf-8"?>
-<p:sld xmlns:a="http://schemas.openxmlformats.org/drawingml/2006/main" xmlns:r="http://schemas.openxmlformats.org/officeDocument/2006/relationships" xmlns:p="http://schemas.openxmlformats.org/presentationml/2006/main">
-  <p:cSld>
-    <p:spTree>
-      <p:nvGrpSpPr>
-        <p:cNvPr id="1" name=""/>
-        <p:cNvGrpSpPr/>
-        <p:nvPr/>
-      </p:nvGrpSpPr>
-      <p:grpSpPr>
-        <a:xfrm>
-          <a:off x="0" y="0"/>
-          <a:ext cx="0" cy="0"/>
-          <a:chOff x="0" y="0"/>
-          <a:chExt cx="0" cy="0"/>
-        </a:xfrm>
-      </p:grpSpPr>
-      <p:sp>
-        <p:nvSpPr>
-          <p:cNvPr id="4" name="矩形"/>
-          <p:cNvSpPr>
-            <a:spLocks/>
-          </p:cNvSpPr>
-          <p:nvPr/>
-        </p:nvSpPr>
-        <p:spPr>
-          <a:xfrm>
-            <a:off x="3710226" y="497054"/>
-            <a:ext cx="1723549" cy="553998"/>
-          </a:xfrm>
-          <a:prstGeom prst="rect">
-            <a:avLst/>
-          </a:prstGeom>
-          <a:noFill/>
-          <a:ln w="9525" cap="flat" cmpd="sng">
-            <a:noFill/>
-            <a:prstDash val="solid"/>
-            <a:miter/>
-          </a:ln>
-        </p:spPr>
-        <p:txBody>
-          <a:bodyPr vert="horz" wrap="none" lIns="91440" tIns="45720" rIns="91440" bIns="45720" anchor="t" anchorCtr="0">
-            <a:prstTxWarp prst="textNoShape">
-              <a:avLst/>
-            </a:prstTxWarp>
-            <a:spAutoFit/>
-          </a:bodyPr>
-          <a:lstStyle/>
-          <a:p>
-            <a:pPr algn="ctr"/>
-            <a:r>
-              <a:rPr lang="zh-CN" altLang="en-US" sz="3000" b="1" u="none" strike="noStrike" kern="0" cap="none" spc="0" baseline="0" dirty="0">
-                <a:solidFill>
-                  <a:srgbClr val="C9394A"/>
-                </a:solidFill>
-                <a:latin typeface="微软雅黑" charset="0"/>
-                <a:ea typeface="微软雅黑" charset="0"/>
-                <a:cs typeface="微软雅黑" charset="0"/>
-              </a:rPr>
-              <a:t>课程安排</a:t>
-            </a:r>
-            <a:endParaRPr lang="zh-CN" altLang="en-US" u="none" strike="noStrike" kern="1200" cap="none" spc="0" baseline="0" dirty="0">
-              <a:solidFill>
-                <a:schemeClr val="tx1"/>
-              </a:solidFill>
-              <a:latin typeface="Calibri" pitchFamily="34" charset="0"/>
-              <a:ea typeface="宋体" pitchFamily="2" charset="-122"/>
-              <a:cs typeface="微软雅黑" charset="0"/>
-            </a:endParaRPr>
-          </a:p>
-        </p:txBody>
-      </p:sp>
-      <p:sp>
-        <p:nvSpPr>
-          <p:cNvPr id="6" name="矩形"/>
-          <p:cNvSpPr>
-            <a:spLocks/>
-          </p:cNvSpPr>
-          <p:nvPr/>
-        </p:nvSpPr>
-        <p:spPr>
-          <a:xfrm>
-            <a:off x="990143" y="2078508"/>
-            <a:ext cx="6754963" cy="400110"/>
-          </a:xfrm>
-          <a:prstGeom prst="rect">
-            <a:avLst/>
-          </a:prstGeom>
-          <a:noFill/>
-          <a:ln w="9525" cap="flat" cmpd="sng">
-            <a:noFill/>
-            <a:prstDash val="solid"/>
-            <a:miter/>
-          </a:ln>
-        </p:spPr>
-        <p:txBody>
-          <a:bodyPr vert="horz" wrap="square" lIns="91440" tIns="45720" rIns="91440" bIns="45720" anchor="ctr" anchorCtr="0">
-            <a:prstTxWarp prst="textNoShape">
-              <a:avLst/>
-            </a:prstTxWarp>
-            <a:spAutoFit/>
-          </a:bodyPr>
-          <a:lstStyle/>
-          <a:p>
-            <a:pPr marL="800100" lvl="1" indent="-342900">
-              <a:buFont typeface="Wingdings" panose="05000000000000000000" pitchFamily="2" charset="2"/>
-              <a:buChar char="u"/>
-            </a:pPr>
-            <a:r>
-              <a:rPr lang="zh-CN" altLang="en-US" sz="2000" kern="1200" dirty="0">
-                <a:solidFill>
-                  <a:srgbClr val="474747"/>
-                </a:solidFill>
-                <a:latin typeface="微软雅黑" charset="0"/>
-                <a:ea typeface="微软雅黑" charset="0"/>
-                <a:cs typeface="微软雅黑" charset="0"/>
-                <a:sym typeface="Calibri" pitchFamily="34" charset="0"/>
-              </a:rPr>
-              <a:t>高阶组件概述</a:t>
-            </a:r>
-          </a:p>
-        </p:txBody>
-      </p:sp>
-      <p:sp>
-        <p:nvSpPr>
-          <p:cNvPr id="7" name="矩形"/>
-          <p:cNvSpPr>
-            <a:spLocks/>
-          </p:cNvSpPr>
-          <p:nvPr/>
-        </p:nvSpPr>
-        <p:spPr>
-          <a:xfrm>
-            <a:off x="969456" y="1597563"/>
-            <a:ext cx="6754963" cy="400110"/>
-          </a:xfrm>
-          <a:prstGeom prst="rect">
-            <a:avLst/>
-          </a:prstGeom>
-          <a:noFill/>
-          <a:ln w="9525" cap="flat" cmpd="sng">
-            <a:noFill/>
-            <a:prstDash val="solid"/>
-            <a:miter/>
-          </a:ln>
-        </p:spPr>
-        <p:txBody>
-          <a:bodyPr vert="horz" wrap="square" lIns="91440" tIns="45720" rIns="91440" bIns="45720" anchor="ctr" anchorCtr="0">
-            <a:prstTxWarp prst="textNoShape">
-              <a:avLst/>
-            </a:prstTxWarp>
-            <a:spAutoFit/>
-          </a:bodyPr>
-          <a:lstStyle/>
-          <a:p>
-            <a:pPr marL="800100" lvl="1" indent="-342900">
-              <a:buFont typeface="Wingdings" panose="05000000000000000000" pitchFamily="2" charset="2"/>
-              <a:buChar char="u"/>
-            </a:pPr>
-            <a:r>
-              <a:rPr lang="zh-CN" altLang="en-US" sz="2000" u="none" strike="noStrike" kern="1200" cap="none" spc="0" baseline="0" dirty="0">
-                <a:solidFill>
-                  <a:srgbClr val="474747"/>
-                </a:solidFill>
-                <a:latin typeface="微软雅黑" charset="0"/>
-                <a:ea typeface="微软雅黑" charset="0"/>
-                <a:cs typeface="微软雅黑" charset="0"/>
-              </a:rPr>
-              <a:t>课程</a:t>
-            </a:r>
-            <a:r>
-              <a:rPr lang="zh-CN" altLang="en-US" sz="2000" dirty="0">
-                <a:solidFill>
-                  <a:srgbClr val="474747"/>
-                </a:solidFill>
-                <a:latin typeface="微软雅黑" charset="0"/>
-                <a:ea typeface="微软雅黑" charset="0"/>
-                <a:cs typeface="微软雅黑" charset="0"/>
-              </a:rPr>
-              <a:t>介绍</a:t>
-            </a:r>
-            <a:endParaRPr lang="zh-CN" altLang="en-US" sz="2000" u="none" strike="noStrike" kern="1200" cap="none" spc="0" baseline="0" dirty="0">
-              <a:solidFill>
-                <a:srgbClr val="C9394A"/>
-              </a:solidFill>
-              <a:latin typeface="微软雅黑" charset="0"/>
-              <a:ea typeface="微软雅黑" charset="0"/>
-              <a:cs typeface="微软雅黑" charset="0"/>
-            </a:endParaRPr>
-          </a:p>
-        </p:txBody>
-      </p:sp>
-      <p:sp>
-        <p:nvSpPr>
-          <p:cNvPr id="8" name="矩形"/>
-          <p:cNvSpPr>
-            <a:spLocks/>
-          </p:cNvSpPr>
-          <p:nvPr/>
-        </p:nvSpPr>
-        <p:spPr>
-          <a:xfrm>
-            <a:off x="990142" y="2559453"/>
-            <a:ext cx="6754963" cy="400110"/>
-          </a:xfrm>
-          <a:prstGeom prst="rect">
-            <a:avLst/>
-          </a:prstGeom>
-          <a:noFill/>
-          <a:ln w="9525" cap="flat" cmpd="sng">
-            <a:noFill/>
-            <a:prstDash val="solid"/>
-            <a:miter/>
-          </a:ln>
-        </p:spPr>
-        <p:txBody>
-          <a:bodyPr vert="horz" wrap="square" lIns="91440" tIns="45720" rIns="91440" bIns="45720" anchor="ctr" anchorCtr="0">
-            <a:prstTxWarp prst="textNoShape">
-              <a:avLst/>
-            </a:prstTxWarp>
-            <a:spAutoFit/>
-          </a:bodyPr>
-          <a:lstStyle/>
-          <a:p>
-            <a:pPr marL="800100" lvl="1" indent="-342900">
-              <a:buFont typeface="Wingdings" panose="05000000000000000000" pitchFamily="2" charset="2"/>
-              <a:buChar char="u"/>
-            </a:pPr>
-            <a:r>
-              <a:rPr lang="zh-CN" altLang="en-US" sz="2000" kern="1200" dirty="0">
-                <a:solidFill>
-                  <a:srgbClr val="474747"/>
-                </a:solidFill>
-                <a:latin typeface="微软雅黑" charset="0"/>
-                <a:ea typeface="微软雅黑" charset="0"/>
-                <a:cs typeface="微软雅黑" charset="0"/>
-                <a:sym typeface="Calibri" pitchFamily="34" charset="0"/>
-              </a:rPr>
-              <a:t>高阶组件实现</a:t>
-            </a:r>
-            <a:endParaRPr lang="zh-CN" altLang="en-US" sz="2000" u="none" strike="noStrike" kern="1200" cap="none" spc="0" baseline="0" dirty="0">
-              <a:solidFill>
-                <a:srgbClr val="C9394A"/>
-              </a:solidFill>
-              <a:latin typeface="微软雅黑" charset="0"/>
-              <a:ea typeface="微软雅黑" charset="0"/>
-              <a:cs typeface="微软雅黑" charset="0"/>
-              <a:sym typeface="Calibri" pitchFamily="34" charset="0"/>
-            </a:endParaRPr>
-          </a:p>
-        </p:txBody>
-      </p:sp>
-      <p:sp>
-        <p:nvSpPr>
-          <p:cNvPr id="9" name="矩形"/>
-          <p:cNvSpPr>
-            <a:spLocks/>
-          </p:cNvSpPr>
-          <p:nvPr/>
-        </p:nvSpPr>
-        <p:spPr>
-          <a:xfrm>
-            <a:off x="969454" y="3040398"/>
-            <a:ext cx="6754963" cy="400110"/>
-          </a:xfrm>
-          <a:prstGeom prst="rect">
-            <a:avLst/>
-          </a:prstGeom>
-          <a:noFill/>
-          <a:ln w="9525" cap="flat" cmpd="sng">
-            <a:noFill/>
-            <a:prstDash val="solid"/>
-            <a:miter/>
-          </a:ln>
-        </p:spPr>
-        <p:txBody>
-          <a:bodyPr vert="horz" wrap="square" lIns="91440" tIns="45720" rIns="91440" bIns="45720" anchor="ctr" anchorCtr="0">
-            <a:prstTxWarp prst="textNoShape">
-              <a:avLst/>
-            </a:prstTxWarp>
-            <a:spAutoFit/>
-          </a:bodyPr>
-          <a:lstStyle/>
-          <a:p>
-            <a:pPr marL="800100" lvl="1" indent="-342900">
-              <a:buFont typeface="Wingdings" panose="05000000000000000000" pitchFamily="2" charset="2"/>
-              <a:buChar char="u"/>
-            </a:pPr>
-            <a:r>
-              <a:rPr lang="zh-CN" altLang="en-US" sz="2000" kern="1200" dirty="0">
-                <a:solidFill>
-                  <a:srgbClr val="474747"/>
-                </a:solidFill>
-                <a:latin typeface="微软雅黑" charset="0"/>
-                <a:ea typeface="微软雅黑" charset="0"/>
-                <a:cs typeface="微软雅黑" charset="0"/>
-                <a:sym typeface="Calibri" pitchFamily="34" charset="0"/>
-              </a:rPr>
-              <a:t>高阶组件应用</a:t>
-            </a:r>
-            <a:endParaRPr lang="zh-CN" altLang="en-US" sz="2000" u="none" strike="noStrike" kern="1200" cap="none" spc="0" baseline="0" dirty="0">
-              <a:solidFill>
-                <a:srgbClr val="C9394A"/>
-              </a:solidFill>
-              <a:latin typeface="微软雅黑" charset="0"/>
-              <a:ea typeface="微软雅黑" charset="0"/>
-              <a:cs typeface="微软雅黑" charset="0"/>
-              <a:sym typeface="Calibri" pitchFamily="34" charset="0"/>
-            </a:endParaRPr>
-          </a:p>
-        </p:txBody>
-      </p:sp>
-      <p:sp>
-        <p:nvSpPr>
-          <p:cNvPr id="10" name="矩形"/>
-          <p:cNvSpPr>
-            <a:spLocks/>
-          </p:cNvSpPr>
-          <p:nvPr/>
-        </p:nvSpPr>
-        <p:spPr>
-          <a:xfrm>
-            <a:off x="4499992" y="1597563"/>
-            <a:ext cx="4010977" cy="400110"/>
-          </a:xfrm>
-          <a:prstGeom prst="rect">
-            <a:avLst/>
-          </a:prstGeom>
-          <a:noFill/>
-          <a:ln w="9525" cap="flat" cmpd="sng">
-            <a:noFill/>
-            <a:prstDash val="solid"/>
-            <a:miter/>
-          </a:ln>
-        </p:spPr>
-        <p:txBody>
-          <a:bodyPr vert="horz" wrap="square" lIns="91440" tIns="45720" rIns="91440" bIns="45720" anchor="ctr" anchorCtr="0">
-            <a:prstTxWarp prst="textNoShape">
-              <a:avLst/>
-            </a:prstTxWarp>
-            <a:spAutoFit/>
-          </a:bodyPr>
-          <a:lstStyle/>
-          <a:p>
-            <a:pPr marL="800100" lvl="1" indent="-342900">
-              <a:buFont typeface="Wingdings" panose="05000000000000000000" pitchFamily="2" charset="2"/>
-              <a:buChar char="u"/>
-            </a:pPr>
-            <a:r>
-              <a:rPr lang="zh-CN" altLang="en-US" sz="2000" kern="1200" dirty="0">
-                <a:solidFill>
-                  <a:srgbClr val="474747"/>
-                </a:solidFill>
-                <a:latin typeface="微软雅黑" charset="0"/>
-                <a:ea typeface="微软雅黑" charset="0"/>
-                <a:cs typeface="微软雅黑" charset="0"/>
-                <a:sym typeface="Calibri" pitchFamily="34" charset="0"/>
-              </a:rPr>
-              <a:t>高阶组件使用出现的问题</a:t>
-            </a:r>
-            <a:endParaRPr lang="zh-CN" altLang="en-US" sz="2000" u="none" strike="noStrike" kern="1200" cap="none" spc="0" baseline="0" dirty="0">
-              <a:solidFill>
-                <a:srgbClr val="C9394A"/>
-              </a:solidFill>
-              <a:latin typeface="微软雅黑" charset="0"/>
-              <a:ea typeface="微软雅黑" charset="0"/>
-              <a:cs typeface="微软雅黑" charset="0"/>
-              <a:sym typeface="Calibri" pitchFamily="34" charset="0"/>
-            </a:endParaRPr>
-          </a:p>
-        </p:txBody>
-      </p:sp>
-      <p:sp>
-        <p:nvSpPr>
-          <p:cNvPr id="11" name="矩形">
-            <a:extLst>
-              <a:ext uri="{FF2B5EF4-FFF2-40B4-BE49-F238E27FC236}">
-                <a16:creationId xmlns:a16="http://schemas.microsoft.com/office/drawing/2014/main" id="{EF7E8797-D768-7249-B602-3ABD7A323BF4}"/>
-              </a:ext>
-            </a:extLst>
-          </p:cNvPr>
-          <p:cNvSpPr>
-            <a:spLocks/>
-          </p:cNvSpPr>
-          <p:nvPr/>
-        </p:nvSpPr>
-        <p:spPr>
-          <a:xfrm>
-            <a:off x="4502922" y="2078506"/>
-            <a:ext cx="4010977" cy="400110"/>
-          </a:xfrm>
-          <a:prstGeom prst="rect">
-            <a:avLst/>
-          </a:prstGeom>
-          <a:noFill/>
-          <a:ln w="9525" cap="flat" cmpd="sng">
-            <a:noFill/>
-            <a:prstDash val="solid"/>
-            <a:miter/>
-          </a:ln>
-        </p:spPr>
-        <p:txBody>
-          <a:bodyPr vert="horz" wrap="square" lIns="91440" tIns="45720" rIns="91440" bIns="45720" anchor="ctr" anchorCtr="0">
-            <a:prstTxWarp prst="textNoShape">
-              <a:avLst/>
-            </a:prstTxWarp>
-            <a:spAutoFit/>
-          </a:bodyPr>
-          <a:lstStyle/>
-          <a:p>
-            <a:pPr marL="800100" lvl="1" indent="-342900">
-              <a:buFont typeface="Wingdings" panose="05000000000000000000" pitchFamily="2" charset="2"/>
-              <a:buChar char="u"/>
-            </a:pPr>
-            <a:r>
-              <a:rPr lang="zh-CN" altLang="en-US" sz="2000" kern="1200" dirty="0">
-                <a:solidFill>
-                  <a:srgbClr val="474747"/>
-                </a:solidFill>
-                <a:latin typeface="微软雅黑" charset="0"/>
-                <a:ea typeface="微软雅黑" charset="0"/>
-                <a:cs typeface="微软雅黑" charset="0"/>
-                <a:sym typeface="Calibri" pitchFamily="34" charset="0"/>
-              </a:rPr>
-              <a:t>高阶组件实战</a:t>
-            </a:r>
-            <a:endParaRPr lang="zh-CN" altLang="en-US" sz="2000" u="none" strike="noStrike" kern="1200" cap="none" spc="0" baseline="0" dirty="0">
-              <a:solidFill>
-                <a:srgbClr val="C9394A"/>
-              </a:solidFill>
-              <a:latin typeface="微软雅黑" charset="0"/>
-              <a:ea typeface="微软雅黑" charset="0"/>
-              <a:cs typeface="微软雅黑" charset="0"/>
-              <a:sym typeface="Calibri" pitchFamily="34" charset="0"/>
-            </a:endParaRPr>
-          </a:p>
-        </p:txBody>
-      </p:sp>
-      <p:sp>
-        <p:nvSpPr>
-          <p:cNvPr id="12" name="矩形">
-            <a:extLst>
-              <a:ext uri="{FF2B5EF4-FFF2-40B4-BE49-F238E27FC236}">
-                <a16:creationId xmlns:a16="http://schemas.microsoft.com/office/drawing/2014/main" id="{37A084E4-053D-D34B-9FC1-66D91E7D5E04}"/>
-              </a:ext>
-            </a:extLst>
-          </p:cNvPr>
-          <p:cNvSpPr>
-            <a:spLocks/>
-          </p:cNvSpPr>
-          <p:nvPr/>
-        </p:nvSpPr>
-        <p:spPr>
-          <a:xfrm>
-            <a:off x="4499992" y="2559449"/>
-            <a:ext cx="4010977" cy="400110"/>
-          </a:xfrm>
-          <a:prstGeom prst="rect">
-            <a:avLst/>
-          </a:prstGeom>
-          <a:noFill/>
-          <a:ln w="9525" cap="flat" cmpd="sng">
-            <a:noFill/>
-            <a:prstDash val="solid"/>
-            <a:miter/>
-          </a:ln>
-        </p:spPr>
-        <p:txBody>
-          <a:bodyPr vert="horz" wrap="square" lIns="91440" tIns="45720" rIns="91440" bIns="45720" anchor="ctr" anchorCtr="0">
-            <a:prstTxWarp prst="textNoShape">
-              <a:avLst/>
-            </a:prstTxWarp>
-            <a:spAutoFit/>
-          </a:bodyPr>
-          <a:lstStyle/>
-          <a:p>
-            <a:pPr marL="800100" lvl="1" indent="-342900">
-              <a:buFont typeface="Wingdings" panose="05000000000000000000" pitchFamily="2" charset="2"/>
-              <a:buChar char="u"/>
-            </a:pPr>
-            <a:r>
-              <a:rPr lang="zh-CN" altLang="en-US" sz="2000" kern="1200" dirty="0">
-                <a:solidFill>
-                  <a:srgbClr val="474747"/>
-                </a:solidFill>
-                <a:latin typeface="微软雅黑" charset="0"/>
-                <a:ea typeface="微软雅黑" charset="0"/>
-                <a:cs typeface="微软雅黑" charset="0"/>
-                <a:sym typeface="Calibri" pitchFamily="34" charset="0"/>
-              </a:rPr>
-              <a:t>回顾与总结</a:t>
-            </a:r>
-            <a:endParaRPr lang="zh-CN" altLang="en-US" sz="2000" u="none" strike="noStrike" kern="1200" cap="none" spc="0" baseline="0" dirty="0">
-              <a:solidFill>
-                <a:srgbClr val="C9394A"/>
-              </a:solidFill>
-              <a:latin typeface="微软雅黑" charset="0"/>
-              <a:ea typeface="微软雅黑" charset="0"/>
-              <a:cs typeface="微软雅黑" charset="0"/>
-              <a:sym typeface="Calibri" pitchFamily="34" charset="0"/>
-            </a:endParaRPr>
-          </a:p>
-        </p:txBody>
-      </p:sp>
-    </p:spTree>
-    <p:extLst>
-      <p:ext uri="{BB962C8B-B14F-4D97-AF65-F5344CB8AC3E}">
-        <p14:creationId xmlns:p14="http://schemas.microsoft.com/office/powerpoint/2010/main" val="4064086350"/>
-      </p:ext>
-    </p:extLst>
-  </p:cSld>
-  <p:clrMapOvr>
-    <a:masterClrMapping/>
-  </p:clrMapOvr>
-  <p:timing>
-    <p:tnLst>
-      <p:par>
-        <p:cTn id="1" dur="indefinite" restart="never" fill="hold" nodeType="tmRoot">
-          <p:childTnLst>
-            <p:seq concurrent="1" nextAc="seek">
-              <p:cTn id="2" dur="indefinite" nodeType="mainSeq">
-                <p:childTnLst>
-                  <p:par>
-                    <p:cTn id="3" fill="hold">
-                      <p:stCondLst>
-                        <p:cond delay="indefinite"/>
-                      </p:stCondLst>
-                      <p:childTnLst>
-                        <p:par>
-                          <p:cTn id="4" fill="hold">
-                            <p:stCondLst>
-                              <p:cond delay="0"/>
-                            </p:stCondLst>
-                            <p:childTnLst>
-                              <p:par>
-                                <p:cTn id="5" presetID="2" presetClass="entr" presetSubtype="4" fill="hold" grpId="0" nodeType="clickEffect">
-                                  <p:stCondLst>
-                                    <p:cond delay="0"/>
-                                  </p:stCondLst>
-                                  <p:childTnLst>
-                                    <p:set>
-                                      <p:cBhvr>
-                                        <p:cTn id="6" dur="1" fill="hold">
-                                          <p:stCondLst>
-                                            <p:cond delay="0"/>
-                                          </p:stCondLst>
-                                        </p:cTn>
-                                        <p:tgtEl>
-                                          <p:spTgt spid="7"/>
-                                        </p:tgtEl>
-                                        <p:attrNameLst>
-                                          <p:attrName>style.visibility</p:attrName>
-                                        </p:attrNameLst>
-                                      </p:cBhvr>
-                                      <p:to>
-                                        <p:strVal val="visible"/>
-                                      </p:to>
-                                    </p:set>
-                                    <p:anim calcmode="lin" valueType="num">
-                                      <p:cBhvr additive="base">
-                                        <p:cTn id="7" dur="500" fill="hold"/>
-                                        <p:tgtEl>
-                                          <p:spTgt spid="7"/>
-                                        </p:tgtEl>
-                                        <p:attrNameLst>
-                                          <p:attrName>ppt_x</p:attrName>
-                                        </p:attrNameLst>
-                                      </p:cBhvr>
-                                      <p:tavLst>
-                                        <p:tav tm="0">
-                                          <p:val>
-                                            <p:strVal val="#ppt_x"/>
-                                          </p:val>
-                                        </p:tav>
-                                        <p:tav tm="100000">
-                                          <p:val>
-                                            <p:strVal val="#ppt_x"/>
-                                          </p:val>
-                                        </p:tav>
-                                      </p:tavLst>
-                                    </p:anim>
-                                    <p:anim calcmode="lin" valueType="num">
-                                      <p:cBhvr additive="base">
-                                        <p:cTn id="8" dur="500" fill="hold"/>
-                                        <p:tgtEl>
-                                          <p:spTgt spid="7"/>
-                                        </p:tgtEl>
-                                        <p:attrNameLst>
-                                          <p:attrName>ppt_y</p:attrName>
-                                        </p:attrNameLst>
-                                      </p:cBhvr>
-                                      <p:tavLst>
-                                        <p:tav tm="0">
-                                          <p:val>
-                                            <p:strVal val="1+#ppt_h/2"/>
-                                          </p:val>
-                                        </p:tav>
-                                        <p:tav tm="100000">
-                                          <p:val>
-                                            <p:strVal val="#ppt_y"/>
-                                          </p:val>
-                                        </p:tav>
-                                      </p:tavLst>
-                                    </p:anim>
-                                  </p:childTnLst>
-                                </p:cTn>
-                              </p:par>
-                            </p:childTnLst>
-                          </p:cTn>
-                        </p:par>
-                      </p:childTnLst>
-                    </p:cTn>
-                  </p:par>
-                  <p:par>
-                    <p:cTn id="9" fill="hold">
-                      <p:stCondLst>
-                        <p:cond delay="indefinite"/>
-                      </p:stCondLst>
-                      <p:childTnLst>
-                        <p:par>
-                          <p:cTn id="10" fill="hold">
-                            <p:stCondLst>
-                              <p:cond delay="0"/>
-                            </p:stCondLst>
-                            <p:childTnLst>
-                              <p:par>
-                                <p:cTn id="11" presetID="2" presetClass="entr" presetSubtype="4" fill="hold" grpId="0" nodeType="clickEffect">
-                                  <p:stCondLst>
-                                    <p:cond delay="0"/>
-                                  </p:stCondLst>
-                                  <p:childTnLst>
-                                    <p:set>
-                                      <p:cBhvr>
-                                        <p:cTn id="12" dur="1" fill="hold">
-                                          <p:stCondLst>
-                                            <p:cond delay="0"/>
-                                          </p:stCondLst>
-                                        </p:cTn>
-                                        <p:tgtEl>
-                                          <p:spTgt spid="6"/>
-                                        </p:tgtEl>
-                                        <p:attrNameLst>
-                                          <p:attrName>style.visibility</p:attrName>
-                                        </p:attrNameLst>
-                                      </p:cBhvr>
-                                      <p:to>
-                                        <p:strVal val="visible"/>
-                                      </p:to>
-                                    </p:set>
-                                    <p:anim calcmode="lin" valueType="num">
-                                      <p:cBhvr additive="base">
-                                        <p:cTn id="13" dur="500" fill="hold"/>
-                                        <p:tgtEl>
-                                          <p:spTgt spid="6"/>
-                                        </p:tgtEl>
-                                        <p:attrNameLst>
-                                          <p:attrName>ppt_x</p:attrName>
-                                        </p:attrNameLst>
-                                      </p:cBhvr>
-                                      <p:tavLst>
-                                        <p:tav tm="0">
-                                          <p:val>
-                                            <p:strVal val="#ppt_x"/>
-                                          </p:val>
-                                        </p:tav>
-                                        <p:tav tm="100000">
-                                          <p:val>
-                                            <p:strVal val="#ppt_x"/>
-                                          </p:val>
-                                        </p:tav>
-                                      </p:tavLst>
-                                    </p:anim>
-                                    <p:anim calcmode="lin" valueType="num">
-                                      <p:cBhvr additive="base">
-                                        <p:cTn id="14" dur="500" fill="hold"/>
-                                        <p:tgtEl>
-                                          <p:spTgt spid="6"/>
-                                        </p:tgtEl>
-                                        <p:attrNameLst>
-                                          <p:attrName>ppt_y</p:attrName>
-                                        </p:attrNameLst>
-                                      </p:cBhvr>
-                                      <p:tavLst>
-                                        <p:tav tm="0">
-                                          <p:val>
-                                            <p:strVal val="1+#ppt_h/2"/>
-                                          </p:val>
-                                        </p:tav>
-                                        <p:tav tm="100000">
-                                          <p:val>
-                                            <p:strVal val="#ppt_y"/>
-                                          </p:val>
-                                        </p:tav>
-                                      </p:tavLst>
-                                    </p:anim>
-                                  </p:childTnLst>
-                                </p:cTn>
-                              </p:par>
-                            </p:childTnLst>
-                          </p:cTn>
-                        </p:par>
-                      </p:childTnLst>
-                    </p:cTn>
-                  </p:par>
-                  <p:par>
-                    <p:cTn id="15" fill="hold">
-                      <p:stCondLst>
-                        <p:cond delay="indefinite"/>
-                      </p:stCondLst>
-                      <p:childTnLst>
-                        <p:par>
-                          <p:cTn id="16" fill="hold">
-                            <p:stCondLst>
-                              <p:cond delay="0"/>
-                            </p:stCondLst>
-                            <p:childTnLst>
-                              <p:par>
-                                <p:cTn id="17" presetID="2" presetClass="entr" presetSubtype="4" fill="hold" grpId="0" nodeType="clickEffect">
-                                  <p:stCondLst>
-                                    <p:cond delay="0"/>
-                                  </p:stCondLst>
-                                  <p:childTnLst>
-                                    <p:set>
-                                      <p:cBhvr>
-                                        <p:cTn id="18" dur="1" fill="hold">
-                                          <p:stCondLst>
-                                            <p:cond delay="0"/>
-                                          </p:stCondLst>
-                                        </p:cTn>
-                                        <p:tgtEl>
-                                          <p:spTgt spid="8"/>
-                                        </p:tgtEl>
-                                        <p:attrNameLst>
-                                          <p:attrName>style.visibility</p:attrName>
-                                        </p:attrNameLst>
-                                      </p:cBhvr>
-                                      <p:to>
-                                        <p:strVal val="visible"/>
-                                      </p:to>
-                                    </p:set>
-                                    <p:anim calcmode="lin" valueType="num">
-                                      <p:cBhvr additive="base">
-                                        <p:cTn id="19" dur="500" fill="hold"/>
-                                        <p:tgtEl>
-                                          <p:spTgt spid="8"/>
-                                        </p:tgtEl>
-                                        <p:attrNameLst>
-                                          <p:attrName>ppt_x</p:attrName>
-                                        </p:attrNameLst>
-                                      </p:cBhvr>
-                                      <p:tavLst>
-                                        <p:tav tm="0">
-                                          <p:val>
-                                            <p:strVal val="#ppt_x"/>
-                                          </p:val>
-                                        </p:tav>
-                                        <p:tav tm="100000">
-                                          <p:val>
-                                            <p:strVal val="#ppt_x"/>
-                                          </p:val>
-                                        </p:tav>
-                                      </p:tavLst>
-                                    </p:anim>
-                                    <p:anim calcmode="lin" valueType="num">
-                                      <p:cBhvr additive="base">
-                                        <p:cTn id="20" dur="500" fill="hold"/>
-                                        <p:tgtEl>
-                                          <p:spTgt spid="8"/>
-                                        </p:tgtEl>
-                                        <p:attrNameLst>
-                                          <p:attrName>ppt_y</p:attrName>
-                                        </p:attrNameLst>
-                                      </p:cBhvr>
-                                      <p:tavLst>
-                                        <p:tav tm="0">
-                                          <p:val>
-                                            <p:strVal val="1+#ppt_h/2"/>
-                                          </p:val>
-                                        </p:tav>
-                                        <p:tav tm="100000">
-                                          <p:val>
-                                            <p:strVal val="#ppt_y"/>
-                                          </p:val>
-                                        </p:tav>
-                                      </p:tavLst>
-                                    </p:anim>
-                                  </p:childTnLst>
-                                </p:cTn>
-                              </p:par>
-                            </p:childTnLst>
-                          </p:cTn>
-                        </p:par>
-                      </p:childTnLst>
-                    </p:cTn>
-                  </p:par>
-                  <p:par>
-                    <p:cTn id="21" fill="hold">
-                      <p:stCondLst>
-                        <p:cond delay="indefinite"/>
-                      </p:stCondLst>
-                      <p:childTnLst>
-                        <p:par>
-                          <p:cTn id="22" fill="hold">
-                            <p:stCondLst>
-                              <p:cond delay="0"/>
-                            </p:stCondLst>
-                            <p:childTnLst>
-                              <p:par>
-                                <p:cTn id="23" presetID="2" presetClass="entr" presetSubtype="4" fill="hold" grpId="0" nodeType="clickEffect">
-                                  <p:stCondLst>
-                                    <p:cond delay="0"/>
-                                  </p:stCondLst>
-                                  <p:childTnLst>
-                                    <p:set>
-                                      <p:cBhvr>
-                                        <p:cTn id="24" dur="1" fill="hold">
-                                          <p:stCondLst>
-                                            <p:cond delay="0"/>
-                                          </p:stCondLst>
-                                        </p:cTn>
-                                        <p:tgtEl>
-                                          <p:spTgt spid="9"/>
-                                        </p:tgtEl>
-                                        <p:attrNameLst>
-                                          <p:attrName>style.visibility</p:attrName>
-                                        </p:attrNameLst>
-                                      </p:cBhvr>
-                                      <p:to>
-                                        <p:strVal val="visible"/>
-                                      </p:to>
-                                    </p:set>
-                                    <p:anim calcmode="lin" valueType="num">
-                                      <p:cBhvr additive="base">
-                                        <p:cTn id="25" dur="500" fill="hold"/>
-                                        <p:tgtEl>
-                                          <p:spTgt spid="9"/>
-                                        </p:tgtEl>
-                                        <p:attrNameLst>
-                                          <p:attrName>ppt_x</p:attrName>
-                                        </p:attrNameLst>
-                                      </p:cBhvr>
-                                      <p:tavLst>
-                                        <p:tav tm="0">
-                                          <p:val>
-                                            <p:strVal val="#ppt_x"/>
-                                          </p:val>
-                                        </p:tav>
-                                        <p:tav tm="100000">
-                                          <p:val>
-                                            <p:strVal val="#ppt_x"/>
-                                          </p:val>
-                                        </p:tav>
-                                      </p:tavLst>
-                                    </p:anim>
-                                    <p:anim calcmode="lin" valueType="num">
-                                      <p:cBhvr additive="base">
-                                        <p:cTn id="26" dur="500" fill="hold"/>
-                                        <p:tgtEl>
-                                          <p:spTgt spid="9"/>
-                                        </p:tgtEl>
-                                        <p:attrNameLst>
-                                          <p:attrName>ppt_y</p:attrName>
-                                        </p:attrNameLst>
-                                      </p:cBhvr>
-                                      <p:tavLst>
-                                        <p:tav tm="0">
-                                          <p:val>
-                                            <p:strVal val="1+#ppt_h/2"/>
-                                          </p:val>
-                                        </p:tav>
-                                        <p:tav tm="100000">
-                                          <p:val>
-                                            <p:strVal val="#ppt_y"/>
-                                          </p:val>
-                                        </p:tav>
-                                      </p:tavLst>
-                                    </p:anim>
-                                  </p:childTnLst>
-                                </p:cTn>
-                              </p:par>
-                            </p:childTnLst>
-                          </p:cTn>
-                        </p:par>
-                      </p:childTnLst>
-                    </p:cTn>
-                  </p:par>
-                  <p:par>
-                    <p:cTn id="27" fill="hold">
-                      <p:stCondLst>
-                        <p:cond delay="indefinite"/>
-                      </p:stCondLst>
-                      <p:childTnLst>
-                        <p:par>
-                          <p:cTn id="28" fill="hold">
-                            <p:stCondLst>
-                              <p:cond delay="0"/>
-                            </p:stCondLst>
-                            <p:childTnLst>
-                              <p:par>
-                                <p:cTn id="29" presetID="2" presetClass="entr" presetSubtype="4" fill="hold" grpId="0" nodeType="clickEffect">
-                                  <p:stCondLst>
-                                    <p:cond delay="0"/>
-                                  </p:stCondLst>
-                                  <p:childTnLst>
-                                    <p:set>
-                                      <p:cBhvr>
-                                        <p:cTn id="30" dur="1" fill="hold">
-                                          <p:stCondLst>
-                                            <p:cond delay="0"/>
-                                          </p:stCondLst>
-                                        </p:cTn>
-                                        <p:tgtEl>
-                                          <p:spTgt spid="10"/>
-                                        </p:tgtEl>
-                                        <p:attrNameLst>
-                                          <p:attrName>style.visibility</p:attrName>
-                                        </p:attrNameLst>
-                                      </p:cBhvr>
-                                      <p:to>
-                                        <p:strVal val="visible"/>
-                                      </p:to>
-                                    </p:set>
-                                    <p:anim calcmode="lin" valueType="num">
-                                      <p:cBhvr additive="base">
-                                        <p:cTn id="31" dur="500" fill="hold"/>
-                                        <p:tgtEl>
-                                          <p:spTgt spid="10"/>
-                                        </p:tgtEl>
-                                        <p:attrNameLst>
-                                          <p:attrName>ppt_x</p:attrName>
-                                        </p:attrNameLst>
-                                      </p:cBhvr>
-                                      <p:tavLst>
-                                        <p:tav tm="0">
-                                          <p:val>
-                                            <p:strVal val="#ppt_x"/>
-                                          </p:val>
-                                        </p:tav>
-                                        <p:tav tm="100000">
-                                          <p:val>
-                                            <p:strVal val="#ppt_x"/>
-                                          </p:val>
-                                        </p:tav>
-                                      </p:tavLst>
-                                    </p:anim>
-                                    <p:anim calcmode="lin" valueType="num">
-                                      <p:cBhvr additive="base">
-                                        <p:cTn id="32" dur="500" fill="hold"/>
-                                        <p:tgtEl>
-                                          <p:spTgt spid="10"/>
-                                        </p:tgtEl>
-                                        <p:attrNameLst>
-                                          <p:attrName>ppt_y</p:attrName>
-                                        </p:attrNameLst>
-                                      </p:cBhvr>
-                                      <p:tavLst>
-                                        <p:tav tm="0">
-                                          <p:val>
-                                            <p:strVal val="1+#ppt_h/2"/>
-                                          </p:val>
-                                        </p:tav>
-                                        <p:tav tm="100000">
-                                          <p:val>
-                                            <p:strVal val="#ppt_y"/>
-                                          </p:val>
-                                        </p:tav>
-                                      </p:tavLst>
-                                    </p:anim>
-                                  </p:childTnLst>
-                                </p:cTn>
-                              </p:par>
-                            </p:childTnLst>
-                          </p:cTn>
-                        </p:par>
-                      </p:childTnLst>
-                    </p:cTn>
-                  </p:par>
-                  <p:par>
-                    <p:cTn id="33" fill="hold">
-                      <p:stCondLst>
-                        <p:cond delay="indefinite"/>
-                      </p:stCondLst>
-                      <p:childTnLst>
-                        <p:par>
-                          <p:cTn id="34" fill="hold">
-                            <p:stCondLst>
-                              <p:cond delay="0"/>
-                            </p:stCondLst>
-                            <p:childTnLst>
-                              <p:par>
-                                <p:cTn id="35" presetID="2" presetClass="entr" presetSubtype="4" fill="hold" grpId="0" nodeType="clickEffect">
-                                  <p:stCondLst>
-                                    <p:cond delay="0"/>
-                                  </p:stCondLst>
-                                  <p:childTnLst>
-                                    <p:set>
-                                      <p:cBhvr>
-                                        <p:cTn id="36" dur="1" fill="hold">
-                                          <p:stCondLst>
-                                            <p:cond delay="0"/>
-                                          </p:stCondLst>
-                                        </p:cTn>
-                                        <p:tgtEl>
-                                          <p:spTgt spid="11"/>
-                                        </p:tgtEl>
-                                        <p:attrNameLst>
-                                          <p:attrName>style.visibility</p:attrName>
-                                        </p:attrNameLst>
-                                      </p:cBhvr>
-                                      <p:to>
-                                        <p:strVal val="visible"/>
-                                      </p:to>
-                                    </p:set>
-                                    <p:anim calcmode="lin" valueType="num">
-                                      <p:cBhvr additive="base">
-                                        <p:cTn id="37" dur="500" fill="hold"/>
-                                        <p:tgtEl>
-                                          <p:spTgt spid="11"/>
-                                        </p:tgtEl>
-                                        <p:attrNameLst>
-                                          <p:attrName>ppt_x</p:attrName>
-                                        </p:attrNameLst>
-                                      </p:cBhvr>
-                                      <p:tavLst>
-                                        <p:tav tm="0">
-                                          <p:val>
-                                            <p:strVal val="#ppt_x"/>
-                                          </p:val>
-                                        </p:tav>
-                                        <p:tav tm="100000">
-                                          <p:val>
-                                            <p:strVal val="#ppt_x"/>
-                                          </p:val>
-                                        </p:tav>
-                                      </p:tavLst>
-                                    </p:anim>
-                                    <p:anim calcmode="lin" valueType="num">
-                                      <p:cBhvr additive="base">
-                                        <p:cTn id="38" dur="500" fill="hold"/>
-                                        <p:tgtEl>
-                                          <p:spTgt spid="11"/>
-                                        </p:tgtEl>
-                                        <p:attrNameLst>
-                                          <p:attrName>ppt_y</p:attrName>
-                                        </p:attrNameLst>
-                                      </p:cBhvr>
-                                      <p:tavLst>
-                                        <p:tav tm="0">
-                                          <p:val>
-                                            <p:strVal val="1+#ppt_h/2"/>
-                                          </p:val>
-                                        </p:tav>
-                                        <p:tav tm="100000">
-                                          <p:val>
-                                            <p:strVal val="#ppt_y"/>
-                                          </p:val>
-                                        </p:tav>
-                                      </p:tavLst>
-                                    </p:anim>
-                                  </p:childTnLst>
-                                </p:cTn>
-                              </p:par>
-                            </p:childTnLst>
-                          </p:cTn>
-                        </p:par>
-                      </p:childTnLst>
-                    </p:cTn>
-                  </p:par>
-                  <p:par>
-                    <p:cTn id="39" fill="hold">
-                      <p:stCondLst>
-                        <p:cond delay="indefinite"/>
-                      </p:stCondLst>
-                      <p:childTnLst>
-                        <p:par>
-                          <p:cTn id="40" fill="hold">
-                            <p:stCondLst>
-                              <p:cond delay="0"/>
-                            </p:stCondLst>
-                            <p:childTnLst>
-                              <p:par>
-                                <p:cTn id="41" presetID="2" presetClass="entr" presetSubtype="4" fill="hold" grpId="0" nodeType="clickEffect">
-                                  <p:stCondLst>
-                                    <p:cond delay="0"/>
-                                  </p:stCondLst>
-                                  <p:childTnLst>
-                                    <p:set>
-                                      <p:cBhvr>
-                                        <p:cTn id="42" dur="1" fill="hold">
-                                          <p:stCondLst>
-                                            <p:cond delay="0"/>
-                                          </p:stCondLst>
-                                        </p:cTn>
-                                        <p:tgtEl>
-                                          <p:spTgt spid="12"/>
-                                        </p:tgtEl>
-                                        <p:attrNameLst>
-                                          <p:attrName>style.visibility</p:attrName>
-                                        </p:attrNameLst>
-                                      </p:cBhvr>
-                                      <p:to>
-                                        <p:strVal val="visible"/>
-                                      </p:to>
-                                    </p:set>
-                                    <p:anim calcmode="lin" valueType="num">
-                                      <p:cBhvr additive="base">
-                                        <p:cTn id="43" dur="500" fill="hold"/>
-                                        <p:tgtEl>
-                                          <p:spTgt spid="12"/>
-                                        </p:tgtEl>
-                                        <p:attrNameLst>
-                                          <p:attrName>ppt_x</p:attrName>
-                                        </p:attrNameLst>
-                                      </p:cBhvr>
-                                      <p:tavLst>
-                                        <p:tav tm="0">
-                                          <p:val>
-                                            <p:strVal val="#ppt_x"/>
-                                          </p:val>
-                                        </p:tav>
-                                        <p:tav tm="100000">
-                                          <p:val>
-                                            <p:strVal val="#ppt_x"/>
-                                          </p:val>
-                                        </p:tav>
-                                      </p:tavLst>
-                                    </p:anim>
-                                    <p:anim calcmode="lin" valueType="num">
-                                      <p:cBhvr additive="base">
-                                        <p:cTn id="44" dur="500" fill="hold"/>
-                                        <p:tgtEl>
-                                          <p:spTgt spid="12"/>
-                                        </p:tgtEl>
-                                        <p:attrNameLst>
-                                          <p:attrName>ppt_y</p:attrName>
-                                        </p:attrNameLst>
-                                      </p:cBhvr>
-                                      <p:tavLst>
-                                        <p:tav tm="0">
-                                          <p:val>
-                                            <p:strVal val="1+#ppt_h/2"/>
-                                          </p:val>
-                                        </p:tav>
-                                        <p:tav tm="100000">
-                                          <p:val>
-                                            <p:strVal val="#ppt_y"/>
-                                          </p:val>
-                                        </p:tav>
-                                      </p:tavLst>
-                                    </p:anim>
-                                  </p:childTnLst>
-                                </p:cTn>
-                              </p:par>
-                            </p:childTnLst>
-                          </p:cTn>
-                        </p:par>
-                      </p:childTnLst>
-                    </p:cTn>
-                  </p:par>
-                </p:childTnLst>
-              </p:cTn>
-              <p:prevCondLst>
-                <p:cond evt="onPrev" delay="0">
-                  <p:tgtEl>
-                    <p:sldTgt/>
-                  </p:tgtEl>
-                </p:cond>
-              </p:prevCondLst>
-              <p:nextCondLst>
-                <p:cond evt="onNext" delay="0">
-                  <p:tgtEl>
-                    <p:sldTgt/>
-                  </p:tgtEl>
-                </p:cond>
-              </p:nextCondLst>
-            </p:seq>
-          </p:childTnLst>
-        </p:cTn>
-      </p:par>
-    </p:tnLst>
-    <p:bldLst>
-      <p:bldP spid="6" grpId="0"/>
-      <p:bldP spid="7" grpId="0"/>
-      <p:bldP spid="8" grpId="0"/>
-      <p:bldP spid="9" grpId="0"/>
-      <p:bldP spid="10" grpId="0"/>
-      <p:bldP spid="11" grpId="0"/>
-      <p:bldP spid="12" grpId="0"/>
-    </p:bldLst>
-  </p:timing>
-</p:sld>
-</file>
-
-<file path=ppt/slides/slide20.xml><?xml version="1.0" encoding="utf-8"?>
+<file path=ppt/slides/slide22.xml><?xml version="1.0" encoding="utf-8"?>
 <p:sld xmlns:a="http://schemas.openxmlformats.org/drawingml/2006/main" xmlns:r="http://schemas.openxmlformats.org/officeDocument/2006/relationships" xmlns:p="http://schemas.openxmlformats.org/presentationml/2006/main">
   <p:cSld>
     <p:spTree>
@@ -19303,7 +20484,7 @@
 </p:sld>
 </file>
 
-<file path=ppt/slides/slide21.xml><?xml version="1.0" encoding="utf-8"?>
+<file path=ppt/slides/slide23.xml><?xml version="1.0" encoding="utf-8"?>
 <p:sld xmlns:a="http://schemas.openxmlformats.org/drawingml/2006/main" xmlns:r="http://schemas.openxmlformats.org/officeDocument/2006/relationships" xmlns:p="http://schemas.openxmlformats.org/presentationml/2006/main">
   <p:cSld>
     <p:spTree>
@@ -20115,7 +21296,7 @@
 </p:sld>
 </file>
 
-<file path=ppt/slides/slide22.xml><?xml version="1.0" encoding="utf-8"?>
+<file path=ppt/slides/slide24.xml><?xml version="1.0" encoding="utf-8"?>
 <p:sld xmlns:a="http://schemas.openxmlformats.org/drawingml/2006/main" xmlns:r="http://schemas.openxmlformats.org/officeDocument/2006/relationships" xmlns:p="http://schemas.openxmlformats.org/presentationml/2006/main">
   <p:cSld>
     <p:spTree>
@@ -20779,7 +21960,7 @@
 </p:sld>
 </file>
 
-<file path=ppt/slides/slide23.xml><?xml version="1.0" encoding="utf-8"?>
+<file path=ppt/slides/slide25.xml><?xml version="1.0" encoding="utf-8"?>
 <p:sld xmlns:a="http://schemas.openxmlformats.org/drawingml/2006/main" xmlns:r="http://schemas.openxmlformats.org/officeDocument/2006/relationships" xmlns:p="http://schemas.openxmlformats.org/presentationml/2006/main">
   <p:cSld>
     <p:spTree>

--- a/React高级教程之高阶组件-课程PPT.pptx
+++ b/React高级教程之高阶组件-课程PPT.pptx
@@ -6,7 +6,7 @@
     <p:sldMasterId id="2147483671" r:id="rId2"/>
   </p:sldMasterIdLst>
   <p:notesMasterIdLst>
-    <p:notesMasterId r:id="rId28"/>
+    <p:notesMasterId r:id="rId30"/>
   </p:notesMasterIdLst>
   <p:sldIdLst>
     <p:sldId id="275" r:id="rId3"/>
@@ -22,18 +22,20 @@
     <p:sldId id="312" r:id="rId13"/>
     <p:sldId id="294" r:id="rId14"/>
     <p:sldId id="295" r:id="rId15"/>
-    <p:sldId id="296" r:id="rId16"/>
-    <p:sldId id="297" r:id="rId17"/>
-    <p:sldId id="298" r:id="rId18"/>
-    <p:sldId id="299" r:id="rId19"/>
-    <p:sldId id="300" r:id="rId20"/>
-    <p:sldId id="301" r:id="rId21"/>
-    <p:sldId id="302" r:id="rId22"/>
-    <p:sldId id="304" r:id="rId23"/>
-    <p:sldId id="303" r:id="rId24"/>
-    <p:sldId id="305" r:id="rId25"/>
-    <p:sldId id="306" r:id="rId26"/>
-    <p:sldId id="307" r:id="rId27"/>
+    <p:sldId id="313" r:id="rId16"/>
+    <p:sldId id="296" r:id="rId17"/>
+    <p:sldId id="297" r:id="rId18"/>
+    <p:sldId id="298" r:id="rId19"/>
+    <p:sldId id="314" r:id="rId20"/>
+    <p:sldId id="299" r:id="rId21"/>
+    <p:sldId id="300" r:id="rId22"/>
+    <p:sldId id="301" r:id="rId23"/>
+    <p:sldId id="302" r:id="rId24"/>
+    <p:sldId id="304" r:id="rId25"/>
+    <p:sldId id="303" r:id="rId26"/>
+    <p:sldId id="305" r:id="rId27"/>
+    <p:sldId id="306" r:id="rId28"/>
+    <p:sldId id="307" r:id="rId29"/>
   </p:sldIdLst>
   <p:sldSz cx="9144000" cy="5143500" type="screen16x9"/>
   <p:notesSz cx="6858000" cy="9144000"/>
@@ -360,7 +362,7 @@
                 <a:cs typeface="Calibri" pitchFamily="34" charset="0"/>
               </a:rPr>
               <a:pPr algn="r"/>
-              <a:t>2018/7/19</a:t>
+              <a:t>2018/7/25/Wed</a:t>
             </a:fld>
             <a:endParaRPr lang="zh-CN" altLang="en-US" sz="1200">
               <a:latin typeface="Calibri" pitchFamily="34" charset="0"/>
@@ -1239,7 +1241,7 @@
     </p:spTree>
     <p:extLst>
       <p:ext uri="{BB962C8B-B14F-4D97-AF65-F5344CB8AC3E}">
-        <p14:creationId xmlns:p14="http://schemas.microsoft.com/office/powerpoint/2010/main" val="1566206607"/>
+        <p14:creationId xmlns:p14="http://schemas.microsoft.com/office/powerpoint/2010/main" val="1682550397"/>
       </p:ext>
     </p:extLst>
   </p:cSld>
@@ -1359,7 +1361,7 @@
     </p:spTree>
     <p:extLst>
       <p:ext uri="{BB962C8B-B14F-4D97-AF65-F5344CB8AC3E}">
-        <p14:creationId xmlns:p14="http://schemas.microsoft.com/office/powerpoint/2010/main" val="3929777721"/>
+        <p14:creationId xmlns:p14="http://schemas.microsoft.com/office/powerpoint/2010/main" val="1566206607"/>
       </p:ext>
     </p:extLst>
   </p:cSld>
@@ -1479,7 +1481,7 @@
     </p:spTree>
     <p:extLst>
       <p:ext uri="{BB962C8B-B14F-4D97-AF65-F5344CB8AC3E}">
-        <p14:creationId xmlns:p14="http://schemas.microsoft.com/office/powerpoint/2010/main" val="906565300"/>
+        <p14:creationId xmlns:p14="http://schemas.microsoft.com/office/powerpoint/2010/main" val="3929777721"/>
       </p:ext>
     </p:extLst>
   </p:cSld>
@@ -1599,7 +1601,7 @@
     </p:spTree>
     <p:extLst>
       <p:ext uri="{BB962C8B-B14F-4D97-AF65-F5344CB8AC3E}">
-        <p14:creationId xmlns:p14="http://schemas.microsoft.com/office/powerpoint/2010/main" val="2203781699"/>
+        <p14:creationId xmlns:p14="http://schemas.microsoft.com/office/powerpoint/2010/main" val="906565300"/>
       </p:ext>
     </p:extLst>
   </p:cSld>
@@ -1719,7 +1721,7 @@
     </p:spTree>
     <p:extLst>
       <p:ext uri="{BB962C8B-B14F-4D97-AF65-F5344CB8AC3E}">
-        <p14:creationId xmlns:p14="http://schemas.microsoft.com/office/powerpoint/2010/main" val="3767578117"/>
+        <p14:creationId xmlns:p14="http://schemas.microsoft.com/office/powerpoint/2010/main" val="2533990654"/>
       </p:ext>
     </p:extLst>
   </p:cSld>
@@ -1839,7 +1841,7 @@
     </p:spTree>
     <p:extLst>
       <p:ext uri="{BB962C8B-B14F-4D97-AF65-F5344CB8AC3E}">
-        <p14:creationId xmlns:p14="http://schemas.microsoft.com/office/powerpoint/2010/main" val="87634646"/>
+        <p14:creationId xmlns:p14="http://schemas.microsoft.com/office/powerpoint/2010/main" val="2203781699"/>
       </p:ext>
     </p:extLst>
   </p:cSld>
@@ -1959,7 +1961,7 @@
     </p:spTree>
     <p:extLst>
       <p:ext uri="{BB962C8B-B14F-4D97-AF65-F5344CB8AC3E}">
-        <p14:creationId xmlns:p14="http://schemas.microsoft.com/office/powerpoint/2010/main" val="2637405900"/>
+        <p14:creationId xmlns:p14="http://schemas.microsoft.com/office/powerpoint/2010/main" val="3767578117"/>
       </p:ext>
     </p:extLst>
   </p:cSld>
@@ -2079,7 +2081,7 @@
     </p:spTree>
     <p:extLst>
       <p:ext uri="{BB962C8B-B14F-4D97-AF65-F5344CB8AC3E}">
-        <p14:creationId xmlns:p14="http://schemas.microsoft.com/office/powerpoint/2010/main" val="3975377899"/>
+        <p14:creationId xmlns:p14="http://schemas.microsoft.com/office/powerpoint/2010/main" val="87634646"/>
       </p:ext>
     </p:extLst>
   </p:cSld>
@@ -2319,7 +2321,7 @@
     </p:spTree>
     <p:extLst>
       <p:ext uri="{BB962C8B-B14F-4D97-AF65-F5344CB8AC3E}">
-        <p14:creationId xmlns:p14="http://schemas.microsoft.com/office/powerpoint/2010/main" val="2531770868"/>
+        <p14:creationId xmlns:p14="http://schemas.microsoft.com/office/powerpoint/2010/main" val="2637405900"/>
       </p:ext>
     </p:extLst>
   </p:cSld>
@@ -2439,7 +2441,7 @@
     </p:spTree>
     <p:extLst>
       <p:ext uri="{BB962C8B-B14F-4D97-AF65-F5344CB8AC3E}">
-        <p14:creationId xmlns:p14="http://schemas.microsoft.com/office/powerpoint/2010/main" val="2800818347"/>
+        <p14:creationId xmlns:p14="http://schemas.microsoft.com/office/powerpoint/2010/main" val="3975377899"/>
       </p:ext>
     </p:extLst>
   </p:cSld>
@@ -2559,7 +2561,7 @@
     </p:spTree>
     <p:extLst>
       <p:ext uri="{BB962C8B-B14F-4D97-AF65-F5344CB8AC3E}">
-        <p14:creationId xmlns:p14="http://schemas.microsoft.com/office/powerpoint/2010/main" val="2691124330"/>
+        <p14:creationId xmlns:p14="http://schemas.microsoft.com/office/powerpoint/2010/main" val="2531770868"/>
       </p:ext>
     </p:extLst>
   </p:cSld>
@@ -2667,6 +2669,246 @@
               </a:rPr>
               <a:pPr algn="r"/>
               <a:t>25</a:t>
+            </a:fld>
+            <a:endParaRPr lang="zh-CN" altLang="en-US" sz="1200">
+              <a:latin typeface="Calibri" pitchFamily="34" charset="0"/>
+              <a:ea typeface="宋体" pitchFamily="2" charset="-122"/>
+              <a:cs typeface="Calibri" pitchFamily="34" charset="0"/>
+            </a:endParaRPr>
+          </a:p>
+        </p:txBody>
+      </p:sp>
+    </p:spTree>
+    <p:extLst>
+      <p:ext uri="{BB962C8B-B14F-4D97-AF65-F5344CB8AC3E}">
+        <p14:creationId xmlns:p14="http://schemas.microsoft.com/office/powerpoint/2010/main" val="2800818347"/>
+      </p:ext>
+    </p:extLst>
+  </p:cSld>
+  <p:clrMapOvr>
+    <a:masterClrMapping/>
+  </p:clrMapOvr>
+</p:notes>
+</file>
+
+<file path=ppt/notesSlides/notesSlide24.xml><?xml version="1.0" encoding="utf-8"?>
+<p:notes xmlns:a="http://schemas.openxmlformats.org/drawingml/2006/main" xmlns:r="http://schemas.openxmlformats.org/officeDocument/2006/relationships" xmlns:p="http://schemas.openxmlformats.org/presentationml/2006/main">
+  <p:cSld>
+    <p:spTree>
+      <p:nvGrpSpPr>
+        <p:cNvPr id="1" name=""/>
+        <p:cNvGrpSpPr/>
+        <p:nvPr/>
+      </p:nvGrpSpPr>
+      <p:grpSpPr>
+        <a:xfrm>
+          <a:off x="0" y="0"/>
+          <a:ext cx="0" cy="0"/>
+          <a:chOff x="0" y="0"/>
+          <a:chExt cx="0" cy="0"/>
+        </a:xfrm>
+      </p:grpSpPr>
+      <p:sp>
+        <p:nvSpPr>
+          <p:cNvPr id="2" name="文本框"/>
+          <p:cNvSpPr>
+            <a:spLocks noGrp="1" noRot="1" noChangeAspect="1"/>
+          </p:cNvSpPr>
+          <p:nvPr>
+            <p:ph type="sldImg"/>
+          </p:nvPr>
+        </p:nvSpPr>
+        <p:spPr>
+          <a:xfrm>
+            <a:off x="381000" y="685800"/>
+            <a:ext cx="6096000" cy="3429000"/>
+          </a:xfrm>
+        </p:spPr>
+      </p:sp>
+      <p:sp>
+        <p:nvSpPr>
+          <p:cNvPr id="3" name="文本框"/>
+          <p:cNvSpPr>
+            <a:spLocks noGrp="1"/>
+          </p:cNvSpPr>
+          <p:nvPr>
+            <p:ph type="body" idx="1"/>
+          </p:nvPr>
+        </p:nvSpPr>
+        <p:spPr/>
+        <p:txBody>
+          <a:bodyPr/>
+          <a:lstStyle/>
+          <a:p>
+            <a:endParaRPr lang="zh-CN" altLang="en-US"/>
+          </a:p>
+        </p:txBody>
+      </p:sp>
+      <p:sp>
+        <p:nvSpPr>
+          <p:cNvPr id="9" name="文本框"/>
+          <p:cNvSpPr>
+            <a:spLocks noGrp="1"/>
+          </p:cNvSpPr>
+          <p:nvPr>
+            <p:ph type="sldNum" idx="5"/>
+          </p:nvPr>
+        </p:nvSpPr>
+        <p:spPr>
+          <a:xfrm>
+            <a:off x="3884613" y="8685213"/>
+            <a:ext cx="2971800" cy="457200"/>
+          </a:xfrm>
+          <a:prstGeom prst="rect">
+            <a:avLst/>
+          </a:prstGeom>
+          <a:noFill/>
+          <a:ln w="9525" cap="flat" cmpd="sng">
+            <a:noFill/>
+            <a:prstDash val="solid"/>
+            <a:round/>
+          </a:ln>
+        </p:spPr>
+        <p:txBody>
+          <a:bodyPr vert="horz" wrap="square" lIns="91440" tIns="45720" rIns="91440" bIns="45720" anchor="b" anchorCtr="0">
+            <a:prstTxWarp prst="textNoShape">
+              <a:avLst/>
+            </a:prstTxWarp>
+          </a:bodyPr>
+          <a:lstStyle/>
+          <a:p>
+            <a:pPr algn="r"/>
+            <a:fld id="{CAD2D6BD-DE1B-4B5F-8B41-2702339687B9}" type="slidenum">
+              <a:rPr lang="en-US" altLang="zh-CN" sz="1800" u="none" strike="noStrike" kern="1200" cap="none" spc="0" baseline="0">
+                <a:solidFill>
+                  <a:schemeClr val="tx1"/>
+                </a:solidFill>
+                <a:latin typeface="Calibri" pitchFamily="34" charset="0"/>
+                <a:ea typeface="宋体" pitchFamily="2" charset="-122"/>
+                <a:cs typeface="Calibri" pitchFamily="34" charset="0"/>
+              </a:rPr>
+              <a:pPr algn="r"/>
+              <a:t>26</a:t>
+            </a:fld>
+            <a:endParaRPr lang="zh-CN" altLang="en-US" sz="1200">
+              <a:latin typeface="Calibri" pitchFamily="34" charset="0"/>
+              <a:ea typeface="宋体" pitchFamily="2" charset="-122"/>
+              <a:cs typeface="Calibri" pitchFamily="34" charset="0"/>
+            </a:endParaRPr>
+          </a:p>
+        </p:txBody>
+      </p:sp>
+    </p:spTree>
+    <p:extLst>
+      <p:ext uri="{BB962C8B-B14F-4D97-AF65-F5344CB8AC3E}">
+        <p14:creationId xmlns:p14="http://schemas.microsoft.com/office/powerpoint/2010/main" val="2691124330"/>
+      </p:ext>
+    </p:extLst>
+  </p:cSld>
+  <p:clrMapOvr>
+    <a:masterClrMapping/>
+  </p:clrMapOvr>
+</p:notes>
+</file>
+
+<file path=ppt/notesSlides/notesSlide25.xml><?xml version="1.0" encoding="utf-8"?>
+<p:notes xmlns:a="http://schemas.openxmlformats.org/drawingml/2006/main" xmlns:r="http://schemas.openxmlformats.org/officeDocument/2006/relationships" xmlns:p="http://schemas.openxmlformats.org/presentationml/2006/main">
+  <p:cSld>
+    <p:spTree>
+      <p:nvGrpSpPr>
+        <p:cNvPr id="1" name=""/>
+        <p:cNvGrpSpPr/>
+        <p:nvPr/>
+      </p:nvGrpSpPr>
+      <p:grpSpPr>
+        <a:xfrm>
+          <a:off x="0" y="0"/>
+          <a:ext cx="0" cy="0"/>
+          <a:chOff x="0" y="0"/>
+          <a:chExt cx="0" cy="0"/>
+        </a:xfrm>
+      </p:grpSpPr>
+      <p:sp>
+        <p:nvSpPr>
+          <p:cNvPr id="2" name="文本框"/>
+          <p:cNvSpPr>
+            <a:spLocks noGrp="1" noRot="1" noChangeAspect="1"/>
+          </p:cNvSpPr>
+          <p:nvPr>
+            <p:ph type="sldImg"/>
+          </p:nvPr>
+        </p:nvSpPr>
+        <p:spPr>
+          <a:xfrm>
+            <a:off x="381000" y="685800"/>
+            <a:ext cx="6096000" cy="3429000"/>
+          </a:xfrm>
+        </p:spPr>
+      </p:sp>
+      <p:sp>
+        <p:nvSpPr>
+          <p:cNvPr id="3" name="文本框"/>
+          <p:cNvSpPr>
+            <a:spLocks noGrp="1"/>
+          </p:cNvSpPr>
+          <p:nvPr>
+            <p:ph type="body" idx="1"/>
+          </p:nvPr>
+        </p:nvSpPr>
+        <p:spPr/>
+        <p:txBody>
+          <a:bodyPr/>
+          <a:lstStyle/>
+          <a:p>
+            <a:endParaRPr lang="zh-CN" altLang="en-US"/>
+          </a:p>
+        </p:txBody>
+      </p:sp>
+      <p:sp>
+        <p:nvSpPr>
+          <p:cNvPr id="9" name="文本框"/>
+          <p:cNvSpPr>
+            <a:spLocks noGrp="1"/>
+          </p:cNvSpPr>
+          <p:nvPr>
+            <p:ph type="sldNum" idx="5"/>
+          </p:nvPr>
+        </p:nvSpPr>
+        <p:spPr>
+          <a:xfrm>
+            <a:off x="3884613" y="8685213"/>
+            <a:ext cx="2971800" cy="457200"/>
+          </a:xfrm>
+          <a:prstGeom prst="rect">
+            <a:avLst/>
+          </a:prstGeom>
+          <a:noFill/>
+          <a:ln w="9525" cap="flat" cmpd="sng">
+            <a:noFill/>
+            <a:prstDash val="solid"/>
+            <a:round/>
+          </a:ln>
+        </p:spPr>
+        <p:txBody>
+          <a:bodyPr vert="horz" wrap="square" lIns="91440" tIns="45720" rIns="91440" bIns="45720" anchor="b" anchorCtr="0">
+            <a:prstTxWarp prst="textNoShape">
+              <a:avLst/>
+            </a:prstTxWarp>
+          </a:bodyPr>
+          <a:lstStyle/>
+          <a:p>
+            <a:pPr algn="r"/>
+            <a:fld id="{CAD2D6BD-DE1B-4B5F-8B41-2702339687B9}" type="slidenum">
+              <a:rPr lang="en-US" altLang="zh-CN" sz="1800" u="none" strike="noStrike" kern="1200" cap="none" spc="0" baseline="0">
+                <a:solidFill>
+                  <a:schemeClr val="tx1"/>
+                </a:solidFill>
+                <a:latin typeface="Calibri" pitchFamily="34" charset="0"/>
+                <a:ea typeface="宋体" pitchFamily="2" charset="-122"/>
+                <a:cs typeface="Calibri" pitchFamily="34" charset="0"/>
+              </a:rPr>
+              <a:pPr algn="r"/>
+              <a:t>27</a:t>
             </a:fld>
             <a:endParaRPr lang="zh-CN" altLang="en-US" sz="1200">
               <a:latin typeface="Calibri" pitchFamily="34" charset="0"/>
@@ -3655,7 +3897,7 @@
             <a:fld id="{72514870-5082-4025-BC8A-5E070B8EB77D}" type="datetimeFigureOut">
               <a:rPr lang="zh-CN" altLang="en-US" smtClean="0"/>
               <a:pPr/>
-              <a:t>2018/7/19</a:t>
+              <a:t>2018/7/25/Wed</a:t>
             </a:fld>
             <a:endParaRPr lang="zh-CN" altLang="en-US"/>
           </a:p>
@@ -3825,7 +4067,7 @@
             <a:fld id="{72514870-5082-4025-BC8A-5E070B8EB77D}" type="datetimeFigureOut">
               <a:rPr lang="zh-CN" altLang="en-US" smtClean="0"/>
               <a:pPr/>
-              <a:t>2018/7/19</a:t>
+              <a:t>2018/7/25/Wed</a:t>
             </a:fld>
             <a:endParaRPr lang="zh-CN" altLang="en-US"/>
           </a:p>
@@ -4005,7 +4247,7 @@
             <a:fld id="{72514870-5082-4025-BC8A-5E070B8EB77D}" type="datetimeFigureOut">
               <a:rPr lang="zh-CN" altLang="en-US" smtClean="0"/>
               <a:pPr/>
-              <a:t>2018/7/19</a:t>
+              <a:t>2018/7/25/Wed</a:t>
             </a:fld>
             <a:endParaRPr lang="zh-CN" altLang="en-US"/>
           </a:p>
@@ -4193,7 +4435,7 @@
             <a:fld id="{72514870-5082-4025-BC8A-5E070B8EB77D}" type="datetimeFigureOut">
               <a:rPr lang="zh-CN" altLang="en-US" smtClean="0"/>
               <a:pPr/>
-              <a:t>2018/7/19</a:t>
+              <a:t>2018/7/25/Wed</a:t>
             </a:fld>
             <a:endParaRPr lang="zh-CN" altLang="en-US"/>
           </a:p>
@@ -4363,7 +4605,7 @@
             <a:fld id="{72514870-5082-4025-BC8A-5E070B8EB77D}" type="datetimeFigureOut">
               <a:rPr lang="zh-CN" altLang="en-US" smtClean="0"/>
               <a:pPr/>
-              <a:t>2018/7/19</a:t>
+              <a:t>2018/7/25/Wed</a:t>
             </a:fld>
             <a:endParaRPr lang="zh-CN" altLang="en-US"/>
           </a:p>
@@ -4556,7 +4798,7 @@
             <a:fld id="{72514870-5082-4025-BC8A-5E070B8EB77D}" type="datetimeFigureOut">
               <a:rPr lang="zh-CN" altLang="en-US" smtClean="0"/>
               <a:pPr/>
-              <a:t>2018/7/19</a:t>
+              <a:t>2018/7/25/Wed</a:t>
             </a:fld>
             <a:endParaRPr lang="zh-CN" altLang="en-US"/>
           </a:p>
@@ -4843,7 +5085,7 @@
             <a:fld id="{72514870-5082-4025-BC8A-5E070B8EB77D}" type="datetimeFigureOut">
               <a:rPr lang="zh-CN" altLang="en-US" smtClean="0"/>
               <a:pPr/>
-              <a:t>2018/7/19</a:t>
+              <a:t>2018/7/25/Wed</a:t>
             </a:fld>
             <a:endParaRPr lang="zh-CN" altLang="en-US"/>
           </a:p>
@@ -5264,7 +5506,7 @@
             <a:fld id="{72514870-5082-4025-BC8A-5E070B8EB77D}" type="datetimeFigureOut">
               <a:rPr lang="zh-CN" altLang="en-US" smtClean="0"/>
               <a:pPr/>
-              <a:t>2018/7/19</a:t>
+              <a:t>2018/7/25/Wed</a:t>
             </a:fld>
             <a:endParaRPr lang="zh-CN" altLang="en-US"/>
           </a:p>
@@ -5383,7 +5625,7 @@
             <a:fld id="{72514870-5082-4025-BC8A-5E070B8EB77D}" type="datetimeFigureOut">
               <a:rPr lang="zh-CN" altLang="en-US" smtClean="0"/>
               <a:pPr/>
-              <a:t>2018/7/19</a:t>
+              <a:t>2018/7/25/Wed</a:t>
             </a:fld>
             <a:endParaRPr lang="zh-CN" altLang="en-US"/>
           </a:p>
@@ -5480,7 +5722,7 @@
             <a:fld id="{72514870-5082-4025-BC8A-5E070B8EB77D}" type="datetimeFigureOut">
               <a:rPr lang="zh-CN" altLang="en-US" smtClean="0"/>
               <a:pPr/>
-              <a:t>2018/7/19</a:t>
+              <a:t>2018/7/25/Wed</a:t>
             </a:fld>
             <a:endParaRPr lang="zh-CN" altLang="en-US"/>
           </a:p>
@@ -5757,7 +5999,7 @@
             <a:fld id="{72514870-5082-4025-BC8A-5E070B8EB77D}" type="datetimeFigureOut">
               <a:rPr lang="zh-CN" altLang="en-US" smtClean="0"/>
               <a:pPr/>
-              <a:t>2018/7/19</a:t>
+              <a:t>2018/7/25/Wed</a:t>
             </a:fld>
             <a:endParaRPr lang="zh-CN" altLang="en-US"/>
           </a:p>
@@ -5927,7 +6169,7 @@
             <a:fld id="{72514870-5082-4025-BC8A-5E070B8EB77D}" type="datetimeFigureOut">
               <a:rPr lang="zh-CN" altLang="en-US" smtClean="0"/>
               <a:pPr/>
-              <a:t>2018/7/19</a:t>
+              <a:t>2018/7/25/Wed</a:t>
             </a:fld>
             <a:endParaRPr lang="zh-CN" altLang="en-US"/>
           </a:p>
@@ -6181,7 +6423,7 @@
             <a:fld id="{72514870-5082-4025-BC8A-5E070B8EB77D}" type="datetimeFigureOut">
               <a:rPr lang="zh-CN" altLang="en-US" smtClean="0"/>
               <a:pPr/>
-              <a:t>2018/7/19</a:t>
+              <a:t>2018/7/25/Wed</a:t>
             </a:fld>
             <a:endParaRPr lang="zh-CN" altLang="en-US"/>
           </a:p>
@@ -6351,7 +6593,7 @@
             <a:fld id="{72514870-5082-4025-BC8A-5E070B8EB77D}" type="datetimeFigureOut">
               <a:rPr lang="zh-CN" altLang="en-US" smtClean="0"/>
               <a:pPr/>
-              <a:t>2018/7/19</a:t>
+              <a:t>2018/7/25/Wed</a:t>
             </a:fld>
             <a:endParaRPr lang="zh-CN" altLang="en-US"/>
           </a:p>
@@ -6531,7 +6773,7 @@
             <a:fld id="{72514870-5082-4025-BC8A-5E070B8EB77D}" type="datetimeFigureOut">
               <a:rPr lang="zh-CN" altLang="en-US" smtClean="0"/>
               <a:pPr/>
-              <a:t>2018/7/19</a:t>
+              <a:t>2018/7/25/Wed</a:t>
             </a:fld>
             <a:endParaRPr lang="zh-CN" altLang="en-US"/>
           </a:p>
@@ -6724,7 +6966,7 @@
             <a:fld id="{72514870-5082-4025-BC8A-5E070B8EB77D}" type="datetimeFigureOut">
               <a:rPr lang="zh-CN" altLang="en-US" smtClean="0"/>
               <a:pPr/>
-              <a:t>2018/7/19</a:t>
+              <a:t>2018/7/25/Wed</a:t>
             </a:fld>
             <a:endParaRPr lang="zh-CN" altLang="en-US"/>
           </a:p>
@@ -7011,7 +7253,7 @@
             <a:fld id="{72514870-5082-4025-BC8A-5E070B8EB77D}" type="datetimeFigureOut">
               <a:rPr lang="zh-CN" altLang="en-US" smtClean="0"/>
               <a:pPr/>
-              <a:t>2018/7/19</a:t>
+              <a:t>2018/7/25/Wed</a:t>
             </a:fld>
             <a:endParaRPr lang="zh-CN" altLang="en-US"/>
           </a:p>
@@ -7432,7 +7674,7 @@
             <a:fld id="{72514870-5082-4025-BC8A-5E070B8EB77D}" type="datetimeFigureOut">
               <a:rPr lang="zh-CN" altLang="en-US" smtClean="0"/>
               <a:pPr/>
-              <a:t>2018/7/19</a:t>
+              <a:t>2018/7/25/Wed</a:t>
             </a:fld>
             <a:endParaRPr lang="zh-CN" altLang="en-US"/>
           </a:p>
@@ -7551,7 +7793,7 @@
             <a:fld id="{72514870-5082-4025-BC8A-5E070B8EB77D}" type="datetimeFigureOut">
               <a:rPr lang="zh-CN" altLang="en-US" smtClean="0"/>
               <a:pPr/>
-              <a:t>2018/7/19</a:t>
+              <a:t>2018/7/25/Wed</a:t>
             </a:fld>
             <a:endParaRPr lang="zh-CN" altLang="en-US"/>
           </a:p>
@@ -7648,7 +7890,7 @@
             <a:fld id="{72514870-5082-4025-BC8A-5E070B8EB77D}" type="datetimeFigureOut">
               <a:rPr lang="zh-CN" altLang="en-US" smtClean="0"/>
               <a:pPr/>
-              <a:t>2018/7/19</a:t>
+              <a:t>2018/7/25/Wed</a:t>
             </a:fld>
             <a:endParaRPr lang="zh-CN" altLang="en-US"/>
           </a:p>
@@ -7925,7 +8167,7 @@
             <a:fld id="{72514870-5082-4025-BC8A-5E070B8EB77D}" type="datetimeFigureOut">
               <a:rPr lang="zh-CN" altLang="en-US" smtClean="0"/>
               <a:pPr/>
-              <a:t>2018/7/19</a:t>
+              <a:t>2018/7/25/Wed</a:t>
             </a:fld>
             <a:endParaRPr lang="zh-CN" altLang="en-US"/>
           </a:p>
@@ -8179,7 +8421,7 @@
             <a:fld id="{72514870-5082-4025-BC8A-5E070B8EB77D}" type="datetimeFigureOut">
               <a:rPr lang="zh-CN" altLang="en-US" smtClean="0"/>
               <a:pPr/>
-              <a:t>2018/7/19</a:t>
+              <a:t>2018/7/25/Wed</a:t>
             </a:fld>
             <a:endParaRPr lang="zh-CN" altLang="en-US"/>
           </a:p>
@@ -9047,6 +9289,13 @@
   <p:clrMapOvr>
     <a:masterClrMapping/>
   </p:clrMapOvr>
+  <p:timing>
+    <p:tnLst>
+      <p:par>
+        <p:cTn id="1" dur="indefinite" restart="never" nodeType="tmRoot"/>
+      </p:par>
+    </p:tnLst>
+  </p:timing>
 </p:sld>
 </file>
 
@@ -9485,6 +9734,13 @@
   <p:clrMapOvr>
     <a:masterClrMapping/>
   </p:clrMapOvr>
+  <p:timing>
+    <p:tnLst>
+      <p:par>
+        <p:cTn id="1" dur="indefinite" restart="never" nodeType="tmRoot"/>
+      </p:par>
+    </p:tnLst>
+  </p:timing>
 </p:sld>
 </file>
 
@@ -11997,6 +12253,817 @@
       </p:grpSpPr>
       <p:sp>
         <p:nvSpPr>
+          <p:cNvPr id="17" name="矩形"/>
+          <p:cNvSpPr>
+            <a:spLocks/>
+          </p:cNvSpPr>
+          <p:nvPr/>
+        </p:nvSpPr>
+        <p:spPr>
+          <a:xfrm>
+            <a:off x="3325505" y="497054"/>
+            <a:ext cx="2492990" cy="553998"/>
+          </a:xfrm>
+          <a:prstGeom prst="rect">
+            <a:avLst/>
+          </a:prstGeom>
+          <a:noFill/>
+          <a:ln w="9525" cap="flat" cmpd="sng">
+            <a:noFill/>
+            <a:prstDash val="solid"/>
+            <a:miter/>
+          </a:ln>
+        </p:spPr>
+        <p:txBody>
+          <a:bodyPr vert="horz" wrap="none" lIns="91440" tIns="45720" rIns="91440" bIns="45720" anchor="t" anchorCtr="0">
+            <a:prstTxWarp prst="textNoShape">
+              <a:avLst/>
+            </a:prstTxWarp>
+            <a:spAutoFit/>
+          </a:bodyPr>
+          <a:lstStyle/>
+          <a:p>
+            <a:pPr algn="ctr"/>
+            <a:r>
+              <a:rPr lang="zh-CN" altLang="en-US" sz="3000" b="1" kern="0" dirty="0">
+                <a:solidFill>
+                  <a:srgbClr val="C9394A"/>
+                </a:solidFill>
+                <a:latin typeface="微软雅黑" charset="0"/>
+                <a:ea typeface="微软雅黑" charset="0"/>
+                <a:cs typeface="微软雅黑" charset="0"/>
+              </a:rPr>
+              <a:t>高阶组件介绍</a:t>
+            </a:r>
+            <a:endParaRPr lang="zh-CN" altLang="en-US" sz="3200" dirty="0">
+              <a:cs typeface="微软雅黑" charset="0"/>
+            </a:endParaRPr>
+          </a:p>
+        </p:txBody>
+      </p:sp>
+      <p:grpSp>
+        <p:nvGrpSpPr>
+          <p:cNvPr id="5" name="组合 4">
+            <a:extLst>
+              <a:ext uri="{FF2B5EF4-FFF2-40B4-BE49-F238E27FC236}">
+                <a16:creationId xmlns:a16="http://schemas.microsoft.com/office/drawing/2014/main" id="{E770D19B-83AC-4A81-B2FD-058FE8FAAD0B}"/>
+              </a:ext>
+            </a:extLst>
+          </p:cNvPr>
+          <p:cNvGrpSpPr/>
+          <p:nvPr/>
+        </p:nvGrpSpPr>
+        <p:grpSpPr>
+          <a:xfrm>
+            <a:off x="971600" y="1347614"/>
+            <a:ext cx="1800200" cy="3105636"/>
+            <a:chOff x="971600" y="1347614"/>
+            <a:chExt cx="1800200" cy="3105636"/>
+          </a:xfrm>
+        </p:grpSpPr>
+        <p:sp>
+          <p:nvSpPr>
+            <p:cNvPr id="2" name="矩形 1">
+              <a:extLst>
+                <a:ext uri="{FF2B5EF4-FFF2-40B4-BE49-F238E27FC236}">
+                  <a16:creationId xmlns:a16="http://schemas.microsoft.com/office/drawing/2014/main" id="{A2E32E96-17FE-43E8-8557-670BF80F916E}"/>
+                </a:ext>
+              </a:extLst>
+            </p:cNvPr>
+            <p:cNvSpPr/>
+            <p:nvPr/>
+          </p:nvSpPr>
+          <p:spPr>
+            <a:xfrm>
+              <a:off x="971600" y="1779663"/>
+              <a:ext cx="1800200" cy="2160240"/>
+            </a:xfrm>
+            <a:prstGeom prst="rect">
+              <a:avLst/>
+            </a:prstGeom>
+            <a:noFill/>
+            <a:ln>
+              <a:solidFill>
+                <a:srgbClr val="C9394A"/>
+              </a:solidFill>
+            </a:ln>
+          </p:spPr>
+          <p:style>
+            <a:lnRef idx="2">
+              <a:schemeClr val="accent1">
+                <a:shade val="50000"/>
+              </a:schemeClr>
+            </a:lnRef>
+            <a:fillRef idx="1">
+              <a:schemeClr val="accent1"/>
+            </a:fillRef>
+            <a:effectRef idx="0">
+              <a:schemeClr val="accent1"/>
+            </a:effectRef>
+            <a:fontRef idx="minor">
+              <a:schemeClr val="lt1"/>
+            </a:fontRef>
+          </p:style>
+          <p:txBody>
+            <a:bodyPr rtlCol="0" anchor="ctr"/>
+            <a:lstStyle/>
+            <a:p>
+              <a:pPr algn="ctr"/>
+              <a:endParaRPr lang="zh-CN" altLang="en-US"/>
+            </a:p>
+          </p:txBody>
+        </p:sp>
+        <p:sp>
+          <p:nvSpPr>
+            <p:cNvPr id="9" name="矩形 8">
+              <a:extLst>
+                <a:ext uri="{FF2B5EF4-FFF2-40B4-BE49-F238E27FC236}">
+                  <a16:creationId xmlns:a16="http://schemas.microsoft.com/office/drawing/2014/main" id="{6C751B86-E6BB-4FC8-9416-B8A35A0B7A64}"/>
+                </a:ext>
+              </a:extLst>
+            </p:cNvPr>
+            <p:cNvSpPr/>
+            <p:nvPr/>
+          </p:nvSpPr>
+          <p:spPr>
+            <a:xfrm>
+              <a:off x="971600" y="1347614"/>
+              <a:ext cx="1800200" cy="434551"/>
+            </a:xfrm>
+            <a:prstGeom prst="rect">
+              <a:avLst/>
+            </a:prstGeom>
+            <a:solidFill>
+              <a:srgbClr val="C94251"/>
+            </a:solidFill>
+            <a:ln>
+              <a:solidFill>
+                <a:srgbClr val="C9394A"/>
+              </a:solidFill>
+            </a:ln>
+          </p:spPr>
+          <p:style>
+            <a:lnRef idx="2">
+              <a:schemeClr val="accent1">
+                <a:shade val="50000"/>
+              </a:schemeClr>
+            </a:lnRef>
+            <a:fillRef idx="1">
+              <a:schemeClr val="accent1"/>
+            </a:fillRef>
+            <a:effectRef idx="0">
+              <a:schemeClr val="accent1"/>
+            </a:effectRef>
+            <a:fontRef idx="minor">
+              <a:schemeClr val="lt1"/>
+            </a:fontRef>
+          </p:style>
+          <p:txBody>
+            <a:bodyPr rtlCol="0" anchor="ctr"/>
+            <a:lstStyle/>
+            <a:p>
+              <a:r>
+                <a:rPr lang="zh-CN" altLang="en-US" sz="1100" dirty="0"/>
+                <a:t>提示                                 </a:t>
+              </a:r>
+              <a:r>
+                <a:rPr lang="en-US" altLang="zh-CN" sz="1100" dirty="0"/>
+                <a:t>x</a:t>
+              </a:r>
+              <a:endParaRPr lang="zh-CN" altLang="en-US" sz="1100" dirty="0"/>
+            </a:p>
+          </p:txBody>
+        </p:sp>
+        <p:pic>
+          <p:nvPicPr>
+            <p:cNvPr id="4" name="图片 3">
+              <a:extLst>
+                <a:ext uri="{FF2B5EF4-FFF2-40B4-BE49-F238E27FC236}">
+                  <a16:creationId xmlns:a16="http://schemas.microsoft.com/office/drawing/2014/main" id="{33F9B4B0-BB3D-4B96-B13A-4170EE324801}"/>
+                </a:ext>
+              </a:extLst>
+            </p:cNvPr>
+            <p:cNvPicPr>
+              <a:picLocks noChangeAspect="1"/>
+            </p:cNvPicPr>
+            <p:nvPr/>
+          </p:nvPicPr>
+          <p:blipFill>
+            <a:blip r:embed="rId3" cstate="print">
+              <a:extLst>
+                <a:ext uri="{28A0092B-C50C-407E-A947-70E740481C1C}">
+                  <a14:useLocalDpi xmlns:a14="http://schemas.microsoft.com/office/drawing/2010/main" val="0"/>
+                </a:ext>
+              </a:extLst>
+            </a:blip>
+            <a:stretch>
+              <a:fillRect/>
+            </a:stretch>
+          </p:blipFill>
+          <p:spPr>
+            <a:xfrm>
+              <a:off x="2123728" y="3291831"/>
+              <a:ext cx="504056" cy="504056"/>
+            </a:xfrm>
+            <a:prstGeom prst="rect">
+              <a:avLst/>
+            </a:prstGeom>
+          </p:spPr>
+        </p:pic>
+        <p:sp>
+          <p:nvSpPr>
+            <p:cNvPr id="3" name="文本框 2">
+              <a:extLst>
+                <a:ext uri="{FF2B5EF4-FFF2-40B4-BE49-F238E27FC236}">
+                  <a16:creationId xmlns:a16="http://schemas.microsoft.com/office/drawing/2014/main" id="{F6B5601C-2AC3-4935-8A61-D9A6BF65BD8C}"/>
+                </a:ext>
+              </a:extLst>
+            </p:cNvPr>
+            <p:cNvSpPr txBox="1"/>
+            <p:nvPr/>
+          </p:nvSpPr>
+          <p:spPr>
+            <a:xfrm>
+              <a:off x="1403648" y="4083918"/>
+              <a:ext cx="1080120" cy="369332"/>
+            </a:xfrm>
+            <a:prstGeom prst="rect">
+              <a:avLst/>
+            </a:prstGeom>
+            <a:noFill/>
+          </p:spPr>
+          <p:txBody>
+            <a:bodyPr wrap="square" rtlCol="0">
+              <a:spAutoFit/>
+            </a:bodyPr>
+            <a:lstStyle/>
+            <a:p>
+              <a:r>
+                <a:rPr lang="zh-CN" altLang="en-US" dirty="0">
+                  <a:solidFill>
+                    <a:srgbClr val="C00000"/>
+                  </a:solidFill>
+                </a:rPr>
+                <a:t>组件</a:t>
+              </a:r>
+              <a:r>
+                <a:rPr lang="en-US" altLang="zh-CN" dirty="0">
+                  <a:solidFill>
+                    <a:srgbClr val="C00000"/>
+                  </a:solidFill>
+                </a:rPr>
+                <a:t>A</a:t>
+              </a:r>
+              <a:endParaRPr lang="zh-CN" altLang="en-US" dirty="0">
+                <a:solidFill>
+                  <a:srgbClr val="C00000"/>
+                </a:solidFill>
+              </a:endParaRPr>
+            </a:p>
+          </p:txBody>
+        </p:sp>
+      </p:grpSp>
+      <p:grpSp>
+        <p:nvGrpSpPr>
+          <p:cNvPr id="6" name="组合 5">
+            <a:extLst>
+              <a:ext uri="{FF2B5EF4-FFF2-40B4-BE49-F238E27FC236}">
+                <a16:creationId xmlns:a16="http://schemas.microsoft.com/office/drawing/2014/main" id="{77734EB1-C6D7-480B-908E-A8B3E02129AE}"/>
+              </a:ext>
+            </a:extLst>
+          </p:cNvPr>
+          <p:cNvGrpSpPr/>
+          <p:nvPr/>
+        </p:nvGrpSpPr>
+        <p:grpSpPr>
+          <a:xfrm>
+            <a:off x="3787603" y="2046727"/>
+            <a:ext cx="1622651" cy="2406523"/>
+            <a:chOff x="3787603" y="2046727"/>
+            <a:chExt cx="1622651" cy="2406523"/>
+          </a:xfrm>
+        </p:grpSpPr>
+        <p:pic>
+          <p:nvPicPr>
+            <p:cNvPr id="10" name="图片 9">
+              <a:extLst>
+                <a:ext uri="{FF2B5EF4-FFF2-40B4-BE49-F238E27FC236}">
+                  <a16:creationId xmlns:a16="http://schemas.microsoft.com/office/drawing/2014/main" id="{2CD3C75A-48C3-41E4-B38C-6738E86BE508}"/>
+                </a:ext>
+              </a:extLst>
+            </p:cNvPr>
+            <p:cNvPicPr>
+              <a:picLocks noChangeAspect="1"/>
+            </p:cNvPicPr>
+            <p:nvPr/>
+          </p:nvPicPr>
+          <p:blipFill>
+            <a:blip r:embed="rId4"/>
+            <a:stretch>
+              <a:fillRect/>
+            </a:stretch>
+          </p:blipFill>
+          <p:spPr>
+            <a:xfrm>
+              <a:off x="3787603" y="2046727"/>
+              <a:ext cx="1622651" cy="1245104"/>
+            </a:xfrm>
+            <a:prstGeom prst="rect">
+              <a:avLst/>
+            </a:prstGeom>
+          </p:spPr>
+        </p:pic>
+        <p:sp>
+          <p:nvSpPr>
+            <p:cNvPr id="13" name="文本框 12">
+              <a:extLst>
+                <a:ext uri="{FF2B5EF4-FFF2-40B4-BE49-F238E27FC236}">
+                  <a16:creationId xmlns:a16="http://schemas.microsoft.com/office/drawing/2014/main" id="{571F6095-A78B-49FB-BC7A-F5A68D8622AA}"/>
+                </a:ext>
+              </a:extLst>
+            </p:cNvPr>
+            <p:cNvSpPr txBox="1"/>
+            <p:nvPr/>
+          </p:nvSpPr>
+          <p:spPr>
+            <a:xfrm>
+              <a:off x="4139952" y="4083918"/>
+              <a:ext cx="1080120" cy="369332"/>
+            </a:xfrm>
+            <a:prstGeom prst="rect">
+              <a:avLst/>
+            </a:prstGeom>
+            <a:noFill/>
+          </p:spPr>
+          <p:txBody>
+            <a:bodyPr wrap="square" rtlCol="0">
+              <a:spAutoFit/>
+            </a:bodyPr>
+            <a:lstStyle/>
+            <a:p>
+              <a:r>
+                <a:rPr lang="zh-CN" altLang="en-US" dirty="0">
+                  <a:solidFill>
+                    <a:srgbClr val="C00000"/>
+                  </a:solidFill>
+                </a:rPr>
+                <a:t>组件</a:t>
+              </a:r>
+              <a:r>
+                <a:rPr lang="en-US" altLang="zh-CN" dirty="0">
+                  <a:solidFill>
+                    <a:srgbClr val="C00000"/>
+                  </a:solidFill>
+                </a:rPr>
+                <a:t>B</a:t>
+              </a:r>
+              <a:endParaRPr lang="zh-CN" altLang="en-US" dirty="0">
+                <a:solidFill>
+                  <a:srgbClr val="C00000"/>
+                </a:solidFill>
+              </a:endParaRPr>
+            </a:p>
+          </p:txBody>
+        </p:sp>
+      </p:grpSp>
+      <p:grpSp>
+        <p:nvGrpSpPr>
+          <p:cNvPr id="7" name="组合 6">
+            <a:extLst>
+              <a:ext uri="{FF2B5EF4-FFF2-40B4-BE49-F238E27FC236}">
+                <a16:creationId xmlns:a16="http://schemas.microsoft.com/office/drawing/2014/main" id="{4459983B-2475-470E-A0BE-CA696464CD14}"/>
+              </a:ext>
+            </a:extLst>
+          </p:cNvPr>
+          <p:cNvGrpSpPr/>
+          <p:nvPr/>
+        </p:nvGrpSpPr>
+        <p:grpSpPr>
+          <a:xfrm>
+            <a:off x="6404458" y="1851670"/>
+            <a:ext cx="1479910" cy="2601580"/>
+            <a:chOff x="6404458" y="1851670"/>
+            <a:chExt cx="1479910" cy="2601580"/>
+          </a:xfrm>
+        </p:grpSpPr>
+        <p:pic>
+          <p:nvPicPr>
+            <p:cNvPr id="11" name="图片 10">
+              <a:extLst>
+                <a:ext uri="{FF2B5EF4-FFF2-40B4-BE49-F238E27FC236}">
+                  <a16:creationId xmlns:a16="http://schemas.microsoft.com/office/drawing/2014/main" id="{3F4C25CE-9386-4F1A-9234-DFFF776E96F7}"/>
+                </a:ext>
+              </a:extLst>
+            </p:cNvPr>
+            <p:cNvPicPr>
+              <a:picLocks noChangeAspect="1"/>
+            </p:cNvPicPr>
+            <p:nvPr/>
+          </p:nvPicPr>
+          <p:blipFill>
+            <a:blip r:embed="rId5"/>
+            <a:stretch>
+              <a:fillRect/>
+            </a:stretch>
+          </p:blipFill>
+          <p:spPr>
+            <a:xfrm>
+              <a:off x="6404458" y="1851670"/>
+              <a:ext cx="1417960" cy="1873364"/>
+            </a:xfrm>
+            <a:prstGeom prst="rect">
+              <a:avLst/>
+            </a:prstGeom>
+          </p:spPr>
+        </p:pic>
+        <p:sp>
+          <p:nvSpPr>
+            <p:cNvPr id="14" name="文本框 13">
+              <a:extLst>
+                <a:ext uri="{FF2B5EF4-FFF2-40B4-BE49-F238E27FC236}">
+                  <a16:creationId xmlns:a16="http://schemas.microsoft.com/office/drawing/2014/main" id="{FA704C2D-83BD-43A2-A9F4-9C5232533CC2}"/>
+                </a:ext>
+              </a:extLst>
+            </p:cNvPr>
+            <p:cNvSpPr txBox="1"/>
+            <p:nvPr/>
+          </p:nvSpPr>
+          <p:spPr>
+            <a:xfrm>
+              <a:off x="6804248" y="4083918"/>
+              <a:ext cx="1080120" cy="369332"/>
+            </a:xfrm>
+            <a:prstGeom prst="rect">
+              <a:avLst/>
+            </a:prstGeom>
+            <a:noFill/>
+          </p:spPr>
+          <p:txBody>
+            <a:bodyPr wrap="square" rtlCol="0">
+              <a:spAutoFit/>
+            </a:bodyPr>
+            <a:lstStyle/>
+            <a:p>
+              <a:r>
+                <a:rPr lang="zh-CN" altLang="en-US" dirty="0">
+                  <a:solidFill>
+                    <a:srgbClr val="C00000"/>
+                  </a:solidFill>
+                </a:rPr>
+                <a:t>组件</a:t>
+              </a:r>
+              <a:r>
+                <a:rPr lang="en-US" altLang="zh-CN" dirty="0">
+                  <a:solidFill>
+                    <a:srgbClr val="C00000"/>
+                  </a:solidFill>
+                </a:rPr>
+                <a:t>C</a:t>
+              </a:r>
+              <a:endParaRPr lang="zh-CN" altLang="en-US" dirty="0">
+                <a:solidFill>
+                  <a:srgbClr val="C00000"/>
+                </a:solidFill>
+              </a:endParaRPr>
+            </a:p>
+          </p:txBody>
+        </p:sp>
+      </p:grpSp>
+    </p:spTree>
+    <p:extLst>
+      <p:ext uri="{BB962C8B-B14F-4D97-AF65-F5344CB8AC3E}">
+        <p14:creationId xmlns:p14="http://schemas.microsoft.com/office/powerpoint/2010/main" val="2384754231"/>
+      </p:ext>
+    </p:extLst>
+  </p:cSld>
+  <p:clrMapOvr>
+    <a:masterClrMapping/>
+  </p:clrMapOvr>
+  <p:timing>
+    <p:tnLst>
+      <p:par>
+        <p:cTn id="1" dur="indefinite" restart="never" nodeType="tmRoot">
+          <p:childTnLst>
+            <p:seq concurrent="1" nextAc="seek">
+              <p:cTn id="2" dur="indefinite" nodeType="mainSeq">
+                <p:childTnLst>
+                  <p:par>
+                    <p:cTn id="3" fill="hold">
+                      <p:stCondLst>
+                        <p:cond delay="indefinite"/>
+                      </p:stCondLst>
+                      <p:childTnLst>
+                        <p:par>
+                          <p:cTn id="4" fill="hold">
+                            <p:stCondLst>
+                              <p:cond delay="0"/>
+                            </p:stCondLst>
+                            <p:childTnLst>
+                              <p:par>
+                                <p:cTn id="5" presetID="2" presetClass="entr" presetSubtype="4" fill="hold" nodeType="clickEffect">
+                                  <p:stCondLst>
+                                    <p:cond delay="0"/>
+                                  </p:stCondLst>
+                                  <p:childTnLst>
+                                    <p:set>
+                                      <p:cBhvr>
+                                        <p:cTn id="6" dur="1" fill="hold">
+                                          <p:stCondLst>
+                                            <p:cond delay="0"/>
+                                          </p:stCondLst>
+                                        </p:cTn>
+                                        <p:tgtEl>
+                                          <p:spTgt spid="5"/>
+                                        </p:tgtEl>
+                                        <p:attrNameLst>
+                                          <p:attrName>style.visibility</p:attrName>
+                                        </p:attrNameLst>
+                                      </p:cBhvr>
+                                      <p:to>
+                                        <p:strVal val="visible"/>
+                                      </p:to>
+                                    </p:set>
+                                    <p:anim calcmode="lin" valueType="num">
+                                      <p:cBhvr additive="base">
+                                        <p:cTn id="7" dur="500" fill="hold"/>
+                                        <p:tgtEl>
+                                          <p:spTgt spid="5"/>
+                                        </p:tgtEl>
+                                        <p:attrNameLst>
+                                          <p:attrName>ppt_x</p:attrName>
+                                        </p:attrNameLst>
+                                      </p:cBhvr>
+                                      <p:tavLst>
+                                        <p:tav tm="0">
+                                          <p:val>
+                                            <p:strVal val="#ppt_x"/>
+                                          </p:val>
+                                        </p:tav>
+                                        <p:tav tm="100000">
+                                          <p:val>
+                                            <p:strVal val="#ppt_x"/>
+                                          </p:val>
+                                        </p:tav>
+                                      </p:tavLst>
+                                    </p:anim>
+                                    <p:anim calcmode="lin" valueType="num">
+                                      <p:cBhvr additive="base">
+                                        <p:cTn id="8" dur="500" fill="hold"/>
+                                        <p:tgtEl>
+                                          <p:spTgt spid="5"/>
+                                        </p:tgtEl>
+                                        <p:attrNameLst>
+                                          <p:attrName>ppt_y</p:attrName>
+                                        </p:attrNameLst>
+                                      </p:cBhvr>
+                                      <p:tavLst>
+                                        <p:tav tm="0">
+                                          <p:val>
+                                            <p:strVal val="1+#ppt_h/2"/>
+                                          </p:val>
+                                        </p:tav>
+                                        <p:tav tm="100000">
+                                          <p:val>
+                                            <p:strVal val="#ppt_y"/>
+                                          </p:val>
+                                        </p:tav>
+                                      </p:tavLst>
+                                    </p:anim>
+                                  </p:childTnLst>
+                                </p:cTn>
+                              </p:par>
+                            </p:childTnLst>
+                          </p:cTn>
+                        </p:par>
+                      </p:childTnLst>
+                    </p:cTn>
+                  </p:par>
+                  <p:par>
+                    <p:cTn id="9" fill="hold">
+                      <p:stCondLst>
+                        <p:cond delay="indefinite"/>
+                      </p:stCondLst>
+                      <p:childTnLst>
+                        <p:par>
+                          <p:cTn id="10" fill="hold">
+                            <p:stCondLst>
+                              <p:cond delay="0"/>
+                            </p:stCondLst>
+                            <p:childTnLst>
+                              <p:par>
+                                <p:cTn id="11" presetID="2" presetClass="entr" presetSubtype="4" fill="hold" nodeType="clickEffect">
+                                  <p:stCondLst>
+                                    <p:cond delay="0"/>
+                                  </p:stCondLst>
+                                  <p:childTnLst>
+                                    <p:set>
+                                      <p:cBhvr>
+                                        <p:cTn id="12" dur="1" fill="hold">
+                                          <p:stCondLst>
+                                            <p:cond delay="0"/>
+                                          </p:stCondLst>
+                                        </p:cTn>
+                                        <p:tgtEl>
+                                          <p:spTgt spid="6"/>
+                                        </p:tgtEl>
+                                        <p:attrNameLst>
+                                          <p:attrName>style.visibility</p:attrName>
+                                        </p:attrNameLst>
+                                      </p:cBhvr>
+                                      <p:to>
+                                        <p:strVal val="visible"/>
+                                      </p:to>
+                                    </p:set>
+                                    <p:anim calcmode="lin" valueType="num">
+                                      <p:cBhvr additive="base">
+                                        <p:cTn id="13" dur="500" fill="hold"/>
+                                        <p:tgtEl>
+                                          <p:spTgt spid="6"/>
+                                        </p:tgtEl>
+                                        <p:attrNameLst>
+                                          <p:attrName>ppt_x</p:attrName>
+                                        </p:attrNameLst>
+                                      </p:cBhvr>
+                                      <p:tavLst>
+                                        <p:tav tm="0">
+                                          <p:val>
+                                            <p:strVal val="#ppt_x"/>
+                                          </p:val>
+                                        </p:tav>
+                                        <p:tav tm="100000">
+                                          <p:val>
+                                            <p:strVal val="#ppt_x"/>
+                                          </p:val>
+                                        </p:tav>
+                                      </p:tavLst>
+                                    </p:anim>
+                                    <p:anim calcmode="lin" valueType="num">
+                                      <p:cBhvr additive="base">
+                                        <p:cTn id="14" dur="500" fill="hold"/>
+                                        <p:tgtEl>
+                                          <p:spTgt spid="6"/>
+                                        </p:tgtEl>
+                                        <p:attrNameLst>
+                                          <p:attrName>ppt_y</p:attrName>
+                                        </p:attrNameLst>
+                                      </p:cBhvr>
+                                      <p:tavLst>
+                                        <p:tav tm="0">
+                                          <p:val>
+                                            <p:strVal val="1+#ppt_h/2"/>
+                                          </p:val>
+                                        </p:tav>
+                                        <p:tav tm="100000">
+                                          <p:val>
+                                            <p:strVal val="#ppt_y"/>
+                                          </p:val>
+                                        </p:tav>
+                                      </p:tavLst>
+                                    </p:anim>
+                                  </p:childTnLst>
+                                </p:cTn>
+                              </p:par>
+                            </p:childTnLst>
+                          </p:cTn>
+                        </p:par>
+                      </p:childTnLst>
+                    </p:cTn>
+                  </p:par>
+                  <p:par>
+                    <p:cTn id="15" fill="hold">
+                      <p:stCondLst>
+                        <p:cond delay="indefinite"/>
+                      </p:stCondLst>
+                      <p:childTnLst>
+                        <p:par>
+                          <p:cTn id="16" fill="hold">
+                            <p:stCondLst>
+                              <p:cond delay="0"/>
+                            </p:stCondLst>
+                            <p:childTnLst>
+                              <p:par>
+                                <p:cTn id="17" presetID="2" presetClass="entr" presetSubtype="4" fill="hold" nodeType="clickEffect">
+                                  <p:stCondLst>
+                                    <p:cond delay="0"/>
+                                  </p:stCondLst>
+                                  <p:childTnLst>
+                                    <p:set>
+                                      <p:cBhvr>
+                                        <p:cTn id="18" dur="1" fill="hold">
+                                          <p:stCondLst>
+                                            <p:cond delay="0"/>
+                                          </p:stCondLst>
+                                        </p:cTn>
+                                        <p:tgtEl>
+                                          <p:spTgt spid="7"/>
+                                        </p:tgtEl>
+                                        <p:attrNameLst>
+                                          <p:attrName>style.visibility</p:attrName>
+                                        </p:attrNameLst>
+                                      </p:cBhvr>
+                                      <p:to>
+                                        <p:strVal val="visible"/>
+                                      </p:to>
+                                    </p:set>
+                                    <p:anim calcmode="lin" valueType="num">
+                                      <p:cBhvr additive="base">
+                                        <p:cTn id="19" dur="500" fill="hold"/>
+                                        <p:tgtEl>
+                                          <p:spTgt spid="7"/>
+                                        </p:tgtEl>
+                                        <p:attrNameLst>
+                                          <p:attrName>ppt_x</p:attrName>
+                                        </p:attrNameLst>
+                                      </p:cBhvr>
+                                      <p:tavLst>
+                                        <p:tav tm="0">
+                                          <p:val>
+                                            <p:strVal val="#ppt_x"/>
+                                          </p:val>
+                                        </p:tav>
+                                        <p:tav tm="100000">
+                                          <p:val>
+                                            <p:strVal val="#ppt_x"/>
+                                          </p:val>
+                                        </p:tav>
+                                      </p:tavLst>
+                                    </p:anim>
+                                    <p:anim calcmode="lin" valueType="num">
+                                      <p:cBhvr additive="base">
+                                        <p:cTn id="20" dur="500" fill="hold"/>
+                                        <p:tgtEl>
+                                          <p:spTgt spid="7"/>
+                                        </p:tgtEl>
+                                        <p:attrNameLst>
+                                          <p:attrName>ppt_y</p:attrName>
+                                        </p:attrNameLst>
+                                      </p:cBhvr>
+                                      <p:tavLst>
+                                        <p:tav tm="0">
+                                          <p:val>
+                                            <p:strVal val="1+#ppt_h/2"/>
+                                          </p:val>
+                                        </p:tav>
+                                        <p:tav tm="100000">
+                                          <p:val>
+                                            <p:strVal val="#ppt_y"/>
+                                          </p:val>
+                                        </p:tav>
+                                      </p:tavLst>
+                                    </p:anim>
+                                  </p:childTnLst>
+                                </p:cTn>
+                              </p:par>
+                            </p:childTnLst>
+                          </p:cTn>
+                        </p:par>
+                      </p:childTnLst>
+                    </p:cTn>
+                  </p:par>
+                </p:childTnLst>
+              </p:cTn>
+              <p:prevCondLst>
+                <p:cond evt="onPrev" delay="0">
+                  <p:tgtEl>
+                    <p:sldTgt/>
+                  </p:tgtEl>
+                </p:cond>
+              </p:prevCondLst>
+              <p:nextCondLst>
+                <p:cond evt="onNext" delay="0">
+                  <p:tgtEl>
+                    <p:sldTgt/>
+                  </p:tgtEl>
+                </p:cond>
+              </p:nextCondLst>
+            </p:seq>
+          </p:childTnLst>
+        </p:cTn>
+      </p:par>
+    </p:tnLst>
+  </p:timing>
+</p:sld>
+</file>
+
+<file path=ppt/slides/slide15.xml><?xml version="1.0" encoding="utf-8"?>
+<p:sld xmlns:a="http://schemas.openxmlformats.org/drawingml/2006/main" xmlns:r="http://schemas.openxmlformats.org/officeDocument/2006/relationships" xmlns:p="http://schemas.openxmlformats.org/presentationml/2006/main">
+  <p:cSld>
+    <p:spTree>
+      <p:nvGrpSpPr>
+        <p:cNvPr id="1" name=""/>
+        <p:cNvGrpSpPr/>
+        <p:nvPr/>
+      </p:nvGrpSpPr>
+      <p:grpSpPr>
+        <a:xfrm>
+          <a:off x="0" y="0"/>
+          <a:ext cx="0" cy="0"/>
+          <a:chOff x="0" y="0"/>
+          <a:chExt cx="0" cy="0"/>
+        </a:xfrm>
+      </p:grpSpPr>
+      <p:sp>
+        <p:nvSpPr>
           <p:cNvPr id="14" name="矩形"/>
           <p:cNvSpPr>
             <a:spLocks/>
@@ -12549,7 +13616,7 @@
 </p:sld>
 </file>
 
-<file path=ppt/slides/slide15.xml><?xml version="1.0" encoding="utf-8"?>
+<file path=ppt/slides/slide16.xml><?xml version="1.0" encoding="utf-8"?>
 <p:sld xmlns:a="http://schemas.openxmlformats.org/drawingml/2006/main" xmlns:r="http://schemas.openxmlformats.org/officeDocument/2006/relationships" xmlns:p="http://schemas.openxmlformats.org/presentationml/2006/main">
   <p:cSld>
     <p:spTree>
@@ -13068,931 +14135,6 @@
     <p:extLst>
       <p:ext uri="{BB962C8B-B14F-4D97-AF65-F5344CB8AC3E}">
         <p14:creationId xmlns:p14="http://schemas.microsoft.com/office/powerpoint/2010/main" val="2074369506"/>
-      </p:ext>
-    </p:extLst>
-  </p:cSld>
-  <p:clrMapOvr>
-    <a:masterClrMapping/>
-  </p:clrMapOvr>
-  <p:timing>
-    <p:tnLst>
-      <p:par>
-        <p:cTn id="1" dur="indefinite" restart="never" nodeType="tmRoot">
-          <p:childTnLst>
-            <p:seq concurrent="1" nextAc="seek">
-              <p:cTn id="2" dur="indefinite" nodeType="mainSeq">
-                <p:childTnLst>
-                  <p:par>
-                    <p:cTn id="3" fill="hold">
-                      <p:stCondLst>
-                        <p:cond delay="indefinite"/>
-                      </p:stCondLst>
-                      <p:childTnLst>
-                        <p:par>
-                          <p:cTn id="4" fill="hold">
-                            <p:stCondLst>
-                              <p:cond delay="0"/>
-                            </p:stCondLst>
-                            <p:childTnLst>
-                              <p:par>
-                                <p:cTn id="5" presetID="2" presetClass="entr" presetSubtype="4" fill="hold" nodeType="clickEffect">
-                                  <p:stCondLst>
-                                    <p:cond delay="0"/>
-                                  </p:stCondLst>
-                                  <p:childTnLst>
-                                    <p:set>
-                                      <p:cBhvr>
-                                        <p:cTn id="6" dur="1" fill="hold">
-                                          <p:stCondLst>
-                                            <p:cond delay="0"/>
-                                          </p:stCondLst>
-                                        </p:cTn>
-                                        <p:tgtEl>
-                                          <p:spTgt spid="5">
-                                            <p:txEl>
-                                              <p:pRg st="0" end="0"/>
-                                            </p:txEl>
-                                          </p:spTgt>
-                                        </p:tgtEl>
-                                        <p:attrNameLst>
-                                          <p:attrName>style.visibility</p:attrName>
-                                        </p:attrNameLst>
-                                      </p:cBhvr>
-                                      <p:to>
-                                        <p:strVal val="visible"/>
-                                      </p:to>
-                                    </p:set>
-                                    <p:anim calcmode="lin" valueType="num">
-                                      <p:cBhvr additive="base">
-                                        <p:cTn id="7" dur="500" fill="hold"/>
-                                        <p:tgtEl>
-                                          <p:spTgt spid="5">
-                                            <p:txEl>
-                                              <p:pRg st="0" end="0"/>
-                                            </p:txEl>
-                                          </p:spTgt>
-                                        </p:tgtEl>
-                                        <p:attrNameLst>
-                                          <p:attrName>ppt_x</p:attrName>
-                                        </p:attrNameLst>
-                                      </p:cBhvr>
-                                      <p:tavLst>
-                                        <p:tav tm="0">
-                                          <p:val>
-                                            <p:strVal val="#ppt_x"/>
-                                          </p:val>
-                                        </p:tav>
-                                        <p:tav tm="100000">
-                                          <p:val>
-                                            <p:strVal val="#ppt_x"/>
-                                          </p:val>
-                                        </p:tav>
-                                      </p:tavLst>
-                                    </p:anim>
-                                    <p:anim calcmode="lin" valueType="num">
-                                      <p:cBhvr additive="base">
-                                        <p:cTn id="8" dur="500" fill="hold"/>
-                                        <p:tgtEl>
-                                          <p:spTgt spid="5">
-                                            <p:txEl>
-                                              <p:pRg st="0" end="0"/>
-                                            </p:txEl>
-                                          </p:spTgt>
-                                        </p:tgtEl>
-                                        <p:attrNameLst>
-                                          <p:attrName>ppt_y</p:attrName>
-                                        </p:attrNameLst>
-                                      </p:cBhvr>
-                                      <p:tavLst>
-                                        <p:tav tm="0">
-                                          <p:val>
-                                            <p:strVal val="1+#ppt_h/2"/>
-                                          </p:val>
-                                        </p:tav>
-                                        <p:tav tm="100000">
-                                          <p:val>
-                                            <p:strVal val="#ppt_y"/>
-                                          </p:val>
-                                        </p:tav>
-                                      </p:tavLst>
-                                    </p:anim>
-                                  </p:childTnLst>
-                                </p:cTn>
-                              </p:par>
-                            </p:childTnLst>
-                          </p:cTn>
-                        </p:par>
-                      </p:childTnLst>
-                    </p:cTn>
-                  </p:par>
-                  <p:par>
-                    <p:cTn id="9" fill="hold">
-                      <p:stCondLst>
-                        <p:cond delay="indefinite"/>
-                      </p:stCondLst>
-                      <p:childTnLst>
-                        <p:par>
-                          <p:cTn id="10" fill="hold">
-                            <p:stCondLst>
-                              <p:cond delay="0"/>
-                            </p:stCondLst>
-                            <p:childTnLst>
-                              <p:par>
-                                <p:cTn id="11" presetID="2" presetClass="entr" presetSubtype="4" fill="hold" grpId="0" nodeType="clickEffect">
-                                  <p:stCondLst>
-                                    <p:cond delay="0"/>
-                                  </p:stCondLst>
-                                  <p:childTnLst>
-                                    <p:set>
-                                      <p:cBhvr>
-                                        <p:cTn id="12" dur="1" fill="hold">
-                                          <p:stCondLst>
-                                            <p:cond delay="0"/>
-                                          </p:stCondLst>
-                                        </p:cTn>
-                                        <p:tgtEl>
-                                          <p:spTgt spid="8"/>
-                                        </p:tgtEl>
-                                        <p:attrNameLst>
-                                          <p:attrName>style.visibility</p:attrName>
-                                        </p:attrNameLst>
-                                      </p:cBhvr>
-                                      <p:to>
-                                        <p:strVal val="visible"/>
-                                      </p:to>
-                                    </p:set>
-                                    <p:anim calcmode="lin" valueType="num">
-                                      <p:cBhvr additive="base">
-                                        <p:cTn id="13" dur="500" fill="hold"/>
-                                        <p:tgtEl>
-                                          <p:spTgt spid="8"/>
-                                        </p:tgtEl>
-                                        <p:attrNameLst>
-                                          <p:attrName>ppt_x</p:attrName>
-                                        </p:attrNameLst>
-                                      </p:cBhvr>
-                                      <p:tavLst>
-                                        <p:tav tm="0">
-                                          <p:val>
-                                            <p:strVal val="#ppt_x"/>
-                                          </p:val>
-                                        </p:tav>
-                                        <p:tav tm="100000">
-                                          <p:val>
-                                            <p:strVal val="#ppt_x"/>
-                                          </p:val>
-                                        </p:tav>
-                                      </p:tavLst>
-                                    </p:anim>
-                                    <p:anim calcmode="lin" valueType="num">
-                                      <p:cBhvr additive="base">
-                                        <p:cTn id="14" dur="500" fill="hold"/>
-                                        <p:tgtEl>
-                                          <p:spTgt spid="8"/>
-                                        </p:tgtEl>
-                                        <p:attrNameLst>
-                                          <p:attrName>ppt_y</p:attrName>
-                                        </p:attrNameLst>
-                                      </p:cBhvr>
-                                      <p:tavLst>
-                                        <p:tav tm="0">
-                                          <p:val>
-                                            <p:strVal val="1+#ppt_h/2"/>
-                                          </p:val>
-                                        </p:tav>
-                                        <p:tav tm="100000">
-                                          <p:val>
-                                            <p:strVal val="#ppt_y"/>
-                                          </p:val>
-                                        </p:tav>
-                                      </p:tavLst>
-                                    </p:anim>
-                                  </p:childTnLst>
-                                </p:cTn>
-                              </p:par>
-                            </p:childTnLst>
-                          </p:cTn>
-                        </p:par>
-                      </p:childTnLst>
-                    </p:cTn>
-                  </p:par>
-                  <p:par>
-                    <p:cTn id="15" fill="hold">
-                      <p:stCondLst>
-                        <p:cond delay="indefinite"/>
-                      </p:stCondLst>
-                      <p:childTnLst>
-                        <p:par>
-                          <p:cTn id="16" fill="hold">
-                            <p:stCondLst>
-                              <p:cond delay="0"/>
-                            </p:stCondLst>
-                            <p:childTnLst>
-                              <p:par>
-                                <p:cTn id="17" presetID="2" presetClass="entr" presetSubtype="4" fill="hold" grpId="0" nodeType="clickEffect">
-                                  <p:stCondLst>
-                                    <p:cond delay="0"/>
-                                  </p:stCondLst>
-                                  <p:childTnLst>
-                                    <p:set>
-                                      <p:cBhvr>
-                                        <p:cTn id="18" dur="1" fill="hold">
-                                          <p:stCondLst>
-                                            <p:cond delay="0"/>
-                                          </p:stCondLst>
-                                        </p:cTn>
-                                        <p:tgtEl>
-                                          <p:spTgt spid="7"/>
-                                        </p:tgtEl>
-                                        <p:attrNameLst>
-                                          <p:attrName>style.visibility</p:attrName>
-                                        </p:attrNameLst>
-                                      </p:cBhvr>
-                                      <p:to>
-                                        <p:strVal val="visible"/>
-                                      </p:to>
-                                    </p:set>
-                                    <p:anim calcmode="lin" valueType="num">
-                                      <p:cBhvr additive="base">
-                                        <p:cTn id="19" dur="500" fill="hold"/>
-                                        <p:tgtEl>
-                                          <p:spTgt spid="7"/>
-                                        </p:tgtEl>
-                                        <p:attrNameLst>
-                                          <p:attrName>ppt_x</p:attrName>
-                                        </p:attrNameLst>
-                                      </p:cBhvr>
-                                      <p:tavLst>
-                                        <p:tav tm="0">
-                                          <p:val>
-                                            <p:strVal val="#ppt_x"/>
-                                          </p:val>
-                                        </p:tav>
-                                        <p:tav tm="100000">
-                                          <p:val>
-                                            <p:strVal val="#ppt_x"/>
-                                          </p:val>
-                                        </p:tav>
-                                      </p:tavLst>
-                                    </p:anim>
-                                    <p:anim calcmode="lin" valueType="num">
-                                      <p:cBhvr additive="base">
-                                        <p:cTn id="20" dur="500" fill="hold"/>
-                                        <p:tgtEl>
-                                          <p:spTgt spid="7"/>
-                                        </p:tgtEl>
-                                        <p:attrNameLst>
-                                          <p:attrName>ppt_y</p:attrName>
-                                        </p:attrNameLst>
-                                      </p:cBhvr>
-                                      <p:tavLst>
-                                        <p:tav tm="0">
-                                          <p:val>
-                                            <p:strVal val="1+#ppt_h/2"/>
-                                          </p:val>
-                                        </p:tav>
-                                        <p:tav tm="100000">
-                                          <p:val>
-                                            <p:strVal val="#ppt_y"/>
-                                          </p:val>
-                                        </p:tav>
-                                      </p:tavLst>
-                                    </p:anim>
-                                  </p:childTnLst>
-                                </p:cTn>
-                              </p:par>
-                            </p:childTnLst>
-                          </p:cTn>
-                        </p:par>
-                      </p:childTnLst>
-                    </p:cTn>
-                  </p:par>
-                </p:childTnLst>
-              </p:cTn>
-              <p:prevCondLst>
-                <p:cond evt="onPrev" delay="0">
-                  <p:tgtEl>
-                    <p:sldTgt/>
-                  </p:tgtEl>
-                </p:cond>
-              </p:prevCondLst>
-              <p:nextCondLst>
-                <p:cond evt="onNext" delay="0">
-                  <p:tgtEl>
-                    <p:sldTgt/>
-                  </p:tgtEl>
-                </p:cond>
-              </p:nextCondLst>
-            </p:seq>
-          </p:childTnLst>
-        </p:cTn>
-      </p:par>
-    </p:tnLst>
-    <p:bldLst>
-      <p:bldP spid="7" grpId="0"/>
-      <p:bldP spid="8" grpId="0"/>
-    </p:bldLst>
-  </p:timing>
-</p:sld>
-</file>
-
-<file path=ppt/slides/slide16.xml><?xml version="1.0" encoding="utf-8"?>
-<p:sld xmlns:a="http://schemas.openxmlformats.org/drawingml/2006/main" xmlns:r="http://schemas.openxmlformats.org/officeDocument/2006/relationships" xmlns:p="http://schemas.openxmlformats.org/presentationml/2006/main">
-  <p:cSld>
-    <p:spTree>
-      <p:nvGrpSpPr>
-        <p:cNvPr id="1" name=""/>
-        <p:cNvGrpSpPr/>
-        <p:nvPr/>
-      </p:nvGrpSpPr>
-      <p:grpSpPr>
-        <a:xfrm>
-          <a:off x="0" y="0"/>
-          <a:ext cx="0" cy="0"/>
-          <a:chOff x="0" y="0"/>
-          <a:chExt cx="0" cy="0"/>
-        </a:xfrm>
-      </p:grpSpPr>
-      <p:sp>
-        <p:nvSpPr>
-          <p:cNvPr id="17" name="矩形"/>
-          <p:cNvSpPr>
-            <a:spLocks/>
-          </p:cNvSpPr>
-          <p:nvPr/>
-        </p:nvSpPr>
-        <p:spPr>
-          <a:xfrm>
-            <a:off x="3325505" y="497054"/>
-            <a:ext cx="2492990" cy="553998"/>
-          </a:xfrm>
-          <a:prstGeom prst="rect">
-            <a:avLst/>
-          </a:prstGeom>
-          <a:noFill/>
-          <a:ln w="9525" cap="flat" cmpd="sng">
-            <a:noFill/>
-            <a:prstDash val="solid"/>
-            <a:miter/>
-          </a:ln>
-        </p:spPr>
-        <p:txBody>
-          <a:bodyPr vert="horz" wrap="none" lIns="91440" tIns="45720" rIns="91440" bIns="45720" anchor="t" anchorCtr="0">
-            <a:prstTxWarp prst="textNoShape">
-              <a:avLst/>
-            </a:prstTxWarp>
-            <a:spAutoFit/>
-          </a:bodyPr>
-          <a:lstStyle/>
-          <a:p>
-            <a:pPr algn="ctr"/>
-            <a:r>
-              <a:rPr lang="zh-CN" altLang="en-US" sz="3000" b="1" kern="0" dirty="0">
-                <a:solidFill>
-                  <a:srgbClr val="C9394A"/>
-                </a:solidFill>
-                <a:latin typeface="微软雅黑" charset="0"/>
-                <a:ea typeface="微软雅黑" charset="0"/>
-                <a:cs typeface="微软雅黑" charset="0"/>
-              </a:rPr>
-              <a:t>高阶组件介绍</a:t>
-            </a:r>
-            <a:endParaRPr lang="zh-CN" altLang="en-US" sz="3200" dirty="0">
-              <a:cs typeface="微软雅黑" charset="0"/>
-            </a:endParaRPr>
-          </a:p>
-        </p:txBody>
-      </p:sp>
-      <p:sp>
-        <p:nvSpPr>
-          <p:cNvPr id="5" name="文本框"/>
-          <p:cNvSpPr txBox="1">
-            <a:spLocks/>
-          </p:cNvSpPr>
-          <p:nvPr/>
-        </p:nvSpPr>
-        <p:spPr>
-          <a:xfrm>
-            <a:off x="467544" y="1275606"/>
-            <a:ext cx="8229600" cy="507999"/>
-          </a:xfrm>
-          <a:prstGeom prst="rect">
-            <a:avLst/>
-          </a:prstGeom>
-          <a:noFill/>
-          <a:ln w="9525" cap="flat" cmpd="sng">
-            <a:noFill/>
-            <a:prstDash val="solid"/>
-            <a:round/>
-          </a:ln>
-        </p:spPr>
-        <p:txBody>
-          <a:bodyPr vert="horz" wrap="square" lIns="91440" tIns="45720" rIns="91440" bIns="45720" anchor="ctr" anchorCtr="0">
-            <a:prstTxWarp prst="textNoShape">
-              <a:avLst/>
-            </a:prstTxWarp>
-          </a:bodyPr>
-          <a:lstStyle>
-            <a:lvl1pPr marL="342900" marR="0" indent="-342900" algn="l" defTabSz="914400" rtl="0" latinLnBrk="0">
-              <a:lnSpc>
-                <a:spcPct val="100000"/>
-              </a:lnSpc>
-              <a:spcBef>
-                <a:spcPts val="400"/>
-              </a:spcBef>
-              <a:spcAft>
-                <a:spcPts val="0"/>
-              </a:spcAft>
-              <a:buClrTx/>
-              <a:buSzPct val="100000"/>
-              <a:buFont typeface="Arial"/>
-              <a:buChar char="•"/>
-              <a:tabLst/>
-              <a:defRPr sz="2000" b="1" i="0" u="none" strike="noStrike" cap="none" spc="0" baseline="0">
-                <a:ln>
-                  <a:noFill/>
-                </a:ln>
-                <a:solidFill>
-                  <a:srgbClr val="474747"/>
-                </a:solidFill>
-                <a:uFillTx/>
-                <a:latin typeface="微软雅黑"/>
-                <a:ea typeface="微软雅黑"/>
-                <a:cs typeface="微软雅黑"/>
-                <a:sym typeface="微软雅黑"/>
-              </a:defRPr>
-            </a:lvl1pPr>
-            <a:lvl2pPr marL="838200" marR="0" indent="-381000" algn="l" defTabSz="914400" rtl="0" latinLnBrk="0">
-              <a:lnSpc>
-                <a:spcPct val="100000"/>
-              </a:lnSpc>
-              <a:spcBef>
-                <a:spcPts val="400"/>
-              </a:spcBef>
-              <a:spcAft>
-                <a:spcPts val="0"/>
-              </a:spcAft>
-              <a:buClrTx/>
-              <a:buSzPct val="100000"/>
-              <a:buFont typeface="Arial"/>
-              <a:buChar char="–"/>
-              <a:tabLst/>
-              <a:defRPr sz="2000" b="1" i="0" u="none" strike="noStrike" cap="none" spc="0" baseline="0">
-                <a:ln>
-                  <a:noFill/>
-                </a:ln>
-                <a:solidFill>
-                  <a:srgbClr val="474747"/>
-                </a:solidFill>
-                <a:uFillTx/>
-                <a:latin typeface="微软雅黑"/>
-                <a:ea typeface="微软雅黑"/>
-                <a:cs typeface="微软雅黑"/>
-                <a:sym typeface="微软雅黑"/>
-              </a:defRPr>
-            </a:lvl2pPr>
-            <a:lvl3pPr marL="1219200" marR="0" indent="-304800" algn="l" defTabSz="914400" rtl="0" latinLnBrk="0">
-              <a:lnSpc>
-                <a:spcPct val="100000"/>
-              </a:lnSpc>
-              <a:spcBef>
-                <a:spcPts val="400"/>
-              </a:spcBef>
-              <a:spcAft>
-                <a:spcPts val="0"/>
-              </a:spcAft>
-              <a:buClrTx/>
-              <a:buSzPct val="100000"/>
-              <a:buFont typeface="Arial"/>
-              <a:buChar char="•"/>
-              <a:tabLst/>
-              <a:defRPr sz="2000" b="1" i="0" u="none" strike="noStrike" cap="none" spc="0" baseline="0">
-                <a:ln>
-                  <a:noFill/>
-                </a:ln>
-                <a:solidFill>
-                  <a:srgbClr val="474747"/>
-                </a:solidFill>
-                <a:uFillTx/>
-                <a:latin typeface="微软雅黑"/>
-                <a:ea typeface="微软雅黑"/>
-                <a:cs typeface="微软雅黑"/>
-                <a:sym typeface="微软雅黑"/>
-              </a:defRPr>
-            </a:lvl3pPr>
-            <a:lvl4pPr marL="1676400" marR="0" indent="-304800" algn="l" defTabSz="914400" rtl="0" latinLnBrk="0">
-              <a:lnSpc>
-                <a:spcPct val="100000"/>
-              </a:lnSpc>
-              <a:spcBef>
-                <a:spcPts val="400"/>
-              </a:spcBef>
-              <a:spcAft>
-                <a:spcPts val="0"/>
-              </a:spcAft>
-              <a:buClrTx/>
-              <a:buSzPct val="100000"/>
-              <a:buFont typeface="Arial"/>
-              <a:buChar char="–"/>
-              <a:tabLst/>
-              <a:defRPr sz="2000" b="1" i="0" u="none" strike="noStrike" cap="none" spc="0" baseline="0">
-                <a:ln>
-                  <a:noFill/>
-                </a:ln>
-                <a:solidFill>
-                  <a:srgbClr val="474747"/>
-                </a:solidFill>
-                <a:uFillTx/>
-                <a:latin typeface="微软雅黑"/>
-                <a:ea typeface="微软雅黑"/>
-                <a:cs typeface="微软雅黑"/>
-                <a:sym typeface="微软雅黑"/>
-              </a:defRPr>
-            </a:lvl4pPr>
-            <a:lvl5pPr marL="2133600" marR="0" indent="-304800" algn="l" defTabSz="914400" rtl="0" latinLnBrk="0">
-              <a:lnSpc>
-                <a:spcPct val="100000"/>
-              </a:lnSpc>
-              <a:spcBef>
-                <a:spcPts val="400"/>
-              </a:spcBef>
-              <a:spcAft>
-                <a:spcPts val="0"/>
-              </a:spcAft>
-              <a:buClrTx/>
-              <a:buSzPct val="100000"/>
-              <a:buFont typeface="Arial"/>
-              <a:buChar char="»"/>
-              <a:tabLst/>
-              <a:defRPr sz="2000" b="1" i="0" u="none" strike="noStrike" cap="none" spc="0" baseline="0">
-                <a:ln>
-                  <a:noFill/>
-                </a:ln>
-                <a:solidFill>
-                  <a:srgbClr val="474747"/>
-                </a:solidFill>
-                <a:uFillTx/>
-                <a:latin typeface="微软雅黑"/>
-                <a:ea typeface="微软雅黑"/>
-                <a:cs typeface="微软雅黑"/>
-                <a:sym typeface="微软雅黑"/>
-              </a:defRPr>
-            </a:lvl5pPr>
-            <a:lvl6pPr marL="2590800" marR="0" indent="-304800" algn="l" defTabSz="914400" rtl="0" latinLnBrk="0">
-              <a:lnSpc>
-                <a:spcPct val="100000"/>
-              </a:lnSpc>
-              <a:spcBef>
-                <a:spcPts val="400"/>
-              </a:spcBef>
-              <a:spcAft>
-                <a:spcPts val="0"/>
-              </a:spcAft>
-              <a:buClrTx/>
-              <a:buSzPct val="100000"/>
-              <a:buFont typeface="Arial"/>
-              <a:buChar char="»"/>
-              <a:tabLst/>
-              <a:defRPr sz="2000" b="1" i="0" u="none" strike="noStrike" cap="none" spc="0" baseline="0">
-                <a:ln>
-                  <a:noFill/>
-                </a:ln>
-                <a:solidFill>
-                  <a:srgbClr val="474747"/>
-                </a:solidFill>
-                <a:uFillTx/>
-                <a:latin typeface="微软雅黑"/>
-                <a:ea typeface="微软雅黑"/>
-                <a:cs typeface="微软雅黑"/>
-                <a:sym typeface="微软雅黑"/>
-              </a:defRPr>
-            </a:lvl6pPr>
-            <a:lvl7pPr marL="3048000" marR="0" indent="-304800" algn="l" defTabSz="914400" rtl="0" latinLnBrk="0">
-              <a:lnSpc>
-                <a:spcPct val="100000"/>
-              </a:lnSpc>
-              <a:spcBef>
-                <a:spcPts val="400"/>
-              </a:spcBef>
-              <a:spcAft>
-                <a:spcPts val="0"/>
-              </a:spcAft>
-              <a:buClrTx/>
-              <a:buSzPct val="100000"/>
-              <a:buFont typeface="Arial"/>
-              <a:buChar char="»"/>
-              <a:tabLst/>
-              <a:defRPr sz="2000" b="1" i="0" u="none" strike="noStrike" cap="none" spc="0" baseline="0">
-                <a:ln>
-                  <a:noFill/>
-                </a:ln>
-                <a:solidFill>
-                  <a:srgbClr val="474747"/>
-                </a:solidFill>
-                <a:uFillTx/>
-                <a:latin typeface="微软雅黑"/>
-                <a:ea typeface="微软雅黑"/>
-                <a:cs typeface="微软雅黑"/>
-                <a:sym typeface="微软雅黑"/>
-              </a:defRPr>
-            </a:lvl7pPr>
-            <a:lvl8pPr marL="3505200" marR="0" indent="-304800" algn="l" defTabSz="914400" rtl="0" latinLnBrk="0">
-              <a:lnSpc>
-                <a:spcPct val="100000"/>
-              </a:lnSpc>
-              <a:spcBef>
-                <a:spcPts val="400"/>
-              </a:spcBef>
-              <a:spcAft>
-                <a:spcPts val="0"/>
-              </a:spcAft>
-              <a:buClrTx/>
-              <a:buSzPct val="100000"/>
-              <a:buFont typeface="Arial"/>
-              <a:buChar char="»"/>
-              <a:tabLst/>
-              <a:defRPr sz="2000" b="1" i="0" u="none" strike="noStrike" cap="none" spc="0" baseline="0">
-                <a:ln>
-                  <a:noFill/>
-                </a:ln>
-                <a:solidFill>
-                  <a:srgbClr val="474747"/>
-                </a:solidFill>
-                <a:uFillTx/>
-                <a:latin typeface="微软雅黑"/>
-                <a:ea typeface="微软雅黑"/>
-                <a:cs typeface="微软雅黑"/>
-                <a:sym typeface="微软雅黑"/>
-              </a:defRPr>
-            </a:lvl8pPr>
-            <a:lvl9pPr marL="3505200" marR="0" indent="-304800" algn="l" defTabSz="914400" rtl="0" latinLnBrk="0">
-              <a:lnSpc>
-                <a:spcPct val="100000"/>
-              </a:lnSpc>
-              <a:spcBef>
-                <a:spcPts val="400"/>
-              </a:spcBef>
-              <a:spcAft>
-                <a:spcPts val="0"/>
-              </a:spcAft>
-              <a:buClrTx/>
-              <a:buSzPct val="100000"/>
-              <a:buFont typeface="Arial"/>
-              <a:buChar char="»"/>
-              <a:tabLst/>
-              <a:defRPr sz="2000" b="1" i="0" u="none" strike="noStrike" cap="none" spc="0" baseline="0">
-                <a:ln>
-                  <a:noFill/>
-                </a:ln>
-                <a:solidFill>
-                  <a:srgbClr val="474747"/>
-                </a:solidFill>
-                <a:uFillTx/>
-                <a:latin typeface="微软雅黑"/>
-                <a:ea typeface="微软雅黑"/>
-                <a:cs typeface="微软雅黑"/>
-                <a:sym typeface="微软雅黑"/>
-              </a:defRPr>
-            </a:lvl9pPr>
-          </a:lstStyle>
-          <a:p>
-            <a:pPr marL="0" indent="0" hangingPunct="1">
-              <a:spcBef>
-                <a:spcPct val="20000"/>
-              </a:spcBef>
-              <a:buNone/>
-            </a:pPr>
-            <a:r>
-              <a:rPr lang="zh-CN" altLang="en-US" sz="2200" dirty="0">
-                <a:solidFill>
-                  <a:srgbClr val="212121"/>
-                </a:solidFill>
-                <a:latin typeface="微软雅黑" charset="0"/>
-                <a:ea typeface="微软雅黑" charset="0"/>
-                <a:cs typeface="Times New Roman" charset="0"/>
-              </a:rPr>
-              <a:t>使用高阶组件</a:t>
-            </a:r>
-          </a:p>
-        </p:txBody>
-      </p:sp>
-      <p:sp>
-        <p:nvSpPr>
-          <p:cNvPr id="7" name="矩形"/>
-          <p:cNvSpPr>
-            <a:spLocks/>
-          </p:cNvSpPr>
-          <p:nvPr/>
-        </p:nvSpPr>
-        <p:spPr>
-          <a:xfrm>
-            <a:off x="549896" y="3039928"/>
-            <a:ext cx="6470376" cy="400110"/>
-          </a:xfrm>
-          <a:prstGeom prst="rect">
-            <a:avLst/>
-          </a:prstGeom>
-          <a:noFill/>
-          <a:ln w="9525" cap="flat" cmpd="sng">
-            <a:noFill/>
-            <a:prstDash val="solid"/>
-            <a:miter/>
-          </a:ln>
-        </p:spPr>
-        <p:txBody>
-          <a:bodyPr vert="horz" wrap="square" lIns="91440" tIns="45720" rIns="91440" bIns="45720" anchor="ctr" anchorCtr="0">
-            <a:prstTxWarp prst="textNoShape">
-              <a:avLst/>
-            </a:prstTxWarp>
-            <a:spAutoFit/>
-          </a:bodyPr>
-          <a:lstStyle/>
-          <a:p>
-            <a:pPr lvl="1"/>
-            <a:r>
-              <a:rPr lang="en-US" altLang="zh-CN" sz="2000" u="none" strike="noStrike" kern="1200" cap="none" spc="0" baseline="0" dirty="0">
-                <a:solidFill>
-                  <a:srgbClr val="474747"/>
-                </a:solidFill>
-                <a:latin typeface="微软雅黑" charset="0"/>
-                <a:ea typeface="微软雅黑" charset="0"/>
-                <a:cs typeface="微软雅黑" charset="0"/>
-                <a:sym typeface="Calibri" pitchFamily="34" charset="0"/>
-              </a:rPr>
-              <a:t>2.</a:t>
-            </a:r>
-            <a:r>
-              <a:rPr lang="zh-CN" altLang="en-US" sz="2000" u="none" strike="noStrike" kern="1200" cap="none" spc="0" baseline="0" dirty="0">
-                <a:solidFill>
-                  <a:srgbClr val="474747"/>
-                </a:solidFill>
-                <a:latin typeface="微软雅黑" charset="0"/>
-                <a:ea typeface="微软雅黑" charset="0"/>
-                <a:cs typeface="微软雅黑" charset="0"/>
-                <a:sym typeface="Calibri" pitchFamily="34" charset="0"/>
-              </a:rPr>
-              <a:t> </a:t>
-            </a:r>
-            <a:r>
-              <a:rPr lang="en-US" altLang="zh-CN" sz="2000" u="none" strike="noStrike" kern="1200" cap="none" spc="0" baseline="0" dirty="0">
-                <a:solidFill>
-                  <a:srgbClr val="474747"/>
-                </a:solidFill>
-                <a:latin typeface="微软雅黑" charset="0"/>
-                <a:ea typeface="微软雅黑" charset="0"/>
-                <a:cs typeface="微软雅黑" charset="0"/>
-                <a:sym typeface="Calibri" pitchFamily="34" charset="0"/>
-              </a:rPr>
-              <a:t>@</a:t>
-            </a:r>
-            <a:r>
-              <a:rPr lang="en-US" altLang="zh-CN" sz="2000" dirty="0">
-                <a:solidFill>
-                  <a:srgbClr val="474747"/>
-                </a:solidFill>
-                <a:latin typeface="微软雅黑" charset="0"/>
-                <a:ea typeface="微软雅黑" charset="0"/>
-                <a:cs typeface="微软雅黑" charset="0"/>
-              </a:rPr>
-              <a:t> </a:t>
-            </a:r>
-            <a:r>
-              <a:rPr lang="en-US" altLang="zh-CN" sz="2000" dirty="0" err="1">
-                <a:solidFill>
-                  <a:srgbClr val="474747"/>
-                </a:solidFill>
-                <a:latin typeface="微软雅黑" charset="0"/>
-                <a:ea typeface="微软雅黑" charset="0"/>
-                <a:cs typeface="微软雅黑" charset="0"/>
-              </a:rPr>
-              <a:t>higherOrderComponent</a:t>
-            </a:r>
-            <a:endParaRPr lang="zh-CN" altLang="en-US" sz="2000" u="none" strike="noStrike" kern="1200" cap="none" spc="0" baseline="0" dirty="0">
-              <a:solidFill>
-                <a:srgbClr val="C9394A"/>
-              </a:solidFill>
-              <a:latin typeface="微软雅黑" charset="0"/>
-              <a:ea typeface="微软雅黑" charset="0"/>
-              <a:cs typeface="微软雅黑" charset="0"/>
-              <a:sym typeface="Calibri" pitchFamily="34" charset="0"/>
-            </a:endParaRPr>
-          </a:p>
-        </p:txBody>
-      </p:sp>
-      <p:sp>
-        <p:nvSpPr>
-          <p:cNvPr id="8" name="矩形"/>
-          <p:cNvSpPr>
-            <a:spLocks/>
-          </p:cNvSpPr>
-          <p:nvPr/>
-        </p:nvSpPr>
-        <p:spPr>
-          <a:xfrm>
-            <a:off x="539552" y="2211711"/>
-            <a:ext cx="7416824" cy="400110"/>
-          </a:xfrm>
-          <a:prstGeom prst="rect">
-            <a:avLst/>
-          </a:prstGeom>
-          <a:noFill/>
-          <a:ln w="9525" cap="flat" cmpd="sng">
-            <a:noFill/>
-            <a:prstDash val="solid"/>
-            <a:miter/>
-          </a:ln>
-        </p:spPr>
-        <p:txBody>
-          <a:bodyPr vert="horz" wrap="square" lIns="91440" tIns="45720" rIns="91440" bIns="45720" anchor="ctr" anchorCtr="0">
-            <a:prstTxWarp prst="textNoShape">
-              <a:avLst/>
-            </a:prstTxWarp>
-            <a:spAutoFit/>
-          </a:bodyPr>
-          <a:lstStyle/>
-          <a:p>
-            <a:pPr lvl="1"/>
-            <a:r>
-              <a:rPr lang="en-US" altLang="zh-CN" sz="2000" dirty="0">
-                <a:solidFill>
-                  <a:srgbClr val="474747"/>
-                </a:solidFill>
-                <a:latin typeface="微软雅黑" charset="0"/>
-                <a:ea typeface="微软雅黑" charset="0"/>
-                <a:cs typeface="微软雅黑" charset="0"/>
-              </a:rPr>
-              <a:t>1.</a:t>
-            </a:r>
-            <a:r>
-              <a:rPr lang="zh-CN" altLang="en-US" sz="2000" dirty="0">
-                <a:solidFill>
-                  <a:srgbClr val="474747"/>
-                </a:solidFill>
-                <a:latin typeface="微软雅黑" charset="0"/>
-                <a:ea typeface="微软雅黑" charset="0"/>
-                <a:cs typeface="微软雅黑" charset="0"/>
-              </a:rPr>
-              <a:t> </a:t>
-            </a:r>
-            <a:r>
-              <a:rPr lang="en-US" altLang="zh-CN" sz="2000" dirty="0" err="1">
-                <a:solidFill>
-                  <a:srgbClr val="474747"/>
-                </a:solidFill>
-                <a:latin typeface="微软雅黑" charset="0"/>
-                <a:ea typeface="微软雅黑" charset="0"/>
-                <a:cs typeface="微软雅黑" charset="0"/>
-              </a:rPr>
-              <a:t>higherOrderComponent</a:t>
-            </a:r>
-            <a:r>
-              <a:rPr lang="en-US" altLang="zh-CN" sz="2000" dirty="0">
-                <a:solidFill>
-                  <a:srgbClr val="474747"/>
-                </a:solidFill>
-                <a:latin typeface="微软雅黑" charset="0"/>
-                <a:ea typeface="微软雅黑" charset="0"/>
-                <a:cs typeface="微软雅黑" charset="0"/>
-              </a:rPr>
-              <a:t>(</a:t>
-            </a:r>
-            <a:r>
-              <a:rPr lang="en-US" altLang="zh-CN" sz="2000" dirty="0" err="1">
-                <a:solidFill>
-                  <a:srgbClr val="474747"/>
-                </a:solidFill>
-                <a:latin typeface="微软雅黑" charset="0"/>
-                <a:ea typeface="微软雅黑" charset="0"/>
-                <a:cs typeface="微软雅黑" charset="0"/>
-              </a:rPr>
-              <a:t>WrappedComponent</a:t>
-            </a:r>
-            <a:r>
-              <a:rPr lang="en-US" altLang="zh-CN" sz="2000" dirty="0">
-                <a:solidFill>
-                  <a:srgbClr val="474747"/>
-                </a:solidFill>
-                <a:latin typeface="微软雅黑" charset="0"/>
-                <a:ea typeface="微软雅黑" charset="0"/>
-                <a:cs typeface="微软雅黑" charset="0"/>
-              </a:rPr>
-              <a:t>);</a:t>
-            </a:r>
-            <a:endParaRPr lang="zh-CN" altLang="en-US" sz="2000" u="none" strike="noStrike" kern="1200" cap="none" spc="0" baseline="0" dirty="0">
-              <a:solidFill>
-                <a:srgbClr val="C9394A"/>
-              </a:solidFill>
-              <a:latin typeface="微软雅黑" charset="0"/>
-              <a:ea typeface="微软雅黑" charset="0"/>
-              <a:cs typeface="微软雅黑" charset="0"/>
-            </a:endParaRPr>
-          </a:p>
-        </p:txBody>
-      </p:sp>
-    </p:spTree>
-    <p:extLst>
-      <p:ext uri="{BB962C8B-B14F-4D97-AF65-F5344CB8AC3E}">
-        <p14:creationId xmlns:p14="http://schemas.microsoft.com/office/powerpoint/2010/main" val="4154684950"/>
       </p:ext>
     </p:extLst>
   </p:cSld>
@@ -14696,6 +14838,1042 @@
                 <a:ea typeface="微软雅黑" charset="0"/>
                 <a:cs typeface="Times New Roman" charset="0"/>
               </a:rPr>
+              <a:t>使用高阶组件</a:t>
+            </a:r>
+          </a:p>
+        </p:txBody>
+      </p:sp>
+      <p:sp>
+        <p:nvSpPr>
+          <p:cNvPr id="7" name="矩形"/>
+          <p:cNvSpPr>
+            <a:spLocks/>
+          </p:cNvSpPr>
+          <p:nvPr/>
+        </p:nvSpPr>
+        <p:spPr>
+          <a:xfrm>
+            <a:off x="549896" y="3039928"/>
+            <a:ext cx="6470376" cy="400110"/>
+          </a:xfrm>
+          <a:prstGeom prst="rect">
+            <a:avLst/>
+          </a:prstGeom>
+          <a:noFill/>
+          <a:ln w="9525" cap="flat" cmpd="sng">
+            <a:noFill/>
+            <a:prstDash val="solid"/>
+            <a:miter/>
+          </a:ln>
+        </p:spPr>
+        <p:txBody>
+          <a:bodyPr vert="horz" wrap="square" lIns="91440" tIns="45720" rIns="91440" bIns="45720" anchor="ctr" anchorCtr="0">
+            <a:prstTxWarp prst="textNoShape">
+              <a:avLst/>
+            </a:prstTxWarp>
+            <a:spAutoFit/>
+          </a:bodyPr>
+          <a:lstStyle/>
+          <a:p>
+            <a:pPr lvl="1"/>
+            <a:r>
+              <a:rPr lang="en-US" altLang="zh-CN" sz="2000" u="none" strike="noStrike" kern="1200" cap="none" spc="0" baseline="0" dirty="0">
+                <a:solidFill>
+                  <a:srgbClr val="474747"/>
+                </a:solidFill>
+                <a:latin typeface="微软雅黑" charset="0"/>
+                <a:ea typeface="微软雅黑" charset="0"/>
+                <a:cs typeface="微软雅黑" charset="0"/>
+                <a:sym typeface="Calibri" pitchFamily="34" charset="0"/>
+              </a:rPr>
+              <a:t>2.</a:t>
+            </a:r>
+            <a:r>
+              <a:rPr lang="zh-CN" altLang="en-US" sz="2000" u="none" strike="noStrike" kern="1200" cap="none" spc="0" baseline="0" dirty="0">
+                <a:solidFill>
+                  <a:srgbClr val="474747"/>
+                </a:solidFill>
+                <a:latin typeface="微软雅黑" charset="0"/>
+                <a:ea typeface="微软雅黑" charset="0"/>
+                <a:cs typeface="微软雅黑" charset="0"/>
+                <a:sym typeface="Calibri" pitchFamily="34" charset="0"/>
+              </a:rPr>
+              <a:t> </a:t>
+            </a:r>
+            <a:r>
+              <a:rPr lang="en-US" altLang="zh-CN" sz="2000" u="none" strike="noStrike" kern="1200" cap="none" spc="0" baseline="0" dirty="0">
+                <a:solidFill>
+                  <a:srgbClr val="474747"/>
+                </a:solidFill>
+                <a:latin typeface="微软雅黑" charset="0"/>
+                <a:ea typeface="微软雅黑" charset="0"/>
+                <a:cs typeface="微软雅黑" charset="0"/>
+                <a:sym typeface="Calibri" pitchFamily="34" charset="0"/>
+              </a:rPr>
+              <a:t>@</a:t>
+            </a:r>
+            <a:r>
+              <a:rPr lang="en-US" altLang="zh-CN" sz="2000" dirty="0">
+                <a:solidFill>
+                  <a:srgbClr val="474747"/>
+                </a:solidFill>
+                <a:latin typeface="微软雅黑" charset="0"/>
+                <a:ea typeface="微软雅黑" charset="0"/>
+                <a:cs typeface="微软雅黑" charset="0"/>
+              </a:rPr>
+              <a:t> </a:t>
+            </a:r>
+            <a:r>
+              <a:rPr lang="en-US" altLang="zh-CN" sz="2000" dirty="0" err="1">
+                <a:solidFill>
+                  <a:srgbClr val="474747"/>
+                </a:solidFill>
+                <a:latin typeface="微软雅黑" charset="0"/>
+                <a:ea typeface="微软雅黑" charset="0"/>
+                <a:cs typeface="微软雅黑" charset="0"/>
+              </a:rPr>
+              <a:t>higherOrderComponent</a:t>
+            </a:r>
+            <a:endParaRPr lang="zh-CN" altLang="en-US" sz="2000" u="none" strike="noStrike" kern="1200" cap="none" spc="0" baseline="0" dirty="0">
+              <a:solidFill>
+                <a:srgbClr val="C9394A"/>
+              </a:solidFill>
+              <a:latin typeface="微软雅黑" charset="0"/>
+              <a:ea typeface="微软雅黑" charset="0"/>
+              <a:cs typeface="微软雅黑" charset="0"/>
+              <a:sym typeface="Calibri" pitchFamily="34" charset="0"/>
+            </a:endParaRPr>
+          </a:p>
+        </p:txBody>
+      </p:sp>
+      <p:sp>
+        <p:nvSpPr>
+          <p:cNvPr id="8" name="矩形"/>
+          <p:cNvSpPr>
+            <a:spLocks/>
+          </p:cNvSpPr>
+          <p:nvPr/>
+        </p:nvSpPr>
+        <p:spPr>
+          <a:xfrm>
+            <a:off x="539552" y="2211711"/>
+            <a:ext cx="7416824" cy="400110"/>
+          </a:xfrm>
+          <a:prstGeom prst="rect">
+            <a:avLst/>
+          </a:prstGeom>
+          <a:noFill/>
+          <a:ln w="9525" cap="flat" cmpd="sng">
+            <a:noFill/>
+            <a:prstDash val="solid"/>
+            <a:miter/>
+          </a:ln>
+        </p:spPr>
+        <p:txBody>
+          <a:bodyPr vert="horz" wrap="square" lIns="91440" tIns="45720" rIns="91440" bIns="45720" anchor="ctr" anchorCtr="0">
+            <a:prstTxWarp prst="textNoShape">
+              <a:avLst/>
+            </a:prstTxWarp>
+            <a:spAutoFit/>
+          </a:bodyPr>
+          <a:lstStyle/>
+          <a:p>
+            <a:pPr lvl="1"/>
+            <a:r>
+              <a:rPr lang="en-US" altLang="zh-CN" sz="2000" dirty="0">
+                <a:solidFill>
+                  <a:srgbClr val="474747"/>
+                </a:solidFill>
+                <a:latin typeface="微软雅黑" charset="0"/>
+                <a:ea typeface="微软雅黑" charset="0"/>
+                <a:cs typeface="微软雅黑" charset="0"/>
+              </a:rPr>
+              <a:t>1.</a:t>
+            </a:r>
+            <a:r>
+              <a:rPr lang="zh-CN" altLang="en-US" sz="2000" dirty="0">
+                <a:solidFill>
+                  <a:srgbClr val="474747"/>
+                </a:solidFill>
+                <a:latin typeface="微软雅黑" charset="0"/>
+                <a:ea typeface="微软雅黑" charset="0"/>
+                <a:cs typeface="微软雅黑" charset="0"/>
+              </a:rPr>
+              <a:t> </a:t>
+            </a:r>
+            <a:r>
+              <a:rPr lang="en-US" altLang="zh-CN" sz="2000" dirty="0" err="1">
+                <a:solidFill>
+                  <a:srgbClr val="474747"/>
+                </a:solidFill>
+                <a:latin typeface="微软雅黑" charset="0"/>
+                <a:ea typeface="微软雅黑" charset="0"/>
+                <a:cs typeface="微软雅黑" charset="0"/>
+              </a:rPr>
+              <a:t>higherOrderComponent</a:t>
+            </a:r>
+            <a:r>
+              <a:rPr lang="en-US" altLang="zh-CN" sz="2000" dirty="0">
+                <a:solidFill>
+                  <a:srgbClr val="474747"/>
+                </a:solidFill>
+                <a:latin typeface="微软雅黑" charset="0"/>
+                <a:ea typeface="微软雅黑" charset="0"/>
+                <a:cs typeface="微软雅黑" charset="0"/>
+              </a:rPr>
+              <a:t>(</a:t>
+            </a:r>
+            <a:r>
+              <a:rPr lang="en-US" altLang="zh-CN" sz="2000" dirty="0" err="1">
+                <a:solidFill>
+                  <a:srgbClr val="474747"/>
+                </a:solidFill>
+                <a:latin typeface="微软雅黑" charset="0"/>
+                <a:ea typeface="微软雅黑" charset="0"/>
+                <a:cs typeface="微软雅黑" charset="0"/>
+              </a:rPr>
+              <a:t>WrappedComponent</a:t>
+            </a:r>
+            <a:r>
+              <a:rPr lang="en-US" altLang="zh-CN" sz="2000" dirty="0">
+                <a:solidFill>
+                  <a:srgbClr val="474747"/>
+                </a:solidFill>
+                <a:latin typeface="微软雅黑" charset="0"/>
+                <a:ea typeface="微软雅黑" charset="0"/>
+                <a:cs typeface="微软雅黑" charset="0"/>
+              </a:rPr>
+              <a:t>);</a:t>
+            </a:r>
+            <a:endParaRPr lang="zh-CN" altLang="en-US" sz="2000" u="none" strike="noStrike" kern="1200" cap="none" spc="0" baseline="0" dirty="0">
+              <a:solidFill>
+                <a:srgbClr val="C9394A"/>
+              </a:solidFill>
+              <a:latin typeface="微软雅黑" charset="0"/>
+              <a:ea typeface="微软雅黑" charset="0"/>
+              <a:cs typeface="微软雅黑" charset="0"/>
+            </a:endParaRPr>
+          </a:p>
+        </p:txBody>
+      </p:sp>
+    </p:spTree>
+    <p:extLst>
+      <p:ext uri="{BB962C8B-B14F-4D97-AF65-F5344CB8AC3E}">
+        <p14:creationId xmlns:p14="http://schemas.microsoft.com/office/powerpoint/2010/main" val="4154684950"/>
+      </p:ext>
+    </p:extLst>
+  </p:cSld>
+  <p:clrMapOvr>
+    <a:masterClrMapping/>
+  </p:clrMapOvr>
+  <p:timing>
+    <p:tnLst>
+      <p:par>
+        <p:cTn id="1" dur="indefinite" restart="never" nodeType="tmRoot">
+          <p:childTnLst>
+            <p:seq concurrent="1" nextAc="seek">
+              <p:cTn id="2" dur="indefinite" nodeType="mainSeq">
+                <p:childTnLst>
+                  <p:par>
+                    <p:cTn id="3" fill="hold">
+                      <p:stCondLst>
+                        <p:cond delay="indefinite"/>
+                      </p:stCondLst>
+                      <p:childTnLst>
+                        <p:par>
+                          <p:cTn id="4" fill="hold">
+                            <p:stCondLst>
+                              <p:cond delay="0"/>
+                            </p:stCondLst>
+                            <p:childTnLst>
+                              <p:par>
+                                <p:cTn id="5" presetID="2" presetClass="entr" presetSubtype="4" fill="hold" nodeType="clickEffect">
+                                  <p:stCondLst>
+                                    <p:cond delay="0"/>
+                                  </p:stCondLst>
+                                  <p:childTnLst>
+                                    <p:set>
+                                      <p:cBhvr>
+                                        <p:cTn id="6" dur="1" fill="hold">
+                                          <p:stCondLst>
+                                            <p:cond delay="0"/>
+                                          </p:stCondLst>
+                                        </p:cTn>
+                                        <p:tgtEl>
+                                          <p:spTgt spid="5">
+                                            <p:txEl>
+                                              <p:pRg st="0" end="0"/>
+                                            </p:txEl>
+                                          </p:spTgt>
+                                        </p:tgtEl>
+                                        <p:attrNameLst>
+                                          <p:attrName>style.visibility</p:attrName>
+                                        </p:attrNameLst>
+                                      </p:cBhvr>
+                                      <p:to>
+                                        <p:strVal val="visible"/>
+                                      </p:to>
+                                    </p:set>
+                                    <p:anim calcmode="lin" valueType="num">
+                                      <p:cBhvr additive="base">
+                                        <p:cTn id="7" dur="500" fill="hold"/>
+                                        <p:tgtEl>
+                                          <p:spTgt spid="5">
+                                            <p:txEl>
+                                              <p:pRg st="0" end="0"/>
+                                            </p:txEl>
+                                          </p:spTgt>
+                                        </p:tgtEl>
+                                        <p:attrNameLst>
+                                          <p:attrName>ppt_x</p:attrName>
+                                        </p:attrNameLst>
+                                      </p:cBhvr>
+                                      <p:tavLst>
+                                        <p:tav tm="0">
+                                          <p:val>
+                                            <p:strVal val="#ppt_x"/>
+                                          </p:val>
+                                        </p:tav>
+                                        <p:tav tm="100000">
+                                          <p:val>
+                                            <p:strVal val="#ppt_x"/>
+                                          </p:val>
+                                        </p:tav>
+                                      </p:tavLst>
+                                    </p:anim>
+                                    <p:anim calcmode="lin" valueType="num">
+                                      <p:cBhvr additive="base">
+                                        <p:cTn id="8" dur="500" fill="hold"/>
+                                        <p:tgtEl>
+                                          <p:spTgt spid="5">
+                                            <p:txEl>
+                                              <p:pRg st="0" end="0"/>
+                                            </p:txEl>
+                                          </p:spTgt>
+                                        </p:tgtEl>
+                                        <p:attrNameLst>
+                                          <p:attrName>ppt_y</p:attrName>
+                                        </p:attrNameLst>
+                                      </p:cBhvr>
+                                      <p:tavLst>
+                                        <p:tav tm="0">
+                                          <p:val>
+                                            <p:strVal val="1+#ppt_h/2"/>
+                                          </p:val>
+                                        </p:tav>
+                                        <p:tav tm="100000">
+                                          <p:val>
+                                            <p:strVal val="#ppt_y"/>
+                                          </p:val>
+                                        </p:tav>
+                                      </p:tavLst>
+                                    </p:anim>
+                                  </p:childTnLst>
+                                </p:cTn>
+                              </p:par>
+                            </p:childTnLst>
+                          </p:cTn>
+                        </p:par>
+                      </p:childTnLst>
+                    </p:cTn>
+                  </p:par>
+                  <p:par>
+                    <p:cTn id="9" fill="hold">
+                      <p:stCondLst>
+                        <p:cond delay="indefinite"/>
+                      </p:stCondLst>
+                      <p:childTnLst>
+                        <p:par>
+                          <p:cTn id="10" fill="hold">
+                            <p:stCondLst>
+                              <p:cond delay="0"/>
+                            </p:stCondLst>
+                            <p:childTnLst>
+                              <p:par>
+                                <p:cTn id="11" presetID="2" presetClass="entr" presetSubtype="4" fill="hold" grpId="0" nodeType="clickEffect">
+                                  <p:stCondLst>
+                                    <p:cond delay="0"/>
+                                  </p:stCondLst>
+                                  <p:childTnLst>
+                                    <p:set>
+                                      <p:cBhvr>
+                                        <p:cTn id="12" dur="1" fill="hold">
+                                          <p:stCondLst>
+                                            <p:cond delay="0"/>
+                                          </p:stCondLst>
+                                        </p:cTn>
+                                        <p:tgtEl>
+                                          <p:spTgt spid="8"/>
+                                        </p:tgtEl>
+                                        <p:attrNameLst>
+                                          <p:attrName>style.visibility</p:attrName>
+                                        </p:attrNameLst>
+                                      </p:cBhvr>
+                                      <p:to>
+                                        <p:strVal val="visible"/>
+                                      </p:to>
+                                    </p:set>
+                                    <p:anim calcmode="lin" valueType="num">
+                                      <p:cBhvr additive="base">
+                                        <p:cTn id="13" dur="500" fill="hold"/>
+                                        <p:tgtEl>
+                                          <p:spTgt spid="8"/>
+                                        </p:tgtEl>
+                                        <p:attrNameLst>
+                                          <p:attrName>ppt_x</p:attrName>
+                                        </p:attrNameLst>
+                                      </p:cBhvr>
+                                      <p:tavLst>
+                                        <p:tav tm="0">
+                                          <p:val>
+                                            <p:strVal val="#ppt_x"/>
+                                          </p:val>
+                                        </p:tav>
+                                        <p:tav tm="100000">
+                                          <p:val>
+                                            <p:strVal val="#ppt_x"/>
+                                          </p:val>
+                                        </p:tav>
+                                      </p:tavLst>
+                                    </p:anim>
+                                    <p:anim calcmode="lin" valueType="num">
+                                      <p:cBhvr additive="base">
+                                        <p:cTn id="14" dur="500" fill="hold"/>
+                                        <p:tgtEl>
+                                          <p:spTgt spid="8"/>
+                                        </p:tgtEl>
+                                        <p:attrNameLst>
+                                          <p:attrName>ppt_y</p:attrName>
+                                        </p:attrNameLst>
+                                      </p:cBhvr>
+                                      <p:tavLst>
+                                        <p:tav tm="0">
+                                          <p:val>
+                                            <p:strVal val="1+#ppt_h/2"/>
+                                          </p:val>
+                                        </p:tav>
+                                        <p:tav tm="100000">
+                                          <p:val>
+                                            <p:strVal val="#ppt_y"/>
+                                          </p:val>
+                                        </p:tav>
+                                      </p:tavLst>
+                                    </p:anim>
+                                  </p:childTnLst>
+                                </p:cTn>
+                              </p:par>
+                            </p:childTnLst>
+                          </p:cTn>
+                        </p:par>
+                      </p:childTnLst>
+                    </p:cTn>
+                  </p:par>
+                  <p:par>
+                    <p:cTn id="15" fill="hold">
+                      <p:stCondLst>
+                        <p:cond delay="indefinite"/>
+                      </p:stCondLst>
+                      <p:childTnLst>
+                        <p:par>
+                          <p:cTn id="16" fill="hold">
+                            <p:stCondLst>
+                              <p:cond delay="0"/>
+                            </p:stCondLst>
+                            <p:childTnLst>
+                              <p:par>
+                                <p:cTn id="17" presetID="2" presetClass="entr" presetSubtype="4" fill="hold" grpId="0" nodeType="clickEffect">
+                                  <p:stCondLst>
+                                    <p:cond delay="0"/>
+                                  </p:stCondLst>
+                                  <p:childTnLst>
+                                    <p:set>
+                                      <p:cBhvr>
+                                        <p:cTn id="18" dur="1" fill="hold">
+                                          <p:stCondLst>
+                                            <p:cond delay="0"/>
+                                          </p:stCondLst>
+                                        </p:cTn>
+                                        <p:tgtEl>
+                                          <p:spTgt spid="7"/>
+                                        </p:tgtEl>
+                                        <p:attrNameLst>
+                                          <p:attrName>style.visibility</p:attrName>
+                                        </p:attrNameLst>
+                                      </p:cBhvr>
+                                      <p:to>
+                                        <p:strVal val="visible"/>
+                                      </p:to>
+                                    </p:set>
+                                    <p:anim calcmode="lin" valueType="num">
+                                      <p:cBhvr additive="base">
+                                        <p:cTn id="19" dur="500" fill="hold"/>
+                                        <p:tgtEl>
+                                          <p:spTgt spid="7"/>
+                                        </p:tgtEl>
+                                        <p:attrNameLst>
+                                          <p:attrName>ppt_x</p:attrName>
+                                        </p:attrNameLst>
+                                      </p:cBhvr>
+                                      <p:tavLst>
+                                        <p:tav tm="0">
+                                          <p:val>
+                                            <p:strVal val="#ppt_x"/>
+                                          </p:val>
+                                        </p:tav>
+                                        <p:tav tm="100000">
+                                          <p:val>
+                                            <p:strVal val="#ppt_x"/>
+                                          </p:val>
+                                        </p:tav>
+                                      </p:tavLst>
+                                    </p:anim>
+                                    <p:anim calcmode="lin" valueType="num">
+                                      <p:cBhvr additive="base">
+                                        <p:cTn id="20" dur="500" fill="hold"/>
+                                        <p:tgtEl>
+                                          <p:spTgt spid="7"/>
+                                        </p:tgtEl>
+                                        <p:attrNameLst>
+                                          <p:attrName>ppt_y</p:attrName>
+                                        </p:attrNameLst>
+                                      </p:cBhvr>
+                                      <p:tavLst>
+                                        <p:tav tm="0">
+                                          <p:val>
+                                            <p:strVal val="1+#ppt_h/2"/>
+                                          </p:val>
+                                        </p:tav>
+                                        <p:tav tm="100000">
+                                          <p:val>
+                                            <p:strVal val="#ppt_y"/>
+                                          </p:val>
+                                        </p:tav>
+                                      </p:tavLst>
+                                    </p:anim>
+                                  </p:childTnLst>
+                                </p:cTn>
+                              </p:par>
+                            </p:childTnLst>
+                          </p:cTn>
+                        </p:par>
+                      </p:childTnLst>
+                    </p:cTn>
+                  </p:par>
+                </p:childTnLst>
+              </p:cTn>
+              <p:prevCondLst>
+                <p:cond evt="onPrev" delay="0">
+                  <p:tgtEl>
+                    <p:sldTgt/>
+                  </p:tgtEl>
+                </p:cond>
+              </p:prevCondLst>
+              <p:nextCondLst>
+                <p:cond evt="onNext" delay="0">
+                  <p:tgtEl>
+                    <p:sldTgt/>
+                  </p:tgtEl>
+                </p:cond>
+              </p:nextCondLst>
+            </p:seq>
+          </p:childTnLst>
+        </p:cTn>
+      </p:par>
+    </p:tnLst>
+    <p:bldLst>
+      <p:bldP spid="7" grpId="0"/>
+      <p:bldP spid="8" grpId="0"/>
+    </p:bldLst>
+  </p:timing>
+</p:sld>
+</file>
+
+<file path=ppt/slides/slide18.xml><?xml version="1.0" encoding="utf-8"?>
+<p:sld xmlns:a="http://schemas.openxmlformats.org/drawingml/2006/main" xmlns:r="http://schemas.openxmlformats.org/officeDocument/2006/relationships" xmlns:p="http://schemas.openxmlformats.org/presentationml/2006/main">
+  <p:cSld>
+    <p:spTree>
+      <p:nvGrpSpPr>
+        <p:cNvPr id="1" name=""/>
+        <p:cNvGrpSpPr/>
+        <p:nvPr/>
+      </p:nvGrpSpPr>
+      <p:grpSpPr>
+        <a:xfrm>
+          <a:off x="0" y="0"/>
+          <a:ext cx="0" cy="0"/>
+          <a:chOff x="0" y="0"/>
+          <a:chExt cx="0" cy="0"/>
+        </a:xfrm>
+      </p:grpSpPr>
+      <p:sp>
+        <p:nvSpPr>
+          <p:cNvPr id="17" name="矩形"/>
+          <p:cNvSpPr>
+            <a:spLocks/>
+          </p:cNvSpPr>
+          <p:nvPr/>
+        </p:nvSpPr>
+        <p:spPr>
+          <a:xfrm>
+            <a:off x="3325505" y="497054"/>
+            <a:ext cx="2492990" cy="553998"/>
+          </a:xfrm>
+          <a:prstGeom prst="rect">
+            <a:avLst/>
+          </a:prstGeom>
+          <a:noFill/>
+          <a:ln w="9525" cap="flat" cmpd="sng">
+            <a:noFill/>
+            <a:prstDash val="solid"/>
+            <a:miter/>
+          </a:ln>
+        </p:spPr>
+        <p:txBody>
+          <a:bodyPr vert="horz" wrap="none" lIns="91440" tIns="45720" rIns="91440" bIns="45720" anchor="t" anchorCtr="0">
+            <a:prstTxWarp prst="textNoShape">
+              <a:avLst/>
+            </a:prstTxWarp>
+            <a:spAutoFit/>
+          </a:bodyPr>
+          <a:lstStyle/>
+          <a:p>
+            <a:pPr algn="ctr"/>
+            <a:r>
+              <a:rPr lang="zh-CN" altLang="en-US" sz="3000" b="1" kern="0" dirty="0">
+                <a:solidFill>
+                  <a:srgbClr val="C9394A"/>
+                </a:solidFill>
+                <a:latin typeface="微软雅黑" charset="0"/>
+                <a:ea typeface="微软雅黑" charset="0"/>
+                <a:cs typeface="微软雅黑" charset="0"/>
+              </a:rPr>
+              <a:t>高阶组件介绍</a:t>
+            </a:r>
+            <a:endParaRPr lang="zh-CN" altLang="en-US" sz="3200" dirty="0">
+              <a:cs typeface="微软雅黑" charset="0"/>
+            </a:endParaRPr>
+          </a:p>
+        </p:txBody>
+      </p:sp>
+      <p:pic>
+        <p:nvPicPr>
+          <p:cNvPr id="3" name="图片 2"/>
+          <p:cNvPicPr>
+            <a:picLocks noChangeAspect="1"/>
+          </p:cNvPicPr>
+          <p:nvPr/>
+        </p:nvPicPr>
+        <p:blipFill>
+          <a:blip r:embed="rId3"/>
+          <a:stretch>
+            <a:fillRect/>
+          </a:stretch>
+        </p:blipFill>
+        <p:spPr>
+          <a:xfrm>
+            <a:off x="1979712" y="1347614"/>
+            <a:ext cx="5703218" cy="3688267"/>
+          </a:xfrm>
+          <a:prstGeom prst="rect">
+            <a:avLst/>
+          </a:prstGeom>
+        </p:spPr>
+      </p:pic>
+    </p:spTree>
+    <p:extLst>
+      <p:ext uri="{BB962C8B-B14F-4D97-AF65-F5344CB8AC3E}">
+        <p14:creationId xmlns:p14="http://schemas.microsoft.com/office/powerpoint/2010/main" val="4251508251"/>
+      </p:ext>
+    </p:extLst>
+  </p:cSld>
+  <p:clrMapOvr>
+    <a:masterClrMapping/>
+  </p:clrMapOvr>
+  <p:timing>
+    <p:tnLst>
+      <p:par>
+        <p:cTn id="1" dur="indefinite" restart="never" nodeType="tmRoot"/>
+      </p:par>
+    </p:tnLst>
+  </p:timing>
+</p:sld>
+</file>
+
+<file path=ppt/slides/slide19.xml><?xml version="1.0" encoding="utf-8"?>
+<p:sld xmlns:a="http://schemas.openxmlformats.org/drawingml/2006/main" xmlns:r="http://schemas.openxmlformats.org/officeDocument/2006/relationships" xmlns:p="http://schemas.openxmlformats.org/presentationml/2006/main">
+  <p:cSld>
+    <p:spTree>
+      <p:nvGrpSpPr>
+        <p:cNvPr id="1" name=""/>
+        <p:cNvGrpSpPr/>
+        <p:nvPr/>
+      </p:nvGrpSpPr>
+      <p:grpSpPr>
+        <a:xfrm>
+          <a:off x="0" y="0"/>
+          <a:ext cx="0" cy="0"/>
+          <a:chOff x="0" y="0"/>
+          <a:chExt cx="0" cy="0"/>
+        </a:xfrm>
+      </p:grpSpPr>
+      <p:sp>
+        <p:nvSpPr>
+          <p:cNvPr id="17" name="矩形"/>
+          <p:cNvSpPr>
+            <a:spLocks/>
+          </p:cNvSpPr>
+          <p:nvPr/>
+        </p:nvSpPr>
+        <p:spPr>
+          <a:xfrm>
+            <a:off x="3325505" y="497054"/>
+            <a:ext cx="2492990" cy="553998"/>
+          </a:xfrm>
+          <a:prstGeom prst="rect">
+            <a:avLst/>
+          </a:prstGeom>
+          <a:noFill/>
+          <a:ln w="9525" cap="flat" cmpd="sng">
+            <a:noFill/>
+            <a:prstDash val="solid"/>
+            <a:miter/>
+          </a:ln>
+        </p:spPr>
+        <p:txBody>
+          <a:bodyPr vert="horz" wrap="none" lIns="91440" tIns="45720" rIns="91440" bIns="45720" anchor="t" anchorCtr="0">
+            <a:prstTxWarp prst="textNoShape">
+              <a:avLst/>
+            </a:prstTxWarp>
+            <a:spAutoFit/>
+          </a:bodyPr>
+          <a:lstStyle/>
+          <a:p>
+            <a:pPr algn="ctr"/>
+            <a:r>
+              <a:rPr lang="zh-CN" altLang="en-US" sz="3000" b="1" kern="0" dirty="0">
+                <a:solidFill>
+                  <a:srgbClr val="C9394A"/>
+                </a:solidFill>
+                <a:latin typeface="微软雅黑" charset="0"/>
+                <a:ea typeface="微软雅黑" charset="0"/>
+                <a:cs typeface="微软雅黑" charset="0"/>
+              </a:rPr>
+              <a:t>高阶组件介绍</a:t>
+            </a:r>
+            <a:endParaRPr lang="zh-CN" altLang="en-US" sz="3200" dirty="0">
+              <a:cs typeface="微软雅黑" charset="0"/>
+            </a:endParaRPr>
+          </a:p>
+        </p:txBody>
+      </p:sp>
+      <p:sp>
+        <p:nvSpPr>
+          <p:cNvPr id="5" name="文本框"/>
+          <p:cNvSpPr txBox="1">
+            <a:spLocks/>
+          </p:cNvSpPr>
+          <p:nvPr/>
+        </p:nvSpPr>
+        <p:spPr>
+          <a:xfrm>
+            <a:off x="467544" y="1275606"/>
+            <a:ext cx="8229600" cy="507999"/>
+          </a:xfrm>
+          <a:prstGeom prst="rect">
+            <a:avLst/>
+          </a:prstGeom>
+          <a:noFill/>
+          <a:ln w="9525" cap="flat" cmpd="sng">
+            <a:noFill/>
+            <a:prstDash val="solid"/>
+            <a:round/>
+          </a:ln>
+        </p:spPr>
+        <p:txBody>
+          <a:bodyPr vert="horz" wrap="square" lIns="91440" tIns="45720" rIns="91440" bIns="45720" anchor="ctr" anchorCtr="0">
+            <a:prstTxWarp prst="textNoShape">
+              <a:avLst/>
+            </a:prstTxWarp>
+          </a:bodyPr>
+          <a:lstStyle>
+            <a:lvl1pPr marL="342900" marR="0" indent="-342900" algn="l" defTabSz="914400" rtl="0" latinLnBrk="0">
+              <a:lnSpc>
+                <a:spcPct val="100000"/>
+              </a:lnSpc>
+              <a:spcBef>
+                <a:spcPts val="400"/>
+              </a:spcBef>
+              <a:spcAft>
+                <a:spcPts val="0"/>
+              </a:spcAft>
+              <a:buClrTx/>
+              <a:buSzPct val="100000"/>
+              <a:buFont typeface="Arial"/>
+              <a:buChar char="•"/>
+              <a:tabLst/>
+              <a:defRPr sz="2000" b="1" i="0" u="none" strike="noStrike" cap="none" spc="0" baseline="0">
+                <a:ln>
+                  <a:noFill/>
+                </a:ln>
+                <a:solidFill>
+                  <a:srgbClr val="474747"/>
+                </a:solidFill>
+                <a:uFillTx/>
+                <a:latin typeface="微软雅黑"/>
+                <a:ea typeface="微软雅黑"/>
+                <a:cs typeface="微软雅黑"/>
+                <a:sym typeface="微软雅黑"/>
+              </a:defRPr>
+            </a:lvl1pPr>
+            <a:lvl2pPr marL="838200" marR="0" indent="-381000" algn="l" defTabSz="914400" rtl="0" latinLnBrk="0">
+              <a:lnSpc>
+                <a:spcPct val="100000"/>
+              </a:lnSpc>
+              <a:spcBef>
+                <a:spcPts val="400"/>
+              </a:spcBef>
+              <a:spcAft>
+                <a:spcPts val="0"/>
+              </a:spcAft>
+              <a:buClrTx/>
+              <a:buSzPct val="100000"/>
+              <a:buFont typeface="Arial"/>
+              <a:buChar char="–"/>
+              <a:tabLst/>
+              <a:defRPr sz="2000" b="1" i="0" u="none" strike="noStrike" cap="none" spc="0" baseline="0">
+                <a:ln>
+                  <a:noFill/>
+                </a:ln>
+                <a:solidFill>
+                  <a:srgbClr val="474747"/>
+                </a:solidFill>
+                <a:uFillTx/>
+                <a:latin typeface="微软雅黑"/>
+                <a:ea typeface="微软雅黑"/>
+                <a:cs typeface="微软雅黑"/>
+                <a:sym typeface="微软雅黑"/>
+              </a:defRPr>
+            </a:lvl2pPr>
+            <a:lvl3pPr marL="1219200" marR="0" indent="-304800" algn="l" defTabSz="914400" rtl="0" latinLnBrk="0">
+              <a:lnSpc>
+                <a:spcPct val="100000"/>
+              </a:lnSpc>
+              <a:spcBef>
+                <a:spcPts val="400"/>
+              </a:spcBef>
+              <a:spcAft>
+                <a:spcPts val="0"/>
+              </a:spcAft>
+              <a:buClrTx/>
+              <a:buSzPct val="100000"/>
+              <a:buFont typeface="Arial"/>
+              <a:buChar char="•"/>
+              <a:tabLst/>
+              <a:defRPr sz="2000" b="1" i="0" u="none" strike="noStrike" cap="none" spc="0" baseline="0">
+                <a:ln>
+                  <a:noFill/>
+                </a:ln>
+                <a:solidFill>
+                  <a:srgbClr val="474747"/>
+                </a:solidFill>
+                <a:uFillTx/>
+                <a:latin typeface="微软雅黑"/>
+                <a:ea typeface="微软雅黑"/>
+                <a:cs typeface="微软雅黑"/>
+                <a:sym typeface="微软雅黑"/>
+              </a:defRPr>
+            </a:lvl3pPr>
+            <a:lvl4pPr marL="1676400" marR="0" indent="-304800" algn="l" defTabSz="914400" rtl="0" latinLnBrk="0">
+              <a:lnSpc>
+                <a:spcPct val="100000"/>
+              </a:lnSpc>
+              <a:spcBef>
+                <a:spcPts val="400"/>
+              </a:spcBef>
+              <a:spcAft>
+                <a:spcPts val="0"/>
+              </a:spcAft>
+              <a:buClrTx/>
+              <a:buSzPct val="100000"/>
+              <a:buFont typeface="Arial"/>
+              <a:buChar char="–"/>
+              <a:tabLst/>
+              <a:defRPr sz="2000" b="1" i="0" u="none" strike="noStrike" cap="none" spc="0" baseline="0">
+                <a:ln>
+                  <a:noFill/>
+                </a:ln>
+                <a:solidFill>
+                  <a:srgbClr val="474747"/>
+                </a:solidFill>
+                <a:uFillTx/>
+                <a:latin typeface="微软雅黑"/>
+                <a:ea typeface="微软雅黑"/>
+                <a:cs typeface="微软雅黑"/>
+                <a:sym typeface="微软雅黑"/>
+              </a:defRPr>
+            </a:lvl4pPr>
+            <a:lvl5pPr marL="2133600" marR="0" indent="-304800" algn="l" defTabSz="914400" rtl="0" latinLnBrk="0">
+              <a:lnSpc>
+                <a:spcPct val="100000"/>
+              </a:lnSpc>
+              <a:spcBef>
+                <a:spcPts val="400"/>
+              </a:spcBef>
+              <a:spcAft>
+                <a:spcPts val="0"/>
+              </a:spcAft>
+              <a:buClrTx/>
+              <a:buSzPct val="100000"/>
+              <a:buFont typeface="Arial"/>
+              <a:buChar char="»"/>
+              <a:tabLst/>
+              <a:defRPr sz="2000" b="1" i="0" u="none" strike="noStrike" cap="none" spc="0" baseline="0">
+                <a:ln>
+                  <a:noFill/>
+                </a:ln>
+                <a:solidFill>
+                  <a:srgbClr val="474747"/>
+                </a:solidFill>
+                <a:uFillTx/>
+                <a:latin typeface="微软雅黑"/>
+                <a:ea typeface="微软雅黑"/>
+                <a:cs typeface="微软雅黑"/>
+                <a:sym typeface="微软雅黑"/>
+              </a:defRPr>
+            </a:lvl5pPr>
+            <a:lvl6pPr marL="2590800" marR="0" indent="-304800" algn="l" defTabSz="914400" rtl="0" latinLnBrk="0">
+              <a:lnSpc>
+                <a:spcPct val="100000"/>
+              </a:lnSpc>
+              <a:spcBef>
+                <a:spcPts val="400"/>
+              </a:spcBef>
+              <a:spcAft>
+                <a:spcPts val="0"/>
+              </a:spcAft>
+              <a:buClrTx/>
+              <a:buSzPct val="100000"/>
+              <a:buFont typeface="Arial"/>
+              <a:buChar char="»"/>
+              <a:tabLst/>
+              <a:defRPr sz="2000" b="1" i="0" u="none" strike="noStrike" cap="none" spc="0" baseline="0">
+                <a:ln>
+                  <a:noFill/>
+                </a:ln>
+                <a:solidFill>
+                  <a:srgbClr val="474747"/>
+                </a:solidFill>
+                <a:uFillTx/>
+                <a:latin typeface="微软雅黑"/>
+                <a:ea typeface="微软雅黑"/>
+                <a:cs typeface="微软雅黑"/>
+                <a:sym typeface="微软雅黑"/>
+              </a:defRPr>
+            </a:lvl6pPr>
+            <a:lvl7pPr marL="3048000" marR="0" indent="-304800" algn="l" defTabSz="914400" rtl="0" latinLnBrk="0">
+              <a:lnSpc>
+                <a:spcPct val="100000"/>
+              </a:lnSpc>
+              <a:spcBef>
+                <a:spcPts val="400"/>
+              </a:spcBef>
+              <a:spcAft>
+                <a:spcPts val="0"/>
+              </a:spcAft>
+              <a:buClrTx/>
+              <a:buSzPct val="100000"/>
+              <a:buFont typeface="Arial"/>
+              <a:buChar char="»"/>
+              <a:tabLst/>
+              <a:defRPr sz="2000" b="1" i="0" u="none" strike="noStrike" cap="none" spc="0" baseline="0">
+                <a:ln>
+                  <a:noFill/>
+                </a:ln>
+                <a:solidFill>
+                  <a:srgbClr val="474747"/>
+                </a:solidFill>
+                <a:uFillTx/>
+                <a:latin typeface="微软雅黑"/>
+                <a:ea typeface="微软雅黑"/>
+                <a:cs typeface="微软雅黑"/>
+                <a:sym typeface="微软雅黑"/>
+              </a:defRPr>
+            </a:lvl7pPr>
+            <a:lvl8pPr marL="3505200" marR="0" indent="-304800" algn="l" defTabSz="914400" rtl="0" latinLnBrk="0">
+              <a:lnSpc>
+                <a:spcPct val="100000"/>
+              </a:lnSpc>
+              <a:spcBef>
+                <a:spcPts val="400"/>
+              </a:spcBef>
+              <a:spcAft>
+                <a:spcPts val="0"/>
+              </a:spcAft>
+              <a:buClrTx/>
+              <a:buSzPct val="100000"/>
+              <a:buFont typeface="Arial"/>
+              <a:buChar char="»"/>
+              <a:tabLst/>
+              <a:defRPr sz="2000" b="1" i="0" u="none" strike="noStrike" cap="none" spc="0" baseline="0">
+                <a:ln>
+                  <a:noFill/>
+                </a:ln>
+                <a:solidFill>
+                  <a:srgbClr val="474747"/>
+                </a:solidFill>
+                <a:uFillTx/>
+                <a:latin typeface="微软雅黑"/>
+                <a:ea typeface="微软雅黑"/>
+                <a:cs typeface="微软雅黑"/>
+                <a:sym typeface="微软雅黑"/>
+              </a:defRPr>
+            </a:lvl8pPr>
+            <a:lvl9pPr marL="3505200" marR="0" indent="-304800" algn="l" defTabSz="914400" rtl="0" latinLnBrk="0">
+              <a:lnSpc>
+                <a:spcPct val="100000"/>
+              </a:lnSpc>
+              <a:spcBef>
+                <a:spcPts val="400"/>
+              </a:spcBef>
+              <a:spcAft>
+                <a:spcPts val="0"/>
+              </a:spcAft>
+              <a:buClrTx/>
+              <a:buSzPct val="100000"/>
+              <a:buFont typeface="Arial"/>
+              <a:buChar char="»"/>
+              <a:tabLst/>
+              <a:defRPr sz="2000" b="1" i="0" u="none" strike="noStrike" cap="none" spc="0" baseline="0">
+                <a:ln>
+                  <a:noFill/>
+                </a:ln>
+                <a:solidFill>
+                  <a:srgbClr val="474747"/>
+                </a:solidFill>
+                <a:uFillTx/>
+                <a:latin typeface="微软雅黑"/>
+                <a:ea typeface="微软雅黑"/>
+                <a:cs typeface="微软雅黑"/>
+                <a:sym typeface="微软雅黑"/>
+              </a:defRPr>
+            </a:lvl9pPr>
+          </a:lstStyle>
+          <a:p>
+            <a:pPr marL="0" indent="0" hangingPunct="1">
+              <a:spcBef>
+                <a:spcPct val="20000"/>
+              </a:spcBef>
+              <a:buNone/>
+            </a:pPr>
+            <a:r>
+              <a:rPr lang="zh-CN" altLang="en-US" sz="2200" dirty="0">
+                <a:solidFill>
+                  <a:srgbClr val="212121"/>
+                </a:solidFill>
+                <a:latin typeface="微软雅黑" charset="0"/>
+                <a:ea typeface="微软雅黑" charset="0"/>
+                <a:cs typeface="Times New Roman" charset="0"/>
+              </a:rPr>
               <a:t>高阶组件传参</a:t>
             </a:r>
           </a:p>
@@ -15168,7 +16346,1200 @@
 </p:sld>
 </file>
 
-<file path=ppt/slides/slide18.xml><?xml version="1.0" encoding="utf-8"?>
+<file path=ppt/slides/slide2.xml><?xml version="1.0" encoding="utf-8"?>
+<p:sld xmlns:a="http://schemas.openxmlformats.org/drawingml/2006/main" xmlns:r="http://schemas.openxmlformats.org/officeDocument/2006/relationships" xmlns:p="http://schemas.openxmlformats.org/presentationml/2006/main">
+  <p:cSld>
+    <p:spTree>
+      <p:nvGrpSpPr>
+        <p:cNvPr id="1" name=""/>
+        <p:cNvGrpSpPr/>
+        <p:nvPr/>
+      </p:nvGrpSpPr>
+      <p:grpSpPr>
+        <a:xfrm>
+          <a:off x="0" y="0"/>
+          <a:ext cx="0" cy="0"/>
+          <a:chOff x="0" y="0"/>
+          <a:chExt cx="0" cy="0"/>
+        </a:xfrm>
+      </p:grpSpPr>
+      <p:sp>
+        <p:nvSpPr>
+          <p:cNvPr id="4" name="矩形"/>
+          <p:cNvSpPr>
+            <a:spLocks/>
+          </p:cNvSpPr>
+          <p:nvPr/>
+        </p:nvSpPr>
+        <p:spPr>
+          <a:xfrm>
+            <a:off x="3710226" y="497054"/>
+            <a:ext cx="1723549" cy="553998"/>
+          </a:xfrm>
+          <a:prstGeom prst="rect">
+            <a:avLst/>
+          </a:prstGeom>
+          <a:noFill/>
+          <a:ln w="9525" cap="flat" cmpd="sng">
+            <a:noFill/>
+            <a:prstDash val="solid"/>
+            <a:miter/>
+          </a:ln>
+        </p:spPr>
+        <p:txBody>
+          <a:bodyPr vert="horz" wrap="none" lIns="91440" tIns="45720" rIns="91440" bIns="45720" anchor="t" anchorCtr="0">
+            <a:prstTxWarp prst="textNoShape">
+              <a:avLst/>
+            </a:prstTxWarp>
+            <a:spAutoFit/>
+          </a:bodyPr>
+          <a:lstStyle/>
+          <a:p>
+            <a:pPr algn="ctr"/>
+            <a:r>
+              <a:rPr lang="zh-CN" altLang="en-US" sz="3000" b="1" u="none" strike="noStrike" kern="0" cap="none" spc="0" baseline="0" dirty="0">
+                <a:solidFill>
+                  <a:srgbClr val="C9394A"/>
+                </a:solidFill>
+                <a:latin typeface="微软雅黑" charset="0"/>
+                <a:ea typeface="微软雅黑" charset="0"/>
+                <a:cs typeface="微软雅黑" charset="0"/>
+              </a:rPr>
+              <a:t>课程安排</a:t>
+            </a:r>
+            <a:endParaRPr lang="zh-CN" altLang="en-US" u="none" strike="noStrike" kern="1200" cap="none" spc="0" baseline="0" dirty="0">
+              <a:solidFill>
+                <a:schemeClr val="tx1"/>
+              </a:solidFill>
+              <a:latin typeface="Calibri" pitchFamily="34" charset="0"/>
+              <a:ea typeface="宋体" pitchFamily="2" charset="-122"/>
+              <a:cs typeface="微软雅黑" charset="0"/>
+            </a:endParaRPr>
+          </a:p>
+        </p:txBody>
+      </p:sp>
+      <p:sp>
+        <p:nvSpPr>
+          <p:cNvPr id="6" name="矩形"/>
+          <p:cNvSpPr>
+            <a:spLocks/>
+          </p:cNvSpPr>
+          <p:nvPr/>
+        </p:nvSpPr>
+        <p:spPr>
+          <a:xfrm>
+            <a:off x="990143" y="2078508"/>
+            <a:ext cx="6754963" cy="400110"/>
+          </a:xfrm>
+          <a:prstGeom prst="rect">
+            <a:avLst/>
+          </a:prstGeom>
+          <a:noFill/>
+          <a:ln w="9525" cap="flat" cmpd="sng">
+            <a:noFill/>
+            <a:prstDash val="solid"/>
+            <a:miter/>
+          </a:ln>
+        </p:spPr>
+        <p:txBody>
+          <a:bodyPr vert="horz" wrap="square" lIns="91440" tIns="45720" rIns="91440" bIns="45720" anchor="ctr" anchorCtr="0">
+            <a:prstTxWarp prst="textNoShape">
+              <a:avLst/>
+            </a:prstTxWarp>
+            <a:spAutoFit/>
+          </a:bodyPr>
+          <a:lstStyle/>
+          <a:p>
+            <a:pPr marL="800100" lvl="1" indent="-342900">
+              <a:buFont typeface="Wingdings" panose="05000000000000000000" pitchFamily="2" charset="2"/>
+              <a:buChar char="u"/>
+            </a:pPr>
+            <a:r>
+              <a:rPr lang="zh-CN" altLang="en-US" sz="2000" kern="1200" dirty="0">
+                <a:solidFill>
+                  <a:srgbClr val="474747"/>
+                </a:solidFill>
+                <a:latin typeface="微软雅黑" charset="0"/>
+                <a:ea typeface="微软雅黑" charset="0"/>
+                <a:cs typeface="微软雅黑" charset="0"/>
+                <a:sym typeface="Calibri" pitchFamily="34" charset="0"/>
+              </a:rPr>
+              <a:t>高阶组件概述</a:t>
+            </a:r>
+          </a:p>
+        </p:txBody>
+      </p:sp>
+      <p:sp>
+        <p:nvSpPr>
+          <p:cNvPr id="7" name="矩形"/>
+          <p:cNvSpPr>
+            <a:spLocks/>
+          </p:cNvSpPr>
+          <p:nvPr/>
+        </p:nvSpPr>
+        <p:spPr>
+          <a:xfrm>
+            <a:off x="969456" y="1597563"/>
+            <a:ext cx="6754963" cy="400110"/>
+          </a:xfrm>
+          <a:prstGeom prst="rect">
+            <a:avLst/>
+          </a:prstGeom>
+          <a:noFill/>
+          <a:ln w="9525" cap="flat" cmpd="sng">
+            <a:noFill/>
+            <a:prstDash val="solid"/>
+            <a:miter/>
+          </a:ln>
+        </p:spPr>
+        <p:txBody>
+          <a:bodyPr vert="horz" wrap="square" lIns="91440" tIns="45720" rIns="91440" bIns="45720" anchor="ctr" anchorCtr="0">
+            <a:prstTxWarp prst="textNoShape">
+              <a:avLst/>
+            </a:prstTxWarp>
+            <a:spAutoFit/>
+          </a:bodyPr>
+          <a:lstStyle/>
+          <a:p>
+            <a:pPr marL="800100" lvl="1" indent="-342900">
+              <a:buFont typeface="Wingdings" panose="05000000000000000000" pitchFamily="2" charset="2"/>
+              <a:buChar char="u"/>
+            </a:pPr>
+            <a:r>
+              <a:rPr lang="zh-CN" altLang="en-US" sz="2000" u="none" strike="noStrike" kern="1200" cap="none" spc="0" baseline="0" dirty="0">
+                <a:solidFill>
+                  <a:srgbClr val="474747"/>
+                </a:solidFill>
+                <a:latin typeface="微软雅黑" charset="0"/>
+                <a:ea typeface="微软雅黑" charset="0"/>
+                <a:cs typeface="微软雅黑" charset="0"/>
+              </a:rPr>
+              <a:t>课程</a:t>
+            </a:r>
+            <a:r>
+              <a:rPr lang="zh-CN" altLang="en-US" sz="2000" dirty="0">
+                <a:solidFill>
+                  <a:srgbClr val="474747"/>
+                </a:solidFill>
+                <a:latin typeface="微软雅黑" charset="0"/>
+                <a:ea typeface="微软雅黑" charset="0"/>
+                <a:cs typeface="微软雅黑" charset="0"/>
+              </a:rPr>
+              <a:t>介绍</a:t>
+            </a:r>
+            <a:endParaRPr lang="zh-CN" altLang="en-US" sz="2000" u="none" strike="noStrike" kern="1200" cap="none" spc="0" baseline="0" dirty="0">
+              <a:solidFill>
+                <a:srgbClr val="C9394A"/>
+              </a:solidFill>
+              <a:latin typeface="微软雅黑" charset="0"/>
+              <a:ea typeface="微软雅黑" charset="0"/>
+              <a:cs typeface="微软雅黑" charset="0"/>
+            </a:endParaRPr>
+          </a:p>
+        </p:txBody>
+      </p:sp>
+      <p:sp>
+        <p:nvSpPr>
+          <p:cNvPr id="8" name="矩形"/>
+          <p:cNvSpPr>
+            <a:spLocks/>
+          </p:cNvSpPr>
+          <p:nvPr/>
+        </p:nvSpPr>
+        <p:spPr>
+          <a:xfrm>
+            <a:off x="990142" y="2559453"/>
+            <a:ext cx="6754963" cy="400110"/>
+          </a:xfrm>
+          <a:prstGeom prst="rect">
+            <a:avLst/>
+          </a:prstGeom>
+          <a:noFill/>
+          <a:ln w="9525" cap="flat" cmpd="sng">
+            <a:noFill/>
+            <a:prstDash val="solid"/>
+            <a:miter/>
+          </a:ln>
+        </p:spPr>
+        <p:txBody>
+          <a:bodyPr vert="horz" wrap="square" lIns="91440" tIns="45720" rIns="91440" bIns="45720" anchor="ctr" anchorCtr="0">
+            <a:prstTxWarp prst="textNoShape">
+              <a:avLst/>
+            </a:prstTxWarp>
+            <a:spAutoFit/>
+          </a:bodyPr>
+          <a:lstStyle/>
+          <a:p>
+            <a:pPr marL="800100" lvl="1" indent="-342900">
+              <a:buFont typeface="Wingdings" panose="05000000000000000000" pitchFamily="2" charset="2"/>
+              <a:buChar char="u"/>
+            </a:pPr>
+            <a:r>
+              <a:rPr lang="zh-CN" altLang="en-US" sz="2000" kern="1200" dirty="0">
+                <a:solidFill>
+                  <a:srgbClr val="474747"/>
+                </a:solidFill>
+                <a:latin typeface="微软雅黑" charset="0"/>
+                <a:ea typeface="微软雅黑" charset="0"/>
+                <a:cs typeface="微软雅黑" charset="0"/>
+                <a:sym typeface="Calibri" pitchFamily="34" charset="0"/>
+              </a:rPr>
+              <a:t>高阶组件实现</a:t>
+            </a:r>
+            <a:endParaRPr lang="zh-CN" altLang="en-US" sz="2000" u="none" strike="noStrike" kern="1200" cap="none" spc="0" baseline="0" dirty="0">
+              <a:solidFill>
+                <a:srgbClr val="C9394A"/>
+              </a:solidFill>
+              <a:latin typeface="微软雅黑" charset="0"/>
+              <a:ea typeface="微软雅黑" charset="0"/>
+              <a:cs typeface="微软雅黑" charset="0"/>
+              <a:sym typeface="Calibri" pitchFamily="34" charset="0"/>
+            </a:endParaRPr>
+          </a:p>
+        </p:txBody>
+      </p:sp>
+      <p:sp>
+        <p:nvSpPr>
+          <p:cNvPr id="9" name="矩形"/>
+          <p:cNvSpPr>
+            <a:spLocks/>
+          </p:cNvSpPr>
+          <p:nvPr/>
+        </p:nvSpPr>
+        <p:spPr>
+          <a:xfrm>
+            <a:off x="969454" y="3040398"/>
+            <a:ext cx="6754963" cy="400110"/>
+          </a:xfrm>
+          <a:prstGeom prst="rect">
+            <a:avLst/>
+          </a:prstGeom>
+          <a:noFill/>
+          <a:ln w="9525" cap="flat" cmpd="sng">
+            <a:noFill/>
+            <a:prstDash val="solid"/>
+            <a:miter/>
+          </a:ln>
+        </p:spPr>
+        <p:txBody>
+          <a:bodyPr vert="horz" wrap="square" lIns="91440" tIns="45720" rIns="91440" bIns="45720" anchor="ctr" anchorCtr="0">
+            <a:prstTxWarp prst="textNoShape">
+              <a:avLst/>
+            </a:prstTxWarp>
+            <a:spAutoFit/>
+          </a:bodyPr>
+          <a:lstStyle/>
+          <a:p>
+            <a:pPr marL="800100" lvl="1" indent="-342900">
+              <a:buFont typeface="Wingdings" panose="05000000000000000000" pitchFamily="2" charset="2"/>
+              <a:buChar char="u"/>
+            </a:pPr>
+            <a:r>
+              <a:rPr lang="zh-CN" altLang="en-US" sz="2000" kern="1200" dirty="0">
+                <a:solidFill>
+                  <a:srgbClr val="474747"/>
+                </a:solidFill>
+                <a:latin typeface="微软雅黑" charset="0"/>
+                <a:ea typeface="微软雅黑" charset="0"/>
+                <a:cs typeface="微软雅黑" charset="0"/>
+                <a:sym typeface="Calibri" pitchFamily="34" charset="0"/>
+              </a:rPr>
+              <a:t>高阶组件应用</a:t>
+            </a:r>
+            <a:endParaRPr lang="zh-CN" altLang="en-US" sz="2000" u="none" strike="noStrike" kern="1200" cap="none" spc="0" baseline="0" dirty="0">
+              <a:solidFill>
+                <a:srgbClr val="C9394A"/>
+              </a:solidFill>
+              <a:latin typeface="微软雅黑" charset="0"/>
+              <a:ea typeface="微软雅黑" charset="0"/>
+              <a:cs typeface="微软雅黑" charset="0"/>
+              <a:sym typeface="Calibri" pitchFamily="34" charset="0"/>
+            </a:endParaRPr>
+          </a:p>
+        </p:txBody>
+      </p:sp>
+      <p:sp>
+        <p:nvSpPr>
+          <p:cNvPr id="10" name="矩形"/>
+          <p:cNvSpPr>
+            <a:spLocks/>
+          </p:cNvSpPr>
+          <p:nvPr/>
+        </p:nvSpPr>
+        <p:spPr>
+          <a:xfrm>
+            <a:off x="4499992" y="1597563"/>
+            <a:ext cx="4010977" cy="400110"/>
+          </a:xfrm>
+          <a:prstGeom prst="rect">
+            <a:avLst/>
+          </a:prstGeom>
+          <a:noFill/>
+          <a:ln w="9525" cap="flat" cmpd="sng">
+            <a:noFill/>
+            <a:prstDash val="solid"/>
+            <a:miter/>
+          </a:ln>
+        </p:spPr>
+        <p:txBody>
+          <a:bodyPr vert="horz" wrap="square" lIns="91440" tIns="45720" rIns="91440" bIns="45720" anchor="ctr" anchorCtr="0">
+            <a:prstTxWarp prst="textNoShape">
+              <a:avLst/>
+            </a:prstTxWarp>
+            <a:spAutoFit/>
+          </a:bodyPr>
+          <a:lstStyle/>
+          <a:p>
+            <a:pPr marL="800100" lvl="1" indent="-342900">
+              <a:buFont typeface="Wingdings" panose="05000000000000000000" pitchFamily="2" charset="2"/>
+              <a:buChar char="u"/>
+            </a:pPr>
+            <a:r>
+              <a:rPr lang="zh-CN" altLang="en-US" sz="2000" kern="1200" dirty="0">
+                <a:solidFill>
+                  <a:srgbClr val="474747"/>
+                </a:solidFill>
+                <a:latin typeface="微软雅黑" charset="0"/>
+                <a:ea typeface="微软雅黑" charset="0"/>
+                <a:cs typeface="微软雅黑" charset="0"/>
+                <a:sym typeface="Calibri" pitchFamily="34" charset="0"/>
+              </a:rPr>
+              <a:t>高阶组件使用出现的问题</a:t>
+            </a:r>
+            <a:endParaRPr lang="zh-CN" altLang="en-US" sz="2000" u="none" strike="noStrike" kern="1200" cap="none" spc="0" baseline="0" dirty="0">
+              <a:solidFill>
+                <a:srgbClr val="C9394A"/>
+              </a:solidFill>
+              <a:latin typeface="微软雅黑" charset="0"/>
+              <a:ea typeface="微软雅黑" charset="0"/>
+              <a:cs typeface="微软雅黑" charset="0"/>
+              <a:sym typeface="Calibri" pitchFamily="34" charset="0"/>
+            </a:endParaRPr>
+          </a:p>
+        </p:txBody>
+      </p:sp>
+      <p:sp>
+        <p:nvSpPr>
+          <p:cNvPr id="11" name="矩形">
+            <a:extLst>
+              <a:ext uri="{FF2B5EF4-FFF2-40B4-BE49-F238E27FC236}">
+                <a16:creationId xmlns:a16="http://schemas.microsoft.com/office/drawing/2014/main" id="{EF7E8797-D768-7249-B602-3ABD7A323BF4}"/>
+              </a:ext>
+            </a:extLst>
+          </p:cNvPr>
+          <p:cNvSpPr>
+            <a:spLocks/>
+          </p:cNvSpPr>
+          <p:nvPr/>
+        </p:nvSpPr>
+        <p:spPr>
+          <a:xfrm>
+            <a:off x="4502922" y="2078506"/>
+            <a:ext cx="4010977" cy="400110"/>
+          </a:xfrm>
+          <a:prstGeom prst="rect">
+            <a:avLst/>
+          </a:prstGeom>
+          <a:noFill/>
+          <a:ln w="9525" cap="flat" cmpd="sng">
+            <a:noFill/>
+            <a:prstDash val="solid"/>
+            <a:miter/>
+          </a:ln>
+        </p:spPr>
+        <p:txBody>
+          <a:bodyPr vert="horz" wrap="square" lIns="91440" tIns="45720" rIns="91440" bIns="45720" anchor="ctr" anchorCtr="0">
+            <a:prstTxWarp prst="textNoShape">
+              <a:avLst/>
+            </a:prstTxWarp>
+            <a:spAutoFit/>
+          </a:bodyPr>
+          <a:lstStyle/>
+          <a:p>
+            <a:pPr marL="800100" lvl="1" indent="-342900">
+              <a:buFont typeface="Wingdings" panose="05000000000000000000" pitchFamily="2" charset="2"/>
+              <a:buChar char="u"/>
+            </a:pPr>
+            <a:r>
+              <a:rPr lang="zh-CN" altLang="en-US" sz="2000" kern="1200" dirty="0">
+                <a:solidFill>
+                  <a:srgbClr val="474747"/>
+                </a:solidFill>
+                <a:latin typeface="微软雅黑" charset="0"/>
+                <a:ea typeface="微软雅黑" charset="0"/>
+                <a:cs typeface="微软雅黑" charset="0"/>
+                <a:sym typeface="Calibri" pitchFamily="34" charset="0"/>
+              </a:rPr>
+              <a:t>高阶组件实战</a:t>
+            </a:r>
+            <a:endParaRPr lang="zh-CN" altLang="en-US" sz="2000" u="none" strike="noStrike" kern="1200" cap="none" spc="0" baseline="0" dirty="0">
+              <a:solidFill>
+                <a:srgbClr val="C9394A"/>
+              </a:solidFill>
+              <a:latin typeface="微软雅黑" charset="0"/>
+              <a:ea typeface="微软雅黑" charset="0"/>
+              <a:cs typeface="微软雅黑" charset="0"/>
+              <a:sym typeface="Calibri" pitchFamily="34" charset="0"/>
+            </a:endParaRPr>
+          </a:p>
+        </p:txBody>
+      </p:sp>
+      <p:sp>
+        <p:nvSpPr>
+          <p:cNvPr id="12" name="矩形">
+            <a:extLst>
+              <a:ext uri="{FF2B5EF4-FFF2-40B4-BE49-F238E27FC236}">
+                <a16:creationId xmlns:a16="http://schemas.microsoft.com/office/drawing/2014/main" id="{37A084E4-053D-D34B-9FC1-66D91E7D5E04}"/>
+              </a:ext>
+            </a:extLst>
+          </p:cNvPr>
+          <p:cNvSpPr>
+            <a:spLocks/>
+          </p:cNvSpPr>
+          <p:nvPr/>
+        </p:nvSpPr>
+        <p:spPr>
+          <a:xfrm>
+            <a:off x="4499992" y="2559449"/>
+            <a:ext cx="4010977" cy="400110"/>
+          </a:xfrm>
+          <a:prstGeom prst="rect">
+            <a:avLst/>
+          </a:prstGeom>
+          <a:noFill/>
+          <a:ln w="9525" cap="flat" cmpd="sng">
+            <a:noFill/>
+            <a:prstDash val="solid"/>
+            <a:miter/>
+          </a:ln>
+        </p:spPr>
+        <p:txBody>
+          <a:bodyPr vert="horz" wrap="square" lIns="91440" tIns="45720" rIns="91440" bIns="45720" anchor="ctr" anchorCtr="0">
+            <a:prstTxWarp prst="textNoShape">
+              <a:avLst/>
+            </a:prstTxWarp>
+            <a:spAutoFit/>
+          </a:bodyPr>
+          <a:lstStyle/>
+          <a:p>
+            <a:pPr marL="800100" lvl="1" indent="-342900">
+              <a:buFont typeface="Wingdings" panose="05000000000000000000" pitchFamily="2" charset="2"/>
+              <a:buChar char="u"/>
+            </a:pPr>
+            <a:r>
+              <a:rPr lang="zh-CN" altLang="en-US" sz="2000" kern="1200" dirty="0">
+                <a:solidFill>
+                  <a:srgbClr val="474747"/>
+                </a:solidFill>
+                <a:latin typeface="微软雅黑" charset="0"/>
+                <a:ea typeface="微软雅黑" charset="0"/>
+                <a:cs typeface="微软雅黑" charset="0"/>
+                <a:sym typeface="Calibri" pitchFamily="34" charset="0"/>
+              </a:rPr>
+              <a:t>回顾与总结</a:t>
+            </a:r>
+            <a:endParaRPr lang="zh-CN" altLang="en-US" sz="2000" u="none" strike="noStrike" kern="1200" cap="none" spc="0" baseline="0" dirty="0">
+              <a:solidFill>
+                <a:srgbClr val="C9394A"/>
+              </a:solidFill>
+              <a:latin typeface="微软雅黑" charset="0"/>
+              <a:ea typeface="微软雅黑" charset="0"/>
+              <a:cs typeface="微软雅黑" charset="0"/>
+              <a:sym typeface="Calibri" pitchFamily="34" charset="0"/>
+            </a:endParaRPr>
+          </a:p>
+        </p:txBody>
+      </p:sp>
+    </p:spTree>
+    <p:extLst>
+      <p:ext uri="{BB962C8B-B14F-4D97-AF65-F5344CB8AC3E}">
+        <p14:creationId xmlns:p14="http://schemas.microsoft.com/office/powerpoint/2010/main" val="4064086350"/>
+      </p:ext>
+    </p:extLst>
+  </p:cSld>
+  <p:clrMapOvr>
+    <a:masterClrMapping/>
+  </p:clrMapOvr>
+  <p:timing>
+    <p:tnLst>
+      <p:par>
+        <p:cTn id="1" dur="indefinite" restart="never" fill="hold" nodeType="tmRoot">
+          <p:childTnLst>
+            <p:seq concurrent="1" nextAc="seek">
+              <p:cTn id="2" dur="indefinite" nodeType="mainSeq">
+                <p:childTnLst>
+                  <p:par>
+                    <p:cTn id="3" fill="hold">
+                      <p:stCondLst>
+                        <p:cond delay="indefinite"/>
+                      </p:stCondLst>
+                      <p:childTnLst>
+                        <p:par>
+                          <p:cTn id="4" fill="hold">
+                            <p:stCondLst>
+                              <p:cond delay="0"/>
+                            </p:stCondLst>
+                            <p:childTnLst>
+                              <p:par>
+                                <p:cTn id="5" presetID="2" presetClass="entr" presetSubtype="4" fill="hold" grpId="0" nodeType="clickEffect">
+                                  <p:stCondLst>
+                                    <p:cond delay="0"/>
+                                  </p:stCondLst>
+                                  <p:childTnLst>
+                                    <p:set>
+                                      <p:cBhvr>
+                                        <p:cTn id="6" dur="1" fill="hold">
+                                          <p:stCondLst>
+                                            <p:cond delay="0"/>
+                                          </p:stCondLst>
+                                        </p:cTn>
+                                        <p:tgtEl>
+                                          <p:spTgt spid="7"/>
+                                        </p:tgtEl>
+                                        <p:attrNameLst>
+                                          <p:attrName>style.visibility</p:attrName>
+                                        </p:attrNameLst>
+                                      </p:cBhvr>
+                                      <p:to>
+                                        <p:strVal val="visible"/>
+                                      </p:to>
+                                    </p:set>
+                                    <p:anim calcmode="lin" valueType="num">
+                                      <p:cBhvr additive="base">
+                                        <p:cTn id="7" dur="500" fill="hold"/>
+                                        <p:tgtEl>
+                                          <p:spTgt spid="7"/>
+                                        </p:tgtEl>
+                                        <p:attrNameLst>
+                                          <p:attrName>ppt_x</p:attrName>
+                                        </p:attrNameLst>
+                                      </p:cBhvr>
+                                      <p:tavLst>
+                                        <p:tav tm="0">
+                                          <p:val>
+                                            <p:strVal val="#ppt_x"/>
+                                          </p:val>
+                                        </p:tav>
+                                        <p:tav tm="100000">
+                                          <p:val>
+                                            <p:strVal val="#ppt_x"/>
+                                          </p:val>
+                                        </p:tav>
+                                      </p:tavLst>
+                                    </p:anim>
+                                    <p:anim calcmode="lin" valueType="num">
+                                      <p:cBhvr additive="base">
+                                        <p:cTn id="8" dur="500" fill="hold"/>
+                                        <p:tgtEl>
+                                          <p:spTgt spid="7"/>
+                                        </p:tgtEl>
+                                        <p:attrNameLst>
+                                          <p:attrName>ppt_y</p:attrName>
+                                        </p:attrNameLst>
+                                      </p:cBhvr>
+                                      <p:tavLst>
+                                        <p:tav tm="0">
+                                          <p:val>
+                                            <p:strVal val="1+#ppt_h/2"/>
+                                          </p:val>
+                                        </p:tav>
+                                        <p:tav tm="100000">
+                                          <p:val>
+                                            <p:strVal val="#ppt_y"/>
+                                          </p:val>
+                                        </p:tav>
+                                      </p:tavLst>
+                                    </p:anim>
+                                  </p:childTnLst>
+                                </p:cTn>
+                              </p:par>
+                            </p:childTnLst>
+                          </p:cTn>
+                        </p:par>
+                      </p:childTnLst>
+                    </p:cTn>
+                  </p:par>
+                  <p:par>
+                    <p:cTn id="9" fill="hold">
+                      <p:stCondLst>
+                        <p:cond delay="indefinite"/>
+                      </p:stCondLst>
+                      <p:childTnLst>
+                        <p:par>
+                          <p:cTn id="10" fill="hold">
+                            <p:stCondLst>
+                              <p:cond delay="0"/>
+                            </p:stCondLst>
+                            <p:childTnLst>
+                              <p:par>
+                                <p:cTn id="11" presetID="2" presetClass="entr" presetSubtype="4" fill="hold" grpId="0" nodeType="clickEffect">
+                                  <p:stCondLst>
+                                    <p:cond delay="0"/>
+                                  </p:stCondLst>
+                                  <p:childTnLst>
+                                    <p:set>
+                                      <p:cBhvr>
+                                        <p:cTn id="12" dur="1" fill="hold">
+                                          <p:stCondLst>
+                                            <p:cond delay="0"/>
+                                          </p:stCondLst>
+                                        </p:cTn>
+                                        <p:tgtEl>
+                                          <p:spTgt spid="6"/>
+                                        </p:tgtEl>
+                                        <p:attrNameLst>
+                                          <p:attrName>style.visibility</p:attrName>
+                                        </p:attrNameLst>
+                                      </p:cBhvr>
+                                      <p:to>
+                                        <p:strVal val="visible"/>
+                                      </p:to>
+                                    </p:set>
+                                    <p:anim calcmode="lin" valueType="num">
+                                      <p:cBhvr additive="base">
+                                        <p:cTn id="13" dur="500" fill="hold"/>
+                                        <p:tgtEl>
+                                          <p:spTgt spid="6"/>
+                                        </p:tgtEl>
+                                        <p:attrNameLst>
+                                          <p:attrName>ppt_x</p:attrName>
+                                        </p:attrNameLst>
+                                      </p:cBhvr>
+                                      <p:tavLst>
+                                        <p:tav tm="0">
+                                          <p:val>
+                                            <p:strVal val="#ppt_x"/>
+                                          </p:val>
+                                        </p:tav>
+                                        <p:tav tm="100000">
+                                          <p:val>
+                                            <p:strVal val="#ppt_x"/>
+                                          </p:val>
+                                        </p:tav>
+                                      </p:tavLst>
+                                    </p:anim>
+                                    <p:anim calcmode="lin" valueType="num">
+                                      <p:cBhvr additive="base">
+                                        <p:cTn id="14" dur="500" fill="hold"/>
+                                        <p:tgtEl>
+                                          <p:spTgt spid="6"/>
+                                        </p:tgtEl>
+                                        <p:attrNameLst>
+                                          <p:attrName>ppt_y</p:attrName>
+                                        </p:attrNameLst>
+                                      </p:cBhvr>
+                                      <p:tavLst>
+                                        <p:tav tm="0">
+                                          <p:val>
+                                            <p:strVal val="1+#ppt_h/2"/>
+                                          </p:val>
+                                        </p:tav>
+                                        <p:tav tm="100000">
+                                          <p:val>
+                                            <p:strVal val="#ppt_y"/>
+                                          </p:val>
+                                        </p:tav>
+                                      </p:tavLst>
+                                    </p:anim>
+                                  </p:childTnLst>
+                                </p:cTn>
+                              </p:par>
+                            </p:childTnLst>
+                          </p:cTn>
+                        </p:par>
+                      </p:childTnLst>
+                    </p:cTn>
+                  </p:par>
+                  <p:par>
+                    <p:cTn id="15" fill="hold">
+                      <p:stCondLst>
+                        <p:cond delay="indefinite"/>
+                      </p:stCondLst>
+                      <p:childTnLst>
+                        <p:par>
+                          <p:cTn id="16" fill="hold">
+                            <p:stCondLst>
+                              <p:cond delay="0"/>
+                            </p:stCondLst>
+                            <p:childTnLst>
+                              <p:par>
+                                <p:cTn id="17" presetID="2" presetClass="entr" presetSubtype="4" fill="hold" grpId="0" nodeType="clickEffect">
+                                  <p:stCondLst>
+                                    <p:cond delay="0"/>
+                                  </p:stCondLst>
+                                  <p:childTnLst>
+                                    <p:set>
+                                      <p:cBhvr>
+                                        <p:cTn id="18" dur="1" fill="hold">
+                                          <p:stCondLst>
+                                            <p:cond delay="0"/>
+                                          </p:stCondLst>
+                                        </p:cTn>
+                                        <p:tgtEl>
+                                          <p:spTgt spid="8"/>
+                                        </p:tgtEl>
+                                        <p:attrNameLst>
+                                          <p:attrName>style.visibility</p:attrName>
+                                        </p:attrNameLst>
+                                      </p:cBhvr>
+                                      <p:to>
+                                        <p:strVal val="visible"/>
+                                      </p:to>
+                                    </p:set>
+                                    <p:anim calcmode="lin" valueType="num">
+                                      <p:cBhvr additive="base">
+                                        <p:cTn id="19" dur="500" fill="hold"/>
+                                        <p:tgtEl>
+                                          <p:spTgt spid="8"/>
+                                        </p:tgtEl>
+                                        <p:attrNameLst>
+                                          <p:attrName>ppt_x</p:attrName>
+                                        </p:attrNameLst>
+                                      </p:cBhvr>
+                                      <p:tavLst>
+                                        <p:tav tm="0">
+                                          <p:val>
+                                            <p:strVal val="#ppt_x"/>
+                                          </p:val>
+                                        </p:tav>
+                                        <p:tav tm="100000">
+                                          <p:val>
+                                            <p:strVal val="#ppt_x"/>
+                                          </p:val>
+                                        </p:tav>
+                                      </p:tavLst>
+                                    </p:anim>
+                                    <p:anim calcmode="lin" valueType="num">
+                                      <p:cBhvr additive="base">
+                                        <p:cTn id="20" dur="500" fill="hold"/>
+                                        <p:tgtEl>
+                                          <p:spTgt spid="8"/>
+                                        </p:tgtEl>
+                                        <p:attrNameLst>
+                                          <p:attrName>ppt_y</p:attrName>
+                                        </p:attrNameLst>
+                                      </p:cBhvr>
+                                      <p:tavLst>
+                                        <p:tav tm="0">
+                                          <p:val>
+                                            <p:strVal val="1+#ppt_h/2"/>
+                                          </p:val>
+                                        </p:tav>
+                                        <p:tav tm="100000">
+                                          <p:val>
+                                            <p:strVal val="#ppt_y"/>
+                                          </p:val>
+                                        </p:tav>
+                                      </p:tavLst>
+                                    </p:anim>
+                                  </p:childTnLst>
+                                </p:cTn>
+                              </p:par>
+                            </p:childTnLst>
+                          </p:cTn>
+                        </p:par>
+                      </p:childTnLst>
+                    </p:cTn>
+                  </p:par>
+                  <p:par>
+                    <p:cTn id="21" fill="hold">
+                      <p:stCondLst>
+                        <p:cond delay="indefinite"/>
+                      </p:stCondLst>
+                      <p:childTnLst>
+                        <p:par>
+                          <p:cTn id="22" fill="hold">
+                            <p:stCondLst>
+                              <p:cond delay="0"/>
+                            </p:stCondLst>
+                            <p:childTnLst>
+                              <p:par>
+                                <p:cTn id="23" presetID="2" presetClass="entr" presetSubtype="4" fill="hold" grpId="0" nodeType="clickEffect">
+                                  <p:stCondLst>
+                                    <p:cond delay="0"/>
+                                  </p:stCondLst>
+                                  <p:childTnLst>
+                                    <p:set>
+                                      <p:cBhvr>
+                                        <p:cTn id="24" dur="1" fill="hold">
+                                          <p:stCondLst>
+                                            <p:cond delay="0"/>
+                                          </p:stCondLst>
+                                        </p:cTn>
+                                        <p:tgtEl>
+                                          <p:spTgt spid="9"/>
+                                        </p:tgtEl>
+                                        <p:attrNameLst>
+                                          <p:attrName>style.visibility</p:attrName>
+                                        </p:attrNameLst>
+                                      </p:cBhvr>
+                                      <p:to>
+                                        <p:strVal val="visible"/>
+                                      </p:to>
+                                    </p:set>
+                                    <p:anim calcmode="lin" valueType="num">
+                                      <p:cBhvr additive="base">
+                                        <p:cTn id="25" dur="500" fill="hold"/>
+                                        <p:tgtEl>
+                                          <p:spTgt spid="9"/>
+                                        </p:tgtEl>
+                                        <p:attrNameLst>
+                                          <p:attrName>ppt_x</p:attrName>
+                                        </p:attrNameLst>
+                                      </p:cBhvr>
+                                      <p:tavLst>
+                                        <p:tav tm="0">
+                                          <p:val>
+                                            <p:strVal val="#ppt_x"/>
+                                          </p:val>
+                                        </p:tav>
+                                        <p:tav tm="100000">
+                                          <p:val>
+                                            <p:strVal val="#ppt_x"/>
+                                          </p:val>
+                                        </p:tav>
+                                      </p:tavLst>
+                                    </p:anim>
+                                    <p:anim calcmode="lin" valueType="num">
+                                      <p:cBhvr additive="base">
+                                        <p:cTn id="26" dur="500" fill="hold"/>
+                                        <p:tgtEl>
+                                          <p:spTgt spid="9"/>
+                                        </p:tgtEl>
+                                        <p:attrNameLst>
+                                          <p:attrName>ppt_y</p:attrName>
+                                        </p:attrNameLst>
+                                      </p:cBhvr>
+                                      <p:tavLst>
+                                        <p:tav tm="0">
+                                          <p:val>
+                                            <p:strVal val="1+#ppt_h/2"/>
+                                          </p:val>
+                                        </p:tav>
+                                        <p:tav tm="100000">
+                                          <p:val>
+                                            <p:strVal val="#ppt_y"/>
+                                          </p:val>
+                                        </p:tav>
+                                      </p:tavLst>
+                                    </p:anim>
+                                  </p:childTnLst>
+                                </p:cTn>
+                              </p:par>
+                            </p:childTnLst>
+                          </p:cTn>
+                        </p:par>
+                      </p:childTnLst>
+                    </p:cTn>
+                  </p:par>
+                  <p:par>
+                    <p:cTn id="27" fill="hold">
+                      <p:stCondLst>
+                        <p:cond delay="indefinite"/>
+                      </p:stCondLst>
+                      <p:childTnLst>
+                        <p:par>
+                          <p:cTn id="28" fill="hold">
+                            <p:stCondLst>
+                              <p:cond delay="0"/>
+                            </p:stCondLst>
+                            <p:childTnLst>
+                              <p:par>
+                                <p:cTn id="29" presetID="2" presetClass="entr" presetSubtype="4" fill="hold" grpId="0" nodeType="clickEffect">
+                                  <p:stCondLst>
+                                    <p:cond delay="0"/>
+                                  </p:stCondLst>
+                                  <p:childTnLst>
+                                    <p:set>
+                                      <p:cBhvr>
+                                        <p:cTn id="30" dur="1" fill="hold">
+                                          <p:stCondLst>
+                                            <p:cond delay="0"/>
+                                          </p:stCondLst>
+                                        </p:cTn>
+                                        <p:tgtEl>
+                                          <p:spTgt spid="10"/>
+                                        </p:tgtEl>
+                                        <p:attrNameLst>
+                                          <p:attrName>style.visibility</p:attrName>
+                                        </p:attrNameLst>
+                                      </p:cBhvr>
+                                      <p:to>
+                                        <p:strVal val="visible"/>
+                                      </p:to>
+                                    </p:set>
+                                    <p:anim calcmode="lin" valueType="num">
+                                      <p:cBhvr additive="base">
+                                        <p:cTn id="31" dur="500" fill="hold"/>
+                                        <p:tgtEl>
+                                          <p:spTgt spid="10"/>
+                                        </p:tgtEl>
+                                        <p:attrNameLst>
+                                          <p:attrName>ppt_x</p:attrName>
+                                        </p:attrNameLst>
+                                      </p:cBhvr>
+                                      <p:tavLst>
+                                        <p:tav tm="0">
+                                          <p:val>
+                                            <p:strVal val="#ppt_x"/>
+                                          </p:val>
+                                        </p:tav>
+                                        <p:tav tm="100000">
+                                          <p:val>
+                                            <p:strVal val="#ppt_x"/>
+                                          </p:val>
+                                        </p:tav>
+                                      </p:tavLst>
+                                    </p:anim>
+                                    <p:anim calcmode="lin" valueType="num">
+                                      <p:cBhvr additive="base">
+                                        <p:cTn id="32" dur="500" fill="hold"/>
+                                        <p:tgtEl>
+                                          <p:spTgt spid="10"/>
+                                        </p:tgtEl>
+                                        <p:attrNameLst>
+                                          <p:attrName>ppt_y</p:attrName>
+                                        </p:attrNameLst>
+                                      </p:cBhvr>
+                                      <p:tavLst>
+                                        <p:tav tm="0">
+                                          <p:val>
+                                            <p:strVal val="1+#ppt_h/2"/>
+                                          </p:val>
+                                        </p:tav>
+                                        <p:tav tm="100000">
+                                          <p:val>
+                                            <p:strVal val="#ppt_y"/>
+                                          </p:val>
+                                        </p:tav>
+                                      </p:tavLst>
+                                    </p:anim>
+                                  </p:childTnLst>
+                                </p:cTn>
+                              </p:par>
+                            </p:childTnLst>
+                          </p:cTn>
+                        </p:par>
+                      </p:childTnLst>
+                    </p:cTn>
+                  </p:par>
+                  <p:par>
+                    <p:cTn id="33" fill="hold">
+                      <p:stCondLst>
+                        <p:cond delay="indefinite"/>
+                      </p:stCondLst>
+                      <p:childTnLst>
+                        <p:par>
+                          <p:cTn id="34" fill="hold">
+                            <p:stCondLst>
+                              <p:cond delay="0"/>
+                            </p:stCondLst>
+                            <p:childTnLst>
+                              <p:par>
+                                <p:cTn id="35" presetID="2" presetClass="entr" presetSubtype="4" fill="hold" grpId="0" nodeType="clickEffect">
+                                  <p:stCondLst>
+                                    <p:cond delay="0"/>
+                                  </p:stCondLst>
+                                  <p:childTnLst>
+                                    <p:set>
+                                      <p:cBhvr>
+                                        <p:cTn id="36" dur="1" fill="hold">
+                                          <p:stCondLst>
+                                            <p:cond delay="0"/>
+                                          </p:stCondLst>
+                                        </p:cTn>
+                                        <p:tgtEl>
+                                          <p:spTgt spid="11"/>
+                                        </p:tgtEl>
+                                        <p:attrNameLst>
+                                          <p:attrName>style.visibility</p:attrName>
+                                        </p:attrNameLst>
+                                      </p:cBhvr>
+                                      <p:to>
+                                        <p:strVal val="visible"/>
+                                      </p:to>
+                                    </p:set>
+                                    <p:anim calcmode="lin" valueType="num">
+                                      <p:cBhvr additive="base">
+                                        <p:cTn id="37" dur="500" fill="hold"/>
+                                        <p:tgtEl>
+                                          <p:spTgt spid="11"/>
+                                        </p:tgtEl>
+                                        <p:attrNameLst>
+                                          <p:attrName>ppt_x</p:attrName>
+                                        </p:attrNameLst>
+                                      </p:cBhvr>
+                                      <p:tavLst>
+                                        <p:tav tm="0">
+                                          <p:val>
+                                            <p:strVal val="#ppt_x"/>
+                                          </p:val>
+                                        </p:tav>
+                                        <p:tav tm="100000">
+                                          <p:val>
+                                            <p:strVal val="#ppt_x"/>
+                                          </p:val>
+                                        </p:tav>
+                                      </p:tavLst>
+                                    </p:anim>
+                                    <p:anim calcmode="lin" valueType="num">
+                                      <p:cBhvr additive="base">
+                                        <p:cTn id="38" dur="500" fill="hold"/>
+                                        <p:tgtEl>
+                                          <p:spTgt spid="11"/>
+                                        </p:tgtEl>
+                                        <p:attrNameLst>
+                                          <p:attrName>ppt_y</p:attrName>
+                                        </p:attrNameLst>
+                                      </p:cBhvr>
+                                      <p:tavLst>
+                                        <p:tav tm="0">
+                                          <p:val>
+                                            <p:strVal val="1+#ppt_h/2"/>
+                                          </p:val>
+                                        </p:tav>
+                                        <p:tav tm="100000">
+                                          <p:val>
+                                            <p:strVal val="#ppt_y"/>
+                                          </p:val>
+                                        </p:tav>
+                                      </p:tavLst>
+                                    </p:anim>
+                                  </p:childTnLst>
+                                </p:cTn>
+                              </p:par>
+                            </p:childTnLst>
+                          </p:cTn>
+                        </p:par>
+                      </p:childTnLst>
+                    </p:cTn>
+                  </p:par>
+                  <p:par>
+                    <p:cTn id="39" fill="hold">
+                      <p:stCondLst>
+                        <p:cond delay="indefinite"/>
+                      </p:stCondLst>
+                      <p:childTnLst>
+                        <p:par>
+                          <p:cTn id="40" fill="hold">
+                            <p:stCondLst>
+                              <p:cond delay="0"/>
+                            </p:stCondLst>
+                            <p:childTnLst>
+                              <p:par>
+                                <p:cTn id="41" presetID="2" presetClass="entr" presetSubtype="4" fill="hold" grpId="0" nodeType="clickEffect">
+                                  <p:stCondLst>
+                                    <p:cond delay="0"/>
+                                  </p:stCondLst>
+                                  <p:childTnLst>
+                                    <p:set>
+                                      <p:cBhvr>
+                                        <p:cTn id="42" dur="1" fill="hold">
+                                          <p:stCondLst>
+                                            <p:cond delay="0"/>
+                                          </p:stCondLst>
+                                        </p:cTn>
+                                        <p:tgtEl>
+                                          <p:spTgt spid="12"/>
+                                        </p:tgtEl>
+                                        <p:attrNameLst>
+                                          <p:attrName>style.visibility</p:attrName>
+                                        </p:attrNameLst>
+                                      </p:cBhvr>
+                                      <p:to>
+                                        <p:strVal val="visible"/>
+                                      </p:to>
+                                    </p:set>
+                                    <p:anim calcmode="lin" valueType="num">
+                                      <p:cBhvr additive="base">
+                                        <p:cTn id="43" dur="500" fill="hold"/>
+                                        <p:tgtEl>
+                                          <p:spTgt spid="12"/>
+                                        </p:tgtEl>
+                                        <p:attrNameLst>
+                                          <p:attrName>ppt_x</p:attrName>
+                                        </p:attrNameLst>
+                                      </p:cBhvr>
+                                      <p:tavLst>
+                                        <p:tav tm="0">
+                                          <p:val>
+                                            <p:strVal val="#ppt_x"/>
+                                          </p:val>
+                                        </p:tav>
+                                        <p:tav tm="100000">
+                                          <p:val>
+                                            <p:strVal val="#ppt_x"/>
+                                          </p:val>
+                                        </p:tav>
+                                      </p:tavLst>
+                                    </p:anim>
+                                    <p:anim calcmode="lin" valueType="num">
+                                      <p:cBhvr additive="base">
+                                        <p:cTn id="44" dur="500" fill="hold"/>
+                                        <p:tgtEl>
+                                          <p:spTgt spid="12"/>
+                                        </p:tgtEl>
+                                        <p:attrNameLst>
+                                          <p:attrName>ppt_y</p:attrName>
+                                        </p:attrNameLst>
+                                      </p:cBhvr>
+                                      <p:tavLst>
+                                        <p:tav tm="0">
+                                          <p:val>
+                                            <p:strVal val="1+#ppt_h/2"/>
+                                          </p:val>
+                                        </p:tav>
+                                        <p:tav tm="100000">
+                                          <p:val>
+                                            <p:strVal val="#ppt_y"/>
+                                          </p:val>
+                                        </p:tav>
+                                      </p:tavLst>
+                                    </p:anim>
+                                  </p:childTnLst>
+                                </p:cTn>
+                              </p:par>
+                            </p:childTnLst>
+                          </p:cTn>
+                        </p:par>
+                      </p:childTnLst>
+                    </p:cTn>
+                  </p:par>
+                </p:childTnLst>
+              </p:cTn>
+              <p:prevCondLst>
+                <p:cond evt="onPrev" delay="0">
+                  <p:tgtEl>
+                    <p:sldTgt/>
+                  </p:tgtEl>
+                </p:cond>
+              </p:prevCondLst>
+              <p:nextCondLst>
+                <p:cond evt="onNext" delay="0">
+                  <p:tgtEl>
+                    <p:sldTgt/>
+                  </p:tgtEl>
+                </p:cond>
+              </p:nextCondLst>
+            </p:seq>
+          </p:childTnLst>
+        </p:cTn>
+      </p:par>
+    </p:tnLst>
+    <p:bldLst>
+      <p:bldP spid="6" grpId="0"/>
+      <p:bldP spid="7" grpId="0"/>
+      <p:bldP spid="8" grpId="0"/>
+      <p:bldP spid="9" grpId="0"/>
+      <p:bldP spid="10" grpId="0"/>
+      <p:bldP spid="11" grpId="0"/>
+      <p:bldP spid="12" grpId="0"/>
+    </p:bldLst>
+  </p:timing>
+</p:sld>
+</file>
+
+<file path=ppt/slides/slide20.xml><?xml version="1.0" encoding="utf-8"?>
 <p:sld xmlns:a="http://schemas.openxmlformats.org/drawingml/2006/main" xmlns:r="http://schemas.openxmlformats.org/officeDocument/2006/relationships" xmlns:p="http://schemas.openxmlformats.org/presentationml/2006/main">
   <p:cSld>
     <p:spTree>
@@ -16142,7 +18513,7 @@
 </p:sld>
 </file>
 
-<file path=ppt/slides/slide19.xml><?xml version="1.0" encoding="utf-8"?>
+<file path=ppt/slides/slide21.xml><?xml version="1.0" encoding="utf-8"?>
 <p:sld xmlns:a="http://schemas.openxmlformats.org/drawingml/2006/main" xmlns:r="http://schemas.openxmlformats.org/officeDocument/2006/relationships" xmlns:p="http://schemas.openxmlformats.org/presentationml/2006/main">
   <p:cSld>
     <p:spTree>
@@ -17323,1200 +19694,7 @@
 </p:sld>
 </file>
 
-<file path=ppt/slides/slide2.xml><?xml version="1.0" encoding="utf-8"?>
-<p:sld xmlns:a="http://schemas.openxmlformats.org/drawingml/2006/main" xmlns:r="http://schemas.openxmlformats.org/officeDocument/2006/relationships" xmlns:p="http://schemas.openxmlformats.org/presentationml/2006/main">
-  <p:cSld>
-    <p:spTree>
-      <p:nvGrpSpPr>
-        <p:cNvPr id="1" name=""/>
-        <p:cNvGrpSpPr/>
-        <p:nvPr/>
-      </p:nvGrpSpPr>
-      <p:grpSpPr>
-        <a:xfrm>
-          <a:off x="0" y="0"/>
-          <a:ext cx="0" cy="0"/>
-          <a:chOff x="0" y="0"/>
-          <a:chExt cx="0" cy="0"/>
-        </a:xfrm>
-      </p:grpSpPr>
-      <p:sp>
-        <p:nvSpPr>
-          <p:cNvPr id="4" name="矩形"/>
-          <p:cNvSpPr>
-            <a:spLocks/>
-          </p:cNvSpPr>
-          <p:nvPr/>
-        </p:nvSpPr>
-        <p:spPr>
-          <a:xfrm>
-            <a:off x="3710226" y="497054"/>
-            <a:ext cx="1723549" cy="553998"/>
-          </a:xfrm>
-          <a:prstGeom prst="rect">
-            <a:avLst/>
-          </a:prstGeom>
-          <a:noFill/>
-          <a:ln w="9525" cap="flat" cmpd="sng">
-            <a:noFill/>
-            <a:prstDash val="solid"/>
-            <a:miter/>
-          </a:ln>
-        </p:spPr>
-        <p:txBody>
-          <a:bodyPr vert="horz" wrap="none" lIns="91440" tIns="45720" rIns="91440" bIns="45720" anchor="t" anchorCtr="0">
-            <a:prstTxWarp prst="textNoShape">
-              <a:avLst/>
-            </a:prstTxWarp>
-            <a:spAutoFit/>
-          </a:bodyPr>
-          <a:lstStyle/>
-          <a:p>
-            <a:pPr algn="ctr"/>
-            <a:r>
-              <a:rPr lang="zh-CN" altLang="en-US" sz="3000" b="1" u="none" strike="noStrike" kern="0" cap="none" spc="0" baseline="0" dirty="0">
-                <a:solidFill>
-                  <a:srgbClr val="C9394A"/>
-                </a:solidFill>
-                <a:latin typeface="微软雅黑" charset="0"/>
-                <a:ea typeface="微软雅黑" charset="0"/>
-                <a:cs typeface="微软雅黑" charset="0"/>
-              </a:rPr>
-              <a:t>课程安排</a:t>
-            </a:r>
-            <a:endParaRPr lang="zh-CN" altLang="en-US" u="none" strike="noStrike" kern="1200" cap="none" spc="0" baseline="0" dirty="0">
-              <a:solidFill>
-                <a:schemeClr val="tx1"/>
-              </a:solidFill>
-              <a:latin typeface="Calibri" pitchFamily="34" charset="0"/>
-              <a:ea typeface="宋体" pitchFamily="2" charset="-122"/>
-              <a:cs typeface="微软雅黑" charset="0"/>
-            </a:endParaRPr>
-          </a:p>
-        </p:txBody>
-      </p:sp>
-      <p:sp>
-        <p:nvSpPr>
-          <p:cNvPr id="6" name="矩形"/>
-          <p:cNvSpPr>
-            <a:spLocks/>
-          </p:cNvSpPr>
-          <p:nvPr/>
-        </p:nvSpPr>
-        <p:spPr>
-          <a:xfrm>
-            <a:off x="990143" y="2078508"/>
-            <a:ext cx="6754963" cy="400110"/>
-          </a:xfrm>
-          <a:prstGeom prst="rect">
-            <a:avLst/>
-          </a:prstGeom>
-          <a:noFill/>
-          <a:ln w="9525" cap="flat" cmpd="sng">
-            <a:noFill/>
-            <a:prstDash val="solid"/>
-            <a:miter/>
-          </a:ln>
-        </p:spPr>
-        <p:txBody>
-          <a:bodyPr vert="horz" wrap="square" lIns="91440" tIns="45720" rIns="91440" bIns="45720" anchor="ctr" anchorCtr="0">
-            <a:prstTxWarp prst="textNoShape">
-              <a:avLst/>
-            </a:prstTxWarp>
-            <a:spAutoFit/>
-          </a:bodyPr>
-          <a:lstStyle/>
-          <a:p>
-            <a:pPr marL="800100" lvl="1" indent="-342900">
-              <a:buFont typeface="Wingdings" panose="05000000000000000000" pitchFamily="2" charset="2"/>
-              <a:buChar char="u"/>
-            </a:pPr>
-            <a:r>
-              <a:rPr lang="zh-CN" altLang="en-US" sz="2000" kern="1200" dirty="0">
-                <a:solidFill>
-                  <a:srgbClr val="474747"/>
-                </a:solidFill>
-                <a:latin typeface="微软雅黑" charset="0"/>
-                <a:ea typeface="微软雅黑" charset="0"/>
-                <a:cs typeface="微软雅黑" charset="0"/>
-                <a:sym typeface="Calibri" pitchFamily="34" charset="0"/>
-              </a:rPr>
-              <a:t>高阶组件概述</a:t>
-            </a:r>
-          </a:p>
-        </p:txBody>
-      </p:sp>
-      <p:sp>
-        <p:nvSpPr>
-          <p:cNvPr id="7" name="矩形"/>
-          <p:cNvSpPr>
-            <a:spLocks/>
-          </p:cNvSpPr>
-          <p:nvPr/>
-        </p:nvSpPr>
-        <p:spPr>
-          <a:xfrm>
-            <a:off x="969456" y="1597563"/>
-            <a:ext cx="6754963" cy="400110"/>
-          </a:xfrm>
-          <a:prstGeom prst="rect">
-            <a:avLst/>
-          </a:prstGeom>
-          <a:noFill/>
-          <a:ln w="9525" cap="flat" cmpd="sng">
-            <a:noFill/>
-            <a:prstDash val="solid"/>
-            <a:miter/>
-          </a:ln>
-        </p:spPr>
-        <p:txBody>
-          <a:bodyPr vert="horz" wrap="square" lIns="91440" tIns="45720" rIns="91440" bIns="45720" anchor="ctr" anchorCtr="0">
-            <a:prstTxWarp prst="textNoShape">
-              <a:avLst/>
-            </a:prstTxWarp>
-            <a:spAutoFit/>
-          </a:bodyPr>
-          <a:lstStyle/>
-          <a:p>
-            <a:pPr marL="800100" lvl="1" indent="-342900">
-              <a:buFont typeface="Wingdings" panose="05000000000000000000" pitchFamily="2" charset="2"/>
-              <a:buChar char="u"/>
-            </a:pPr>
-            <a:r>
-              <a:rPr lang="zh-CN" altLang="en-US" sz="2000" u="none" strike="noStrike" kern="1200" cap="none" spc="0" baseline="0" dirty="0">
-                <a:solidFill>
-                  <a:srgbClr val="474747"/>
-                </a:solidFill>
-                <a:latin typeface="微软雅黑" charset="0"/>
-                <a:ea typeface="微软雅黑" charset="0"/>
-                <a:cs typeface="微软雅黑" charset="0"/>
-              </a:rPr>
-              <a:t>课程</a:t>
-            </a:r>
-            <a:r>
-              <a:rPr lang="zh-CN" altLang="en-US" sz="2000" dirty="0">
-                <a:solidFill>
-                  <a:srgbClr val="474747"/>
-                </a:solidFill>
-                <a:latin typeface="微软雅黑" charset="0"/>
-                <a:ea typeface="微软雅黑" charset="0"/>
-                <a:cs typeface="微软雅黑" charset="0"/>
-              </a:rPr>
-              <a:t>介绍</a:t>
-            </a:r>
-            <a:endParaRPr lang="zh-CN" altLang="en-US" sz="2000" u="none" strike="noStrike" kern="1200" cap="none" spc="0" baseline="0" dirty="0">
-              <a:solidFill>
-                <a:srgbClr val="C9394A"/>
-              </a:solidFill>
-              <a:latin typeface="微软雅黑" charset="0"/>
-              <a:ea typeface="微软雅黑" charset="0"/>
-              <a:cs typeface="微软雅黑" charset="0"/>
-            </a:endParaRPr>
-          </a:p>
-        </p:txBody>
-      </p:sp>
-      <p:sp>
-        <p:nvSpPr>
-          <p:cNvPr id="8" name="矩形"/>
-          <p:cNvSpPr>
-            <a:spLocks/>
-          </p:cNvSpPr>
-          <p:nvPr/>
-        </p:nvSpPr>
-        <p:spPr>
-          <a:xfrm>
-            <a:off x="990142" y="2559453"/>
-            <a:ext cx="6754963" cy="400110"/>
-          </a:xfrm>
-          <a:prstGeom prst="rect">
-            <a:avLst/>
-          </a:prstGeom>
-          <a:noFill/>
-          <a:ln w="9525" cap="flat" cmpd="sng">
-            <a:noFill/>
-            <a:prstDash val="solid"/>
-            <a:miter/>
-          </a:ln>
-        </p:spPr>
-        <p:txBody>
-          <a:bodyPr vert="horz" wrap="square" lIns="91440" tIns="45720" rIns="91440" bIns="45720" anchor="ctr" anchorCtr="0">
-            <a:prstTxWarp prst="textNoShape">
-              <a:avLst/>
-            </a:prstTxWarp>
-            <a:spAutoFit/>
-          </a:bodyPr>
-          <a:lstStyle/>
-          <a:p>
-            <a:pPr marL="800100" lvl="1" indent="-342900">
-              <a:buFont typeface="Wingdings" panose="05000000000000000000" pitchFamily="2" charset="2"/>
-              <a:buChar char="u"/>
-            </a:pPr>
-            <a:r>
-              <a:rPr lang="zh-CN" altLang="en-US" sz="2000" kern="1200" dirty="0">
-                <a:solidFill>
-                  <a:srgbClr val="474747"/>
-                </a:solidFill>
-                <a:latin typeface="微软雅黑" charset="0"/>
-                <a:ea typeface="微软雅黑" charset="0"/>
-                <a:cs typeface="微软雅黑" charset="0"/>
-                <a:sym typeface="Calibri" pitchFamily="34" charset="0"/>
-              </a:rPr>
-              <a:t>高阶组件实现</a:t>
-            </a:r>
-            <a:endParaRPr lang="zh-CN" altLang="en-US" sz="2000" u="none" strike="noStrike" kern="1200" cap="none" spc="0" baseline="0" dirty="0">
-              <a:solidFill>
-                <a:srgbClr val="C9394A"/>
-              </a:solidFill>
-              <a:latin typeface="微软雅黑" charset="0"/>
-              <a:ea typeface="微软雅黑" charset="0"/>
-              <a:cs typeface="微软雅黑" charset="0"/>
-              <a:sym typeface="Calibri" pitchFamily="34" charset="0"/>
-            </a:endParaRPr>
-          </a:p>
-        </p:txBody>
-      </p:sp>
-      <p:sp>
-        <p:nvSpPr>
-          <p:cNvPr id="9" name="矩形"/>
-          <p:cNvSpPr>
-            <a:spLocks/>
-          </p:cNvSpPr>
-          <p:nvPr/>
-        </p:nvSpPr>
-        <p:spPr>
-          <a:xfrm>
-            <a:off x="969454" y="3040398"/>
-            <a:ext cx="6754963" cy="400110"/>
-          </a:xfrm>
-          <a:prstGeom prst="rect">
-            <a:avLst/>
-          </a:prstGeom>
-          <a:noFill/>
-          <a:ln w="9525" cap="flat" cmpd="sng">
-            <a:noFill/>
-            <a:prstDash val="solid"/>
-            <a:miter/>
-          </a:ln>
-        </p:spPr>
-        <p:txBody>
-          <a:bodyPr vert="horz" wrap="square" lIns="91440" tIns="45720" rIns="91440" bIns="45720" anchor="ctr" anchorCtr="0">
-            <a:prstTxWarp prst="textNoShape">
-              <a:avLst/>
-            </a:prstTxWarp>
-            <a:spAutoFit/>
-          </a:bodyPr>
-          <a:lstStyle/>
-          <a:p>
-            <a:pPr marL="800100" lvl="1" indent="-342900">
-              <a:buFont typeface="Wingdings" panose="05000000000000000000" pitchFamily="2" charset="2"/>
-              <a:buChar char="u"/>
-            </a:pPr>
-            <a:r>
-              <a:rPr lang="zh-CN" altLang="en-US" sz="2000" kern="1200" dirty="0">
-                <a:solidFill>
-                  <a:srgbClr val="474747"/>
-                </a:solidFill>
-                <a:latin typeface="微软雅黑" charset="0"/>
-                <a:ea typeface="微软雅黑" charset="0"/>
-                <a:cs typeface="微软雅黑" charset="0"/>
-                <a:sym typeface="Calibri" pitchFamily="34" charset="0"/>
-              </a:rPr>
-              <a:t>高阶组件应用</a:t>
-            </a:r>
-            <a:endParaRPr lang="zh-CN" altLang="en-US" sz="2000" u="none" strike="noStrike" kern="1200" cap="none" spc="0" baseline="0" dirty="0">
-              <a:solidFill>
-                <a:srgbClr val="C9394A"/>
-              </a:solidFill>
-              <a:latin typeface="微软雅黑" charset="0"/>
-              <a:ea typeface="微软雅黑" charset="0"/>
-              <a:cs typeface="微软雅黑" charset="0"/>
-              <a:sym typeface="Calibri" pitchFamily="34" charset="0"/>
-            </a:endParaRPr>
-          </a:p>
-        </p:txBody>
-      </p:sp>
-      <p:sp>
-        <p:nvSpPr>
-          <p:cNvPr id="10" name="矩形"/>
-          <p:cNvSpPr>
-            <a:spLocks/>
-          </p:cNvSpPr>
-          <p:nvPr/>
-        </p:nvSpPr>
-        <p:spPr>
-          <a:xfrm>
-            <a:off x="4499992" y="1597563"/>
-            <a:ext cx="4010977" cy="400110"/>
-          </a:xfrm>
-          <a:prstGeom prst="rect">
-            <a:avLst/>
-          </a:prstGeom>
-          <a:noFill/>
-          <a:ln w="9525" cap="flat" cmpd="sng">
-            <a:noFill/>
-            <a:prstDash val="solid"/>
-            <a:miter/>
-          </a:ln>
-        </p:spPr>
-        <p:txBody>
-          <a:bodyPr vert="horz" wrap="square" lIns="91440" tIns="45720" rIns="91440" bIns="45720" anchor="ctr" anchorCtr="0">
-            <a:prstTxWarp prst="textNoShape">
-              <a:avLst/>
-            </a:prstTxWarp>
-            <a:spAutoFit/>
-          </a:bodyPr>
-          <a:lstStyle/>
-          <a:p>
-            <a:pPr marL="800100" lvl="1" indent="-342900">
-              <a:buFont typeface="Wingdings" panose="05000000000000000000" pitchFamily="2" charset="2"/>
-              <a:buChar char="u"/>
-            </a:pPr>
-            <a:r>
-              <a:rPr lang="zh-CN" altLang="en-US" sz="2000" kern="1200" dirty="0">
-                <a:solidFill>
-                  <a:srgbClr val="474747"/>
-                </a:solidFill>
-                <a:latin typeface="微软雅黑" charset="0"/>
-                <a:ea typeface="微软雅黑" charset="0"/>
-                <a:cs typeface="微软雅黑" charset="0"/>
-                <a:sym typeface="Calibri" pitchFamily="34" charset="0"/>
-              </a:rPr>
-              <a:t>高阶组件使用出现的问题</a:t>
-            </a:r>
-            <a:endParaRPr lang="zh-CN" altLang="en-US" sz="2000" u="none" strike="noStrike" kern="1200" cap="none" spc="0" baseline="0" dirty="0">
-              <a:solidFill>
-                <a:srgbClr val="C9394A"/>
-              </a:solidFill>
-              <a:latin typeface="微软雅黑" charset="0"/>
-              <a:ea typeface="微软雅黑" charset="0"/>
-              <a:cs typeface="微软雅黑" charset="0"/>
-              <a:sym typeface="Calibri" pitchFamily="34" charset="0"/>
-            </a:endParaRPr>
-          </a:p>
-        </p:txBody>
-      </p:sp>
-      <p:sp>
-        <p:nvSpPr>
-          <p:cNvPr id="11" name="矩形">
-            <a:extLst>
-              <a:ext uri="{FF2B5EF4-FFF2-40B4-BE49-F238E27FC236}">
-                <a16:creationId xmlns:a16="http://schemas.microsoft.com/office/drawing/2014/main" id="{EF7E8797-D768-7249-B602-3ABD7A323BF4}"/>
-              </a:ext>
-            </a:extLst>
-          </p:cNvPr>
-          <p:cNvSpPr>
-            <a:spLocks/>
-          </p:cNvSpPr>
-          <p:nvPr/>
-        </p:nvSpPr>
-        <p:spPr>
-          <a:xfrm>
-            <a:off x="4502922" y="2078506"/>
-            <a:ext cx="4010977" cy="400110"/>
-          </a:xfrm>
-          <a:prstGeom prst="rect">
-            <a:avLst/>
-          </a:prstGeom>
-          <a:noFill/>
-          <a:ln w="9525" cap="flat" cmpd="sng">
-            <a:noFill/>
-            <a:prstDash val="solid"/>
-            <a:miter/>
-          </a:ln>
-        </p:spPr>
-        <p:txBody>
-          <a:bodyPr vert="horz" wrap="square" lIns="91440" tIns="45720" rIns="91440" bIns="45720" anchor="ctr" anchorCtr="0">
-            <a:prstTxWarp prst="textNoShape">
-              <a:avLst/>
-            </a:prstTxWarp>
-            <a:spAutoFit/>
-          </a:bodyPr>
-          <a:lstStyle/>
-          <a:p>
-            <a:pPr marL="800100" lvl="1" indent="-342900">
-              <a:buFont typeface="Wingdings" panose="05000000000000000000" pitchFamily="2" charset="2"/>
-              <a:buChar char="u"/>
-            </a:pPr>
-            <a:r>
-              <a:rPr lang="zh-CN" altLang="en-US" sz="2000" kern="1200" dirty="0">
-                <a:solidFill>
-                  <a:srgbClr val="474747"/>
-                </a:solidFill>
-                <a:latin typeface="微软雅黑" charset="0"/>
-                <a:ea typeface="微软雅黑" charset="0"/>
-                <a:cs typeface="微软雅黑" charset="0"/>
-                <a:sym typeface="Calibri" pitchFamily="34" charset="0"/>
-              </a:rPr>
-              <a:t>高阶组件实战</a:t>
-            </a:r>
-            <a:endParaRPr lang="zh-CN" altLang="en-US" sz="2000" u="none" strike="noStrike" kern="1200" cap="none" spc="0" baseline="0" dirty="0">
-              <a:solidFill>
-                <a:srgbClr val="C9394A"/>
-              </a:solidFill>
-              <a:latin typeface="微软雅黑" charset="0"/>
-              <a:ea typeface="微软雅黑" charset="0"/>
-              <a:cs typeface="微软雅黑" charset="0"/>
-              <a:sym typeface="Calibri" pitchFamily="34" charset="0"/>
-            </a:endParaRPr>
-          </a:p>
-        </p:txBody>
-      </p:sp>
-      <p:sp>
-        <p:nvSpPr>
-          <p:cNvPr id="12" name="矩形">
-            <a:extLst>
-              <a:ext uri="{FF2B5EF4-FFF2-40B4-BE49-F238E27FC236}">
-                <a16:creationId xmlns:a16="http://schemas.microsoft.com/office/drawing/2014/main" id="{37A084E4-053D-D34B-9FC1-66D91E7D5E04}"/>
-              </a:ext>
-            </a:extLst>
-          </p:cNvPr>
-          <p:cNvSpPr>
-            <a:spLocks/>
-          </p:cNvSpPr>
-          <p:nvPr/>
-        </p:nvSpPr>
-        <p:spPr>
-          <a:xfrm>
-            <a:off x="4499992" y="2559449"/>
-            <a:ext cx="4010977" cy="400110"/>
-          </a:xfrm>
-          <a:prstGeom prst="rect">
-            <a:avLst/>
-          </a:prstGeom>
-          <a:noFill/>
-          <a:ln w="9525" cap="flat" cmpd="sng">
-            <a:noFill/>
-            <a:prstDash val="solid"/>
-            <a:miter/>
-          </a:ln>
-        </p:spPr>
-        <p:txBody>
-          <a:bodyPr vert="horz" wrap="square" lIns="91440" tIns="45720" rIns="91440" bIns="45720" anchor="ctr" anchorCtr="0">
-            <a:prstTxWarp prst="textNoShape">
-              <a:avLst/>
-            </a:prstTxWarp>
-            <a:spAutoFit/>
-          </a:bodyPr>
-          <a:lstStyle/>
-          <a:p>
-            <a:pPr marL="800100" lvl="1" indent="-342900">
-              <a:buFont typeface="Wingdings" panose="05000000000000000000" pitchFamily="2" charset="2"/>
-              <a:buChar char="u"/>
-            </a:pPr>
-            <a:r>
-              <a:rPr lang="zh-CN" altLang="en-US" sz="2000" kern="1200" dirty="0">
-                <a:solidFill>
-                  <a:srgbClr val="474747"/>
-                </a:solidFill>
-                <a:latin typeface="微软雅黑" charset="0"/>
-                <a:ea typeface="微软雅黑" charset="0"/>
-                <a:cs typeface="微软雅黑" charset="0"/>
-                <a:sym typeface="Calibri" pitchFamily="34" charset="0"/>
-              </a:rPr>
-              <a:t>回顾与总结</a:t>
-            </a:r>
-            <a:endParaRPr lang="zh-CN" altLang="en-US" sz="2000" u="none" strike="noStrike" kern="1200" cap="none" spc="0" baseline="0" dirty="0">
-              <a:solidFill>
-                <a:srgbClr val="C9394A"/>
-              </a:solidFill>
-              <a:latin typeface="微软雅黑" charset="0"/>
-              <a:ea typeface="微软雅黑" charset="0"/>
-              <a:cs typeface="微软雅黑" charset="0"/>
-              <a:sym typeface="Calibri" pitchFamily="34" charset="0"/>
-            </a:endParaRPr>
-          </a:p>
-        </p:txBody>
-      </p:sp>
-    </p:spTree>
-    <p:extLst>
-      <p:ext uri="{BB962C8B-B14F-4D97-AF65-F5344CB8AC3E}">
-        <p14:creationId xmlns:p14="http://schemas.microsoft.com/office/powerpoint/2010/main" val="4064086350"/>
-      </p:ext>
-    </p:extLst>
-  </p:cSld>
-  <p:clrMapOvr>
-    <a:masterClrMapping/>
-  </p:clrMapOvr>
-  <p:timing>
-    <p:tnLst>
-      <p:par>
-        <p:cTn id="1" dur="indefinite" restart="never" fill="hold" nodeType="tmRoot">
-          <p:childTnLst>
-            <p:seq concurrent="1" nextAc="seek">
-              <p:cTn id="2" dur="indefinite" nodeType="mainSeq">
-                <p:childTnLst>
-                  <p:par>
-                    <p:cTn id="3" fill="hold">
-                      <p:stCondLst>
-                        <p:cond delay="indefinite"/>
-                      </p:stCondLst>
-                      <p:childTnLst>
-                        <p:par>
-                          <p:cTn id="4" fill="hold">
-                            <p:stCondLst>
-                              <p:cond delay="0"/>
-                            </p:stCondLst>
-                            <p:childTnLst>
-                              <p:par>
-                                <p:cTn id="5" presetID="2" presetClass="entr" presetSubtype="4" fill="hold" grpId="0" nodeType="clickEffect">
-                                  <p:stCondLst>
-                                    <p:cond delay="0"/>
-                                  </p:stCondLst>
-                                  <p:childTnLst>
-                                    <p:set>
-                                      <p:cBhvr>
-                                        <p:cTn id="6" dur="1" fill="hold">
-                                          <p:stCondLst>
-                                            <p:cond delay="0"/>
-                                          </p:stCondLst>
-                                        </p:cTn>
-                                        <p:tgtEl>
-                                          <p:spTgt spid="7"/>
-                                        </p:tgtEl>
-                                        <p:attrNameLst>
-                                          <p:attrName>style.visibility</p:attrName>
-                                        </p:attrNameLst>
-                                      </p:cBhvr>
-                                      <p:to>
-                                        <p:strVal val="visible"/>
-                                      </p:to>
-                                    </p:set>
-                                    <p:anim calcmode="lin" valueType="num">
-                                      <p:cBhvr additive="base">
-                                        <p:cTn id="7" dur="500" fill="hold"/>
-                                        <p:tgtEl>
-                                          <p:spTgt spid="7"/>
-                                        </p:tgtEl>
-                                        <p:attrNameLst>
-                                          <p:attrName>ppt_x</p:attrName>
-                                        </p:attrNameLst>
-                                      </p:cBhvr>
-                                      <p:tavLst>
-                                        <p:tav tm="0">
-                                          <p:val>
-                                            <p:strVal val="#ppt_x"/>
-                                          </p:val>
-                                        </p:tav>
-                                        <p:tav tm="100000">
-                                          <p:val>
-                                            <p:strVal val="#ppt_x"/>
-                                          </p:val>
-                                        </p:tav>
-                                      </p:tavLst>
-                                    </p:anim>
-                                    <p:anim calcmode="lin" valueType="num">
-                                      <p:cBhvr additive="base">
-                                        <p:cTn id="8" dur="500" fill="hold"/>
-                                        <p:tgtEl>
-                                          <p:spTgt spid="7"/>
-                                        </p:tgtEl>
-                                        <p:attrNameLst>
-                                          <p:attrName>ppt_y</p:attrName>
-                                        </p:attrNameLst>
-                                      </p:cBhvr>
-                                      <p:tavLst>
-                                        <p:tav tm="0">
-                                          <p:val>
-                                            <p:strVal val="1+#ppt_h/2"/>
-                                          </p:val>
-                                        </p:tav>
-                                        <p:tav tm="100000">
-                                          <p:val>
-                                            <p:strVal val="#ppt_y"/>
-                                          </p:val>
-                                        </p:tav>
-                                      </p:tavLst>
-                                    </p:anim>
-                                  </p:childTnLst>
-                                </p:cTn>
-                              </p:par>
-                            </p:childTnLst>
-                          </p:cTn>
-                        </p:par>
-                      </p:childTnLst>
-                    </p:cTn>
-                  </p:par>
-                  <p:par>
-                    <p:cTn id="9" fill="hold">
-                      <p:stCondLst>
-                        <p:cond delay="indefinite"/>
-                      </p:stCondLst>
-                      <p:childTnLst>
-                        <p:par>
-                          <p:cTn id="10" fill="hold">
-                            <p:stCondLst>
-                              <p:cond delay="0"/>
-                            </p:stCondLst>
-                            <p:childTnLst>
-                              <p:par>
-                                <p:cTn id="11" presetID="2" presetClass="entr" presetSubtype="4" fill="hold" grpId="0" nodeType="clickEffect">
-                                  <p:stCondLst>
-                                    <p:cond delay="0"/>
-                                  </p:stCondLst>
-                                  <p:childTnLst>
-                                    <p:set>
-                                      <p:cBhvr>
-                                        <p:cTn id="12" dur="1" fill="hold">
-                                          <p:stCondLst>
-                                            <p:cond delay="0"/>
-                                          </p:stCondLst>
-                                        </p:cTn>
-                                        <p:tgtEl>
-                                          <p:spTgt spid="6"/>
-                                        </p:tgtEl>
-                                        <p:attrNameLst>
-                                          <p:attrName>style.visibility</p:attrName>
-                                        </p:attrNameLst>
-                                      </p:cBhvr>
-                                      <p:to>
-                                        <p:strVal val="visible"/>
-                                      </p:to>
-                                    </p:set>
-                                    <p:anim calcmode="lin" valueType="num">
-                                      <p:cBhvr additive="base">
-                                        <p:cTn id="13" dur="500" fill="hold"/>
-                                        <p:tgtEl>
-                                          <p:spTgt spid="6"/>
-                                        </p:tgtEl>
-                                        <p:attrNameLst>
-                                          <p:attrName>ppt_x</p:attrName>
-                                        </p:attrNameLst>
-                                      </p:cBhvr>
-                                      <p:tavLst>
-                                        <p:tav tm="0">
-                                          <p:val>
-                                            <p:strVal val="#ppt_x"/>
-                                          </p:val>
-                                        </p:tav>
-                                        <p:tav tm="100000">
-                                          <p:val>
-                                            <p:strVal val="#ppt_x"/>
-                                          </p:val>
-                                        </p:tav>
-                                      </p:tavLst>
-                                    </p:anim>
-                                    <p:anim calcmode="lin" valueType="num">
-                                      <p:cBhvr additive="base">
-                                        <p:cTn id="14" dur="500" fill="hold"/>
-                                        <p:tgtEl>
-                                          <p:spTgt spid="6"/>
-                                        </p:tgtEl>
-                                        <p:attrNameLst>
-                                          <p:attrName>ppt_y</p:attrName>
-                                        </p:attrNameLst>
-                                      </p:cBhvr>
-                                      <p:tavLst>
-                                        <p:tav tm="0">
-                                          <p:val>
-                                            <p:strVal val="1+#ppt_h/2"/>
-                                          </p:val>
-                                        </p:tav>
-                                        <p:tav tm="100000">
-                                          <p:val>
-                                            <p:strVal val="#ppt_y"/>
-                                          </p:val>
-                                        </p:tav>
-                                      </p:tavLst>
-                                    </p:anim>
-                                  </p:childTnLst>
-                                </p:cTn>
-                              </p:par>
-                            </p:childTnLst>
-                          </p:cTn>
-                        </p:par>
-                      </p:childTnLst>
-                    </p:cTn>
-                  </p:par>
-                  <p:par>
-                    <p:cTn id="15" fill="hold">
-                      <p:stCondLst>
-                        <p:cond delay="indefinite"/>
-                      </p:stCondLst>
-                      <p:childTnLst>
-                        <p:par>
-                          <p:cTn id="16" fill="hold">
-                            <p:stCondLst>
-                              <p:cond delay="0"/>
-                            </p:stCondLst>
-                            <p:childTnLst>
-                              <p:par>
-                                <p:cTn id="17" presetID="2" presetClass="entr" presetSubtype="4" fill="hold" grpId="0" nodeType="clickEffect">
-                                  <p:stCondLst>
-                                    <p:cond delay="0"/>
-                                  </p:stCondLst>
-                                  <p:childTnLst>
-                                    <p:set>
-                                      <p:cBhvr>
-                                        <p:cTn id="18" dur="1" fill="hold">
-                                          <p:stCondLst>
-                                            <p:cond delay="0"/>
-                                          </p:stCondLst>
-                                        </p:cTn>
-                                        <p:tgtEl>
-                                          <p:spTgt spid="8"/>
-                                        </p:tgtEl>
-                                        <p:attrNameLst>
-                                          <p:attrName>style.visibility</p:attrName>
-                                        </p:attrNameLst>
-                                      </p:cBhvr>
-                                      <p:to>
-                                        <p:strVal val="visible"/>
-                                      </p:to>
-                                    </p:set>
-                                    <p:anim calcmode="lin" valueType="num">
-                                      <p:cBhvr additive="base">
-                                        <p:cTn id="19" dur="500" fill="hold"/>
-                                        <p:tgtEl>
-                                          <p:spTgt spid="8"/>
-                                        </p:tgtEl>
-                                        <p:attrNameLst>
-                                          <p:attrName>ppt_x</p:attrName>
-                                        </p:attrNameLst>
-                                      </p:cBhvr>
-                                      <p:tavLst>
-                                        <p:tav tm="0">
-                                          <p:val>
-                                            <p:strVal val="#ppt_x"/>
-                                          </p:val>
-                                        </p:tav>
-                                        <p:tav tm="100000">
-                                          <p:val>
-                                            <p:strVal val="#ppt_x"/>
-                                          </p:val>
-                                        </p:tav>
-                                      </p:tavLst>
-                                    </p:anim>
-                                    <p:anim calcmode="lin" valueType="num">
-                                      <p:cBhvr additive="base">
-                                        <p:cTn id="20" dur="500" fill="hold"/>
-                                        <p:tgtEl>
-                                          <p:spTgt spid="8"/>
-                                        </p:tgtEl>
-                                        <p:attrNameLst>
-                                          <p:attrName>ppt_y</p:attrName>
-                                        </p:attrNameLst>
-                                      </p:cBhvr>
-                                      <p:tavLst>
-                                        <p:tav tm="0">
-                                          <p:val>
-                                            <p:strVal val="1+#ppt_h/2"/>
-                                          </p:val>
-                                        </p:tav>
-                                        <p:tav tm="100000">
-                                          <p:val>
-                                            <p:strVal val="#ppt_y"/>
-                                          </p:val>
-                                        </p:tav>
-                                      </p:tavLst>
-                                    </p:anim>
-                                  </p:childTnLst>
-                                </p:cTn>
-                              </p:par>
-                            </p:childTnLst>
-                          </p:cTn>
-                        </p:par>
-                      </p:childTnLst>
-                    </p:cTn>
-                  </p:par>
-                  <p:par>
-                    <p:cTn id="21" fill="hold">
-                      <p:stCondLst>
-                        <p:cond delay="indefinite"/>
-                      </p:stCondLst>
-                      <p:childTnLst>
-                        <p:par>
-                          <p:cTn id="22" fill="hold">
-                            <p:stCondLst>
-                              <p:cond delay="0"/>
-                            </p:stCondLst>
-                            <p:childTnLst>
-                              <p:par>
-                                <p:cTn id="23" presetID="2" presetClass="entr" presetSubtype="4" fill="hold" grpId="0" nodeType="clickEffect">
-                                  <p:stCondLst>
-                                    <p:cond delay="0"/>
-                                  </p:stCondLst>
-                                  <p:childTnLst>
-                                    <p:set>
-                                      <p:cBhvr>
-                                        <p:cTn id="24" dur="1" fill="hold">
-                                          <p:stCondLst>
-                                            <p:cond delay="0"/>
-                                          </p:stCondLst>
-                                        </p:cTn>
-                                        <p:tgtEl>
-                                          <p:spTgt spid="9"/>
-                                        </p:tgtEl>
-                                        <p:attrNameLst>
-                                          <p:attrName>style.visibility</p:attrName>
-                                        </p:attrNameLst>
-                                      </p:cBhvr>
-                                      <p:to>
-                                        <p:strVal val="visible"/>
-                                      </p:to>
-                                    </p:set>
-                                    <p:anim calcmode="lin" valueType="num">
-                                      <p:cBhvr additive="base">
-                                        <p:cTn id="25" dur="500" fill="hold"/>
-                                        <p:tgtEl>
-                                          <p:spTgt spid="9"/>
-                                        </p:tgtEl>
-                                        <p:attrNameLst>
-                                          <p:attrName>ppt_x</p:attrName>
-                                        </p:attrNameLst>
-                                      </p:cBhvr>
-                                      <p:tavLst>
-                                        <p:tav tm="0">
-                                          <p:val>
-                                            <p:strVal val="#ppt_x"/>
-                                          </p:val>
-                                        </p:tav>
-                                        <p:tav tm="100000">
-                                          <p:val>
-                                            <p:strVal val="#ppt_x"/>
-                                          </p:val>
-                                        </p:tav>
-                                      </p:tavLst>
-                                    </p:anim>
-                                    <p:anim calcmode="lin" valueType="num">
-                                      <p:cBhvr additive="base">
-                                        <p:cTn id="26" dur="500" fill="hold"/>
-                                        <p:tgtEl>
-                                          <p:spTgt spid="9"/>
-                                        </p:tgtEl>
-                                        <p:attrNameLst>
-                                          <p:attrName>ppt_y</p:attrName>
-                                        </p:attrNameLst>
-                                      </p:cBhvr>
-                                      <p:tavLst>
-                                        <p:tav tm="0">
-                                          <p:val>
-                                            <p:strVal val="1+#ppt_h/2"/>
-                                          </p:val>
-                                        </p:tav>
-                                        <p:tav tm="100000">
-                                          <p:val>
-                                            <p:strVal val="#ppt_y"/>
-                                          </p:val>
-                                        </p:tav>
-                                      </p:tavLst>
-                                    </p:anim>
-                                  </p:childTnLst>
-                                </p:cTn>
-                              </p:par>
-                            </p:childTnLst>
-                          </p:cTn>
-                        </p:par>
-                      </p:childTnLst>
-                    </p:cTn>
-                  </p:par>
-                  <p:par>
-                    <p:cTn id="27" fill="hold">
-                      <p:stCondLst>
-                        <p:cond delay="indefinite"/>
-                      </p:stCondLst>
-                      <p:childTnLst>
-                        <p:par>
-                          <p:cTn id="28" fill="hold">
-                            <p:stCondLst>
-                              <p:cond delay="0"/>
-                            </p:stCondLst>
-                            <p:childTnLst>
-                              <p:par>
-                                <p:cTn id="29" presetID="2" presetClass="entr" presetSubtype="4" fill="hold" grpId="0" nodeType="clickEffect">
-                                  <p:stCondLst>
-                                    <p:cond delay="0"/>
-                                  </p:stCondLst>
-                                  <p:childTnLst>
-                                    <p:set>
-                                      <p:cBhvr>
-                                        <p:cTn id="30" dur="1" fill="hold">
-                                          <p:stCondLst>
-                                            <p:cond delay="0"/>
-                                          </p:stCondLst>
-                                        </p:cTn>
-                                        <p:tgtEl>
-                                          <p:spTgt spid="10"/>
-                                        </p:tgtEl>
-                                        <p:attrNameLst>
-                                          <p:attrName>style.visibility</p:attrName>
-                                        </p:attrNameLst>
-                                      </p:cBhvr>
-                                      <p:to>
-                                        <p:strVal val="visible"/>
-                                      </p:to>
-                                    </p:set>
-                                    <p:anim calcmode="lin" valueType="num">
-                                      <p:cBhvr additive="base">
-                                        <p:cTn id="31" dur="500" fill="hold"/>
-                                        <p:tgtEl>
-                                          <p:spTgt spid="10"/>
-                                        </p:tgtEl>
-                                        <p:attrNameLst>
-                                          <p:attrName>ppt_x</p:attrName>
-                                        </p:attrNameLst>
-                                      </p:cBhvr>
-                                      <p:tavLst>
-                                        <p:tav tm="0">
-                                          <p:val>
-                                            <p:strVal val="#ppt_x"/>
-                                          </p:val>
-                                        </p:tav>
-                                        <p:tav tm="100000">
-                                          <p:val>
-                                            <p:strVal val="#ppt_x"/>
-                                          </p:val>
-                                        </p:tav>
-                                      </p:tavLst>
-                                    </p:anim>
-                                    <p:anim calcmode="lin" valueType="num">
-                                      <p:cBhvr additive="base">
-                                        <p:cTn id="32" dur="500" fill="hold"/>
-                                        <p:tgtEl>
-                                          <p:spTgt spid="10"/>
-                                        </p:tgtEl>
-                                        <p:attrNameLst>
-                                          <p:attrName>ppt_y</p:attrName>
-                                        </p:attrNameLst>
-                                      </p:cBhvr>
-                                      <p:tavLst>
-                                        <p:tav tm="0">
-                                          <p:val>
-                                            <p:strVal val="1+#ppt_h/2"/>
-                                          </p:val>
-                                        </p:tav>
-                                        <p:tav tm="100000">
-                                          <p:val>
-                                            <p:strVal val="#ppt_y"/>
-                                          </p:val>
-                                        </p:tav>
-                                      </p:tavLst>
-                                    </p:anim>
-                                  </p:childTnLst>
-                                </p:cTn>
-                              </p:par>
-                            </p:childTnLst>
-                          </p:cTn>
-                        </p:par>
-                      </p:childTnLst>
-                    </p:cTn>
-                  </p:par>
-                  <p:par>
-                    <p:cTn id="33" fill="hold">
-                      <p:stCondLst>
-                        <p:cond delay="indefinite"/>
-                      </p:stCondLst>
-                      <p:childTnLst>
-                        <p:par>
-                          <p:cTn id="34" fill="hold">
-                            <p:stCondLst>
-                              <p:cond delay="0"/>
-                            </p:stCondLst>
-                            <p:childTnLst>
-                              <p:par>
-                                <p:cTn id="35" presetID="2" presetClass="entr" presetSubtype="4" fill="hold" grpId="0" nodeType="clickEffect">
-                                  <p:stCondLst>
-                                    <p:cond delay="0"/>
-                                  </p:stCondLst>
-                                  <p:childTnLst>
-                                    <p:set>
-                                      <p:cBhvr>
-                                        <p:cTn id="36" dur="1" fill="hold">
-                                          <p:stCondLst>
-                                            <p:cond delay="0"/>
-                                          </p:stCondLst>
-                                        </p:cTn>
-                                        <p:tgtEl>
-                                          <p:spTgt spid="11"/>
-                                        </p:tgtEl>
-                                        <p:attrNameLst>
-                                          <p:attrName>style.visibility</p:attrName>
-                                        </p:attrNameLst>
-                                      </p:cBhvr>
-                                      <p:to>
-                                        <p:strVal val="visible"/>
-                                      </p:to>
-                                    </p:set>
-                                    <p:anim calcmode="lin" valueType="num">
-                                      <p:cBhvr additive="base">
-                                        <p:cTn id="37" dur="500" fill="hold"/>
-                                        <p:tgtEl>
-                                          <p:spTgt spid="11"/>
-                                        </p:tgtEl>
-                                        <p:attrNameLst>
-                                          <p:attrName>ppt_x</p:attrName>
-                                        </p:attrNameLst>
-                                      </p:cBhvr>
-                                      <p:tavLst>
-                                        <p:tav tm="0">
-                                          <p:val>
-                                            <p:strVal val="#ppt_x"/>
-                                          </p:val>
-                                        </p:tav>
-                                        <p:tav tm="100000">
-                                          <p:val>
-                                            <p:strVal val="#ppt_x"/>
-                                          </p:val>
-                                        </p:tav>
-                                      </p:tavLst>
-                                    </p:anim>
-                                    <p:anim calcmode="lin" valueType="num">
-                                      <p:cBhvr additive="base">
-                                        <p:cTn id="38" dur="500" fill="hold"/>
-                                        <p:tgtEl>
-                                          <p:spTgt spid="11"/>
-                                        </p:tgtEl>
-                                        <p:attrNameLst>
-                                          <p:attrName>ppt_y</p:attrName>
-                                        </p:attrNameLst>
-                                      </p:cBhvr>
-                                      <p:tavLst>
-                                        <p:tav tm="0">
-                                          <p:val>
-                                            <p:strVal val="1+#ppt_h/2"/>
-                                          </p:val>
-                                        </p:tav>
-                                        <p:tav tm="100000">
-                                          <p:val>
-                                            <p:strVal val="#ppt_y"/>
-                                          </p:val>
-                                        </p:tav>
-                                      </p:tavLst>
-                                    </p:anim>
-                                  </p:childTnLst>
-                                </p:cTn>
-                              </p:par>
-                            </p:childTnLst>
-                          </p:cTn>
-                        </p:par>
-                      </p:childTnLst>
-                    </p:cTn>
-                  </p:par>
-                  <p:par>
-                    <p:cTn id="39" fill="hold">
-                      <p:stCondLst>
-                        <p:cond delay="indefinite"/>
-                      </p:stCondLst>
-                      <p:childTnLst>
-                        <p:par>
-                          <p:cTn id="40" fill="hold">
-                            <p:stCondLst>
-                              <p:cond delay="0"/>
-                            </p:stCondLst>
-                            <p:childTnLst>
-                              <p:par>
-                                <p:cTn id="41" presetID="2" presetClass="entr" presetSubtype="4" fill="hold" grpId="0" nodeType="clickEffect">
-                                  <p:stCondLst>
-                                    <p:cond delay="0"/>
-                                  </p:stCondLst>
-                                  <p:childTnLst>
-                                    <p:set>
-                                      <p:cBhvr>
-                                        <p:cTn id="42" dur="1" fill="hold">
-                                          <p:stCondLst>
-                                            <p:cond delay="0"/>
-                                          </p:stCondLst>
-                                        </p:cTn>
-                                        <p:tgtEl>
-                                          <p:spTgt spid="12"/>
-                                        </p:tgtEl>
-                                        <p:attrNameLst>
-                                          <p:attrName>style.visibility</p:attrName>
-                                        </p:attrNameLst>
-                                      </p:cBhvr>
-                                      <p:to>
-                                        <p:strVal val="visible"/>
-                                      </p:to>
-                                    </p:set>
-                                    <p:anim calcmode="lin" valueType="num">
-                                      <p:cBhvr additive="base">
-                                        <p:cTn id="43" dur="500" fill="hold"/>
-                                        <p:tgtEl>
-                                          <p:spTgt spid="12"/>
-                                        </p:tgtEl>
-                                        <p:attrNameLst>
-                                          <p:attrName>ppt_x</p:attrName>
-                                        </p:attrNameLst>
-                                      </p:cBhvr>
-                                      <p:tavLst>
-                                        <p:tav tm="0">
-                                          <p:val>
-                                            <p:strVal val="#ppt_x"/>
-                                          </p:val>
-                                        </p:tav>
-                                        <p:tav tm="100000">
-                                          <p:val>
-                                            <p:strVal val="#ppt_x"/>
-                                          </p:val>
-                                        </p:tav>
-                                      </p:tavLst>
-                                    </p:anim>
-                                    <p:anim calcmode="lin" valueType="num">
-                                      <p:cBhvr additive="base">
-                                        <p:cTn id="44" dur="500" fill="hold"/>
-                                        <p:tgtEl>
-                                          <p:spTgt spid="12"/>
-                                        </p:tgtEl>
-                                        <p:attrNameLst>
-                                          <p:attrName>ppt_y</p:attrName>
-                                        </p:attrNameLst>
-                                      </p:cBhvr>
-                                      <p:tavLst>
-                                        <p:tav tm="0">
-                                          <p:val>
-                                            <p:strVal val="1+#ppt_h/2"/>
-                                          </p:val>
-                                        </p:tav>
-                                        <p:tav tm="100000">
-                                          <p:val>
-                                            <p:strVal val="#ppt_y"/>
-                                          </p:val>
-                                        </p:tav>
-                                      </p:tavLst>
-                                    </p:anim>
-                                  </p:childTnLst>
-                                </p:cTn>
-                              </p:par>
-                            </p:childTnLst>
-                          </p:cTn>
-                        </p:par>
-                      </p:childTnLst>
-                    </p:cTn>
-                  </p:par>
-                </p:childTnLst>
-              </p:cTn>
-              <p:prevCondLst>
-                <p:cond evt="onPrev" delay="0">
-                  <p:tgtEl>
-                    <p:sldTgt/>
-                  </p:tgtEl>
-                </p:cond>
-              </p:prevCondLst>
-              <p:nextCondLst>
-                <p:cond evt="onNext" delay="0">
-                  <p:tgtEl>
-                    <p:sldTgt/>
-                  </p:tgtEl>
-                </p:cond>
-              </p:nextCondLst>
-            </p:seq>
-          </p:childTnLst>
-        </p:cTn>
-      </p:par>
-    </p:tnLst>
-    <p:bldLst>
-      <p:bldP spid="6" grpId="0"/>
-      <p:bldP spid="7" grpId="0"/>
-      <p:bldP spid="8" grpId="0"/>
-      <p:bldP spid="9" grpId="0"/>
-      <p:bldP spid="10" grpId="0"/>
-      <p:bldP spid="11" grpId="0"/>
-      <p:bldP spid="12" grpId="0"/>
-    </p:bldLst>
-  </p:timing>
-</p:sld>
-</file>
-
-<file path=ppt/slides/slide20.xml><?xml version="1.0" encoding="utf-8"?>
+<file path=ppt/slides/slide22.xml><?xml version="1.0" encoding="utf-8"?>
 <p:sld xmlns:a="http://schemas.openxmlformats.org/drawingml/2006/main" xmlns:r="http://schemas.openxmlformats.org/officeDocument/2006/relationships" xmlns:p="http://schemas.openxmlformats.org/presentationml/2006/main">
   <p:cSld>
     <p:spTree>
@@ -19369,7 +20547,7 @@
 </p:sld>
 </file>
 
-<file path=ppt/slides/slide21.xml><?xml version="1.0" encoding="utf-8"?>
+<file path=ppt/slides/slide23.xml><?xml version="1.0" encoding="utf-8"?>
 <p:sld xmlns:a="http://schemas.openxmlformats.org/drawingml/2006/main" xmlns:r="http://schemas.openxmlformats.org/officeDocument/2006/relationships" xmlns:p="http://schemas.openxmlformats.org/presentationml/2006/main">
   <p:cSld>
     <p:spTree>
@@ -20053,7 +21231,7 @@
 </p:sld>
 </file>
 
-<file path=ppt/slides/slide22.xml><?xml version="1.0" encoding="utf-8"?>
+<file path=ppt/slides/slide24.xml><?xml version="1.0" encoding="utf-8"?>
 <p:sld xmlns:a="http://schemas.openxmlformats.org/drawingml/2006/main" xmlns:r="http://schemas.openxmlformats.org/officeDocument/2006/relationships" xmlns:p="http://schemas.openxmlformats.org/presentationml/2006/main">
   <p:cSld>
     <p:spTree>
@@ -20484,7 +21662,7 @@
 </p:sld>
 </file>
 
-<file path=ppt/slides/slide23.xml><?xml version="1.0" encoding="utf-8"?>
+<file path=ppt/slides/slide25.xml><?xml version="1.0" encoding="utf-8"?>
 <p:sld xmlns:a="http://schemas.openxmlformats.org/drawingml/2006/main" xmlns:r="http://schemas.openxmlformats.org/officeDocument/2006/relationships" xmlns:p="http://schemas.openxmlformats.org/presentationml/2006/main">
   <p:cSld>
     <p:spTree>
@@ -21296,7 +22474,7 @@
 </p:sld>
 </file>
 
-<file path=ppt/slides/slide24.xml><?xml version="1.0" encoding="utf-8"?>
+<file path=ppt/slides/slide26.xml><?xml version="1.0" encoding="utf-8"?>
 <p:sld xmlns:a="http://schemas.openxmlformats.org/drawingml/2006/main" xmlns:r="http://schemas.openxmlformats.org/officeDocument/2006/relationships" xmlns:p="http://schemas.openxmlformats.org/presentationml/2006/main">
   <p:cSld>
     <p:spTree>
@@ -21960,7 +23138,7 @@
 </p:sld>
 </file>
 
-<file path=ppt/slides/slide25.xml><?xml version="1.0" encoding="utf-8"?>
+<file path=ppt/slides/slide27.xml><?xml version="1.0" encoding="utf-8"?>
 <p:sld xmlns:a="http://schemas.openxmlformats.org/drawingml/2006/main" xmlns:r="http://schemas.openxmlformats.org/officeDocument/2006/relationships" xmlns:p="http://schemas.openxmlformats.org/presentationml/2006/main">
   <p:cSld>
     <p:spTree>
